--- a/Skenario Kesimpulan.pptx
+++ b/Skenario Kesimpulan.pptx
@@ -16,9 +16,19 @@
     <p:sldId id="272" r:id="rId10"/>
     <p:sldId id="273" r:id="rId11"/>
     <p:sldId id="274" r:id="rId12"/>
-    <p:sldId id="275" r:id="rId13"/>
-    <p:sldId id="276" r:id="rId14"/>
-    <p:sldId id="277" r:id="rId15"/>
+    <p:sldId id="282" r:id="rId13"/>
+    <p:sldId id="283" r:id="rId14"/>
+    <p:sldId id="284" r:id="rId15"/>
+    <p:sldId id="285" r:id="rId16"/>
+    <p:sldId id="288" r:id="rId17"/>
+    <p:sldId id="287" r:id="rId18"/>
+    <p:sldId id="289" r:id="rId19"/>
+    <p:sldId id="290" r:id="rId20"/>
+    <p:sldId id="291" r:id="rId21"/>
+    <p:sldId id="292" r:id="rId22"/>
+    <p:sldId id="275" r:id="rId23"/>
+    <p:sldId id="276" r:id="rId24"/>
+    <p:sldId id="277" r:id="rId25"/>
   </p:sldIdLst>
   <p:sldSz cx="12192000" cy="6858000"/>
   <p:notesSz cx="6858000" cy="9144000"/>
@@ -147,7 +157,7 @@
           <p:cNvPr id="2" name="Title 1">
             <a:extLst>
               <a:ext uri="{FF2B5EF4-FFF2-40B4-BE49-F238E27FC236}">
-                <a16:creationId xmlns:a16="http://schemas.microsoft.com/office/drawing/2014/main" id="{89F31B8D-AEB5-4F17-BF76-599346334A5A}"/>
+                <a16:creationId xmlns:a16="http://schemas.microsoft.com/office/drawing/2014/main" xmlns="" id="{89F31B8D-AEB5-4F17-BF76-599346334A5A}"/>
               </a:ext>
             </a:extLst>
           </p:cNvPr>
@@ -184,7 +194,7 @@
           <p:cNvPr id="3" name="Subtitle 2">
             <a:extLst>
               <a:ext uri="{FF2B5EF4-FFF2-40B4-BE49-F238E27FC236}">
-                <a16:creationId xmlns:a16="http://schemas.microsoft.com/office/drawing/2014/main" id="{7BD7CF57-C1C9-4F7D-8907-8E06A08CB78A}"/>
+                <a16:creationId xmlns:a16="http://schemas.microsoft.com/office/drawing/2014/main" xmlns="" id="{7BD7CF57-C1C9-4F7D-8907-8E06A08CB78A}"/>
               </a:ext>
             </a:extLst>
           </p:cNvPr>
@@ -254,7 +264,7 @@
           <p:cNvPr id="4" name="Date Placeholder 3">
             <a:extLst>
               <a:ext uri="{FF2B5EF4-FFF2-40B4-BE49-F238E27FC236}">
-                <a16:creationId xmlns:a16="http://schemas.microsoft.com/office/drawing/2014/main" id="{FEE3E6B6-9724-45AE-81D2-389EFEE4A6DC}"/>
+                <a16:creationId xmlns:a16="http://schemas.microsoft.com/office/drawing/2014/main" xmlns="" id="{FEE3E6B6-9724-45AE-81D2-389EFEE4A6DC}"/>
               </a:ext>
             </a:extLst>
           </p:cNvPr>
@@ -283,7 +293,7 @@
           <p:cNvPr id="5" name="Footer Placeholder 4">
             <a:extLst>
               <a:ext uri="{FF2B5EF4-FFF2-40B4-BE49-F238E27FC236}">
-                <a16:creationId xmlns:a16="http://schemas.microsoft.com/office/drawing/2014/main" id="{132C7545-17D6-40C5-AF3F-A7746F7A3103}"/>
+                <a16:creationId xmlns:a16="http://schemas.microsoft.com/office/drawing/2014/main" xmlns="" id="{132C7545-17D6-40C5-AF3F-A7746F7A3103}"/>
               </a:ext>
             </a:extLst>
           </p:cNvPr>
@@ -308,7 +318,7 @@
           <p:cNvPr id="6" name="Slide Number Placeholder 5">
             <a:extLst>
               <a:ext uri="{FF2B5EF4-FFF2-40B4-BE49-F238E27FC236}">
-                <a16:creationId xmlns:a16="http://schemas.microsoft.com/office/drawing/2014/main" id="{44BFE5A4-46EE-4ACC-B161-CB3D53C7AFA5}"/>
+                <a16:creationId xmlns:a16="http://schemas.microsoft.com/office/drawing/2014/main" xmlns="" id="{44BFE5A4-46EE-4ACC-B161-CB3D53C7AFA5}"/>
               </a:ext>
             </a:extLst>
           </p:cNvPr>
@@ -367,7 +377,7 @@
           <p:cNvPr id="2" name="Title 1">
             <a:extLst>
               <a:ext uri="{FF2B5EF4-FFF2-40B4-BE49-F238E27FC236}">
-                <a16:creationId xmlns:a16="http://schemas.microsoft.com/office/drawing/2014/main" id="{A64DFAD7-EFBE-488B-A654-59E0547B7212}"/>
+                <a16:creationId xmlns:a16="http://schemas.microsoft.com/office/drawing/2014/main" xmlns="" id="{A64DFAD7-EFBE-488B-A654-59E0547B7212}"/>
               </a:ext>
             </a:extLst>
           </p:cNvPr>
@@ -395,7 +405,7 @@
           <p:cNvPr id="3" name="Vertical Text Placeholder 2">
             <a:extLst>
               <a:ext uri="{FF2B5EF4-FFF2-40B4-BE49-F238E27FC236}">
-                <a16:creationId xmlns:a16="http://schemas.microsoft.com/office/drawing/2014/main" id="{9BF90913-05DD-496B-879B-DF0143C19DA9}"/>
+                <a16:creationId xmlns:a16="http://schemas.microsoft.com/office/drawing/2014/main" xmlns="" id="{9BF90913-05DD-496B-879B-DF0143C19DA9}"/>
               </a:ext>
             </a:extLst>
           </p:cNvPr>
@@ -452,7 +462,7 @@
           <p:cNvPr id="4" name="Date Placeholder 3">
             <a:extLst>
               <a:ext uri="{FF2B5EF4-FFF2-40B4-BE49-F238E27FC236}">
-                <a16:creationId xmlns:a16="http://schemas.microsoft.com/office/drawing/2014/main" id="{C3E74A9B-4EAB-4149-BA9B-1E78B5C51C72}"/>
+                <a16:creationId xmlns:a16="http://schemas.microsoft.com/office/drawing/2014/main" xmlns="" id="{C3E74A9B-4EAB-4149-BA9B-1E78B5C51C72}"/>
               </a:ext>
             </a:extLst>
           </p:cNvPr>
@@ -481,7 +491,7 @@
           <p:cNvPr id="5" name="Footer Placeholder 4">
             <a:extLst>
               <a:ext uri="{FF2B5EF4-FFF2-40B4-BE49-F238E27FC236}">
-                <a16:creationId xmlns:a16="http://schemas.microsoft.com/office/drawing/2014/main" id="{DBFEE880-FBBC-4151-B5C3-3BCEEEFA191D}"/>
+                <a16:creationId xmlns:a16="http://schemas.microsoft.com/office/drawing/2014/main" xmlns="" id="{DBFEE880-FBBC-4151-B5C3-3BCEEEFA191D}"/>
               </a:ext>
             </a:extLst>
           </p:cNvPr>
@@ -506,7 +516,7 @@
           <p:cNvPr id="6" name="Slide Number Placeholder 5">
             <a:extLst>
               <a:ext uri="{FF2B5EF4-FFF2-40B4-BE49-F238E27FC236}">
-                <a16:creationId xmlns:a16="http://schemas.microsoft.com/office/drawing/2014/main" id="{D98459DC-03E1-4177-A6E6-1034B05DDC6E}"/>
+                <a16:creationId xmlns:a16="http://schemas.microsoft.com/office/drawing/2014/main" xmlns="" id="{D98459DC-03E1-4177-A6E6-1034B05DDC6E}"/>
               </a:ext>
             </a:extLst>
           </p:cNvPr>
@@ -565,7 +575,7 @@
           <p:cNvPr id="2" name="Vertical Title 1">
             <a:extLst>
               <a:ext uri="{FF2B5EF4-FFF2-40B4-BE49-F238E27FC236}">
-                <a16:creationId xmlns:a16="http://schemas.microsoft.com/office/drawing/2014/main" id="{0E4CFF45-9AE3-41E9-B10C-9A75C3027743}"/>
+                <a16:creationId xmlns:a16="http://schemas.microsoft.com/office/drawing/2014/main" xmlns="" id="{0E4CFF45-9AE3-41E9-B10C-9A75C3027743}"/>
               </a:ext>
             </a:extLst>
           </p:cNvPr>
@@ -598,7 +608,7 @@
           <p:cNvPr id="3" name="Vertical Text Placeholder 2">
             <a:extLst>
               <a:ext uri="{FF2B5EF4-FFF2-40B4-BE49-F238E27FC236}">
-                <a16:creationId xmlns:a16="http://schemas.microsoft.com/office/drawing/2014/main" id="{53F8B060-AFC5-41D5-BAC9-D754FC76CDD8}"/>
+                <a16:creationId xmlns:a16="http://schemas.microsoft.com/office/drawing/2014/main" xmlns="" id="{53F8B060-AFC5-41D5-BAC9-D754FC76CDD8}"/>
               </a:ext>
             </a:extLst>
           </p:cNvPr>
@@ -660,7 +670,7 @@
           <p:cNvPr id="4" name="Date Placeholder 3">
             <a:extLst>
               <a:ext uri="{FF2B5EF4-FFF2-40B4-BE49-F238E27FC236}">
-                <a16:creationId xmlns:a16="http://schemas.microsoft.com/office/drawing/2014/main" id="{3B026D99-5B54-478A-BC06-AA0661C96A7E}"/>
+                <a16:creationId xmlns:a16="http://schemas.microsoft.com/office/drawing/2014/main" xmlns="" id="{3B026D99-5B54-478A-BC06-AA0661C96A7E}"/>
               </a:ext>
             </a:extLst>
           </p:cNvPr>
@@ -689,7 +699,7 @@
           <p:cNvPr id="5" name="Footer Placeholder 4">
             <a:extLst>
               <a:ext uri="{FF2B5EF4-FFF2-40B4-BE49-F238E27FC236}">
-                <a16:creationId xmlns:a16="http://schemas.microsoft.com/office/drawing/2014/main" id="{2194D0EF-1F1D-4B8A-B66D-7D59F31BF845}"/>
+                <a16:creationId xmlns:a16="http://schemas.microsoft.com/office/drawing/2014/main" xmlns="" id="{2194D0EF-1F1D-4B8A-B66D-7D59F31BF845}"/>
               </a:ext>
             </a:extLst>
           </p:cNvPr>
@@ -714,7 +724,7 @@
           <p:cNvPr id="6" name="Slide Number Placeholder 5">
             <a:extLst>
               <a:ext uri="{FF2B5EF4-FFF2-40B4-BE49-F238E27FC236}">
-                <a16:creationId xmlns:a16="http://schemas.microsoft.com/office/drawing/2014/main" id="{A37F5BA6-1F64-42F0-BAF1-6B5D57DB80FA}"/>
+                <a16:creationId xmlns:a16="http://schemas.microsoft.com/office/drawing/2014/main" xmlns="" id="{A37F5BA6-1F64-42F0-BAF1-6B5D57DB80FA}"/>
               </a:ext>
             </a:extLst>
           </p:cNvPr>
@@ -773,7 +783,7 @@
           <p:cNvPr id="2" name="Title 1">
             <a:extLst>
               <a:ext uri="{FF2B5EF4-FFF2-40B4-BE49-F238E27FC236}">
-                <a16:creationId xmlns:a16="http://schemas.microsoft.com/office/drawing/2014/main" id="{D2CF5B05-0A07-4942-B390-83D227485B51}"/>
+                <a16:creationId xmlns:a16="http://schemas.microsoft.com/office/drawing/2014/main" xmlns="" id="{D2CF5B05-0A07-4942-B390-83D227485B51}"/>
               </a:ext>
             </a:extLst>
           </p:cNvPr>
@@ -801,7 +811,7 @@
           <p:cNvPr id="3" name="Content Placeholder 2">
             <a:extLst>
               <a:ext uri="{FF2B5EF4-FFF2-40B4-BE49-F238E27FC236}">
-                <a16:creationId xmlns:a16="http://schemas.microsoft.com/office/drawing/2014/main" id="{D2080CA0-D20F-4601-A14B-02D3562ECE36}"/>
+                <a16:creationId xmlns:a16="http://schemas.microsoft.com/office/drawing/2014/main" xmlns="" id="{D2080CA0-D20F-4601-A14B-02D3562ECE36}"/>
               </a:ext>
             </a:extLst>
           </p:cNvPr>
@@ -858,7 +868,7 @@
           <p:cNvPr id="4" name="Date Placeholder 3">
             <a:extLst>
               <a:ext uri="{FF2B5EF4-FFF2-40B4-BE49-F238E27FC236}">
-                <a16:creationId xmlns:a16="http://schemas.microsoft.com/office/drawing/2014/main" id="{CF9422F8-0FD9-44C1-A35A-990A54C5A4FD}"/>
+                <a16:creationId xmlns:a16="http://schemas.microsoft.com/office/drawing/2014/main" xmlns="" id="{CF9422F8-0FD9-44C1-A35A-990A54C5A4FD}"/>
               </a:ext>
             </a:extLst>
           </p:cNvPr>
@@ -887,7 +897,7 @@
           <p:cNvPr id="5" name="Footer Placeholder 4">
             <a:extLst>
               <a:ext uri="{FF2B5EF4-FFF2-40B4-BE49-F238E27FC236}">
-                <a16:creationId xmlns:a16="http://schemas.microsoft.com/office/drawing/2014/main" id="{270A860F-CC61-467F-9050-D50E21D21D5F}"/>
+                <a16:creationId xmlns:a16="http://schemas.microsoft.com/office/drawing/2014/main" xmlns="" id="{270A860F-CC61-467F-9050-D50E21D21D5F}"/>
               </a:ext>
             </a:extLst>
           </p:cNvPr>
@@ -912,7 +922,7 @@
           <p:cNvPr id="6" name="Slide Number Placeholder 5">
             <a:extLst>
               <a:ext uri="{FF2B5EF4-FFF2-40B4-BE49-F238E27FC236}">
-                <a16:creationId xmlns:a16="http://schemas.microsoft.com/office/drawing/2014/main" id="{6F25B8D9-5289-4B72-9499-2F1B2E46B8DC}"/>
+                <a16:creationId xmlns:a16="http://schemas.microsoft.com/office/drawing/2014/main" xmlns="" id="{6F25B8D9-5289-4B72-9499-2F1B2E46B8DC}"/>
               </a:ext>
             </a:extLst>
           </p:cNvPr>
@@ -971,7 +981,7 @@
           <p:cNvPr id="2" name="Title 1">
             <a:extLst>
               <a:ext uri="{FF2B5EF4-FFF2-40B4-BE49-F238E27FC236}">
-                <a16:creationId xmlns:a16="http://schemas.microsoft.com/office/drawing/2014/main" id="{0886EAC5-EE1A-491B-BB2C-BDD52BD7735F}"/>
+                <a16:creationId xmlns:a16="http://schemas.microsoft.com/office/drawing/2014/main" xmlns="" id="{0886EAC5-EE1A-491B-BB2C-BDD52BD7735F}"/>
               </a:ext>
             </a:extLst>
           </p:cNvPr>
@@ -1008,7 +1018,7 @@
           <p:cNvPr id="3" name="Text Placeholder 2">
             <a:extLst>
               <a:ext uri="{FF2B5EF4-FFF2-40B4-BE49-F238E27FC236}">
-                <a16:creationId xmlns:a16="http://schemas.microsoft.com/office/drawing/2014/main" id="{5313E277-8D52-43F3-98FB-E0CFF2E30BA9}"/>
+                <a16:creationId xmlns:a16="http://schemas.microsoft.com/office/drawing/2014/main" xmlns="" id="{5313E277-8D52-43F3-98FB-E0CFF2E30BA9}"/>
               </a:ext>
             </a:extLst>
           </p:cNvPr>
@@ -1133,7 +1143,7 @@
           <p:cNvPr id="4" name="Date Placeholder 3">
             <a:extLst>
               <a:ext uri="{FF2B5EF4-FFF2-40B4-BE49-F238E27FC236}">
-                <a16:creationId xmlns:a16="http://schemas.microsoft.com/office/drawing/2014/main" id="{579F44AB-9771-44DB-977D-3630A37B52BE}"/>
+                <a16:creationId xmlns:a16="http://schemas.microsoft.com/office/drawing/2014/main" xmlns="" id="{579F44AB-9771-44DB-977D-3630A37B52BE}"/>
               </a:ext>
             </a:extLst>
           </p:cNvPr>
@@ -1162,7 +1172,7 @@
           <p:cNvPr id="5" name="Footer Placeholder 4">
             <a:extLst>
               <a:ext uri="{FF2B5EF4-FFF2-40B4-BE49-F238E27FC236}">
-                <a16:creationId xmlns:a16="http://schemas.microsoft.com/office/drawing/2014/main" id="{2BEFB8AE-358A-4B9A-A107-BC4C750910F2}"/>
+                <a16:creationId xmlns:a16="http://schemas.microsoft.com/office/drawing/2014/main" xmlns="" id="{2BEFB8AE-358A-4B9A-A107-BC4C750910F2}"/>
               </a:ext>
             </a:extLst>
           </p:cNvPr>
@@ -1187,7 +1197,7 @@
           <p:cNvPr id="6" name="Slide Number Placeholder 5">
             <a:extLst>
               <a:ext uri="{FF2B5EF4-FFF2-40B4-BE49-F238E27FC236}">
-                <a16:creationId xmlns:a16="http://schemas.microsoft.com/office/drawing/2014/main" id="{1AB93194-1762-4B9A-8CF5-7871EE3EE54E}"/>
+                <a16:creationId xmlns:a16="http://schemas.microsoft.com/office/drawing/2014/main" xmlns="" id="{1AB93194-1762-4B9A-8CF5-7871EE3EE54E}"/>
               </a:ext>
             </a:extLst>
           </p:cNvPr>
@@ -1246,7 +1256,7 @@
           <p:cNvPr id="2" name="Title 1">
             <a:extLst>
               <a:ext uri="{FF2B5EF4-FFF2-40B4-BE49-F238E27FC236}">
-                <a16:creationId xmlns:a16="http://schemas.microsoft.com/office/drawing/2014/main" id="{133D6178-E071-4926-813A-C1CD12F6D9C6}"/>
+                <a16:creationId xmlns:a16="http://schemas.microsoft.com/office/drawing/2014/main" xmlns="" id="{133D6178-E071-4926-813A-C1CD12F6D9C6}"/>
               </a:ext>
             </a:extLst>
           </p:cNvPr>
@@ -1274,7 +1284,7 @@
           <p:cNvPr id="3" name="Content Placeholder 2">
             <a:extLst>
               <a:ext uri="{FF2B5EF4-FFF2-40B4-BE49-F238E27FC236}">
-                <a16:creationId xmlns:a16="http://schemas.microsoft.com/office/drawing/2014/main" id="{8EFB1A26-4968-4C49-A4C0-2B8404FBD04F}"/>
+                <a16:creationId xmlns:a16="http://schemas.microsoft.com/office/drawing/2014/main" xmlns="" id="{8EFB1A26-4968-4C49-A4C0-2B8404FBD04F}"/>
               </a:ext>
             </a:extLst>
           </p:cNvPr>
@@ -1336,7 +1346,7 @@
           <p:cNvPr id="4" name="Content Placeholder 3">
             <a:extLst>
               <a:ext uri="{FF2B5EF4-FFF2-40B4-BE49-F238E27FC236}">
-                <a16:creationId xmlns:a16="http://schemas.microsoft.com/office/drawing/2014/main" id="{AD64FDF0-017D-4135-BC52-E7473D7752A3}"/>
+                <a16:creationId xmlns:a16="http://schemas.microsoft.com/office/drawing/2014/main" xmlns="" id="{AD64FDF0-017D-4135-BC52-E7473D7752A3}"/>
               </a:ext>
             </a:extLst>
           </p:cNvPr>
@@ -1398,7 +1408,7 @@
           <p:cNvPr id="5" name="Date Placeholder 4">
             <a:extLst>
               <a:ext uri="{FF2B5EF4-FFF2-40B4-BE49-F238E27FC236}">
-                <a16:creationId xmlns:a16="http://schemas.microsoft.com/office/drawing/2014/main" id="{DDBC8DDC-7384-4599-B360-4AA7E2A72364}"/>
+                <a16:creationId xmlns:a16="http://schemas.microsoft.com/office/drawing/2014/main" xmlns="" id="{DDBC8DDC-7384-4599-B360-4AA7E2A72364}"/>
               </a:ext>
             </a:extLst>
           </p:cNvPr>
@@ -1427,7 +1437,7 @@
           <p:cNvPr id="6" name="Footer Placeholder 5">
             <a:extLst>
               <a:ext uri="{FF2B5EF4-FFF2-40B4-BE49-F238E27FC236}">
-                <a16:creationId xmlns:a16="http://schemas.microsoft.com/office/drawing/2014/main" id="{3A908CD8-717D-4049-9640-F25B46C1DF97}"/>
+                <a16:creationId xmlns:a16="http://schemas.microsoft.com/office/drawing/2014/main" xmlns="" id="{3A908CD8-717D-4049-9640-F25B46C1DF97}"/>
               </a:ext>
             </a:extLst>
           </p:cNvPr>
@@ -1452,7 +1462,7 @@
           <p:cNvPr id="7" name="Slide Number Placeholder 6">
             <a:extLst>
               <a:ext uri="{FF2B5EF4-FFF2-40B4-BE49-F238E27FC236}">
-                <a16:creationId xmlns:a16="http://schemas.microsoft.com/office/drawing/2014/main" id="{248B4174-2E11-496F-BD4B-33210E517872}"/>
+                <a16:creationId xmlns:a16="http://schemas.microsoft.com/office/drawing/2014/main" xmlns="" id="{248B4174-2E11-496F-BD4B-33210E517872}"/>
               </a:ext>
             </a:extLst>
           </p:cNvPr>
@@ -1511,7 +1521,7 @@
           <p:cNvPr id="2" name="Title 1">
             <a:extLst>
               <a:ext uri="{FF2B5EF4-FFF2-40B4-BE49-F238E27FC236}">
-                <a16:creationId xmlns:a16="http://schemas.microsoft.com/office/drawing/2014/main" id="{33F74B59-F71F-44BC-ADA6-88B38A8EDC42}"/>
+                <a16:creationId xmlns:a16="http://schemas.microsoft.com/office/drawing/2014/main" xmlns="" id="{33F74B59-F71F-44BC-ADA6-88B38A8EDC42}"/>
               </a:ext>
             </a:extLst>
           </p:cNvPr>
@@ -1544,7 +1554,7 @@
           <p:cNvPr id="3" name="Text Placeholder 2">
             <a:extLst>
               <a:ext uri="{FF2B5EF4-FFF2-40B4-BE49-F238E27FC236}">
-                <a16:creationId xmlns:a16="http://schemas.microsoft.com/office/drawing/2014/main" id="{B1A6F67D-970D-4DA6-BFE4-A049C0D2972F}"/>
+                <a16:creationId xmlns:a16="http://schemas.microsoft.com/office/drawing/2014/main" xmlns="" id="{B1A6F67D-970D-4DA6-BFE4-A049C0D2972F}"/>
               </a:ext>
             </a:extLst>
           </p:cNvPr>
@@ -1615,7 +1625,7 @@
           <p:cNvPr id="4" name="Content Placeholder 3">
             <a:extLst>
               <a:ext uri="{FF2B5EF4-FFF2-40B4-BE49-F238E27FC236}">
-                <a16:creationId xmlns:a16="http://schemas.microsoft.com/office/drawing/2014/main" id="{78209540-61E7-4894-BC4B-5FDA356086D1}"/>
+                <a16:creationId xmlns:a16="http://schemas.microsoft.com/office/drawing/2014/main" xmlns="" id="{78209540-61E7-4894-BC4B-5FDA356086D1}"/>
               </a:ext>
             </a:extLst>
           </p:cNvPr>
@@ -1677,7 +1687,7 @@
           <p:cNvPr id="5" name="Text Placeholder 4">
             <a:extLst>
               <a:ext uri="{FF2B5EF4-FFF2-40B4-BE49-F238E27FC236}">
-                <a16:creationId xmlns:a16="http://schemas.microsoft.com/office/drawing/2014/main" id="{76F44226-88D7-40B1-8617-5A362E65C639}"/>
+                <a16:creationId xmlns:a16="http://schemas.microsoft.com/office/drawing/2014/main" xmlns="" id="{76F44226-88D7-40B1-8617-5A362E65C639}"/>
               </a:ext>
             </a:extLst>
           </p:cNvPr>
@@ -1748,7 +1758,7 @@
           <p:cNvPr id="6" name="Content Placeholder 5">
             <a:extLst>
               <a:ext uri="{FF2B5EF4-FFF2-40B4-BE49-F238E27FC236}">
-                <a16:creationId xmlns:a16="http://schemas.microsoft.com/office/drawing/2014/main" id="{AE51099E-EAAD-4E07-B30B-B177C76DC026}"/>
+                <a16:creationId xmlns:a16="http://schemas.microsoft.com/office/drawing/2014/main" xmlns="" id="{AE51099E-EAAD-4E07-B30B-B177C76DC026}"/>
               </a:ext>
             </a:extLst>
           </p:cNvPr>
@@ -1810,7 +1820,7 @@
           <p:cNvPr id="7" name="Date Placeholder 6">
             <a:extLst>
               <a:ext uri="{FF2B5EF4-FFF2-40B4-BE49-F238E27FC236}">
-                <a16:creationId xmlns:a16="http://schemas.microsoft.com/office/drawing/2014/main" id="{826FF32E-817F-40C9-8A6F-1864948C13A8}"/>
+                <a16:creationId xmlns:a16="http://schemas.microsoft.com/office/drawing/2014/main" xmlns="" id="{826FF32E-817F-40C9-8A6F-1864948C13A8}"/>
               </a:ext>
             </a:extLst>
           </p:cNvPr>
@@ -1839,7 +1849,7 @@
           <p:cNvPr id="8" name="Footer Placeholder 7">
             <a:extLst>
               <a:ext uri="{FF2B5EF4-FFF2-40B4-BE49-F238E27FC236}">
-                <a16:creationId xmlns:a16="http://schemas.microsoft.com/office/drawing/2014/main" id="{ED8B2285-2CD5-4A4D-9AFC-13700975201A}"/>
+                <a16:creationId xmlns:a16="http://schemas.microsoft.com/office/drawing/2014/main" xmlns="" id="{ED8B2285-2CD5-4A4D-9AFC-13700975201A}"/>
               </a:ext>
             </a:extLst>
           </p:cNvPr>
@@ -1864,7 +1874,7 @@
           <p:cNvPr id="9" name="Slide Number Placeholder 8">
             <a:extLst>
               <a:ext uri="{FF2B5EF4-FFF2-40B4-BE49-F238E27FC236}">
-                <a16:creationId xmlns:a16="http://schemas.microsoft.com/office/drawing/2014/main" id="{06365F4E-7CC5-463B-9F0E-EF3729216E32}"/>
+                <a16:creationId xmlns:a16="http://schemas.microsoft.com/office/drawing/2014/main" xmlns="" id="{06365F4E-7CC5-463B-9F0E-EF3729216E32}"/>
               </a:ext>
             </a:extLst>
           </p:cNvPr>
@@ -1923,7 +1933,7 @@
           <p:cNvPr id="2" name="Title 1">
             <a:extLst>
               <a:ext uri="{FF2B5EF4-FFF2-40B4-BE49-F238E27FC236}">
-                <a16:creationId xmlns:a16="http://schemas.microsoft.com/office/drawing/2014/main" id="{615D0921-2B9B-4E88-9AB7-A85E0ABBB8EE}"/>
+                <a16:creationId xmlns:a16="http://schemas.microsoft.com/office/drawing/2014/main" xmlns="" id="{615D0921-2B9B-4E88-9AB7-A85E0ABBB8EE}"/>
               </a:ext>
             </a:extLst>
           </p:cNvPr>
@@ -1951,7 +1961,7 @@
           <p:cNvPr id="3" name="Date Placeholder 2">
             <a:extLst>
               <a:ext uri="{FF2B5EF4-FFF2-40B4-BE49-F238E27FC236}">
-                <a16:creationId xmlns:a16="http://schemas.microsoft.com/office/drawing/2014/main" id="{657161EA-F8FD-4480-BC47-0A4852A0CE57}"/>
+                <a16:creationId xmlns:a16="http://schemas.microsoft.com/office/drawing/2014/main" xmlns="" id="{657161EA-F8FD-4480-BC47-0A4852A0CE57}"/>
               </a:ext>
             </a:extLst>
           </p:cNvPr>
@@ -1980,7 +1990,7 @@
           <p:cNvPr id="4" name="Footer Placeholder 3">
             <a:extLst>
               <a:ext uri="{FF2B5EF4-FFF2-40B4-BE49-F238E27FC236}">
-                <a16:creationId xmlns:a16="http://schemas.microsoft.com/office/drawing/2014/main" id="{3D2ECA95-BB8C-492D-878A-C1800C2AF37B}"/>
+                <a16:creationId xmlns:a16="http://schemas.microsoft.com/office/drawing/2014/main" xmlns="" id="{3D2ECA95-BB8C-492D-878A-C1800C2AF37B}"/>
               </a:ext>
             </a:extLst>
           </p:cNvPr>
@@ -2005,7 +2015,7 @@
           <p:cNvPr id="5" name="Slide Number Placeholder 4">
             <a:extLst>
               <a:ext uri="{FF2B5EF4-FFF2-40B4-BE49-F238E27FC236}">
-                <a16:creationId xmlns:a16="http://schemas.microsoft.com/office/drawing/2014/main" id="{FE1E33F9-BE76-4C9E-BA89-46D8CE80FC0D}"/>
+                <a16:creationId xmlns:a16="http://schemas.microsoft.com/office/drawing/2014/main" xmlns="" id="{FE1E33F9-BE76-4C9E-BA89-46D8CE80FC0D}"/>
               </a:ext>
             </a:extLst>
           </p:cNvPr>
@@ -2064,7 +2074,7 @@
           <p:cNvPr id="2" name="Date Placeholder 1">
             <a:extLst>
               <a:ext uri="{FF2B5EF4-FFF2-40B4-BE49-F238E27FC236}">
-                <a16:creationId xmlns:a16="http://schemas.microsoft.com/office/drawing/2014/main" id="{88FE5350-59D6-4C4D-8B85-DA79FB7B3997}"/>
+                <a16:creationId xmlns:a16="http://schemas.microsoft.com/office/drawing/2014/main" xmlns="" id="{88FE5350-59D6-4C4D-8B85-DA79FB7B3997}"/>
               </a:ext>
             </a:extLst>
           </p:cNvPr>
@@ -2093,7 +2103,7 @@
           <p:cNvPr id="3" name="Footer Placeholder 2">
             <a:extLst>
               <a:ext uri="{FF2B5EF4-FFF2-40B4-BE49-F238E27FC236}">
-                <a16:creationId xmlns:a16="http://schemas.microsoft.com/office/drawing/2014/main" id="{B9FD89B4-5E0B-4DDD-AB84-362385787600}"/>
+                <a16:creationId xmlns:a16="http://schemas.microsoft.com/office/drawing/2014/main" xmlns="" id="{B9FD89B4-5E0B-4DDD-AB84-362385787600}"/>
               </a:ext>
             </a:extLst>
           </p:cNvPr>
@@ -2118,7 +2128,7 @@
           <p:cNvPr id="4" name="Slide Number Placeholder 3">
             <a:extLst>
               <a:ext uri="{FF2B5EF4-FFF2-40B4-BE49-F238E27FC236}">
-                <a16:creationId xmlns:a16="http://schemas.microsoft.com/office/drawing/2014/main" id="{0C7168BE-5949-49B1-8843-3497AA62610B}"/>
+                <a16:creationId xmlns:a16="http://schemas.microsoft.com/office/drawing/2014/main" xmlns="" id="{0C7168BE-5949-49B1-8843-3497AA62610B}"/>
               </a:ext>
             </a:extLst>
           </p:cNvPr>
@@ -2177,7 +2187,7 @@
           <p:cNvPr id="2" name="Title 1">
             <a:extLst>
               <a:ext uri="{FF2B5EF4-FFF2-40B4-BE49-F238E27FC236}">
-                <a16:creationId xmlns:a16="http://schemas.microsoft.com/office/drawing/2014/main" id="{D46E6902-C52C-4A42-B8DC-ABDF545EB747}"/>
+                <a16:creationId xmlns:a16="http://schemas.microsoft.com/office/drawing/2014/main" xmlns="" id="{D46E6902-C52C-4A42-B8DC-ABDF545EB747}"/>
               </a:ext>
             </a:extLst>
           </p:cNvPr>
@@ -2214,7 +2224,7 @@
           <p:cNvPr id="3" name="Content Placeholder 2">
             <a:extLst>
               <a:ext uri="{FF2B5EF4-FFF2-40B4-BE49-F238E27FC236}">
-                <a16:creationId xmlns:a16="http://schemas.microsoft.com/office/drawing/2014/main" id="{F4305018-3D3C-44D8-8348-BC38DF0ED52D}"/>
+                <a16:creationId xmlns:a16="http://schemas.microsoft.com/office/drawing/2014/main" xmlns="" id="{F4305018-3D3C-44D8-8348-BC38DF0ED52D}"/>
               </a:ext>
             </a:extLst>
           </p:cNvPr>
@@ -2304,7 +2314,7 @@
           <p:cNvPr id="4" name="Text Placeholder 3">
             <a:extLst>
               <a:ext uri="{FF2B5EF4-FFF2-40B4-BE49-F238E27FC236}">
-                <a16:creationId xmlns:a16="http://schemas.microsoft.com/office/drawing/2014/main" id="{6F8DAD25-444E-4933-B8C6-AA3C56ED7015}"/>
+                <a16:creationId xmlns:a16="http://schemas.microsoft.com/office/drawing/2014/main" xmlns="" id="{6F8DAD25-444E-4933-B8C6-AA3C56ED7015}"/>
               </a:ext>
             </a:extLst>
           </p:cNvPr>
@@ -2375,7 +2385,7 @@
           <p:cNvPr id="5" name="Date Placeholder 4">
             <a:extLst>
               <a:ext uri="{FF2B5EF4-FFF2-40B4-BE49-F238E27FC236}">
-                <a16:creationId xmlns:a16="http://schemas.microsoft.com/office/drawing/2014/main" id="{BC131D77-66FE-4F13-B32D-6CFD798D4D7E}"/>
+                <a16:creationId xmlns:a16="http://schemas.microsoft.com/office/drawing/2014/main" xmlns="" id="{BC131D77-66FE-4F13-B32D-6CFD798D4D7E}"/>
               </a:ext>
             </a:extLst>
           </p:cNvPr>
@@ -2404,7 +2414,7 @@
           <p:cNvPr id="6" name="Footer Placeholder 5">
             <a:extLst>
               <a:ext uri="{FF2B5EF4-FFF2-40B4-BE49-F238E27FC236}">
-                <a16:creationId xmlns:a16="http://schemas.microsoft.com/office/drawing/2014/main" id="{EC06D9AA-4C6E-4493-88E2-7ADAB3250137}"/>
+                <a16:creationId xmlns:a16="http://schemas.microsoft.com/office/drawing/2014/main" xmlns="" id="{EC06D9AA-4C6E-4493-88E2-7ADAB3250137}"/>
               </a:ext>
             </a:extLst>
           </p:cNvPr>
@@ -2429,7 +2439,7 @@
           <p:cNvPr id="7" name="Slide Number Placeholder 6">
             <a:extLst>
               <a:ext uri="{FF2B5EF4-FFF2-40B4-BE49-F238E27FC236}">
-                <a16:creationId xmlns:a16="http://schemas.microsoft.com/office/drawing/2014/main" id="{30697537-DC04-4174-BD00-392C74ACD7A1}"/>
+                <a16:creationId xmlns:a16="http://schemas.microsoft.com/office/drawing/2014/main" xmlns="" id="{30697537-DC04-4174-BD00-392C74ACD7A1}"/>
               </a:ext>
             </a:extLst>
           </p:cNvPr>
@@ -2488,7 +2498,7 @@
           <p:cNvPr id="2" name="Title 1">
             <a:extLst>
               <a:ext uri="{FF2B5EF4-FFF2-40B4-BE49-F238E27FC236}">
-                <a16:creationId xmlns:a16="http://schemas.microsoft.com/office/drawing/2014/main" id="{992529AD-0189-4801-94AF-9BB0F46604AE}"/>
+                <a16:creationId xmlns:a16="http://schemas.microsoft.com/office/drawing/2014/main" xmlns="" id="{992529AD-0189-4801-94AF-9BB0F46604AE}"/>
               </a:ext>
             </a:extLst>
           </p:cNvPr>
@@ -2525,7 +2535,7 @@
           <p:cNvPr id="3" name="Picture Placeholder 2">
             <a:extLst>
               <a:ext uri="{FF2B5EF4-FFF2-40B4-BE49-F238E27FC236}">
-                <a16:creationId xmlns:a16="http://schemas.microsoft.com/office/drawing/2014/main" id="{D96054B8-915E-4CE5-8CE0-0FD6C0AD2F44}"/>
+                <a16:creationId xmlns:a16="http://schemas.microsoft.com/office/drawing/2014/main" xmlns="" id="{D96054B8-915E-4CE5-8CE0-0FD6C0AD2F44}"/>
               </a:ext>
             </a:extLst>
           </p:cNvPr>
@@ -2592,7 +2602,7 @@
           <p:cNvPr id="4" name="Text Placeholder 3">
             <a:extLst>
               <a:ext uri="{FF2B5EF4-FFF2-40B4-BE49-F238E27FC236}">
-                <a16:creationId xmlns:a16="http://schemas.microsoft.com/office/drawing/2014/main" id="{6DB2F7C0-45E3-4063-AF00-EDB124FEFFFE}"/>
+                <a16:creationId xmlns:a16="http://schemas.microsoft.com/office/drawing/2014/main" xmlns="" id="{6DB2F7C0-45E3-4063-AF00-EDB124FEFFFE}"/>
               </a:ext>
             </a:extLst>
           </p:cNvPr>
@@ -2663,7 +2673,7 @@
           <p:cNvPr id="5" name="Date Placeholder 4">
             <a:extLst>
               <a:ext uri="{FF2B5EF4-FFF2-40B4-BE49-F238E27FC236}">
-                <a16:creationId xmlns:a16="http://schemas.microsoft.com/office/drawing/2014/main" id="{A777DC09-74A4-4E17-9BB4-9DAD076E2EBC}"/>
+                <a16:creationId xmlns:a16="http://schemas.microsoft.com/office/drawing/2014/main" xmlns="" id="{A777DC09-74A4-4E17-9BB4-9DAD076E2EBC}"/>
               </a:ext>
             </a:extLst>
           </p:cNvPr>
@@ -2692,7 +2702,7 @@
           <p:cNvPr id="6" name="Footer Placeholder 5">
             <a:extLst>
               <a:ext uri="{FF2B5EF4-FFF2-40B4-BE49-F238E27FC236}">
-                <a16:creationId xmlns:a16="http://schemas.microsoft.com/office/drawing/2014/main" id="{4D4975AA-9348-42C2-B09D-BF233163A355}"/>
+                <a16:creationId xmlns:a16="http://schemas.microsoft.com/office/drawing/2014/main" xmlns="" id="{4D4975AA-9348-42C2-B09D-BF233163A355}"/>
               </a:ext>
             </a:extLst>
           </p:cNvPr>
@@ -2717,7 +2727,7 @@
           <p:cNvPr id="7" name="Slide Number Placeholder 6">
             <a:extLst>
               <a:ext uri="{FF2B5EF4-FFF2-40B4-BE49-F238E27FC236}">
-                <a16:creationId xmlns:a16="http://schemas.microsoft.com/office/drawing/2014/main" id="{0B8B7657-856A-46B5-B638-0DA3F8C1EC90}"/>
+                <a16:creationId xmlns:a16="http://schemas.microsoft.com/office/drawing/2014/main" xmlns="" id="{0B8B7657-856A-46B5-B638-0DA3F8C1EC90}"/>
               </a:ext>
             </a:extLst>
           </p:cNvPr>
@@ -2781,7 +2791,7 @@
           <p:cNvPr id="2" name="Title Placeholder 1">
             <a:extLst>
               <a:ext uri="{FF2B5EF4-FFF2-40B4-BE49-F238E27FC236}">
-                <a16:creationId xmlns:a16="http://schemas.microsoft.com/office/drawing/2014/main" id="{272725EB-D1DD-4241-825B-2562F14B85DA}"/>
+                <a16:creationId xmlns:a16="http://schemas.microsoft.com/office/drawing/2014/main" xmlns="" id="{272725EB-D1DD-4241-825B-2562F14B85DA}"/>
               </a:ext>
             </a:extLst>
           </p:cNvPr>
@@ -2819,7 +2829,7 @@
           <p:cNvPr id="3" name="Text Placeholder 2">
             <a:extLst>
               <a:ext uri="{FF2B5EF4-FFF2-40B4-BE49-F238E27FC236}">
-                <a16:creationId xmlns:a16="http://schemas.microsoft.com/office/drawing/2014/main" id="{B248AB85-5BC8-4828-B118-7E948E08AC5F}"/>
+                <a16:creationId xmlns:a16="http://schemas.microsoft.com/office/drawing/2014/main" xmlns="" id="{B248AB85-5BC8-4828-B118-7E948E08AC5F}"/>
               </a:ext>
             </a:extLst>
           </p:cNvPr>
@@ -2886,7 +2896,7 @@
           <p:cNvPr id="4" name="Date Placeholder 3">
             <a:extLst>
               <a:ext uri="{FF2B5EF4-FFF2-40B4-BE49-F238E27FC236}">
-                <a16:creationId xmlns:a16="http://schemas.microsoft.com/office/drawing/2014/main" id="{A37826FD-E24E-4DB1-B788-6CE65AEFABB8}"/>
+                <a16:creationId xmlns:a16="http://schemas.microsoft.com/office/drawing/2014/main" xmlns="" id="{A37826FD-E24E-4DB1-B788-6CE65AEFABB8}"/>
               </a:ext>
             </a:extLst>
           </p:cNvPr>
@@ -2933,7 +2943,7 @@
           <p:cNvPr id="5" name="Footer Placeholder 4">
             <a:extLst>
               <a:ext uri="{FF2B5EF4-FFF2-40B4-BE49-F238E27FC236}">
-                <a16:creationId xmlns:a16="http://schemas.microsoft.com/office/drawing/2014/main" id="{3DCECDAB-8BD2-42B2-8729-8C508644FC6C}"/>
+                <a16:creationId xmlns:a16="http://schemas.microsoft.com/office/drawing/2014/main" xmlns="" id="{3DCECDAB-8BD2-42B2-8729-8C508644FC6C}"/>
               </a:ext>
             </a:extLst>
           </p:cNvPr>
@@ -2976,7 +2986,7 @@
           <p:cNvPr id="6" name="Slide Number Placeholder 5">
             <a:extLst>
               <a:ext uri="{FF2B5EF4-FFF2-40B4-BE49-F238E27FC236}">
-                <a16:creationId xmlns:a16="http://schemas.microsoft.com/office/drawing/2014/main" id="{A0D6254A-6B65-42EE-ADA8-ECB6B288E8B5}"/>
+                <a16:creationId xmlns:a16="http://schemas.microsoft.com/office/drawing/2014/main" xmlns="" id="{A0D6254A-6B65-42EE-ADA8-ECB6B288E8B5}"/>
               </a:ext>
             </a:extLst>
           </p:cNvPr>
@@ -3344,7 +3354,7 @@
           <p:cNvPr id="2" name="Title 1">
             <a:extLst>
               <a:ext uri="{FF2B5EF4-FFF2-40B4-BE49-F238E27FC236}">
-                <a16:creationId xmlns:a16="http://schemas.microsoft.com/office/drawing/2014/main" id="{EB17C270-45DA-420A-A5CC-3782A3552124}"/>
+                <a16:creationId xmlns:a16="http://schemas.microsoft.com/office/drawing/2014/main" xmlns="" id="{EB17C270-45DA-420A-A5CC-3782A3552124}"/>
               </a:ext>
             </a:extLst>
           </p:cNvPr>
@@ -3372,7 +3382,7 @@
           <p:cNvPr id="3" name="Subtitle 2">
             <a:extLst>
               <a:ext uri="{FF2B5EF4-FFF2-40B4-BE49-F238E27FC236}">
-                <a16:creationId xmlns:a16="http://schemas.microsoft.com/office/drawing/2014/main" id="{CD7E43DF-EBED-41CA-9F3C-BB6878D5AEF4}"/>
+                <a16:creationId xmlns:a16="http://schemas.microsoft.com/office/drawing/2014/main" xmlns="" id="{CD7E43DF-EBED-41CA-9F3C-BB6878D5AEF4}"/>
               </a:ext>
             </a:extLst>
           </p:cNvPr>
@@ -3431,7 +3441,7 @@
           <p:cNvPr id="2" name="Title 1">
             <a:extLst>
               <a:ext uri="{FF2B5EF4-FFF2-40B4-BE49-F238E27FC236}">
-                <a16:creationId xmlns:a16="http://schemas.microsoft.com/office/drawing/2014/main" id="{84EEC1A3-E984-4881-B54A-F1C5E73F7696}"/>
+                <a16:creationId xmlns:a16="http://schemas.microsoft.com/office/drawing/2014/main" xmlns="" id="{84EEC1A3-E984-4881-B54A-F1C5E73F7696}"/>
               </a:ext>
             </a:extLst>
           </p:cNvPr>
@@ -3459,7 +3469,7 @@
           <p:cNvPr id="3" name="Content Placeholder 2">
             <a:extLst>
               <a:ext uri="{FF2B5EF4-FFF2-40B4-BE49-F238E27FC236}">
-                <a16:creationId xmlns:a16="http://schemas.microsoft.com/office/drawing/2014/main" id="{6454B748-3B9E-49AD-A4D5-FC6C95CAE875}"/>
+                <a16:creationId xmlns:a16="http://schemas.microsoft.com/office/drawing/2014/main" xmlns="" id="{6454B748-3B9E-49AD-A4D5-FC6C95CAE875}"/>
               </a:ext>
             </a:extLst>
           </p:cNvPr>
@@ -3858,7 +3868,7 @@
           <p:cNvPr id="2" name="Title 1">
             <a:extLst>
               <a:ext uri="{FF2B5EF4-FFF2-40B4-BE49-F238E27FC236}">
-                <a16:creationId xmlns:a16="http://schemas.microsoft.com/office/drawing/2014/main" id="{84EEC1A3-E984-4881-B54A-F1C5E73F7696}"/>
+                <a16:creationId xmlns:a16="http://schemas.microsoft.com/office/drawing/2014/main" xmlns="" id="{84EEC1A3-E984-4881-B54A-F1C5E73F7696}"/>
               </a:ext>
             </a:extLst>
           </p:cNvPr>
@@ -3874,9 +3884,10 @@
           <a:bodyPr/>
           <a:lstStyle/>
           <a:p>
-            <a:r>
-              <a:rPr lang="en-US" dirty="0" err="1"/>
-              <a:t>Skenario</a:t>
+            <a:pPr algn="ctr"/>
+            <a:r>
+              <a:rPr lang="en-US" dirty="0" smtClean="0"/>
+              <a:t>EDA - Univariate</a:t>
             </a:r>
             <a:endParaRPr lang="en-US" dirty="0"/>
           </a:p>
@@ -3887,7 +3898,7 @@
           <p:cNvPr id="3" name="Content Placeholder 2">
             <a:extLst>
               <a:ext uri="{FF2B5EF4-FFF2-40B4-BE49-F238E27FC236}">
-                <a16:creationId xmlns:a16="http://schemas.microsoft.com/office/drawing/2014/main" id="{6454B748-3B9E-49AD-A4D5-FC6C95CAE875}"/>
+                <a16:creationId xmlns:a16="http://schemas.microsoft.com/office/drawing/2014/main" xmlns="" id="{6454B748-3B9E-49AD-A4D5-FC6C95CAE875}"/>
               </a:ext>
             </a:extLst>
           </p:cNvPr>
@@ -3898,7 +3909,12 @@
             <p:ph idx="1"/>
           </p:nvPr>
         </p:nvSpPr>
-        <p:spPr/>
+        <p:spPr>
+          <a:xfrm>
+            <a:off x="7770340" y="2181259"/>
+            <a:ext cx="3802593" cy="4351338"/>
+          </a:xfrm>
+        </p:spPr>
         <p:txBody>
           <a:bodyPr/>
           <a:lstStyle/>
@@ -3908,16 +3924,8 @@
               <a:buChar char="-"/>
             </a:pPr>
             <a:r>
-              <a:rPr lang="en-US" dirty="0"/>
-              <a:t>1 slide 1 </a:t>
-            </a:r>
-            <a:r>
-              <a:rPr lang="en-US" dirty="0" err="1"/>
-              <a:t>grafik</a:t>
-            </a:r>
-            <a:r>
-              <a:rPr lang="en-US" dirty="0"/>
-              <a:t> 1 table 1 insight</a:t>
+              <a:rPr lang="en-US" dirty="0" smtClean="0"/>
+              <a:t>Most customers were 25 to 60 years old</a:t>
             </a:r>
           </a:p>
           <a:p>
@@ -3926,38 +3934,73 @@
               <a:buChar char="-"/>
             </a:pPr>
             <a:r>
-              <a:rPr lang="en-US" dirty="0" err="1"/>
-              <a:t>Tunjukkan</a:t>
-            </a:r>
-            <a:r>
-              <a:rPr lang="en-US" dirty="0"/>
-              <a:t> </a:t>
-            </a:r>
-            <a:r>
-              <a:rPr lang="en-US" dirty="0" err="1"/>
-              <a:t>yg</a:t>
-            </a:r>
-            <a:r>
-              <a:rPr lang="en-US" dirty="0"/>
-              <a:t> unique</a:t>
-            </a:r>
-          </a:p>
-          <a:p>
-            <a:pPr>
-              <a:buFontTx/>
-              <a:buChar char="-"/>
-            </a:pPr>
-            <a:r>
-              <a:rPr lang="en-US" dirty="0" err="1"/>
-              <a:t>Conclusionn</a:t>
-            </a:r>
-            <a:r>
-              <a:rPr lang="en-US" dirty="0"/>
-              <a:t> EDA</a:t>
-            </a:r>
-          </a:p>
-        </p:txBody>
-      </p:sp>
+              <a:rPr lang="en-ID" dirty="0" smtClean="0"/>
+              <a:t>There is little to none customers in kids and teenager group</a:t>
+            </a:r>
+            <a:endParaRPr lang="en-US" dirty="0"/>
+          </a:p>
+        </p:txBody>
+      </p:sp>
+      <p:pic>
+        <p:nvPicPr>
+          <p:cNvPr id="6" name="Picture 5"/>
+          <p:cNvPicPr>
+            <a:picLocks noChangeAspect="1"/>
+          </p:cNvPicPr>
+          <p:nvPr/>
+        </p:nvPicPr>
+        <p:blipFill>
+          <a:blip r:embed="rId2">
+            <a:extLst>
+              <a:ext uri="{28A0092B-C50C-407E-A947-70E740481C1C}">
+                <a14:useLocalDpi xmlns:a14="http://schemas.microsoft.com/office/drawing/2010/main" val="0"/>
+              </a:ext>
+            </a:extLst>
+          </a:blip>
+          <a:stretch>
+            <a:fillRect/>
+          </a:stretch>
+        </p:blipFill>
+        <p:spPr>
+          <a:xfrm>
+            <a:off x="326008" y="1684381"/>
+            <a:ext cx="4392591" cy="4392591"/>
+          </a:xfrm>
+          <a:prstGeom prst="rect">
+            <a:avLst/>
+          </a:prstGeom>
+        </p:spPr>
+      </p:pic>
+      <p:pic>
+        <p:nvPicPr>
+          <p:cNvPr id="10" name="Picture 9"/>
+          <p:cNvPicPr>
+            <a:picLocks noChangeAspect="1"/>
+          </p:cNvPicPr>
+          <p:nvPr/>
+        </p:nvPicPr>
+        <p:blipFill>
+          <a:blip r:embed="rId3">
+            <a:extLst>
+              <a:ext uri="{28A0092B-C50C-407E-A947-70E740481C1C}">
+                <a14:useLocalDpi xmlns:a14="http://schemas.microsoft.com/office/drawing/2010/main" val="0"/>
+              </a:ext>
+            </a:extLst>
+          </a:blip>
+          <a:stretch>
+            <a:fillRect/>
+          </a:stretch>
+        </p:blipFill>
+        <p:spPr>
+          <a:xfrm>
+            <a:off x="4421659" y="1804742"/>
+            <a:ext cx="3348681" cy="3348681"/>
+          </a:xfrm>
+          <a:prstGeom prst="rect">
+            <a:avLst/>
+          </a:prstGeom>
+        </p:spPr>
+      </p:pic>
     </p:spTree>
     <p:extLst>
       <p:ext uri="{BB962C8B-B14F-4D97-AF65-F5344CB8AC3E}">
@@ -3993,7 +4036,7 @@
           <p:cNvPr id="2" name="Title 1">
             <a:extLst>
               <a:ext uri="{FF2B5EF4-FFF2-40B4-BE49-F238E27FC236}">
-                <a16:creationId xmlns:a16="http://schemas.microsoft.com/office/drawing/2014/main" id="{84EEC1A3-E984-4881-B54A-F1C5E73F7696}"/>
+                <a16:creationId xmlns:a16="http://schemas.microsoft.com/office/drawing/2014/main" xmlns="" id="{84EEC1A3-E984-4881-B54A-F1C5E73F7696}"/>
               </a:ext>
             </a:extLst>
           </p:cNvPr>
@@ -4009,10 +4052,12 @@
           <a:bodyPr/>
           <a:lstStyle/>
           <a:p>
-            <a:r>
-              <a:rPr lang="en-US" dirty="0"/>
-              <a:t>Modelling</a:t>
-            </a:r>
+            <a:pPr algn="ctr"/>
+            <a:r>
+              <a:rPr lang="en-US" dirty="0" smtClean="0"/>
+              <a:t>EDA – Univariate (2)</a:t>
+            </a:r>
+            <a:endParaRPr lang="en-US" dirty="0"/>
           </a:p>
         </p:txBody>
       </p:sp>
@@ -4021,7 +4066,7 @@
           <p:cNvPr id="3" name="Content Placeholder 2">
             <a:extLst>
               <a:ext uri="{FF2B5EF4-FFF2-40B4-BE49-F238E27FC236}">
-                <a16:creationId xmlns:a16="http://schemas.microsoft.com/office/drawing/2014/main" id="{6454B748-3B9E-49AD-A4D5-FC6C95CAE875}"/>
+                <a16:creationId xmlns:a16="http://schemas.microsoft.com/office/drawing/2014/main" xmlns="" id="{6454B748-3B9E-49AD-A4D5-FC6C95CAE875}"/>
               </a:ext>
             </a:extLst>
           </p:cNvPr>
@@ -4032,7 +4077,12 @@
             <p:ph idx="1"/>
           </p:nvPr>
         </p:nvSpPr>
-        <p:spPr/>
+        <p:spPr>
+          <a:xfrm>
+            <a:off x="7770340" y="2181259"/>
+            <a:ext cx="3802593" cy="4351338"/>
+          </a:xfrm>
+        </p:spPr>
         <p:txBody>
           <a:bodyPr/>
           <a:lstStyle/>
@@ -4042,80 +4092,51 @@
               <a:buChar char="-"/>
             </a:pPr>
             <a:r>
-              <a:rPr lang="en-US" dirty="0" err="1"/>
-              <a:t>Tunjukkan</a:t>
-            </a:r>
-            <a:r>
-              <a:rPr lang="en-US" dirty="0"/>
-              <a:t> table </a:t>
-            </a:r>
-            <a:r>
-              <a:rPr lang="en-US" dirty="0" err="1"/>
-              <a:t>Perbandingan</a:t>
-            </a:r>
-            <a:r>
-              <a:rPr lang="en-US" dirty="0"/>
-              <a:t> precision</a:t>
-            </a:r>
-          </a:p>
-          <a:p>
-            <a:pPr>
-              <a:buFontTx/>
-              <a:buChar char="-"/>
-            </a:pPr>
-            <a:r>
-              <a:rPr lang="en-US" dirty="0"/>
-              <a:t>Pk model </a:t>
-            </a:r>
-            <a:r>
-              <a:rPr lang="en-US" dirty="0" err="1"/>
-              <a:t>apa</a:t>
-            </a:r>
-            <a:r>
-              <a:rPr lang="en-US" dirty="0"/>
-              <a:t> </a:t>
-            </a:r>
-            <a:r>
-              <a:rPr lang="en-US" dirty="0" err="1"/>
-              <a:t>aja</a:t>
+              <a:rPr lang="en-US" dirty="0" smtClean="0"/>
+              <a:t>Most customers are working as </a:t>
+            </a:r>
+            <a:r>
+              <a:rPr lang="en-ID" dirty="0" smtClean="0"/>
+              <a:t>admin, blue-collar, and technician</a:t>
             </a:r>
             <a:endParaRPr lang="en-US" dirty="0"/>
           </a:p>
-          <a:p>
-            <a:pPr>
-              <a:buFontTx/>
-              <a:buChar char="-"/>
-            </a:pPr>
-            <a:r>
-              <a:rPr lang="en-US" dirty="0"/>
-              <a:t>Kesimpulan</a:t>
-            </a:r>
-          </a:p>
-          <a:p>
-            <a:pPr>
-              <a:buFontTx/>
-              <a:buChar char="-"/>
-            </a:pPr>
-            <a:r>
-              <a:rPr lang="en-US" dirty="0" err="1"/>
-              <a:t>Grafik</a:t>
-            </a:r>
-            <a:r>
-              <a:rPr lang="en-US" dirty="0"/>
-              <a:t> predict </a:t>
-            </a:r>
-            <a:r>
-              <a:rPr lang="en-US" dirty="0" err="1"/>
-              <a:t>proba</a:t>
-            </a:r>
-            <a:endParaRPr lang="en-US" dirty="0"/>
-          </a:p>
-        </p:txBody>
-      </p:sp>
+        </p:txBody>
+      </p:sp>
+      <p:pic>
+        <p:nvPicPr>
+          <p:cNvPr id="7" name="Picture 6"/>
+          <p:cNvPicPr>
+            <a:picLocks noChangeAspect="1"/>
+          </p:cNvPicPr>
+          <p:nvPr/>
+        </p:nvPicPr>
+        <p:blipFill>
+          <a:blip r:embed="rId2">
+            <a:extLst>
+              <a:ext uri="{28A0092B-C50C-407E-A947-70E740481C1C}">
+                <a14:useLocalDpi xmlns:a14="http://schemas.microsoft.com/office/drawing/2010/main" val="0"/>
+              </a:ext>
+            </a:extLst>
+          </a:blip>
+          <a:stretch>
+            <a:fillRect/>
+          </a:stretch>
+        </p:blipFill>
+        <p:spPr>
+          <a:xfrm>
+            <a:off x="650789" y="1445484"/>
+            <a:ext cx="6889922" cy="4593281"/>
+          </a:xfrm>
+          <a:prstGeom prst="rect">
+            <a:avLst/>
+          </a:prstGeom>
+        </p:spPr>
+      </p:pic>
     </p:spTree>
     <p:extLst>
       <p:ext uri="{BB962C8B-B14F-4D97-AF65-F5344CB8AC3E}">
-        <p14:creationId xmlns:p14="http://schemas.microsoft.com/office/powerpoint/2010/main" val="3872314036"/>
+        <p14:creationId xmlns:p14="http://schemas.microsoft.com/office/powerpoint/2010/main" val="2788330252"/>
       </p:ext>
     </p:extLst>
   </p:cSld>
@@ -4147,7 +4168,7 @@
           <p:cNvPr id="2" name="Title 1">
             <a:extLst>
               <a:ext uri="{FF2B5EF4-FFF2-40B4-BE49-F238E27FC236}">
-                <a16:creationId xmlns:a16="http://schemas.microsoft.com/office/drawing/2014/main" id="{84EEC1A3-E984-4881-B54A-F1C5E73F7696}"/>
+                <a16:creationId xmlns:a16="http://schemas.microsoft.com/office/drawing/2014/main" xmlns="" id="{84EEC1A3-E984-4881-B54A-F1C5E73F7696}"/>
               </a:ext>
             </a:extLst>
           </p:cNvPr>
@@ -4163,9 +4184,10 @@
           <a:bodyPr/>
           <a:lstStyle/>
           <a:p>
-            <a:r>
-              <a:rPr lang="en-US" dirty="0" err="1"/>
-              <a:t>Simulasi</a:t>
+            <a:pPr algn="ctr"/>
+            <a:r>
+              <a:rPr lang="en-US" dirty="0" smtClean="0"/>
+              <a:t>EDA – Univariate (3)</a:t>
             </a:r>
             <a:endParaRPr lang="en-US" dirty="0"/>
           </a:p>
@@ -4176,7 +4198,7 @@
           <p:cNvPr id="3" name="Content Placeholder 2">
             <a:extLst>
               <a:ext uri="{FF2B5EF4-FFF2-40B4-BE49-F238E27FC236}">
-                <a16:creationId xmlns:a16="http://schemas.microsoft.com/office/drawing/2014/main" id="{6454B748-3B9E-49AD-A4D5-FC6C95CAE875}"/>
+                <a16:creationId xmlns:a16="http://schemas.microsoft.com/office/drawing/2014/main" xmlns="" id="{6454B748-3B9E-49AD-A4D5-FC6C95CAE875}"/>
               </a:ext>
             </a:extLst>
           </p:cNvPr>
@@ -4187,7 +4209,12 @@
             <p:ph idx="1"/>
           </p:nvPr>
         </p:nvSpPr>
-        <p:spPr/>
+        <p:spPr>
+          <a:xfrm>
+            <a:off x="7770340" y="2181259"/>
+            <a:ext cx="3802593" cy="4351338"/>
+          </a:xfrm>
+        </p:spPr>
         <p:txBody>
           <a:bodyPr/>
           <a:lstStyle/>
@@ -4197,70 +4224,51 @@
               <a:buChar char="-"/>
             </a:pPr>
             <a:r>
-              <a:rPr lang="en-US" dirty="0" err="1"/>
-              <a:t>Tunjukkan</a:t>
-            </a:r>
-            <a:r>
-              <a:rPr lang="en-US" dirty="0"/>
-              <a:t> </a:t>
-            </a:r>
-            <a:r>
-              <a:rPr lang="en-US" dirty="0" err="1"/>
-              <a:t>asumsi</a:t>
-            </a:r>
-            <a:r>
-              <a:rPr lang="en-US" dirty="0"/>
-              <a:t> yang </a:t>
-            </a:r>
-            <a:r>
-              <a:rPr lang="en-US" dirty="0" err="1"/>
-              <a:t>dipakai</a:t>
+              <a:rPr lang="en-US" dirty="0" smtClean="0"/>
+              <a:t>Most customers are </a:t>
+            </a:r>
+            <a:r>
+              <a:rPr lang="en-ID" dirty="0" smtClean="0"/>
+              <a:t>married</a:t>
             </a:r>
             <a:endParaRPr lang="en-US" dirty="0"/>
           </a:p>
-          <a:p>
-            <a:pPr>
-              <a:buFontTx/>
-              <a:buChar char="-"/>
-            </a:pPr>
-            <a:r>
-              <a:rPr lang="en-US" dirty="0" err="1"/>
-              <a:t>Perhitungan</a:t>
-            </a:r>
-            <a:endParaRPr lang="en-US" dirty="0"/>
-          </a:p>
-          <a:p>
-            <a:pPr>
-              <a:buFontTx/>
-              <a:buChar char="-"/>
-            </a:pPr>
-            <a:r>
-              <a:rPr lang="en-US" dirty="0"/>
-              <a:t>Kesimpulan (cost </a:t>
-            </a:r>
-            <a:r>
-              <a:rPr lang="en-US" dirty="0" err="1"/>
-              <a:t>berkurang</a:t>
-            </a:r>
-            <a:r>
-              <a:rPr lang="en-US" dirty="0"/>
-              <a:t> </a:t>
-            </a:r>
-            <a:r>
-              <a:rPr lang="en-US" dirty="0" err="1"/>
-              <a:t>brp</a:t>
-            </a:r>
-            <a:r>
-              <a:rPr lang="en-US" dirty="0"/>
-              <a:t>)</a:t>
-            </a:r>
-          </a:p>
-        </p:txBody>
-      </p:sp>
+        </p:txBody>
+      </p:sp>
+      <p:pic>
+        <p:nvPicPr>
+          <p:cNvPr id="6" name="Picture 5"/>
+          <p:cNvPicPr>
+            <a:picLocks noChangeAspect="1"/>
+          </p:cNvPicPr>
+          <p:nvPr/>
+        </p:nvPicPr>
+        <p:blipFill>
+          <a:blip r:embed="rId2">
+            <a:extLst>
+              <a:ext uri="{28A0092B-C50C-407E-A947-70E740481C1C}">
+                <a14:useLocalDpi xmlns:a14="http://schemas.microsoft.com/office/drawing/2010/main" val="0"/>
+              </a:ext>
+            </a:extLst>
+          </a:blip>
+          <a:stretch>
+            <a:fillRect/>
+          </a:stretch>
+        </p:blipFill>
+        <p:spPr>
+          <a:xfrm>
+            <a:off x="650789" y="1445483"/>
+            <a:ext cx="6889922" cy="4593281"/>
+          </a:xfrm>
+          <a:prstGeom prst="rect">
+            <a:avLst/>
+          </a:prstGeom>
+        </p:spPr>
+      </p:pic>
     </p:spTree>
     <p:extLst>
       <p:ext uri="{BB962C8B-B14F-4D97-AF65-F5344CB8AC3E}">
-        <p14:creationId xmlns:p14="http://schemas.microsoft.com/office/powerpoint/2010/main" val="658789708"/>
+        <p14:creationId xmlns:p14="http://schemas.microsoft.com/office/powerpoint/2010/main" val="140633096"/>
       </p:ext>
     </p:extLst>
   </p:cSld>
@@ -4292,7 +4300,7 @@
           <p:cNvPr id="2" name="Title 1">
             <a:extLst>
               <a:ext uri="{FF2B5EF4-FFF2-40B4-BE49-F238E27FC236}">
-                <a16:creationId xmlns:a16="http://schemas.microsoft.com/office/drawing/2014/main" id="{84EEC1A3-E984-4881-B54A-F1C5E73F7696}"/>
+                <a16:creationId xmlns:a16="http://schemas.microsoft.com/office/drawing/2014/main" xmlns="" id="{84EEC1A3-E984-4881-B54A-F1C5E73F7696}"/>
               </a:ext>
             </a:extLst>
           </p:cNvPr>
@@ -4308,10 +4316,12 @@
           <a:bodyPr/>
           <a:lstStyle/>
           <a:p>
-            <a:r>
-              <a:rPr lang="en-US" dirty="0"/>
-              <a:t>Conclusion</a:t>
-            </a:r>
+            <a:pPr algn="ctr"/>
+            <a:r>
+              <a:rPr lang="en-US" dirty="0" smtClean="0"/>
+              <a:t>EDA – Univariate (4)</a:t>
+            </a:r>
+            <a:endParaRPr lang="en-US" dirty="0"/>
           </a:p>
         </p:txBody>
       </p:sp>
@@ -4320,7 +4330,7 @@
           <p:cNvPr id="3" name="Content Placeholder 2">
             <a:extLst>
               <a:ext uri="{FF2B5EF4-FFF2-40B4-BE49-F238E27FC236}">
-                <a16:creationId xmlns:a16="http://schemas.microsoft.com/office/drawing/2014/main" id="{6454B748-3B9E-49AD-A4D5-FC6C95CAE875}"/>
+                <a16:creationId xmlns:a16="http://schemas.microsoft.com/office/drawing/2014/main" xmlns="" id="{6454B748-3B9E-49AD-A4D5-FC6C95CAE875}"/>
               </a:ext>
             </a:extLst>
           </p:cNvPr>
@@ -4331,7 +4341,12 @@
             <p:ph idx="1"/>
           </p:nvPr>
         </p:nvSpPr>
-        <p:spPr/>
+        <p:spPr>
+          <a:xfrm>
+            <a:off x="7770340" y="2181259"/>
+            <a:ext cx="3802593" cy="4351338"/>
+          </a:xfrm>
+        </p:spPr>
         <p:txBody>
           <a:bodyPr/>
           <a:lstStyle/>
@@ -4341,35 +4356,64 @@
               <a:buChar char="-"/>
             </a:pPr>
             <a:r>
-              <a:rPr lang="en-US" dirty="0" err="1"/>
-              <a:t>Menjawab</a:t>
-            </a:r>
-            <a:r>
-              <a:rPr lang="en-US" dirty="0"/>
-              <a:t> Business </a:t>
-            </a:r>
-            <a:r>
-              <a:rPr lang="en-US" dirty="0" err="1"/>
-              <a:t>Goalss</a:t>
+              <a:rPr lang="en-US" dirty="0" smtClean="0"/>
+              <a:t>Most customers have university degree and high school education</a:t>
             </a:r>
             <a:endParaRPr lang="en-US" dirty="0"/>
           </a:p>
         </p:txBody>
       </p:sp>
+      <p:pic>
+        <p:nvPicPr>
+          <p:cNvPr id="4" name="Picture 3"/>
+          <p:cNvPicPr>
+            <a:picLocks noChangeAspect="1"/>
+          </p:cNvPicPr>
+          <p:nvPr/>
+        </p:nvPicPr>
+        <p:blipFill>
+          <a:blip r:embed="rId2">
+            <a:extLst>
+              <a:ext uri="{28A0092B-C50C-407E-A947-70E740481C1C}">
+                <a14:useLocalDpi xmlns:a14="http://schemas.microsoft.com/office/drawing/2010/main" val="0"/>
+              </a:ext>
+            </a:extLst>
+          </a:blip>
+          <a:stretch>
+            <a:fillRect/>
+          </a:stretch>
+        </p:blipFill>
+        <p:spPr>
+          <a:xfrm>
+            <a:off x="659026" y="1527861"/>
+            <a:ext cx="6889922" cy="3674625"/>
+          </a:xfrm>
+          <a:prstGeom prst="rect">
+            <a:avLst/>
+          </a:prstGeom>
+        </p:spPr>
+      </p:pic>
     </p:spTree>
     <p:extLst>
       <p:ext uri="{BB962C8B-B14F-4D97-AF65-F5344CB8AC3E}">
-        <p14:creationId xmlns:p14="http://schemas.microsoft.com/office/powerpoint/2010/main" val="1242302393"/>
+        <p14:creationId xmlns:p14="http://schemas.microsoft.com/office/powerpoint/2010/main" val="2172367398"/>
       </p:ext>
     </p:extLst>
   </p:cSld>
   <p:clrMapOvr>
     <a:masterClrMapping/>
   </p:clrMapOvr>
+  <p:timing>
+    <p:tnLst>
+      <p:par>
+        <p:cTn id="1" dur="indefinite" restart="never" nodeType="tmRoot"/>
+      </p:par>
+    </p:tnLst>
+  </p:timing>
 </p:sld>
 </file>
 
-<file path=ppt/slides/slide2.xml><?xml version="1.0" encoding="utf-8"?>
+<file path=ppt/slides/slide15.xml><?xml version="1.0" encoding="utf-8"?>
 <p:sld xmlns:a="http://schemas.openxmlformats.org/drawingml/2006/main" xmlns:r="http://schemas.openxmlformats.org/officeDocument/2006/relationships" xmlns:p="http://schemas.openxmlformats.org/presentationml/2006/main">
   <p:cSld>
     <p:spTree>
@@ -4388,739 +4432,195 @@
       </p:grpSpPr>
       <p:sp>
         <p:nvSpPr>
-          <p:cNvPr id="6" name="Rectangle 5">
-            <a:extLst>
-              <a:ext uri="{FF2B5EF4-FFF2-40B4-BE49-F238E27FC236}">
-                <a16:creationId xmlns:a16="http://schemas.microsoft.com/office/drawing/2014/main" id="{B69F860C-3DD8-4B3C-9AD3-19A463E43850}"/>
-              </a:ext>
-            </a:extLst>
-          </p:cNvPr>
-          <p:cNvSpPr/>
-          <p:nvPr/>
+          <p:cNvPr id="2" name="Title 1">
+            <a:extLst>
+              <a:ext uri="{FF2B5EF4-FFF2-40B4-BE49-F238E27FC236}">
+                <a16:creationId xmlns:a16="http://schemas.microsoft.com/office/drawing/2014/main" xmlns="" id="{84EEC1A3-E984-4881-B54A-F1C5E73F7696}"/>
+              </a:ext>
+            </a:extLst>
+          </p:cNvPr>
+          <p:cNvSpPr>
+            <a:spLocks noGrp="1"/>
+          </p:cNvSpPr>
+          <p:nvPr>
+            <p:ph type="title"/>
+          </p:nvPr>
+        </p:nvSpPr>
+        <p:spPr/>
+        <p:txBody>
+          <a:bodyPr/>
+          <a:lstStyle/>
+          <a:p>
+            <a:pPr algn="ctr"/>
+            <a:r>
+              <a:rPr lang="en-US" dirty="0" smtClean="0"/>
+              <a:t>EDA – Univariate (5)</a:t>
+            </a:r>
+            <a:endParaRPr lang="en-US" dirty="0"/>
+          </a:p>
+        </p:txBody>
+      </p:sp>
+      <p:sp>
+        <p:nvSpPr>
+          <p:cNvPr id="3" name="Content Placeholder 2">
+            <a:extLst>
+              <a:ext uri="{FF2B5EF4-FFF2-40B4-BE49-F238E27FC236}">
+                <a16:creationId xmlns:a16="http://schemas.microsoft.com/office/drawing/2014/main" xmlns="" id="{6454B748-3B9E-49AD-A4D5-FC6C95CAE875}"/>
+              </a:ext>
+            </a:extLst>
+          </p:cNvPr>
+          <p:cNvSpPr>
+            <a:spLocks noGrp="1"/>
+          </p:cNvSpPr>
+          <p:nvPr>
+            <p:ph idx="1"/>
+          </p:nvPr>
         </p:nvSpPr>
         <p:spPr>
           <a:xfrm>
-            <a:off x="245805" y="176982"/>
-            <a:ext cx="5019369" cy="924231"/>
+            <a:off x="753763" y="5519351"/>
+            <a:ext cx="10684474" cy="1062681"/>
+          </a:xfrm>
+        </p:spPr>
+        <p:txBody>
+          <a:bodyPr>
+            <a:normAutofit/>
+          </a:bodyPr>
+          <a:lstStyle/>
+          <a:p>
+            <a:pPr>
+              <a:buFontTx/>
+              <a:buChar char="-"/>
+            </a:pPr>
+            <a:r>
+              <a:rPr lang="en-US" sz="2000" dirty="0" smtClean="0"/>
+              <a:t>Most customers are not credit card default and has no personal loan</a:t>
+            </a:r>
+          </a:p>
+          <a:p>
+            <a:pPr>
+              <a:buFontTx/>
+              <a:buChar char="-"/>
+            </a:pPr>
+            <a:r>
+              <a:rPr lang="en-ID" sz="2000" dirty="0" smtClean="0"/>
+              <a:t>More than half of the customers have housing loan</a:t>
+            </a:r>
+            <a:endParaRPr lang="en-US" sz="2000" dirty="0"/>
+          </a:p>
+        </p:txBody>
+      </p:sp>
+      <p:pic>
+        <p:nvPicPr>
+          <p:cNvPr id="6" name="Picture 5"/>
+          <p:cNvPicPr>
+            <a:picLocks noChangeAspect="1"/>
+          </p:cNvPicPr>
+          <p:nvPr/>
+        </p:nvPicPr>
+        <p:blipFill>
+          <a:blip r:embed="rId2">
+            <a:extLst>
+              <a:ext uri="{28A0092B-C50C-407E-A947-70E740481C1C}">
+                <a14:useLocalDpi xmlns:a14="http://schemas.microsoft.com/office/drawing/2010/main" val="0"/>
+              </a:ext>
+            </a:extLst>
+          </a:blip>
+          <a:stretch>
+            <a:fillRect/>
+          </a:stretch>
+        </p:blipFill>
+        <p:spPr>
+          <a:xfrm>
+            <a:off x="140300" y="1626715"/>
+            <a:ext cx="3795070" cy="3795070"/>
           </a:xfrm>
           <a:prstGeom prst="rect">
             <a:avLst/>
           </a:prstGeom>
         </p:spPr>
-        <p:style>
-          <a:lnRef idx="2">
-            <a:schemeClr val="accent1">
-              <a:shade val="50000"/>
-            </a:schemeClr>
-          </a:lnRef>
-          <a:fillRef idx="1">
-            <a:schemeClr val="accent1"/>
-          </a:fillRef>
-          <a:effectRef idx="0">
-            <a:schemeClr val="accent1"/>
-          </a:effectRef>
-          <a:fontRef idx="minor">
-            <a:schemeClr val="lt1"/>
-          </a:fontRef>
-        </p:style>
-        <p:txBody>
-          <a:bodyPr rtlCol="0" anchor="ctr"/>
-          <a:lstStyle/>
-          <a:p>
-            <a:pPr algn="ctr"/>
-            <a:r>
-              <a:rPr lang="en-US" dirty="0"/>
-              <a:t>TIM DATA SCIENCE</a:t>
-            </a:r>
-          </a:p>
-        </p:txBody>
-      </p:sp>
-      <p:sp>
-        <p:nvSpPr>
-          <p:cNvPr id="7" name="Rectangle 6">
-            <a:extLst>
-              <a:ext uri="{FF2B5EF4-FFF2-40B4-BE49-F238E27FC236}">
-                <a16:creationId xmlns:a16="http://schemas.microsoft.com/office/drawing/2014/main" id="{DC7A9CFE-7D7A-4C6B-806D-32870BC47BAE}"/>
-              </a:ext>
-            </a:extLst>
-          </p:cNvPr>
-          <p:cNvSpPr/>
+      </p:pic>
+      <p:pic>
+        <p:nvPicPr>
+          <p:cNvPr id="7" name="Picture 6"/>
+          <p:cNvPicPr>
+            <a:picLocks noChangeAspect="1"/>
+          </p:cNvPicPr>
           <p:nvPr/>
-        </p:nvSpPr>
+        </p:nvPicPr>
+        <p:blipFill>
+          <a:blip r:embed="rId3">
+            <a:extLst>
+              <a:ext uri="{28A0092B-C50C-407E-A947-70E740481C1C}">
+                <a14:useLocalDpi xmlns:a14="http://schemas.microsoft.com/office/drawing/2010/main" val="0"/>
+              </a:ext>
+            </a:extLst>
+          </a:blip>
+          <a:stretch>
+            <a:fillRect/>
+          </a:stretch>
+        </p:blipFill>
         <p:spPr>
           <a:xfrm>
-            <a:off x="245806" y="1248697"/>
-            <a:ext cx="2418736" cy="2772697"/>
+            <a:off x="4087215" y="1620876"/>
+            <a:ext cx="3800908" cy="3800908"/>
           </a:xfrm>
           <a:prstGeom prst="rect">
             <a:avLst/>
           </a:prstGeom>
         </p:spPr>
-        <p:style>
-          <a:lnRef idx="2">
-            <a:schemeClr val="accent6"/>
-          </a:lnRef>
-          <a:fillRef idx="1">
-            <a:schemeClr val="lt1"/>
-          </a:fillRef>
-          <a:effectRef idx="0">
-            <a:schemeClr val="accent6"/>
-          </a:effectRef>
-          <a:fontRef idx="minor">
-            <a:schemeClr val="dk1"/>
-          </a:fontRef>
-        </p:style>
-        <p:txBody>
-          <a:bodyPr rtlCol="0" anchor="ctr"/>
-          <a:lstStyle/>
-          <a:p>
-            <a:pPr marL="342900" indent="-342900" algn="ctr">
-              <a:buAutoNum type="arabicPeriod"/>
-            </a:pPr>
-            <a:r>
-              <a:rPr lang="en-US" dirty="0" err="1"/>
-              <a:t>Terima</a:t>
-            </a:r>
-            <a:r>
-              <a:rPr lang="en-US" dirty="0"/>
-              <a:t> report </a:t>
-            </a:r>
-            <a:r>
-              <a:rPr lang="en-US" dirty="0" err="1"/>
-              <a:t>dari</a:t>
-            </a:r>
-            <a:r>
-              <a:rPr lang="en-US" dirty="0"/>
-              <a:t> </a:t>
-            </a:r>
-            <a:r>
-              <a:rPr lang="en-US" dirty="0" err="1"/>
-              <a:t>tim</a:t>
-            </a:r>
-            <a:r>
-              <a:rPr lang="en-US" dirty="0"/>
-              <a:t> marketing</a:t>
-            </a:r>
-          </a:p>
-          <a:p>
-            <a:pPr marL="342900" indent="-342900" algn="ctr">
-              <a:buAutoNum type="arabicPeriod"/>
-            </a:pPr>
-            <a:r>
-              <a:rPr lang="en-US" dirty="0"/>
-              <a:t>Dari report </a:t>
-            </a:r>
-            <a:r>
-              <a:rPr lang="en-US" dirty="0" err="1"/>
-              <a:t>tersebut</a:t>
-            </a:r>
-            <a:r>
-              <a:rPr lang="en-US" dirty="0"/>
-              <a:t> </a:t>
-            </a:r>
-            <a:r>
-              <a:rPr lang="en-US" dirty="0" err="1"/>
-              <a:t>didaptkan</a:t>
-            </a:r>
-            <a:r>
-              <a:rPr lang="en-US" dirty="0"/>
-              <a:t> </a:t>
-            </a:r>
-            <a:r>
-              <a:rPr lang="en-US" dirty="0" err="1"/>
-              <a:t>masih</a:t>
-            </a:r>
-            <a:r>
-              <a:rPr lang="en-US" dirty="0"/>
-              <a:t> </a:t>
-            </a:r>
-            <a:r>
-              <a:rPr lang="en-US" dirty="0" err="1"/>
-              <a:t>gagal</a:t>
-            </a:r>
-            <a:r>
-              <a:rPr lang="en-US" dirty="0"/>
-              <a:t> (88% </a:t>
-            </a:r>
-            <a:r>
-              <a:rPr lang="en-US" dirty="0" err="1"/>
-              <a:t>tdk</a:t>
-            </a:r>
-            <a:r>
-              <a:rPr lang="en-US" dirty="0"/>
-              <a:t> </a:t>
-            </a:r>
-            <a:r>
-              <a:rPr lang="en-US" dirty="0" err="1"/>
-              <a:t>beli</a:t>
-            </a:r>
-            <a:r>
-              <a:rPr lang="en-US" dirty="0"/>
-              <a:t> </a:t>
-            </a:r>
-            <a:r>
-              <a:rPr lang="en-US" dirty="0" err="1"/>
-              <a:t>deposito</a:t>
-            </a:r>
-            <a:r>
-              <a:rPr lang="en-US" dirty="0"/>
-              <a:t>)</a:t>
-            </a:r>
-          </a:p>
-          <a:p>
-            <a:pPr marL="342900" indent="-342900" algn="ctr">
-              <a:buAutoNum type="arabicPeriod"/>
-            </a:pPr>
-            <a:r>
-              <a:rPr lang="en-US" dirty="0" err="1"/>
-              <a:t>Evaluasi</a:t>
-            </a:r>
-            <a:endParaRPr lang="en-US" dirty="0"/>
-          </a:p>
-        </p:txBody>
-      </p:sp>
-      <p:sp>
-        <p:nvSpPr>
-          <p:cNvPr id="8" name="Arrow: Right 7">
-            <a:extLst>
-              <a:ext uri="{FF2B5EF4-FFF2-40B4-BE49-F238E27FC236}">
-                <a16:creationId xmlns:a16="http://schemas.microsoft.com/office/drawing/2014/main" id="{5230BFF4-90C0-448F-8655-E62BB29256A3}"/>
-              </a:ext>
-            </a:extLst>
-          </p:cNvPr>
-          <p:cNvSpPr/>
+      </p:pic>
+      <p:pic>
+        <p:nvPicPr>
+          <p:cNvPr id="9" name="Picture 8"/>
+          <p:cNvPicPr>
+            <a:picLocks noChangeAspect="1"/>
+          </p:cNvPicPr>
           <p:nvPr/>
-        </p:nvSpPr>
+        </p:nvPicPr>
+        <p:blipFill>
+          <a:blip r:embed="rId4">
+            <a:extLst>
+              <a:ext uri="{28A0092B-C50C-407E-A947-70E740481C1C}">
+                <a14:useLocalDpi xmlns:a14="http://schemas.microsoft.com/office/drawing/2010/main" val="0"/>
+              </a:ext>
+            </a:extLst>
+          </a:blip>
+          <a:stretch>
+            <a:fillRect/>
+          </a:stretch>
+        </p:blipFill>
         <p:spPr>
           <a:xfrm>
-            <a:off x="5048865" y="1248698"/>
-            <a:ext cx="1307690" cy="914400"/>
-          </a:xfrm>
-          <a:prstGeom prst="rightArrow">
-            <a:avLst/>
-          </a:prstGeom>
-        </p:spPr>
-        <p:style>
-          <a:lnRef idx="2">
-            <a:schemeClr val="accent1">
-              <a:shade val="50000"/>
-            </a:schemeClr>
-          </a:lnRef>
-          <a:fillRef idx="1">
-            <a:schemeClr val="accent1"/>
-          </a:fillRef>
-          <a:effectRef idx="0">
-            <a:schemeClr val="accent1"/>
-          </a:effectRef>
-          <a:fontRef idx="minor">
-            <a:schemeClr val="lt1"/>
-          </a:fontRef>
-        </p:style>
-        <p:txBody>
-          <a:bodyPr rtlCol="0" anchor="ctr"/>
-          <a:lstStyle/>
-          <a:p>
-            <a:pPr algn="ctr"/>
-            <a:endParaRPr lang="en-US"/>
-          </a:p>
-        </p:txBody>
-      </p:sp>
-      <p:sp>
-        <p:nvSpPr>
-          <p:cNvPr id="10" name="Star: 6 Points 9">
-            <a:extLst>
-              <a:ext uri="{FF2B5EF4-FFF2-40B4-BE49-F238E27FC236}">
-                <a16:creationId xmlns:a16="http://schemas.microsoft.com/office/drawing/2014/main" id="{50B4BDF3-4192-47A7-B59C-EE4FAD5DE0B0}"/>
-              </a:ext>
-            </a:extLst>
-          </p:cNvPr>
-          <p:cNvSpPr/>
-          <p:nvPr/>
-        </p:nvSpPr>
-        <p:spPr>
-          <a:xfrm>
-            <a:off x="6422923" y="442452"/>
-            <a:ext cx="2330245" cy="2330245"/>
-          </a:xfrm>
-          <a:prstGeom prst="star6">
-            <a:avLst/>
-          </a:prstGeom>
-        </p:spPr>
-        <p:style>
-          <a:lnRef idx="2">
-            <a:schemeClr val="accent1">
-              <a:shade val="50000"/>
-            </a:schemeClr>
-          </a:lnRef>
-          <a:fillRef idx="1">
-            <a:schemeClr val="accent1"/>
-          </a:fillRef>
-          <a:effectRef idx="0">
-            <a:schemeClr val="accent1"/>
-          </a:effectRef>
-          <a:fontRef idx="minor">
-            <a:schemeClr val="lt1"/>
-          </a:fontRef>
-        </p:style>
-        <p:txBody>
-          <a:bodyPr rtlCol="0" anchor="ctr"/>
-          <a:lstStyle/>
-          <a:p>
-            <a:pPr algn="ctr"/>
-            <a:r>
-              <a:rPr lang="en-US" dirty="0"/>
-              <a:t>PERLU DIBUAT MODEL</a:t>
-            </a:r>
-          </a:p>
-        </p:txBody>
-      </p:sp>
-      <p:sp>
-        <p:nvSpPr>
-          <p:cNvPr id="11" name="Rectangle 10">
-            <a:extLst>
-              <a:ext uri="{FF2B5EF4-FFF2-40B4-BE49-F238E27FC236}">
-                <a16:creationId xmlns:a16="http://schemas.microsoft.com/office/drawing/2014/main" id="{7B8F2F6E-973E-431B-8946-9ED27879C274}"/>
-              </a:ext>
-            </a:extLst>
-          </p:cNvPr>
-          <p:cNvSpPr/>
-          <p:nvPr/>
-        </p:nvSpPr>
-        <p:spPr>
-          <a:xfrm>
-            <a:off x="6378677" y="2871019"/>
-            <a:ext cx="2418736" cy="1347020"/>
+            <a:off x="8039968" y="1690687"/>
+            <a:ext cx="3731097" cy="3731097"/>
           </a:xfrm>
           <a:prstGeom prst="rect">
             <a:avLst/>
           </a:prstGeom>
         </p:spPr>
-        <p:style>
-          <a:lnRef idx="2">
-            <a:schemeClr val="accent6"/>
-          </a:lnRef>
-          <a:fillRef idx="1">
-            <a:schemeClr val="lt1"/>
-          </a:fillRef>
-          <a:effectRef idx="0">
-            <a:schemeClr val="accent6"/>
-          </a:effectRef>
-          <a:fontRef idx="minor">
-            <a:schemeClr val="dk1"/>
-          </a:fontRef>
-        </p:style>
-        <p:txBody>
-          <a:bodyPr rtlCol="0" anchor="ctr"/>
-          <a:lstStyle/>
-          <a:p>
-            <a:pPr algn="ctr"/>
-            <a:r>
-              <a:rPr lang="en-US" dirty="0"/>
-              <a:t>[PENTING] model </a:t>
-            </a:r>
-            <a:r>
-              <a:rPr lang="en-US" dirty="0" err="1"/>
-              <a:t>digunakan</a:t>
-            </a:r>
-            <a:r>
-              <a:rPr lang="en-US" dirty="0"/>
-              <a:t> </a:t>
-            </a:r>
-            <a:r>
-              <a:rPr lang="en-US" dirty="0" err="1"/>
-              <a:t>sebelum</a:t>
-            </a:r>
-            <a:r>
-              <a:rPr lang="en-US" dirty="0"/>
-              <a:t> </a:t>
-            </a:r>
-            <a:r>
-              <a:rPr lang="en-US" dirty="0" err="1"/>
-              <a:t>melakukan</a:t>
-            </a:r>
-            <a:r>
-              <a:rPr lang="en-US" dirty="0"/>
-              <a:t> campaign/program marketing</a:t>
-            </a:r>
-          </a:p>
-        </p:txBody>
-      </p:sp>
-      <p:sp>
-        <p:nvSpPr>
-          <p:cNvPr id="12" name="Rectangle 11">
-            <a:extLst>
-              <a:ext uri="{FF2B5EF4-FFF2-40B4-BE49-F238E27FC236}">
-                <a16:creationId xmlns:a16="http://schemas.microsoft.com/office/drawing/2014/main" id="{825980B7-833F-401F-A9FF-1110D070F93F}"/>
-              </a:ext>
-            </a:extLst>
-          </p:cNvPr>
-          <p:cNvSpPr/>
-          <p:nvPr/>
-        </p:nvSpPr>
-        <p:spPr>
-          <a:xfrm>
-            <a:off x="6378677" y="4360607"/>
-            <a:ext cx="2418736" cy="2241756"/>
-          </a:xfrm>
-          <a:prstGeom prst="rect">
-            <a:avLst/>
-          </a:prstGeom>
-        </p:spPr>
-        <p:style>
-          <a:lnRef idx="2">
-            <a:schemeClr val="accent6"/>
-          </a:lnRef>
-          <a:fillRef idx="1">
-            <a:schemeClr val="lt1"/>
-          </a:fillRef>
-          <a:effectRef idx="0">
-            <a:schemeClr val="accent6"/>
-          </a:effectRef>
-          <a:fontRef idx="minor">
-            <a:schemeClr val="dk1"/>
-          </a:fontRef>
-        </p:style>
-        <p:txBody>
-          <a:bodyPr rtlCol="0" anchor="ctr"/>
-          <a:lstStyle/>
-          <a:p>
-            <a:pPr algn="ctr"/>
-            <a:r>
-              <a:rPr lang="en-US" dirty="0"/>
-              <a:t>Kolom di dataset model yang </a:t>
-            </a:r>
-            <a:r>
-              <a:rPr lang="en-US" dirty="0" err="1"/>
-              <a:t>dipakai</a:t>
-            </a:r>
-            <a:r>
-              <a:rPr lang="en-US" dirty="0"/>
-              <a:t> </a:t>
-            </a:r>
-            <a:r>
-              <a:rPr lang="en-US" dirty="0" err="1"/>
-              <a:t>adalah</a:t>
-            </a:r>
-            <a:r>
-              <a:rPr lang="en-US" dirty="0"/>
-              <a:t> KOLOM YG BISA DIDAPATKAN </a:t>
-            </a:r>
-            <a:r>
-              <a:rPr lang="en-US" dirty="0" err="1"/>
-              <a:t>Sebelum</a:t>
-            </a:r>
-            <a:r>
-              <a:rPr lang="en-US" dirty="0"/>
-              <a:t> </a:t>
-            </a:r>
-            <a:r>
-              <a:rPr lang="en-US" dirty="0" err="1"/>
-              <a:t>melakukan</a:t>
-            </a:r>
-            <a:r>
-              <a:rPr lang="en-US" dirty="0"/>
-              <a:t> Campaign</a:t>
-            </a:r>
-          </a:p>
-        </p:txBody>
-      </p:sp>
-      <p:sp>
-        <p:nvSpPr>
-          <p:cNvPr id="13" name="Rectangle 12">
-            <a:extLst>
-              <a:ext uri="{FF2B5EF4-FFF2-40B4-BE49-F238E27FC236}">
-                <a16:creationId xmlns:a16="http://schemas.microsoft.com/office/drawing/2014/main" id="{6DC299E1-1B01-4DC8-A1D6-3365EC8ED552}"/>
-              </a:ext>
-            </a:extLst>
-          </p:cNvPr>
-          <p:cNvSpPr/>
-          <p:nvPr/>
-        </p:nvSpPr>
-        <p:spPr>
-          <a:xfrm>
-            <a:off x="776749" y="4606414"/>
-            <a:ext cx="3244645" cy="1750142"/>
-          </a:xfrm>
-          <a:prstGeom prst="rect">
-            <a:avLst/>
-          </a:prstGeom>
-          <a:ln w="57150">
-            <a:solidFill>
-              <a:schemeClr val="tx1"/>
-            </a:solidFill>
-            <a:prstDash val="dashDot"/>
-          </a:ln>
-        </p:spPr>
-        <p:style>
-          <a:lnRef idx="2">
-            <a:schemeClr val="accent6"/>
-          </a:lnRef>
-          <a:fillRef idx="1">
-            <a:schemeClr val="lt1"/>
-          </a:fillRef>
-          <a:effectRef idx="0">
-            <a:schemeClr val="accent6"/>
-          </a:effectRef>
-          <a:fontRef idx="minor">
-            <a:schemeClr val="dk1"/>
-          </a:fontRef>
-        </p:style>
-        <p:txBody>
-          <a:bodyPr rtlCol="0" anchor="ctr"/>
-          <a:lstStyle/>
-          <a:p>
-            <a:pPr algn="ctr"/>
-            <a:r>
-              <a:rPr lang="en-US" dirty="0"/>
-              <a:t>!!  INGAT  !!</a:t>
-            </a:r>
-          </a:p>
-          <a:p>
-            <a:pPr algn="ctr"/>
-            <a:endParaRPr lang="en-US" dirty="0"/>
-          </a:p>
-          <a:p>
-            <a:pPr algn="ctr"/>
-            <a:r>
-              <a:rPr lang="en-US" dirty="0"/>
-              <a:t>Calon customer yang di approach </a:t>
-            </a:r>
-            <a:r>
-              <a:rPr lang="en-US" dirty="0" err="1"/>
-              <a:t>adalah</a:t>
-            </a:r>
-            <a:r>
-              <a:rPr lang="en-US" dirty="0"/>
-              <a:t> </a:t>
-            </a:r>
-            <a:r>
-              <a:rPr lang="en-US" dirty="0" err="1"/>
-              <a:t>nasabah</a:t>
-            </a:r>
-            <a:r>
-              <a:rPr lang="en-US" dirty="0"/>
-              <a:t> bank </a:t>
-            </a:r>
-            <a:r>
-              <a:rPr lang="en-US" dirty="0" err="1"/>
-              <a:t>tersebut</a:t>
-            </a:r>
-            <a:endParaRPr lang="en-US" dirty="0"/>
-          </a:p>
-        </p:txBody>
-      </p:sp>
-      <p:sp>
-        <p:nvSpPr>
-          <p:cNvPr id="9" name="Arrow: Right 8">
-            <a:extLst>
-              <a:ext uri="{FF2B5EF4-FFF2-40B4-BE49-F238E27FC236}">
-                <a16:creationId xmlns:a16="http://schemas.microsoft.com/office/drawing/2014/main" id="{199FF53C-44D6-4140-BA6D-4BFCB9D42FCF}"/>
-              </a:ext>
-            </a:extLst>
-          </p:cNvPr>
-          <p:cNvSpPr/>
-          <p:nvPr/>
-        </p:nvSpPr>
-        <p:spPr>
-          <a:xfrm>
-            <a:off x="8819536" y="1106130"/>
-            <a:ext cx="752168" cy="914400"/>
-          </a:xfrm>
-          <a:prstGeom prst="rightArrow">
-            <a:avLst/>
-          </a:prstGeom>
-        </p:spPr>
-        <p:style>
-          <a:lnRef idx="2">
-            <a:schemeClr val="accent1">
-              <a:shade val="50000"/>
-            </a:schemeClr>
-          </a:lnRef>
-          <a:fillRef idx="1">
-            <a:schemeClr val="accent1"/>
-          </a:fillRef>
-          <a:effectRef idx="0">
-            <a:schemeClr val="accent1"/>
-          </a:effectRef>
-          <a:fontRef idx="minor">
-            <a:schemeClr val="lt1"/>
-          </a:fontRef>
-        </p:style>
-        <p:txBody>
-          <a:bodyPr rtlCol="0" anchor="ctr"/>
-          <a:lstStyle/>
-          <a:p>
-            <a:pPr algn="ctr"/>
-            <a:endParaRPr lang="en-US"/>
-          </a:p>
-        </p:txBody>
-      </p:sp>
-      <p:sp>
-        <p:nvSpPr>
-          <p:cNvPr id="2" name="Oval 1">
-            <a:extLst>
-              <a:ext uri="{FF2B5EF4-FFF2-40B4-BE49-F238E27FC236}">
-                <a16:creationId xmlns:a16="http://schemas.microsoft.com/office/drawing/2014/main" id="{5E49095A-1E8E-4BD3-922A-E2010D50DAE2}"/>
-              </a:ext>
-            </a:extLst>
-          </p:cNvPr>
-          <p:cNvSpPr/>
-          <p:nvPr/>
-        </p:nvSpPr>
-        <p:spPr>
-          <a:xfrm>
-            <a:off x="9615949" y="550606"/>
-            <a:ext cx="2330245" cy="2330245"/>
-          </a:xfrm>
-          <a:prstGeom prst="ellipse">
-            <a:avLst/>
-          </a:prstGeom>
-        </p:spPr>
-        <p:style>
-          <a:lnRef idx="2">
-            <a:schemeClr val="accent1">
-              <a:shade val="50000"/>
-            </a:schemeClr>
-          </a:lnRef>
-          <a:fillRef idx="1">
-            <a:schemeClr val="accent1"/>
-          </a:fillRef>
-          <a:effectRef idx="0">
-            <a:schemeClr val="accent1"/>
-          </a:effectRef>
-          <a:fontRef idx="minor">
-            <a:schemeClr val="lt1"/>
-          </a:fontRef>
-        </p:style>
-        <p:txBody>
-          <a:bodyPr rtlCol="0" anchor="ctr"/>
-          <a:lstStyle/>
-          <a:p>
-            <a:pPr algn="ctr"/>
-            <a:r>
-              <a:rPr lang="en-US" dirty="0"/>
-              <a:t>Model </a:t>
-            </a:r>
-            <a:r>
-              <a:rPr lang="en-US" dirty="0" err="1"/>
-              <a:t>untuk</a:t>
-            </a:r>
-            <a:r>
-              <a:rPr lang="en-US" dirty="0"/>
-              <a:t> </a:t>
-            </a:r>
-            <a:r>
-              <a:rPr lang="en-US" dirty="0" err="1"/>
-              <a:t>prediksi</a:t>
-            </a:r>
-            <a:r>
-              <a:rPr lang="en-US" dirty="0"/>
-              <a:t> </a:t>
-            </a:r>
-            <a:r>
-              <a:rPr lang="en-US" dirty="0" err="1"/>
-              <a:t>calon</a:t>
-            </a:r>
-            <a:r>
-              <a:rPr lang="en-US" dirty="0"/>
-              <a:t> customer </a:t>
-            </a:r>
-            <a:r>
-              <a:rPr lang="en-US" dirty="0" err="1"/>
-              <a:t>untuk</a:t>
-            </a:r>
-            <a:r>
-              <a:rPr lang="en-US" dirty="0"/>
-              <a:t> program marketing </a:t>
-            </a:r>
-            <a:r>
-              <a:rPr lang="en-US" dirty="0" err="1"/>
-              <a:t>selanjutnya</a:t>
-            </a:r>
-            <a:endParaRPr lang="en-US" dirty="0"/>
-          </a:p>
-        </p:txBody>
-      </p:sp>
-      <p:sp>
-        <p:nvSpPr>
-          <p:cNvPr id="14" name="Rectangle 13">
-            <a:extLst>
-              <a:ext uri="{FF2B5EF4-FFF2-40B4-BE49-F238E27FC236}">
-                <a16:creationId xmlns:a16="http://schemas.microsoft.com/office/drawing/2014/main" id="{C19BF0DA-F8BE-4200-8063-53905AE628CC}"/>
-              </a:ext>
-            </a:extLst>
-          </p:cNvPr>
-          <p:cNvSpPr/>
-          <p:nvPr/>
-        </p:nvSpPr>
-        <p:spPr>
-          <a:xfrm>
-            <a:off x="2846439" y="1248697"/>
-            <a:ext cx="2040193" cy="2772697"/>
-          </a:xfrm>
-          <a:prstGeom prst="rect">
-            <a:avLst/>
-          </a:prstGeom>
-        </p:spPr>
-        <p:style>
-          <a:lnRef idx="2">
-            <a:schemeClr val="accent6"/>
-          </a:lnRef>
-          <a:fillRef idx="1">
-            <a:schemeClr val="lt1"/>
-          </a:fillRef>
-          <a:effectRef idx="0">
-            <a:schemeClr val="accent6"/>
-          </a:effectRef>
-          <a:fontRef idx="minor">
-            <a:schemeClr val="dk1"/>
-          </a:fontRef>
-        </p:style>
-        <p:txBody>
-          <a:bodyPr rtlCol="0" anchor="ctr"/>
-          <a:lstStyle/>
-          <a:p>
-            <a:pPr algn="ctr"/>
-            <a:r>
-              <a:rPr lang="en-US" dirty="0" err="1"/>
-              <a:t>Tambahan</a:t>
-            </a:r>
-            <a:r>
-              <a:rPr lang="en-US" dirty="0"/>
-              <a:t> :</a:t>
-            </a:r>
-          </a:p>
-          <a:p>
-            <a:pPr algn="ctr"/>
-            <a:r>
-              <a:rPr lang="en-US" dirty="0"/>
-              <a:t>Concern </a:t>
-            </a:r>
-            <a:r>
-              <a:rPr lang="en-US" dirty="0" err="1"/>
-              <a:t>tim</a:t>
-            </a:r>
-            <a:r>
-              <a:rPr lang="en-US" dirty="0"/>
-              <a:t> marketing di cost campaign</a:t>
-            </a:r>
-          </a:p>
-        </p:txBody>
-      </p:sp>
+      </p:pic>
     </p:spTree>
     <p:extLst>
       <p:ext uri="{BB962C8B-B14F-4D97-AF65-F5344CB8AC3E}">
-        <p14:creationId xmlns:p14="http://schemas.microsoft.com/office/powerpoint/2010/main" val="3754076498"/>
+        <p14:creationId xmlns:p14="http://schemas.microsoft.com/office/powerpoint/2010/main" val="3500870860"/>
       </p:ext>
     </p:extLst>
   </p:cSld>
   <p:clrMapOvr>
     <a:masterClrMapping/>
   </p:clrMapOvr>
+  <p:timing>
+    <p:tnLst>
+      <p:par>
+        <p:cTn id="1" dur="indefinite" restart="never" nodeType="tmRoot"/>
+      </p:par>
+    </p:tnLst>
+  </p:timing>
 </p:sld>
 </file>
 
-<file path=ppt/slides/slide3.xml><?xml version="1.0" encoding="utf-8"?>
+<file path=ppt/slides/slide16.xml><?xml version="1.0" encoding="utf-8"?>
 <p:sld xmlns:a="http://schemas.openxmlformats.org/drawingml/2006/main" xmlns:r="http://schemas.openxmlformats.org/officeDocument/2006/relationships" xmlns:p="http://schemas.openxmlformats.org/presentationml/2006/main">
   <p:cSld>
     <p:spTree>
@@ -5139,1497 +4639,195 @@
       </p:grpSpPr>
       <p:sp>
         <p:nvSpPr>
-          <p:cNvPr id="8" name="Rectangle 7">
-            <a:extLst>
-              <a:ext uri="{FF2B5EF4-FFF2-40B4-BE49-F238E27FC236}">
-                <a16:creationId xmlns:a16="http://schemas.microsoft.com/office/drawing/2014/main" id="{8515B476-9AE4-4AAD-AE67-BDA429550E09}"/>
-              </a:ext>
-            </a:extLst>
-          </p:cNvPr>
-          <p:cNvSpPr/>
-          <p:nvPr/>
+          <p:cNvPr id="2" name="Title 1">
+            <a:extLst>
+              <a:ext uri="{FF2B5EF4-FFF2-40B4-BE49-F238E27FC236}">
+                <a16:creationId xmlns:a16="http://schemas.microsoft.com/office/drawing/2014/main" xmlns="" id="{84EEC1A3-E984-4881-B54A-F1C5E73F7696}"/>
+              </a:ext>
+            </a:extLst>
+          </p:cNvPr>
+          <p:cNvSpPr>
+            <a:spLocks noGrp="1"/>
+          </p:cNvSpPr>
+          <p:nvPr>
+            <p:ph type="title"/>
+          </p:nvPr>
+        </p:nvSpPr>
+        <p:spPr/>
+        <p:txBody>
+          <a:bodyPr/>
+          <a:lstStyle/>
+          <a:p>
+            <a:pPr algn="ctr"/>
+            <a:r>
+              <a:rPr lang="en-US" dirty="0" smtClean="0"/>
+              <a:t>EDA – Univariate (6)</a:t>
+            </a:r>
+            <a:endParaRPr lang="en-US" dirty="0"/>
+          </a:p>
+        </p:txBody>
+      </p:sp>
+      <p:sp>
+        <p:nvSpPr>
+          <p:cNvPr id="3" name="Content Placeholder 2">
+            <a:extLst>
+              <a:ext uri="{FF2B5EF4-FFF2-40B4-BE49-F238E27FC236}">
+                <a16:creationId xmlns:a16="http://schemas.microsoft.com/office/drawing/2014/main" xmlns="" id="{6454B748-3B9E-49AD-A4D5-FC6C95CAE875}"/>
+              </a:ext>
+            </a:extLst>
+          </p:cNvPr>
+          <p:cNvSpPr>
+            <a:spLocks noGrp="1"/>
+          </p:cNvSpPr>
+          <p:nvPr>
+            <p:ph idx="1"/>
+          </p:nvPr>
         </p:nvSpPr>
         <p:spPr>
           <a:xfrm>
-            <a:off x="9539183" y="2318357"/>
-            <a:ext cx="2429033" cy="3090588"/>
+            <a:off x="753763" y="5519351"/>
+            <a:ext cx="10684474" cy="1062681"/>
           </a:xfrm>
-          <a:prstGeom prst="rect">
-            <a:avLst/>
-          </a:prstGeom>
-          <a:ln w="57150">
-            <a:solidFill>
-              <a:schemeClr val="tx1"/>
-            </a:solidFill>
-            <a:prstDash val="dashDot"/>
-          </a:ln>
         </p:spPr>
-        <p:style>
-          <a:lnRef idx="2">
-            <a:schemeClr val="accent6"/>
-          </a:lnRef>
-          <a:fillRef idx="1">
-            <a:schemeClr val="lt1"/>
-          </a:fillRef>
-          <a:effectRef idx="0">
-            <a:schemeClr val="accent6"/>
-          </a:effectRef>
-          <a:fontRef idx="minor">
-            <a:schemeClr val="dk1"/>
-          </a:fontRef>
-        </p:style>
-        <p:txBody>
-          <a:bodyPr rtlCol="0" anchor="ctr"/>
-          <a:lstStyle/>
-          <a:p>
-            <a:pPr algn="ctr"/>
-            <a:r>
-              <a:rPr lang="en-US" dirty="0"/>
-              <a:t>!!  INGAT  !!</a:t>
-            </a:r>
-          </a:p>
-          <a:p>
-            <a:pPr algn="ctr"/>
-            <a:r>
-              <a:rPr lang="en-US" dirty="0"/>
-              <a:t> </a:t>
-            </a:r>
-            <a:r>
-              <a:rPr lang="en-US" b="1" dirty="0" err="1"/>
-              <a:t>patokan</a:t>
-            </a:r>
-            <a:r>
-              <a:rPr lang="en-US" b="1" dirty="0"/>
-              <a:t> di 500 </a:t>
-            </a:r>
-            <a:r>
-              <a:rPr lang="en-US" b="1" dirty="0" err="1"/>
-              <a:t>jt</a:t>
-            </a:r>
-            <a:r>
-              <a:rPr lang="en-US" b="1" dirty="0"/>
-              <a:t> rupiah/ 30,000 euro</a:t>
-            </a:r>
-          </a:p>
-          <a:p>
-            <a:pPr algn="ctr"/>
-            <a:endParaRPr lang="en-US" b="1" dirty="0"/>
-          </a:p>
-          <a:p>
-            <a:pPr algn="ctr"/>
-            <a:r>
-              <a:rPr lang="en-US" dirty="0" err="1"/>
-              <a:t>Rekening</a:t>
-            </a:r>
-            <a:r>
-              <a:rPr lang="en-US" dirty="0"/>
-              <a:t> &gt;= </a:t>
-            </a:r>
-            <a:r>
-              <a:rPr lang="en-US" dirty="0" err="1"/>
-              <a:t>patokan</a:t>
-            </a:r>
-            <a:r>
-              <a:rPr lang="en-US" dirty="0"/>
-              <a:t> (SABI)</a:t>
-            </a:r>
-          </a:p>
-          <a:p>
-            <a:pPr algn="ctr"/>
-            <a:endParaRPr lang="en-US" dirty="0"/>
-          </a:p>
-          <a:p>
-            <a:pPr algn="ctr"/>
-            <a:r>
-              <a:rPr lang="en-US" dirty="0" err="1"/>
-              <a:t>Rekening</a:t>
-            </a:r>
-            <a:r>
-              <a:rPr lang="en-US" dirty="0"/>
-              <a:t> &lt; </a:t>
-            </a:r>
-            <a:r>
-              <a:rPr lang="en-US" dirty="0" err="1"/>
-              <a:t>Patokan</a:t>
-            </a:r>
-            <a:r>
-              <a:rPr lang="en-US" dirty="0"/>
-              <a:t> (</a:t>
-            </a:r>
-            <a:r>
-              <a:rPr lang="en-US" dirty="0" err="1"/>
-              <a:t>tidak</a:t>
-            </a:r>
-            <a:r>
-              <a:rPr lang="en-US" dirty="0"/>
-              <a:t> </a:t>
-            </a:r>
-            <a:r>
-              <a:rPr lang="en-US" dirty="0" err="1"/>
-              <a:t>sabi</a:t>
-            </a:r>
-            <a:r>
-              <a:rPr lang="en-US" dirty="0"/>
-              <a:t>)</a:t>
-            </a:r>
-          </a:p>
-        </p:txBody>
-      </p:sp>
-      <p:sp>
-        <p:nvSpPr>
-          <p:cNvPr id="13" name="Rectangle 12">
-            <a:extLst>
-              <a:ext uri="{FF2B5EF4-FFF2-40B4-BE49-F238E27FC236}">
-                <a16:creationId xmlns:a16="http://schemas.microsoft.com/office/drawing/2014/main" id="{192540AC-FAB7-4396-8CB5-2C7D20F3F54C}"/>
-              </a:ext>
-            </a:extLst>
-          </p:cNvPr>
-          <p:cNvSpPr/>
+        <p:txBody>
+          <a:bodyPr>
+            <a:normAutofit/>
+          </a:bodyPr>
+          <a:lstStyle/>
+          <a:p>
+            <a:pPr>
+              <a:buFontTx/>
+              <a:buChar char="-"/>
+            </a:pPr>
+            <a:r>
+              <a:rPr lang="en-US" sz="2000" dirty="0" smtClean="0"/>
+              <a:t>Most customers were contacted through their mobile phone</a:t>
+            </a:r>
+          </a:p>
+          <a:p>
+            <a:pPr>
+              <a:buFontTx/>
+              <a:buChar char="-"/>
+            </a:pPr>
+            <a:r>
+              <a:rPr lang="en-ID" sz="2000" dirty="0" smtClean="0"/>
+              <a:t>Most customers were contacted in May and all of them were contacted at weekdays</a:t>
+            </a:r>
+            <a:endParaRPr lang="en-US" sz="2000" dirty="0"/>
+          </a:p>
+        </p:txBody>
+      </p:sp>
+      <p:pic>
+        <p:nvPicPr>
+          <p:cNvPr id="10" name="Picture 9"/>
+          <p:cNvPicPr>
+            <a:picLocks noChangeAspect="1"/>
+          </p:cNvPicPr>
           <p:nvPr/>
-        </p:nvSpPr>
+        </p:nvPicPr>
+        <p:blipFill>
+          <a:blip r:embed="rId2">
+            <a:extLst>
+              <a:ext uri="{28A0092B-C50C-407E-A947-70E740481C1C}">
+                <a14:useLocalDpi xmlns:a14="http://schemas.microsoft.com/office/drawing/2010/main" val="0"/>
+              </a:ext>
+            </a:extLst>
+          </a:blip>
+          <a:stretch>
+            <a:fillRect/>
+          </a:stretch>
+        </p:blipFill>
         <p:spPr>
           <a:xfrm>
-            <a:off x="167148" y="2182761"/>
-            <a:ext cx="1406013" cy="909482"/>
+            <a:off x="140300" y="1620876"/>
+            <a:ext cx="3800908" cy="3800908"/>
           </a:xfrm>
           <a:prstGeom prst="rect">
             <a:avLst/>
           </a:prstGeom>
         </p:spPr>
-        <p:style>
-          <a:lnRef idx="2">
-            <a:schemeClr val="accent1">
-              <a:shade val="50000"/>
-            </a:schemeClr>
-          </a:lnRef>
-          <a:fillRef idx="1">
-            <a:schemeClr val="accent1"/>
-          </a:fillRef>
-          <a:effectRef idx="0">
-            <a:schemeClr val="accent1"/>
-          </a:effectRef>
-          <a:fontRef idx="minor">
-            <a:schemeClr val="lt1"/>
-          </a:fontRef>
-        </p:style>
-        <p:txBody>
-          <a:bodyPr rtlCol="0" anchor="ctr"/>
-          <a:lstStyle/>
-          <a:p>
-            <a:pPr algn="ctr"/>
-            <a:r>
-              <a:rPr lang="en-US" dirty="0"/>
-              <a:t>Data </a:t>
-            </a:r>
-            <a:r>
-              <a:rPr lang="en-US" dirty="0" err="1"/>
-              <a:t>baru</a:t>
-            </a:r>
-            <a:endParaRPr lang="en-US" dirty="0"/>
-          </a:p>
-        </p:txBody>
-      </p:sp>
-      <p:sp>
-        <p:nvSpPr>
-          <p:cNvPr id="14" name="Heart 13">
-            <a:extLst>
-              <a:ext uri="{FF2B5EF4-FFF2-40B4-BE49-F238E27FC236}">
-                <a16:creationId xmlns:a16="http://schemas.microsoft.com/office/drawing/2014/main" id="{392E5D61-A213-4BB0-8A6C-3891D20A1E63}"/>
-              </a:ext>
-            </a:extLst>
-          </p:cNvPr>
-          <p:cNvSpPr/>
+      </p:pic>
+      <p:pic>
+        <p:nvPicPr>
+          <p:cNvPr id="12" name="Picture 11"/>
+          <p:cNvPicPr>
+            <a:picLocks noChangeAspect="1"/>
+          </p:cNvPicPr>
           <p:nvPr/>
-        </p:nvSpPr>
+        </p:nvPicPr>
+        <p:blipFill>
+          <a:blip r:embed="rId3">
+            <a:extLst>
+              <a:ext uri="{28A0092B-C50C-407E-A947-70E740481C1C}">
+                <a14:useLocalDpi xmlns:a14="http://schemas.microsoft.com/office/drawing/2010/main" val="0"/>
+              </a:ext>
+            </a:extLst>
+          </a:blip>
+          <a:stretch>
+            <a:fillRect/>
+          </a:stretch>
+        </p:blipFill>
         <p:spPr>
           <a:xfrm>
-            <a:off x="2482645" y="1892625"/>
-            <a:ext cx="1406013" cy="1406013"/>
-          </a:xfrm>
-          <a:prstGeom prst="heart">
-            <a:avLst/>
-          </a:prstGeom>
-        </p:spPr>
-        <p:style>
-          <a:lnRef idx="2">
-            <a:schemeClr val="accent1">
-              <a:shade val="50000"/>
-            </a:schemeClr>
-          </a:lnRef>
-          <a:fillRef idx="1">
-            <a:schemeClr val="accent1"/>
-          </a:fillRef>
-          <a:effectRef idx="0">
-            <a:schemeClr val="accent1"/>
-          </a:effectRef>
-          <a:fontRef idx="minor">
-            <a:schemeClr val="lt1"/>
-          </a:fontRef>
-        </p:style>
-        <p:txBody>
-          <a:bodyPr rtlCol="0" anchor="ctr"/>
-          <a:lstStyle/>
-          <a:p>
-            <a:pPr algn="ctr"/>
-            <a:r>
-              <a:rPr lang="en-US" dirty="0"/>
-              <a:t>Model</a:t>
-            </a:r>
-          </a:p>
-        </p:txBody>
-      </p:sp>
-      <p:cxnSp>
-        <p:nvCxnSpPr>
-          <p:cNvPr id="16" name="Straight Arrow Connector 15">
-            <a:extLst>
-              <a:ext uri="{FF2B5EF4-FFF2-40B4-BE49-F238E27FC236}">
-                <a16:creationId xmlns:a16="http://schemas.microsoft.com/office/drawing/2014/main" id="{83322147-18E6-47FF-A565-61C82D440560}"/>
-              </a:ext>
-            </a:extLst>
-          </p:cNvPr>
-          <p:cNvCxnSpPr/>
-          <p:nvPr/>
-        </p:nvCxnSpPr>
-        <p:spPr>
-          <a:xfrm flipV="1">
-            <a:off x="3864077" y="2049310"/>
-            <a:ext cx="1347020" cy="516909"/>
-          </a:xfrm>
-          <a:prstGeom prst="straightConnector1">
-            <a:avLst/>
-          </a:prstGeom>
-          <a:ln>
-            <a:tailEnd type="triangle"/>
-          </a:ln>
-        </p:spPr>
-        <p:style>
-          <a:lnRef idx="1">
-            <a:schemeClr val="accent1"/>
-          </a:lnRef>
-          <a:fillRef idx="0">
-            <a:schemeClr val="accent1"/>
-          </a:fillRef>
-          <a:effectRef idx="0">
-            <a:schemeClr val="accent1"/>
-          </a:effectRef>
-          <a:fontRef idx="minor">
-            <a:schemeClr val="tx1"/>
-          </a:fontRef>
-        </p:style>
-      </p:cxnSp>
-      <p:cxnSp>
-        <p:nvCxnSpPr>
-          <p:cNvPr id="18" name="Straight Arrow Connector 17">
-            <a:extLst>
-              <a:ext uri="{FF2B5EF4-FFF2-40B4-BE49-F238E27FC236}">
-                <a16:creationId xmlns:a16="http://schemas.microsoft.com/office/drawing/2014/main" id="{AB6CADEF-896F-46F4-AA50-D5EF02B4A05E}"/>
-              </a:ext>
-            </a:extLst>
-          </p:cNvPr>
-          <p:cNvCxnSpPr>
-            <a:cxnSpLocks/>
-            <a:endCxn id="20" idx="1"/>
-          </p:cNvCxnSpPr>
-          <p:nvPr/>
-        </p:nvCxnSpPr>
-        <p:spPr>
-          <a:xfrm>
-            <a:off x="3888658" y="2595631"/>
-            <a:ext cx="1052253" cy="1317152"/>
-          </a:xfrm>
-          <a:prstGeom prst="straightConnector1">
-            <a:avLst/>
-          </a:prstGeom>
-          <a:ln>
-            <a:tailEnd type="triangle"/>
-          </a:ln>
-        </p:spPr>
-        <p:style>
-          <a:lnRef idx="1">
-            <a:schemeClr val="accent1"/>
-          </a:lnRef>
-          <a:fillRef idx="0">
-            <a:schemeClr val="accent1"/>
-          </a:fillRef>
-          <a:effectRef idx="0">
-            <a:schemeClr val="accent1"/>
-          </a:effectRef>
-          <a:fontRef idx="minor">
-            <a:schemeClr val="tx1"/>
-          </a:fontRef>
-        </p:style>
-      </p:cxnSp>
-      <p:sp>
-        <p:nvSpPr>
-          <p:cNvPr id="19" name="Rectangle 18">
-            <a:extLst>
-              <a:ext uri="{FF2B5EF4-FFF2-40B4-BE49-F238E27FC236}">
-                <a16:creationId xmlns:a16="http://schemas.microsoft.com/office/drawing/2014/main" id="{D883E966-3ECB-48E2-8C85-6EEFAA30C00E}"/>
-              </a:ext>
-            </a:extLst>
-          </p:cNvPr>
-          <p:cNvSpPr/>
-          <p:nvPr/>
-        </p:nvSpPr>
-        <p:spPr>
-          <a:xfrm>
-            <a:off x="4940911" y="1771192"/>
-            <a:ext cx="1406013" cy="516908"/>
-          </a:xfrm>
-          <a:prstGeom prst="rect">
-            <a:avLst/>
-          </a:prstGeom>
-          <a:noFill/>
-          <a:ln>
-            <a:solidFill>
-              <a:schemeClr val="bg1"/>
-            </a:solidFill>
-          </a:ln>
-        </p:spPr>
-        <p:style>
-          <a:lnRef idx="2">
-            <a:schemeClr val="accent6"/>
-          </a:lnRef>
-          <a:fillRef idx="1">
-            <a:schemeClr val="lt1"/>
-          </a:fillRef>
-          <a:effectRef idx="0">
-            <a:schemeClr val="accent6"/>
-          </a:effectRef>
-          <a:fontRef idx="minor">
-            <a:schemeClr val="dk1"/>
-          </a:fontRef>
-        </p:style>
-        <p:txBody>
-          <a:bodyPr rtlCol="0" anchor="ctr"/>
-          <a:lstStyle/>
-          <a:p>
-            <a:pPr algn="ctr"/>
-            <a:r>
-              <a:rPr lang="en-US" dirty="0" err="1"/>
-              <a:t>Proba</a:t>
-            </a:r>
-            <a:r>
-              <a:rPr lang="en-US" dirty="0"/>
-              <a:t> YA &gt;  0.6</a:t>
-            </a:r>
-          </a:p>
-        </p:txBody>
-      </p:sp>
-      <p:sp>
-        <p:nvSpPr>
-          <p:cNvPr id="20" name="Rectangle 19">
-            <a:extLst>
-              <a:ext uri="{FF2B5EF4-FFF2-40B4-BE49-F238E27FC236}">
-                <a16:creationId xmlns:a16="http://schemas.microsoft.com/office/drawing/2014/main" id="{414D189D-384A-4901-95D0-FA83581327B1}"/>
-              </a:ext>
-            </a:extLst>
-          </p:cNvPr>
-          <p:cNvSpPr/>
-          <p:nvPr/>
-        </p:nvSpPr>
-        <p:spPr>
-          <a:xfrm>
-            <a:off x="4940911" y="3654329"/>
-            <a:ext cx="1406013" cy="516908"/>
-          </a:xfrm>
-          <a:prstGeom prst="rect">
-            <a:avLst/>
-          </a:prstGeom>
-          <a:noFill/>
-          <a:ln>
-            <a:solidFill>
-              <a:schemeClr val="bg1"/>
-            </a:solidFill>
-          </a:ln>
-        </p:spPr>
-        <p:style>
-          <a:lnRef idx="2">
-            <a:schemeClr val="accent6"/>
-          </a:lnRef>
-          <a:fillRef idx="1">
-            <a:schemeClr val="lt1"/>
-          </a:fillRef>
-          <a:effectRef idx="0">
-            <a:schemeClr val="accent6"/>
-          </a:effectRef>
-          <a:fontRef idx="minor">
-            <a:schemeClr val="dk1"/>
-          </a:fontRef>
-        </p:style>
-        <p:txBody>
-          <a:bodyPr rtlCol="0" anchor="ctr"/>
-          <a:lstStyle/>
-          <a:p>
-            <a:pPr algn="ctr"/>
-            <a:r>
-              <a:rPr lang="en-US" dirty="0"/>
-              <a:t>0.6 &gt;=</a:t>
-            </a:r>
-            <a:r>
-              <a:rPr lang="en-US" dirty="0" err="1"/>
-              <a:t>Proba</a:t>
-            </a:r>
-            <a:r>
-              <a:rPr lang="en-US" dirty="0"/>
-              <a:t> </a:t>
-            </a:r>
-            <a:r>
-              <a:rPr lang="en-US" dirty="0" err="1"/>
-              <a:t>Ya</a:t>
-            </a:r>
-            <a:r>
-              <a:rPr lang="en-US" dirty="0"/>
-              <a:t> &gt;= 0.3</a:t>
-            </a:r>
-          </a:p>
-        </p:txBody>
-      </p:sp>
-      <p:sp>
-        <p:nvSpPr>
-          <p:cNvPr id="21" name="Arrow: Right 20">
-            <a:extLst>
-              <a:ext uri="{FF2B5EF4-FFF2-40B4-BE49-F238E27FC236}">
-                <a16:creationId xmlns:a16="http://schemas.microsoft.com/office/drawing/2014/main" id="{B4F29545-C968-4923-AE3D-83B08E50170B}"/>
-              </a:ext>
-            </a:extLst>
-          </p:cNvPr>
-          <p:cNvSpPr/>
-          <p:nvPr/>
-        </p:nvSpPr>
-        <p:spPr>
-          <a:xfrm>
-            <a:off x="1809135" y="2637502"/>
-            <a:ext cx="560439" cy="196285"/>
-          </a:xfrm>
-          <a:prstGeom prst="rightArrow">
-            <a:avLst/>
-          </a:prstGeom>
-        </p:spPr>
-        <p:style>
-          <a:lnRef idx="2">
-            <a:schemeClr val="accent1">
-              <a:shade val="50000"/>
-            </a:schemeClr>
-          </a:lnRef>
-          <a:fillRef idx="1">
-            <a:schemeClr val="accent1"/>
-          </a:fillRef>
-          <a:effectRef idx="0">
-            <a:schemeClr val="accent1"/>
-          </a:effectRef>
-          <a:fontRef idx="minor">
-            <a:schemeClr val="lt1"/>
-          </a:fontRef>
-        </p:style>
-        <p:txBody>
-          <a:bodyPr rtlCol="0" anchor="ctr"/>
-          <a:lstStyle/>
-          <a:p>
-            <a:pPr algn="ctr"/>
-            <a:endParaRPr lang="en-US"/>
-          </a:p>
-        </p:txBody>
-      </p:sp>
-      <p:sp>
-        <p:nvSpPr>
-          <p:cNvPr id="22" name="Rectangle 21">
-            <a:extLst>
-              <a:ext uri="{FF2B5EF4-FFF2-40B4-BE49-F238E27FC236}">
-                <a16:creationId xmlns:a16="http://schemas.microsoft.com/office/drawing/2014/main" id="{5A9157F7-6ABD-4250-9D7C-B0F050202771}"/>
-              </a:ext>
-            </a:extLst>
-          </p:cNvPr>
-          <p:cNvSpPr/>
-          <p:nvPr/>
-        </p:nvSpPr>
-        <p:spPr>
-          <a:xfrm>
-            <a:off x="6980905" y="3530042"/>
-            <a:ext cx="1714850" cy="887002"/>
-          </a:xfrm>
-          <a:prstGeom prst="rect">
-            <a:avLst/>
-          </a:prstGeom>
-          <a:ln>
-            <a:solidFill>
-              <a:srgbClr val="FF0000"/>
-            </a:solidFill>
-          </a:ln>
-        </p:spPr>
-        <p:style>
-          <a:lnRef idx="2">
-            <a:schemeClr val="accent6"/>
-          </a:lnRef>
-          <a:fillRef idx="1">
-            <a:schemeClr val="lt1"/>
-          </a:fillRef>
-          <a:effectRef idx="0">
-            <a:schemeClr val="accent6"/>
-          </a:effectRef>
-          <a:fontRef idx="minor">
-            <a:schemeClr val="dk1"/>
-          </a:fontRef>
-        </p:style>
-        <p:txBody>
-          <a:bodyPr rtlCol="0" anchor="ctr"/>
-          <a:lstStyle/>
-          <a:p>
-            <a:pPr algn="ctr"/>
-            <a:r>
-              <a:rPr lang="en-US" dirty="0" err="1"/>
-              <a:t>Lihat</a:t>
-            </a:r>
-            <a:r>
-              <a:rPr lang="en-US" dirty="0"/>
-              <a:t> </a:t>
-            </a:r>
-            <a:r>
-              <a:rPr lang="en-US" dirty="0" err="1"/>
-              <a:t>isi</a:t>
-            </a:r>
-            <a:r>
-              <a:rPr lang="en-US" dirty="0"/>
-              <a:t> </a:t>
-            </a:r>
-            <a:r>
-              <a:rPr lang="en-US" dirty="0" err="1"/>
-              <a:t>rekeningnya</a:t>
-            </a:r>
-            <a:r>
-              <a:rPr lang="en-US" dirty="0"/>
-              <a:t> </a:t>
-            </a:r>
-            <a:r>
-              <a:rPr lang="en-US" dirty="0" err="1"/>
-              <a:t>sabi</a:t>
-            </a:r>
-            <a:r>
-              <a:rPr lang="en-US" dirty="0"/>
-              <a:t> ga</a:t>
-            </a:r>
-          </a:p>
-        </p:txBody>
-      </p:sp>
-      <p:sp>
-        <p:nvSpPr>
-          <p:cNvPr id="28" name="Rectangle 27">
-            <a:extLst>
-              <a:ext uri="{FF2B5EF4-FFF2-40B4-BE49-F238E27FC236}">
-                <a16:creationId xmlns:a16="http://schemas.microsoft.com/office/drawing/2014/main" id="{B1EB15D2-21A6-4048-9DD4-44D3AB2D1174}"/>
-              </a:ext>
-            </a:extLst>
-          </p:cNvPr>
-          <p:cNvSpPr/>
-          <p:nvPr/>
-        </p:nvSpPr>
-        <p:spPr>
-          <a:xfrm>
-            <a:off x="7008988" y="1590370"/>
-            <a:ext cx="2241756" cy="592391"/>
-          </a:xfrm>
-          <a:prstGeom prst="rect">
-            <a:avLst/>
-          </a:prstGeom>
-          <a:ln>
-            <a:solidFill>
-              <a:schemeClr val="accent6"/>
-            </a:solidFill>
-          </a:ln>
-        </p:spPr>
-        <p:style>
-          <a:lnRef idx="2">
-            <a:schemeClr val="accent6"/>
-          </a:lnRef>
-          <a:fillRef idx="1">
-            <a:schemeClr val="lt1"/>
-          </a:fillRef>
-          <a:effectRef idx="0">
-            <a:schemeClr val="accent6"/>
-          </a:effectRef>
-          <a:fontRef idx="minor">
-            <a:schemeClr val="dk1"/>
-          </a:fontRef>
-        </p:style>
-        <p:txBody>
-          <a:bodyPr rtlCol="0" anchor="ctr"/>
-          <a:lstStyle/>
-          <a:p>
-            <a:pPr algn="ctr"/>
-            <a:r>
-              <a:rPr lang="en-US" dirty="0"/>
-              <a:t>Gas </a:t>
-            </a:r>
-            <a:r>
-              <a:rPr lang="en-US" dirty="0" err="1"/>
-              <a:t>masukin</a:t>
-            </a:r>
-            <a:r>
-              <a:rPr lang="en-US" dirty="0"/>
-              <a:t> </a:t>
-            </a:r>
-            <a:r>
-              <a:rPr lang="en-US" dirty="0" err="1"/>
-              <a:t>ke</a:t>
-            </a:r>
-            <a:r>
-              <a:rPr lang="en-US" dirty="0"/>
-              <a:t> list </a:t>
-            </a:r>
-            <a:r>
-              <a:rPr lang="en-US" dirty="0" err="1"/>
-              <a:t>calon</a:t>
-            </a:r>
-            <a:r>
-              <a:rPr lang="en-US" dirty="0"/>
-              <a:t> customer</a:t>
-            </a:r>
-          </a:p>
-        </p:txBody>
-      </p:sp>
-      <p:sp>
-        <p:nvSpPr>
-          <p:cNvPr id="47" name="Rectangle 46">
-            <a:extLst>
-              <a:ext uri="{FF2B5EF4-FFF2-40B4-BE49-F238E27FC236}">
-                <a16:creationId xmlns:a16="http://schemas.microsoft.com/office/drawing/2014/main" id="{57E843B5-FA73-4782-99AA-E6CF76BCE3F4}"/>
-              </a:ext>
-            </a:extLst>
-          </p:cNvPr>
-          <p:cNvSpPr/>
-          <p:nvPr/>
-        </p:nvSpPr>
-        <p:spPr>
-          <a:xfrm>
-            <a:off x="353961" y="352649"/>
-            <a:ext cx="4680155" cy="712838"/>
-          </a:xfrm>
-          <a:prstGeom prst="rect">
-            <a:avLst/>
-          </a:prstGeom>
-          <a:ln w="57150">
-            <a:solidFill>
-              <a:schemeClr val="tx1"/>
-            </a:solidFill>
-            <a:prstDash val="dashDot"/>
-          </a:ln>
-        </p:spPr>
-        <p:style>
-          <a:lnRef idx="2">
-            <a:schemeClr val="accent6"/>
-          </a:lnRef>
-          <a:fillRef idx="1">
-            <a:schemeClr val="lt1"/>
-          </a:fillRef>
-          <a:effectRef idx="0">
-            <a:schemeClr val="accent6"/>
-          </a:effectRef>
-          <a:fontRef idx="minor">
-            <a:schemeClr val="dk1"/>
-          </a:fontRef>
-        </p:style>
-        <p:txBody>
-          <a:bodyPr rtlCol="0" anchor="ctr"/>
-          <a:lstStyle/>
-          <a:p>
-            <a:pPr algn="ctr"/>
-            <a:r>
-              <a:rPr lang="en-US" dirty="0" err="1"/>
-              <a:t>Analisis</a:t>
-            </a:r>
-            <a:r>
-              <a:rPr lang="en-US" dirty="0"/>
-              <a:t> </a:t>
-            </a:r>
-            <a:r>
-              <a:rPr lang="en-US" dirty="0" err="1"/>
-              <a:t>dilakukan</a:t>
-            </a:r>
-            <a:r>
-              <a:rPr lang="en-US" dirty="0"/>
-              <a:t> di </a:t>
-            </a:r>
-            <a:r>
-              <a:rPr lang="en-US" dirty="0" err="1"/>
-              <a:t>waktu</a:t>
-            </a:r>
-            <a:r>
-              <a:rPr lang="en-US" dirty="0"/>
-              <a:t> </a:t>
-            </a:r>
-            <a:r>
-              <a:rPr lang="en-US" dirty="0" err="1"/>
-              <a:t>jeda</a:t>
-            </a:r>
-            <a:r>
-              <a:rPr lang="en-US" dirty="0"/>
-              <a:t> </a:t>
-            </a:r>
-            <a:r>
-              <a:rPr lang="en-US" dirty="0" err="1"/>
-              <a:t>antar</a:t>
-            </a:r>
-            <a:r>
-              <a:rPr lang="en-US" dirty="0"/>
-              <a:t> program </a:t>
-            </a:r>
-          </a:p>
-        </p:txBody>
-      </p:sp>
-      <p:sp>
-        <p:nvSpPr>
-          <p:cNvPr id="49" name="Rectangle 48">
-            <a:extLst>
-              <a:ext uri="{FF2B5EF4-FFF2-40B4-BE49-F238E27FC236}">
-                <a16:creationId xmlns:a16="http://schemas.microsoft.com/office/drawing/2014/main" id="{31811511-F160-4C5D-A4DC-2DF5D526DBCD}"/>
-              </a:ext>
-            </a:extLst>
-          </p:cNvPr>
-          <p:cNvSpPr/>
-          <p:nvPr/>
-        </p:nvSpPr>
-        <p:spPr>
-          <a:xfrm>
-            <a:off x="7360392" y="2827728"/>
-            <a:ext cx="791697" cy="311017"/>
-          </a:xfrm>
-          <a:prstGeom prst="rect">
-            <a:avLst/>
-          </a:prstGeom>
-          <a:ln>
-            <a:solidFill>
-              <a:schemeClr val="accent6"/>
-            </a:solidFill>
-          </a:ln>
-        </p:spPr>
-        <p:style>
-          <a:lnRef idx="2">
-            <a:schemeClr val="accent6"/>
-          </a:lnRef>
-          <a:fillRef idx="1">
-            <a:schemeClr val="lt1"/>
-          </a:fillRef>
-          <a:effectRef idx="0">
-            <a:schemeClr val="accent6"/>
-          </a:effectRef>
-          <a:fontRef idx="minor">
-            <a:schemeClr val="dk1"/>
-          </a:fontRef>
-        </p:style>
-        <p:txBody>
-          <a:bodyPr rtlCol="0" anchor="ctr"/>
-          <a:lstStyle/>
-          <a:p>
-            <a:pPr algn="ctr"/>
-            <a:r>
-              <a:rPr lang="en-US" dirty="0" err="1"/>
-              <a:t>Sabi</a:t>
-            </a:r>
-            <a:endParaRPr lang="en-US" dirty="0"/>
-          </a:p>
-        </p:txBody>
-      </p:sp>
-      <p:cxnSp>
-        <p:nvCxnSpPr>
-          <p:cNvPr id="11" name="Straight Arrow Connector 10">
-            <a:extLst>
-              <a:ext uri="{FF2B5EF4-FFF2-40B4-BE49-F238E27FC236}">
-                <a16:creationId xmlns:a16="http://schemas.microsoft.com/office/drawing/2014/main" id="{E66695E6-236C-4B52-93C5-AC271882D16A}"/>
-              </a:ext>
-            </a:extLst>
-          </p:cNvPr>
-          <p:cNvCxnSpPr>
-            <a:stCxn id="22" idx="0"/>
-            <a:endCxn id="49" idx="2"/>
-          </p:cNvCxnSpPr>
-          <p:nvPr/>
-        </p:nvCxnSpPr>
-        <p:spPr>
-          <a:xfrm flipH="1" flipV="1">
-            <a:off x="7756241" y="3138745"/>
-            <a:ext cx="82089" cy="391297"/>
-          </a:xfrm>
-          <a:prstGeom prst="straightConnector1">
-            <a:avLst/>
-          </a:prstGeom>
-          <a:ln>
-            <a:tailEnd type="triangle"/>
-          </a:ln>
-        </p:spPr>
-        <p:style>
-          <a:lnRef idx="1">
-            <a:schemeClr val="accent1"/>
-          </a:lnRef>
-          <a:fillRef idx="0">
-            <a:schemeClr val="accent1"/>
-          </a:fillRef>
-          <a:effectRef idx="0">
-            <a:schemeClr val="accent1"/>
-          </a:effectRef>
-          <a:fontRef idx="minor">
-            <a:schemeClr val="tx1"/>
-          </a:fontRef>
-        </p:style>
-      </p:cxnSp>
-      <p:cxnSp>
-        <p:nvCxnSpPr>
-          <p:cNvPr id="15" name="Straight Arrow Connector 14">
-            <a:extLst>
-              <a:ext uri="{FF2B5EF4-FFF2-40B4-BE49-F238E27FC236}">
-                <a16:creationId xmlns:a16="http://schemas.microsoft.com/office/drawing/2014/main" id="{39F2A515-125A-4AA3-B7EB-CF4D191D796B}"/>
-              </a:ext>
-            </a:extLst>
-          </p:cNvPr>
-          <p:cNvCxnSpPr>
-            <a:stCxn id="49" idx="0"/>
-            <a:endCxn id="28" idx="2"/>
-          </p:cNvCxnSpPr>
-          <p:nvPr/>
-        </p:nvCxnSpPr>
-        <p:spPr>
-          <a:xfrm flipV="1">
-            <a:off x="7756241" y="2182761"/>
-            <a:ext cx="373625" cy="644967"/>
-          </a:xfrm>
-          <a:prstGeom prst="straightConnector1">
-            <a:avLst/>
-          </a:prstGeom>
-          <a:ln>
-            <a:tailEnd type="triangle"/>
-          </a:ln>
-        </p:spPr>
-        <p:style>
-          <a:lnRef idx="1">
-            <a:schemeClr val="accent1"/>
-          </a:lnRef>
-          <a:fillRef idx="0">
-            <a:schemeClr val="accent1"/>
-          </a:fillRef>
-          <a:effectRef idx="0">
-            <a:schemeClr val="accent1"/>
-          </a:effectRef>
-          <a:fontRef idx="minor">
-            <a:schemeClr val="tx1"/>
-          </a:fontRef>
-        </p:style>
-      </p:cxnSp>
-      <p:cxnSp>
-        <p:nvCxnSpPr>
-          <p:cNvPr id="27" name="Straight Arrow Connector 26">
-            <a:extLst>
-              <a:ext uri="{FF2B5EF4-FFF2-40B4-BE49-F238E27FC236}">
-                <a16:creationId xmlns:a16="http://schemas.microsoft.com/office/drawing/2014/main" id="{A24912AB-02C2-48EB-A066-84282A8C22E4}"/>
-              </a:ext>
-            </a:extLst>
-          </p:cNvPr>
-          <p:cNvCxnSpPr>
-            <a:cxnSpLocks/>
-            <a:stCxn id="19" idx="3"/>
-            <a:endCxn id="28" idx="1"/>
-          </p:cNvCxnSpPr>
-          <p:nvPr/>
-        </p:nvCxnSpPr>
-        <p:spPr>
-          <a:xfrm flipV="1">
-            <a:off x="6346924" y="1886566"/>
-            <a:ext cx="662064" cy="143080"/>
-          </a:xfrm>
-          <a:prstGeom prst="straightConnector1">
-            <a:avLst/>
-          </a:prstGeom>
-          <a:ln>
-            <a:tailEnd type="triangle"/>
-          </a:ln>
-        </p:spPr>
-        <p:style>
-          <a:lnRef idx="1">
-            <a:schemeClr val="accent1"/>
-          </a:lnRef>
-          <a:fillRef idx="0">
-            <a:schemeClr val="accent1"/>
-          </a:fillRef>
-          <a:effectRef idx="0">
-            <a:schemeClr val="accent1"/>
-          </a:effectRef>
-          <a:fontRef idx="minor">
-            <a:schemeClr val="tx1"/>
-          </a:fontRef>
-        </p:style>
-      </p:cxnSp>
-      <p:sp>
-        <p:nvSpPr>
-          <p:cNvPr id="59" name="Rectangle 58">
-            <a:extLst>
-              <a:ext uri="{FF2B5EF4-FFF2-40B4-BE49-F238E27FC236}">
-                <a16:creationId xmlns:a16="http://schemas.microsoft.com/office/drawing/2014/main" id="{94EBAC42-4394-47E0-AA46-4BB7C3A29DBB}"/>
-              </a:ext>
-            </a:extLst>
-          </p:cNvPr>
-          <p:cNvSpPr/>
-          <p:nvPr/>
-        </p:nvSpPr>
-        <p:spPr>
-          <a:xfrm>
-            <a:off x="7106303" y="4813034"/>
-            <a:ext cx="1122897" cy="378039"/>
-          </a:xfrm>
-          <a:prstGeom prst="rect">
-            <a:avLst/>
-          </a:prstGeom>
-          <a:ln>
-            <a:solidFill>
-              <a:srgbClr val="FF0000"/>
-            </a:solidFill>
-          </a:ln>
-        </p:spPr>
-        <p:style>
-          <a:lnRef idx="2">
-            <a:schemeClr val="accent6"/>
-          </a:lnRef>
-          <a:fillRef idx="1">
-            <a:schemeClr val="lt1"/>
-          </a:fillRef>
-          <a:effectRef idx="0">
-            <a:schemeClr val="accent6"/>
-          </a:effectRef>
-          <a:fontRef idx="minor">
-            <a:schemeClr val="dk1"/>
-          </a:fontRef>
-        </p:style>
-        <p:txBody>
-          <a:bodyPr rtlCol="0" anchor="ctr"/>
-          <a:lstStyle/>
-          <a:p>
-            <a:pPr algn="ctr"/>
-            <a:r>
-              <a:rPr lang="en-US" dirty="0" err="1"/>
-              <a:t>Tidak</a:t>
-            </a:r>
-            <a:r>
-              <a:rPr lang="en-US" dirty="0"/>
-              <a:t> </a:t>
-            </a:r>
-            <a:r>
-              <a:rPr lang="en-US" dirty="0" err="1"/>
-              <a:t>Sabi</a:t>
-            </a:r>
-            <a:endParaRPr lang="en-US" dirty="0"/>
-          </a:p>
-        </p:txBody>
-      </p:sp>
-      <p:cxnSp>
-        <p:nvCxnSpPr>
-          <p:cNvPr id="39" name="Straight Arrow Connector 38">
-            <a:extLst>
-              <a:ext uri="{FF2B5EF4-FFF2-40B4-BE49-F238E27FC236}">
-                <a16:creationId xmlns:a16="http://schemas.microsoft.com/office/drawing/2014/main" id="{56F1E56F-6D08-43C3-9CD0-F9856AB2BFCB}"/>
-              </a:ext>
-            </a:extLst>
-          </p:cNvPr>
-          <p:cNvCxnSpPr>
-            <a:stCxn id="22" idx="2"/>
-            <a:endCxn id="59" idx="0"/>
-          </p:cNvCxnSpPr>
-          <p:nvPr/>
-        </p:nvCxnSpPr>
-        <p:spPr>
-          <a:xfrm flipH="1">
-            <a:off x="7667752" y="4417044"/>
-            <a:ext cx="170578" cy="395990"/>
-          </a:xfrm>
-          <a:prstGeom prst="straightConnector1">
-            <a:avLst/>
-          </a:prstGeom>
-          <a:ln>
-            <a:tailEnd type="triangle"/>
-          </a:ln>
-        </p:spPr>
-        <p:style>
-          <a:lnRef idx="1">
-            <a:schemeClr val="accent1"/>
-          </a:lnRef>
-          <a:fillRef idx="0">
-            <a:schemeClr val="accent1"/>
-          </a:fillRef>
-          <a:effectRef idx="0">
-            <a:schemeClr val="accent1"/>
-          </a:effectRef>
-          <a:fontRef idx="minor">
-            <a:schemeClr val="tx1"/>
-          </a:fontRef>
-        </p:style>
-      </p:cxnSp>
-      <p:sp>
-        <p:nvSpPr>
-          <p:cNvPr id="64" name="Rectangle 63">
-            <a:extLst>
-              <a:ext uri="{FF2B5EF4-FFF2-40B4-BE49-F238E27FC236}">
-                <a16:creationId xmlns:a16="http://schemas.microsoft.com/office/drawing/2014/main" id="{873AB6BD-1DA9-412E-92D4-8E3706AB1162}"/>
-              </a:ext>
-            </a:extLst>
-          </p:cNvPr>
-          <p:cNvSpPr/>
-          <p:nvPr/>
-        </p:nvSpPr>
-        <p:spPr>
-          <a:xfrm>
-            <a:off x="6499603" y="5593122"/>
-            <a:ext cx="2237846" cy="737932"/>
-          </a:xfrm>
-          <a:prstGeom prst="rect">
-            <a:avLst/>
-          </a:prstGeom>
-          <a:ln>
-            <a:solidFill>
-              <a:srgbClr val="FF0000"/>
-            </a:solidFill>
-          </a:ln>
-        </p:spPr>
-        <p:style>
-          <a:lnRef idx="2">
-            <a:schemeClr val="accent6"/>
-          </a:lnRef>
-          <a:fillRef idx="1">
-            <a:schemeClr val="lt1"/>
-          </a:fillRef>
-          <a:effectRef idx="0">
-            <a:schemeClr val="accent6"/>
-          </a:effectRef>
-          <a:fontRef idx="minor">
-            <a:schemeClr val="dk1"/>
-          </a:fontRef>
-        </p:style>
-        <p:txBody>
-          <a:bodyPr rtlCol="0" anchor="ctr"/>
-          <a:lstStyle/>
-          <a:p>
-            <a:pPr algn="ctr"/>
-            <a:r>
-              <a:rPr lang="en-US" dirty="0"/>
-              <a:t>JANGAN </a:t>
-            </a:r>
-            <a:r>
-              <a:rPr lang="en-US" dirty="0" err="1"/>
-              <a:t>masukin</a:t>
-            </a:r>
-            <a:r>
-              <a:rPr lang="en-US" dirty="0"/>
-              <a:t> </a:t>
-            </a:r>
-            <a:r>
-              <a:rPr lang="en-US" dirty="0" err="1"/>
-              <a:t>ke</a:t>
-            </a:r>
-            <a:r>
-              <a:rPr lang="en-US" dirty="0"/>
-              <a:t> list </a:t>
-            </a:r>
-            <a:r>
-              <a:rPr lang="en-US" dirty="0" err="1"/>
-              <a:t>calon</a:t>
-            </a:r>
-            <a:r>
-              <a:rPr lang="en-US" dirty="0"/>
-              <a:t> customer</a:t>
-            </a:r>
-          </a:p>
-        </p:txBody>
-      </p:sp>
-      <p:cxnSp>
-        <p:nvCxnSpPr>
-          <p:cNvPr id="66" name="Straight Arrow Connector 65">
-            <a:extLst>
-              <a:ext uri="{FF2B5EF4-FFF2-40B4-BE49-F238E27FC236}">
-                <a16:creationId xmlns:a16="http://schemas.microsoft.com/office/drawing/2014/main" id="{34FCC3EF-D503-44C7-8236-B4369AC6C71B}"/>
-              </a:ext>
-            </a:extLst>
-          </p:cNvPr>
-          <p:cNvCxnSpPr>
-            <a:cxnSpLocks/>
-            <a:endCxn id="22" idx="1"/>
-          </p:cNvCxnSpPr>
-          <p:nvPr/>
-        </p:nvCxnSpPr>
-        <p:spPr>
-          <a:xfrm>
-            <a:off x="6198233" y="3973458"/>
-            <a:ext cx="782672" cy="85"/>
-          </a:xfrm>
-          <a:prstGeom prst="straightConnector1">
-            <a:avLst/>
-          </a:prstGeom>
-          <a:ln>
-            <a:tailEnd type="triangle"/>
-          </a:ln>
-        </p:spPr>
-        <p:style>
-          <a:lnRef idx="1">
-            <a:schemeClr val="accent1"/>
-          </a:lnRef>
-          <a:fillRef idx="0">
-            <a:schemeClr val="accent1"/>
-          </a:fillRef>
-          <a:effectRef idx="0">
-            <a:schemeClr val="accent1"/>
-          </a:effectRef>
-          <a:fontRef idx="minor">
-            <a:schemeClr val="tx1"/>
-          </a:fontRef>
-        </p:style>
-      </p:cxnSp>
-      <p:cxnSp>
-        <p:nvCxnSpPr>
-          <p:cNvPr id="45" name="Straight Arrow Connector 44">
-            <a:extLst>
-              <a:ext uri="{FF2B5EF4-FFF2-40B4-BE49-F238E27FC236}">
-                <a16:creationId xmlns:a16="http://schemas.microsoft.com/office/drawing/2014/main" id="{948B062E-F9A3-4E06-9C1D-5FE812A34AF1}"/>
-              </a:ext>
-            </a:extLst>
-          </p:cNvPr>
-          <p:cNvCxnSpPr>
-            <a:stCxn id="59" idx="2"/>
-            <a:endCxn id="64" idx="0"/>
-          </p:cNvCxnSpPr>
-          <p:nvPr/>
-        </p:nvCxnSpPr>
-        <p:spPr>
-          <a:xfrm flipH="1">
-            <a:off x="7618526" y="5191073"/>
-            <a:ext cx="49226" cy="402049"/>
-          </a:xfrm>
-          <a:prstGeom prst="straightConnector1">
-            <a:avLst/>
-          </a:prstGeom>
-          <a:ln>
-            <a:tailEnd type="triangle"/>
-          </a:ln>
-        </p:spPr>
-        <p:style>
-          <a:lnRef idx="1">
-            <a:schemeClr val="accent1"/>
-          </a:lnRef>
-          <a:fillRef idx="0">
-            <a:schemeClr val="accent1"/>
-          </a:fillRef>
-          <a:effectRef idx="0">
-            <a:schemeClr val="accent1"/>
-          </a:effectRef>
-          <a:fontRef idx="minor">
-            <a:schemeClr val="tx1"/>
-          </a:fontRef>
-        </p:style>
-      </p:cxnSp>
-      <p:sp>
-        <p:nvSpPr>
-          <p:cNvPr id="29" name="Rectangle 28">
-            <a:extLst>
-              <a:ext uri="{FF2B5EF4-FFF2-40B4-BE49-F238E27FC236}">
-                <a16:creationId xmlns:a16="http://schemas.microsoft.com/office/drawing/2014/main" id="{11F48799-AD9E-4E8A-BD80-7449EDA8548E}"/>
-              </a:ext>
-            </a:extLst>
-          </p:cNvPr>
-          <p:cNvSpPr/>
-          <p:nvPr/>
-        </p:nvSpPr>
-        <p:spPr>
-          <a:xfrm>
-            <a:off x="4933406" y="5002053"/>
-            <a:ext cx="1406013" cy="516908"/>
-          </a:xfrm>
-          <a:prstGeom prst="rect">
-            <a:avLst/>
-          </a:prstGeom>
-          <a:noFill/>
-          <a:ln>
-            <a:solidFill>
-              <a:schemeClr val="bg1"/>
-            </a:solidFill>
-          </a:ln>
-        </p:spPr>
-        <p:style>
-          <a:lnRef idx="2">
-            <a:schemeClr val="accent6"/>
-          </a:lnRef>
-          <a:fillRef idx="1">
-            <a:schemeClr val="lt1"/>
-          </a:fillRef>
-          <a:effectRef idx="0">
-            <a:schemeClr val="accent6"/>
-          </a:effectRef>
-          <a:fontRef idx="minor">
-            <a:schemeClr val="dk1"/>
-          </a:fontRef>
-        </p:style>
-        <p:txBody>
-          <a:bodyPr rtlCol="0" anchor="ctr"/>
-          <a:lstStyle/>
-          <a:p>
-            <a:pPr algn="ctr"/>
-            <a:r>
-              <a:rPr lang="en-US" dirty="0" err="1"/>
-              <a:t>Proba</a:t>
-            </a:r>
-            <a:r>
-              <a:rPr lang="en-US" dirty="0"/>
-              <a:t> </a:t>
-            </a:r>
-            <a:r>
-              <a:rPr lang="en-US" dirty="0" err="1"/>
-              <a:t>Ya</a:t>
-            </a:r>
-            <a:r>
-              <a:rPr lang="en-US" dirty="0"/>
-              <a:t> &lt; 0.3</a:t>
-            </a:r>
-          </a:p>
-        </p:txBody>
-      </p:sp>
-      <p:cxnSp>
-        <p:nvCxnSpPr>
-          <p:cNvPr id="9" name="Straight Arrow Connector 8">
-            <a:extLst>
-              <a:ext uri="{FF2B5EF4-FFF2-40B4-BE49-F238E27FC236}">
-                <a16:creationId xmlns:a16="http://schemas.microsoft.com/office/drawing/2014/main" id="{DC2EF522-2915-437A-9A4B-D966AE1BD8C3}"/>
-              </a:ext>
-            </a:extLst>
-          </p:cNvPr>
-          <p:cNvCxnSpPr>
-            <a:endCxn id="29" idx="1"/>
-          </p:cNvCxnSpPr>
-          <p:nvPr/>
-        </p:nvCxnSpPr>
-        <p:spPr>
-          <a:xfrm>
-            <a:off x="3864077" y="2637502"/>
-            <a:ext cx="1069329" cy="2623005"/>
-          </a:xfrm>
-          <a:prstGeom prst="straightConnector1">
-            <a:avLst/>
-          </a:prstGeom>
-          <a:ln>
-            <a:tailEnd type="triangle"/>
-          </a:ln>
-        </p:spPr>
-        <p:style>
-          <a:lnRef idx="1">
-            <a:schemeClr val="accent1"/>
-          </a:lnRef>
-          <a:fillRef idx="0">
-            <a:schemeClr val="accent1"/>
-          </a:fillRef>
-          <a:effectRef idx="0">
-            <a:schemeClr val="accent1"/>
-          </a:effectRef>
-          <a:fontRef idx="minor">
-            <a:schemeClr val="tx1"/>
-          </a:fontRef>
-        </p:style>
-      </p:cxnSp>
-      <p:cxnSp>
-        <p:nvCxnSpPr>
-          <p:cNvPr id="12" name="Straight Arrow Connector 11">
-            <a:extLst>
-              <a:ext uri="{FF2B5EF4-FFF2-40B4-BE49-F238E27FC236}">
-                <a16:creationId xmlns:a16="http://schemas.microsoft.com/office/drawing/2014/main" id="{C806C0F4-B8A8-4BB9-A419-4F30F0B89D19}"/>
-              </a:ext>
-            </a:extLst>
-          </p:cNvPr>
-          <p:cNvCxnSpPr>
-            <a:stCxn id="29" idx="2"/>
-            <a:endCxn id="64" idx="1"/>
-          </p:cNvCxnSpPr>
-          <p:nvPr/>
-        </p:nvCxnSpPr>
-        <p:spPr>
-          <a:xfrm>
-            <a:off x="5636413" y="5518961"/>
-            <a:ext cx="863190" cy="443127"/>
-          </a:xfrm>
-          <a:prstGeom prst="straightConnector1">
-            <a:avLst/>
-          </a:prstGeom>
-          <a:ln>
-            <a:tailEnd type="triangle"/>
-          </a:ln>
-        </p:spPr>
-        <p:style>
-          <a:lnRef idx="1">
-            <a:schemeClr val="accent1"/>
-          </a:lnRef>
-          <a:fillRef idx="0">
-            <a:schemeClr val="accent1"/>
-          </a:fillRef>
-          <a:effectRef idx="0">
-            <a:schemeClr val="accent1"/>
-          </a:effectRef>
-          <a:fontRef idx="minor">
-            <a:schemeClr val="tx1"/>
-          </a:fontRef>
-        </p:style>
-      </p:cxnSp>
-      <p:cxnSp>
-        <p:nvCxnSpPr>
-          <p:cNvPr id="23" name="Straight Connector 22">
-            <a:extLst>
-              <a:ext uri="{FF2B5EF4-FFF2-40B4-BE49-F238E27FC236}">
-                <a16:creationId xmlns:a16="http://schemas.microsoft.com/office/drawing/2014/main" id="{689CBEFC-E1E8-4392-B5FA-82BD665BABA2}"/>
-              </a:ext>
-            </a:extLst>
-          </p:cNvPr>
-          <p:cNvCxnSpPr/>
-          <p:nvPr/>
-        </p:nvCxnSpPr>
-        <p:spPr>
-          <a:xfrm flipV="1">
-            <a:off x="8664312" y="2288100"/>
-            <a:ext cx="897094" cy="1241942"/>
-          </a:xfrm>
-          <a:prstGeom prst="line">
-            <a:avLst/>
-          </a:prstGeom>
-        </p:spPr>
-        <p:style>
-          <a:lnRef idx="1">
-            <a:schemeClr val="accent1"/>
-          </a:lnRef>
-          <a:fillRef idx="0">
-            <a:schemeClr val="accent1"/>
-          </a:fillRef>
-          <a:effectRef idx="0">
-            <a:schemeClr val="accent1"/>
-          </a:effectRef>
-          <a:fontRef idx="minor">
-            <a:schemeClr val="tx1"/>
-          </a:fontRef>
-        </p:style>
-      </p:cxnSp>
-      <p:cxnSp>
-        <p:nvCxnSpPr>
-          <p:cNvPr id="25" name="Straight Connector 24">
-            <a:extLst>
-              <a:ext uri="{FF2B5EF4-FFF2-40B4-BE49-F238E27FC236}">
-                <a16:creationId xmlns:a16="http://schemas.microsoft.com/office/drawing/2014/main" id="{2170B41E-8F17-4A71-8A40-AC53F84BBE26}"/>
-              </a:ext>
-            </a:extLst>
-          </p:cNvPr>
-          <p:cNvCxnSpPr/>
-          <p:nvPr/>
-        </p:nvCxnSpPr>
-        <p:spPr>
-          <a:xfrm>
-            <a:off x="8695755" y="4417044"/>
-            <a:ext cx="821205" cy="1066062"/>
-          </a:xfrm>
-          <a:prstGeom prst="line">
-            <a:avLst/>
-          </a:prstGeom>
-        </p:spPr>
-        <p:style>
-          <a:lnRef idx="1">
-            <a:schemeClr val="accent1"/>
-          </a:lnRef>
-          <a:fillRef idx="0">
-            <a:schemeClr val="accent1"/>
-          </a:fillRef>
-          <a:effectRef idx="0">
-            <a:schemeClr val="accent1"/>
-          </a:effectRef>
-          <a:fontRef idx="minor">
-            <a:schemeClr val="tx1"/>
-          </a:fontRef>
-        </p:style>
-      </p:cxnSp>
-      <p:sp>
-        <p:nvSpPr>
-          <p:cNvPr id="26" name="Rectangle 25">
-            <a:extLst>
-              <a:ext uri="{FF2B5EF4-FFF2-40B4-BE49-F238E27FC236}">
-                <a16:creationId xmlns:a16="http://schemas.microsoft.com/office/drawing/2014/main" id="{661AE275-EA5D-4A5E-8498-2CBF6FE01557}"/>
-              </a:ext>
-            </a:extLst>
-          </p:cNvPr>
-          <p:cNvSpPr/>
-          <p:nvPr/>
-        </p:nvSpPr>
-        <p:spPr>
-          <a:xfrm>
-            <a:off x="9709355" y="1145253"/>
-            <a:ext cx="2241756" cy="1037508"/>
+            <a:off x="4075066" y="1605808"/>
+            <a:ext cx="3831044" cy="3831044"/>
           </a:xfrm>
           <a:prstGeom prst="rect">
             <a:avLst/>
           </a:prstGeom>
         </p:spPr>
-        <p:style>
-          <a:lnRef idx="2">
-            <a:schemeClr val="accent1">
-              <a:shade val="50000"/>
-            </a:schemeClr>
-          </a:lnRef>
-          <a:fillRef idx="1">
-            <a:schemeClr val="accent1"/>
-          </a:fillRef>
-          <a:effectRef idx="0">
-            <a:schemeClr val="accent1"/>
-          </a:effectRef>
-          <a:fontRef idx="minor">
-            <a:schemeClr val="lt1"/>
-          </a:fontRef>
-        </p:style>
-        <p:txBody>
-          <a:bodyPr rtlCol="0" anchor="ctr"/>
-          <a:lstStyle/>
-          <a:p>
-            <a:pPr algn="ctr"/>
-            <a:r>
-              <a:rPr lang="en-US" dirty="0" err="1"/>
-              <a:t>Mengacu</a:t>
-            </a:r>
-            <a:r>
-              <a:rPr lang="en-US" dirty="0"/>
-              <a:t> pada </a:t>
-            </a:r>
-            <a:r>
-              <a:rPr lang="en-US" dirty="0" err="1"/>
-              <a:t>jumlah</a:t>
-            </a:r>
-            <a:r>
-              <a:rPr lang="en-US" dirty="0"/>
-              <a:t> minimal </a:t>
-            </a:r>
-            <a:r>
-              <a:rPr lang="en-US" dirty="0" err="1"/>
-              <a:t>rekening</a:t>
-            </a:r>
-            <a:r>
-              <a:rPr lang="en-US" dirty="0"/>
-              <a:t> </a:t>
-            </a:r>
-            <a:r>
-              <a:rPr lang="en-US" dirty="0" err="1"/>
-              <a:t>nasabah</a:t>
-            </a:r>
-            <a:r>
-              <a:rPr lang="en-US" dirty="0"/>
-              <a:t> premium </a:t>
-            </a:r>
-          </a:p>
-        </p:txBody>
-      </p:sp>
+      </p:pic>
+      <p:pic>
+        <p:nvPicPr>
+          <p:cNvPr id="13" name="Picture 12"/>
+          <p:cNvPicPr>
+            <a:picLocks noChangeAspect="1"/>
+          </p:cNvPicPr>
+          <p:nvPr/>
+        </p:nvPicPr>
+        <p:blipFill>
+          <a:blip r:embed="rId4">
+            <a:extLst>
+              <a:ext uri="{28A0092B-C50C-407E-A947-70E740481C1C}">
+                <a14:useLocalDpi xmlns:a14="http://schemas.microsoft.com/office/drawing/2010/main" val="0"/>
+              </a:ext>
+            </a:extLst>
+          </a:blip>
+          <a:stretch>
+            <a:fillRect/>
+          </a:stretch>
+        </p:blipFill>
+        <p:spPr>
+          <a:xfrm>
+            <a:off x="8039967" y="1690687"/>
+            <a:ext cx="3731097" cy="3731097"/>
+          </a:xfrm>
+          <a:prstGeom prst="rect">
+            <a:avLst/>
+          </a:prstGeom>
+        </p:spPr>
+      </p:pic>
     </p:spTree>
     <p:extLst>
       <p:ext uri="{BB962C8B-B14F-4D97-AF65-F5344CB8AC3E}">
-        <p14:creationId xmlns:p14="http://schemas.microsoft.com/office/powerpoint/2010/main" val="2862501326"/>
+        <p14:creationId xmlns:p14="http://schemas.microsoft.com/office/powerpoint/2010/main" val="2745956165"/>
       </p:ext>
     </p:extLst>
   </p:cSld>
   <p:clrMapOvr>
     <a:masterClrMapping/>
   </p:clrMapOvr>
+  <p:timing>
+    <p:tnLst>
+      <p:par>
+        <p:cTn id="1" dur="indefinite" restart="never" nodeType="tmRoot"/>
+      </p:par>
+    </p:tnLst>
+  </p:timing>
 </p:sld>
 </file>
 
-<file path=ppt/slides/slide4.xml><?xml version="1.0" encoding="utf-8"?>
+<file path=ppt/slides/slide17.xml><?xml version="1.0" encoding="utf-8"?>
 <p:sld xmlns:a="http://schemas.openxmlformats.org/drawingml/2006/main" xmlns:r="http://schemas.openxmlformats.org/officeDocument/2006/relationships" xmlns:p="http://schemas.openxmlformats.org/presentationml/2006/main">
   <p:cSld>
     <p:spTree>
@@ -6651,65 +4849,7 @@
           <p:cNvPr id="2" name="Title 1">
             <a:extLst>
               <a:ext uri="{FF2B5EF4-FFF2-40B4-BE49-F238E27FC236}">
-                <a16:creationId xmlns:a16="http://schemas.microsoft.com/office/drawing/2014/main" id="{EB17C270-45DA-420A-A5CC-3782A3552124}"/>
-              </a:ext>
-            </a:extLst>
-          </p:cNvPr>
-          <p:cNvSpPr>
-            <a:spLocks noGrp="1"/>
-          </p:cNvSpPr>
-          <p:nvPr>
-            <p:ph type="ctrTitle"/>
-          </p:nvPr>
-        </p:nvSpPr>
-        <p:spPr/>
-        <p:txBody>
-          <a:bodyPr/>
-          <a:lstStyle/>
-          <a:p>
-            <a:r>
-              <a:rPr lang="en-US" dirty="0"/>
-              <a:t>Precision VS Recall</a:t>
-            </a:r>
-          </a:p>
-        </p:txBody>
-      </p:sp>
-    </p:spTree>
-    <p:extLst>
-      <p:ext uri="{BB962C8B-B14F-4D97-AF65-F5344CB8AC3E}">
-        <p14:creationId xmlns:p14="http://schemas.microsoft.com/office/powerpoint/2010/main" val="3906286299"/>
-      </p:ext>
-    </p:extLst>
-  </p:cSld>
-  <p:clrMapOvr>
-    <a:masterClrMapping/>
-  </p:clrMapOvr>
-</p:sld>
-</file>
-
-<file path=ppt/slides/slide5.xml><?xml version="1.0" encoding="utf-8"?>
-<p:sld xmlns:a="http://schemas.openxmlformats.org/drawingml/2006/main" xmlns:r="http://schemas.openxmlformats.org/officeDocument/2006/relationships" xmlns:p="http://schemas.openxmlformats.org/presentationml/2006/main">
-  <p:cSld>
-    <p:spTree>
-      <p:nvGrpSpPr>
-        <p:cNvPr id="1" name=""/>
-        <p:cNvGrpSpPr/>
-        <p:nvPr/>
-      </p:nvGrpSpPr>
-      <p:grpSpPr>
-        <a:xfrm>
-          <a:off x="0" y="0"/>
-          <a:ext cx="0" cy="0"/>
-          <a:chOff x="0" y="0"/>
-          <a:chExt cx="0" cy="0"/>
-        </a:xfrm>
-      </p:grpSpPr>
-      <p:sp>
-        <p:nvSpPr>
-          <p:cNvPr id="2" name="Title 1">
-            <a:extLst>
-              <a:ext uri="{FF2B5EF4-FFF2-40B4-BE49-F238E27FC236}">
-                <a16:creationId xmlns:a16="http://schemas.microsoft.com/office/drawing/2014/main" id="{2AC561B9-FF41-4580-8FA9-F43F100516E7}"/>
+                <a16:creationId xmlns:a16="http://schemas.microsoft.com/office/drawing/2014/main" xmlns="" id="{84EEC1A3-E984-4881-B54A-F1C5E73F7696}"/>
               </a:ext>
             </a:extLst>
           </p:cNvPr>
@@ -6725,211 +4865,81 @@
           <a:bodyPr/>
           <a:lstStyle/>
           <a:p>
-            <a:r>
-              <a:rPr lang="en-US" b="1" dirty="0"/>
-              <a:t>Precision </a:t>
-            </a:r>
-            <a:r>
-              <a:rPr lang="en-US" b="1" dirty="0" err="1"/>
-              <a:t>diutamakan</a:t>
-            </a:r>
-            <a:endParaRPr lang="en-US" b="1" dirty="0"/>
-          </a:p>
-        </p:txBody>
-      </p:sp>
-      <p:sp>
-        <p:nvSpPr>
-          <p:cNvPr id="3" name="Content Placeholder 2">
-            <a:extLst>
-              <a:ext uri="{FF2B5EF4-FFF2-40B4-BE49-F238E27FC236}">
-                <a16:creationId xmlns:a16="http://schemas.microsoft.com/office/drawing/2014/main" id="{E4BBCB85-D0B1-4179-87C1-E19B311558BC}"/>
-              </a:ext>
-            </a:extLst>
-          </p:cNvPr>
-          <p:cNvSpPr>
-            <a:spLocks noGrp="1"/>
-          </p:cNvSpPr>
-          <p:nvPr>
-            <p:ph idx="1"/>
-          </p:nvPr>
-        </p:nvSpPr>
+            <a:pPr algn="ctr"/>
+            <a:r>
+              <a:rPr lang="en-US" dirty="0" smtClean="0"/>
+              <a:t>EDA – Univariate (6)</a:t>
+            </a:r>
+            <a:endParaRPr lang="en-US" dirty="0"/>
+          </a:p>
+        </p:txBody>
+      </p:sp>
+      <p:pic>
+        <p:nvPicPr>
+          <p:cNvPr id="7" name="Picture 6"/>
+          <p:cNvPicPr>
+            <a:picLocks noChangeAspect="1"/>
+          </p:cNvPicPr>
+          <p:nvPr/>
+        </p:nvPicPr>
+        <p:blipFill>
+          <a:blip r:embed="rId2">
+            <a:extLst>
+              <a:ext uri="{28A0092B-C50C-407E-A947-70E740481C1C}">
+                <a14:useLocalDpi xmlns:a14="http://schemas.microsoft.com/office/drawing/2010/main" val="0"/>
+              </a:ext>
+            </a:extLst>
+          </a:blip>
+          <a:stretch>
+            <a:fillRect/>
+          </a:stretch>
+        </p:blipFill>
         <p:spPr>
           <a:xfrm>
-            <a:off x="838200" y="1825624"/>
-            <a:ext cx="10515600" cy="1603375"/>
-          </a:xfrm>
-        </p:spPr>
-        <p:txBody>
-          <a:bodyPr>
-            <a:normAutofit/>
-          </a:bodyPr>
-          <a:lstStyle/>
-          <a:p>
-            <a:pPr marL="514350" indent="-514350">
-              <a:buAutoNum type="arabicPeriod"/>
-            </a:pPr>
-            <a:r>
-              <a:rPr lang="en-US" dirty="0" err="1"/>
-              <a:t>Menghindari</a:t>
-            </a:r>
-            <a:r>
-              <a:rPr lang="en-US" dirty="0"/>
-              <a:t> </a:t>
-            </a:r>
-            <a:r>
-              <a:rPr lang="en-US" dirty="0" err="1"/>
-              <a:t>kerugian</a:t>
-            </a:r>
-            <a:r>
-              <a:rPr lang="en-US" dirty="0"/>
-              <a:t> Cost Ketika </a:t>
-            </a:r>
-            <a:r>
-              <a:rPr lang="en-US" dirty="0" err="1"/>
-              <a:t>Prediksi</a:t>
-            </a:r>
-            <a:r>
-              <a:rPr lang="en-US" dirty="0"/>
-              <a:t> = YA </a:t>
-            </a:r>
-            <a:r>
-              <a:rPr lang="en-US" dirty="0" err="1"/>
-              <a:t>tapi</a:t>
-            </a:r>
-            <a:r>
-              <a:rPr lang="en-US" dirty="0"/>
-              <a:t> </a:t>
-            </a:r>
-            <a:r>
-              <a:rPr lang="en-US" dirty="0" err="1"/>
-              <a:t>Aktual</a:t>
-            </a:r>
-            <a:r>
-              <a:rPr lang="en-US" dirty="0"/>
-              <a:t> = TIDAK</a:t>
-            </a:r>
-          </a:p>
-          <a:p>
-            <a:pPr marL="514350" indent="-514350">
-              <a:buAutoNum type="arabicPeriod"/>
-            </a:pPr>
-            <a:r>
-              <a:rPr lang="en-US" dirty="0" err="1"/>
-              <a:t>Mengacu</a:t>
-            </a:r>
-            <a:r>
-              <a:rPr lang="en-US" dirty="0"/>
-              <a:t> pada concern </a:t>
-            </a:r>
-            <a:r>
-              <a:rPr lang="en-US" dirty="0" err="1"/>
-              <a:t>tim</a:t>
-            </a:r>
-            <a:r>
-              <a:rPr lang="en-US" dirty="0"/>
-              <a:t> marketing</a:t>
-            </a:r>
-          </a:p>
-          <a:p>
-            <a:pPr marL="514350" indent="-514350">
-              <a:buAutoNum type="arabicPeriod"/>
-            </a:pPr>
-            <a:r>
-              <a:rPr lang="en-US" dirty="0"/>
-              <a:t>Campaign </a:t>
-            </a:r>
-            <a:r>
-              <a:rPr lang="en-US" dirty="0" err="1"/>
-              <a:t>jadi</a:t>
-            </a:r>
-            <a:r>
-              <a:rPr lang="en-US" dirty="0"/>
-              <a:t> </a:t>
-            </a:r>
-            <a:r>
-              <a:rPr lang="en-US" dirty="0" err="1"/>
-              <a:t>lebih</a:t>
-            </a:r>
-            <a:r>
-              <a:rPr lang="en-US" dirty="0"/>
-              <a:t> </a:t>
-            </a:r>
-            <a:r>
-              <a:rPr lang="en-US" dirty="0" err="1"/>
-              <a:t>tepat</a:t>
-            </a:r>
-            <a:r>
-              <a:rPr lang="en-US" dirty="0"/>
-              <a:t> </a:t>
-            </a:r>
-            <a:r>
-              <a:rPr lang="en-US" dirty="0" err="1"/>
-              <a:t>sasaran</a:t>
-            </a:r>
-            <a:endParaRPr lang="en-US" dirty="0"/>
-          </a:p>
-        </p:txBody>
-      </p:sp>
-      <p:sp>
-        <p:nvSpPr>
-          <p:cNvPr id="4" name="Title 1">
-            <a:extLst>
-              <a:ext uri="{FF2B5EF4-FFF2-40B4-BE49-F238E27FC236}">
-                <a16:creationId xmlns:a16="http://schemas.microsoft.com/office/drawing/2014/main" id="{BC69DFA4-F03D-47FB-A0E9-DB980B075D8B}"/>
-              </a:ext>
-            </a:extLst>
-          </p:cNvPr>
-          <p:cNvSpPr txBox="1">
-            <a:spLocks/>
-          </p:cNvSpPr>
-          <p:nvPr/>
-        </p:nvSpPr>
-        <p:spPr>
-          <a:xfrm>
-            <a:off x="838200" y="3710115"/>
-            <a:ext cx="10515600" cy="1325563"/>
+            <a:off x="278027" y="1614615"/>
+            <a:ext cx="3896499" cy="3896499"/>
           </a:xfrm>
           <a:prstGeom prst="rect">
             <a:avLst/>
           </a:prstGeom>
         </p:spPr>
-        <p:txBody>
-          <a:bodyPr vert="horz" lIns="91440" tIns="45720" rIns="91440" bIns="45720" rtlCol="0" anchor="ctr">
-            <a:normAutofit/>
-          </a:bodyPr>
-          <a:lstStyle>
-            <a:lvl1pPr algn="l" defTabSz="914400" rtl="0" eaLnBrk="1" latinLnBrk="0" hangingPunct="1">
-              <a:lnSpc>
-                <a:spcPct val="90000"/>
-              </a:lnSpc>
-              <a:spcBef>
-                <a:spcPct val="0"/>
-              </a:spcBef>
-              <a:buNone/>
-              <a:defRPr sz="4400" kern="1200">
-                <a:solidFill>
-                  <a:schemeClr val="tx1"/>
-                </a:solidFill>
-                <a:latin typeface="+mj-lt"/>
-                <a:ea typeface="+mj-ea"/>
-                <a:cs typeface="+mj-cs"/>
-              </a:defRPr>
-            </a:lvl1pPr>
-          </a:lstStyle>
-          <a:p>
-            <a:r>
-              <a:rPr lang="en-US" b="1" dirty="0"/>
-              <a:t>RESIKO</a:t>
-            </a:r>
-          </a:p>
-        </p:txBody>
-      </p:sp>
-      <p:sp>
-        <p:nvSpPr>
-          <p:cNvPr id="5" name="Content Placeholder 2">
-            <a:extLst>
-              <a:ext uri="{FF2B5EF4-FFF2-40B4-BE49-F238E27FC236}">
-                <a16:creationId xmlns:a16="http://schemas.microsoft.com/office/drawing/2014/main" id="{A8F6FE04-A580-4B92-9F32-B833961BC453}"/>
+      </p:pic>
+      <p:pic>
+        <p:nvPicPr>
+          <p:cNvPr id="10" name="Picture 9"/>
+          <p:cNvPicPr>
+            <a:picLocks noChangeAspect="1"/>
+          </p:cNvPicPr>
+          <p:nvPr/>
+        </p:nvPicPr>
+        <p:blipFill>
+          <a:blip r:embed="rId3">
+            <a:extLst>
+              <a:ext uri="{28A0092B-C50C-407E-A947-70E740481C1C}">
+                <a14:useLocalDpi xmlns:a14="http://schemas.microsoft.com/office/drawing/2010/main" val="0"/>
+              </a:ext>
+            </a:extLst>
+          </a:blip>
+          <a:stretch>
+            <a:fillRect/>
+          </a:stretch>
+        </p:blipFill>
+        <p:spPr>
+          <a:xfrm>
+            <a:off x="3962401" y="1614615"/>
+            <a:ext cx="8229599" cy="4114800"/>
+          </a:xfrm>
+          <a:prstGeom prst="rect">
+            <a:avLst/>
+          </a:prstGeom>
+        </p:spPr>
+      </p:pic>
+      <p:sp>
+        <p:nvSpPr>
+          <p:cNvPr id="12" name="Content Placeholder 2">
+            <a:extLst>
+              <a:ext uri="{FF2B5EF4-FFF2-40B4-BE49-F238E27FC236}">
+                <a16:creationId xmlns:a16="http://schemas.microsoft.com/office/drawing/2014/main" xmlns="" id="{6454B748-3B9E-49AD-A4D5-FC6C95CAE875}"/>
               </a:ext>
             </a:extLst>
           </p:cNvPr>
@@ -6940,8 +4950,8 @@
         </p:nvSpPr>
         <p:spPr>
           <a:xfrm>
-            <a:off x="838200" y="4962140"/>
-            <a:ext cx="10515600" cy="1014132"/>
+            <a:off x="753763" y="5519351"/>
+            <a:ext cx="10684474" cy="1062681"/>
           </a:xfrm>
           <a:prstGeom prst="rect">
             <a:avLst/>
@@ -7116,6 +5126,4190 @@
             </a:lvl9pPr>
           </a:lstStyle>
           <a:p>
+            <a:pPr>
+              <a:buFontTx/>
+              <a:buChar char="-"/>
+            </a:pPr>
+            <a:r>
+              <a:rPr lang="en-US" sz="2000" dirty="0" smtClean="0"/>
+              <a:t>Most call durations are 0-3 mins and 3-6 mins</a:t>
+            </a:r>
+          </a:p>
+          <a:p>
+            <a:pPr>
+              <a:buFontTx/>
+              <a:buChar char="-"/>
+            </a:pPr>
+            <a:r>
+              <a:rPr lang="en-ID" sz="2000" dirty="0" smtClean="0"/>
+              <a:t>Most customers only contacted between 1 to 3 times during the campaign</a:t>
+            </a:r>
+            <a:endParaRPr lang="en-US" sz="2000" dirty="0"/>
+          </a:p>
+        </p:txBody>
+      </p:sp>
+    </p:spTree>
+    <p:extLst>
+      <p:ext uri="{BB962C8B-B14F-4D97-AF65-F5344CB8AC3E}">
+        <p14:creationId xmlns:p14="http://schemas.microsoft.com/office/powerpoint/2010/main" val="2313206872"/>
+      </p:ext>
+    </p:extLst>
+  </p:cSld>
+  <p:clrMapOvr>
+    <a:masterClrMapping/>
+  </p:clrMapOvr>
+</p:sld>
+</file>
+
+<file path=ppt/slides/slide18.xml><?xml version="1.0" encoding="utf-8"?>
+<p:sld xmlns:a="http://schemas.openxmlformats.org/drawingml/2006/main" xmlns:r="http://schemas.openxmlformats.org/officeDocument/2006/relationships" xmlns:p="http://schemas.openxmlformats.org/presentationml/2006/main">
+  <p:cSld>
+    <p:spTree>
+      <p:nvGrpSpPr>
+        <p:cNvPr id="1" name=""/>
+        <p:cNvGrpSpPr/>
+        <p:nvPr/>
+      </p:nvGrpSpPr>
+      <p:grpSpPr>
+        <a:xfrm>
+          <a:off x="0" y="0"/>
+          <a:ext cx="0" cy="0"/>
+          <a:chOff x="0" y="0"/>
+          <a:chExt cx="0" cy="0"/>
+        </a:xfrm>
+      </p:grpSpPr>
+      <p:sp>
+        <p:nvSpPr>
+          <p:cNvPr id="2" name="Title 1">
+            <a:extLst>
+              <a:ext uri="{FF2B5EF4-FFF2-40B4-BE49-F238E27FC236}">
+                <a16:creationId xmlns:a16="http://schemas.microsoft.com/office/drawing/2014/main" xmlns="" id="{84EEC1A3-E984-4881-B54A-F1C5E73F7696}"/>
+              </a:ext>
+            </a:extLst>
+          </p:cNvPr>
+          <p:cNvSpPr>
+            <a:spLocks noGrp="1"/>
+          </p:cNvSpPr>
+          <p:nvPr>
+            <p:ph type="title"/>
+          </p:nvPr>
+        </p:nvSpPr>
+        <p:spPr/>
+        <p:txBody>
+          <a:bodyPr/>
+          <a:lstStyle/>
+          <a:p>
+            <a:pPr algn="ctr"/>
+            <a:r>
+              <a:rPr lang="en-US" dirty="0" smtClean="0"/>
+              <a:t>EDA – Univariate (7)</a:t>
+            </a:r>
+            <a:endParaRPr lang="en-US" dirty="0"/>
+          </a:p>
+        </p:txBody>
+      </p:sp>
+      <p:sp>
+        <p:nvSpPr>
+          <p:cNvPr id="12" name="Content Placeholder 2">
+            <a:extLst>
+              <a:ext uri="{FF2B5EF4-FFF2-40B4-BE49-F238E27FC236}">
+                <a16:creationId xmlns:a16="http://schemas.microsoft.com/office/drawing/2014/main" xmlns="" id="{6454B748-3B9E-49AD-A4D5-FC6C95CAE875}"/>
+              </a:ext>
+            </a:extLst>
+          </p:cNvPr>
+          <p:cNvSpPr txBox="1">
+            <a:spLocks/>
+          </p:cNvSpPr>
+          <p:nvPr/>
+        </p:nvSpPr>
+        <p:spPr>
+          <a:xfrm>
+            <a:off x="753763" y="5519351"/>
+            <a:ext cx="10684474" cy="1062681"/>
+          </a:xfrm>
+          <a:prstGeom prst="rect">
+            <a:avLst/>
+          </a:prstGeom>
+        </p:spPr>
+        <p:txBody>
+          <a:bodyPr vert="horz" lIns="91440" tIns="45720" rIns="91440" bIns="45720" rtlCol="0">
+            <a:normAutofit/>
+          </a:bodyPr>
+          <a:lstStyle>
+            <a:lvl1pPr marL="228600" indent="-228600" algn="l" defTabSz="914400" rtl="0" eaLnBrk="1" latinLnBrk="0" hangingPunct="1">
+              <a:lnSpc>
+                <a:spcPct val="90000"/>
+              </a:lnSpc>
+              <a:spcBef>
+                <a:spcPts val="1000"/>
+              </a:spcBef>
+              <a:buFont typeface="Arial" panose="020B0604020202020204" pitchFamily="34" charset="0"/>
+              <a:buChar char="•"/>
+              <a:defRPr sz="2800" kern="1200">
+                <a:solidFill>
+                  <a:schemeClr val="tx1"/>
+                </a:solidFill>
+                <a:latin typeface="+mn-lt"/>
+                <a:ea typeface="+mn-ea"/>
+                <a:cs typeface="+mn-cs"/>
+              </a:defRPr>
+            </a:lvl1pPr>
+            <a:lvl2pPr marL="685800" indent="-228600" algn="l" defTabSz="914400" rtl="0" eaLnBrk="1" latinLnBrk="0" hangingPunct="1">
+              <a:lnSpc>
+                <a:spcPct val="90000"/>
+              </a:lnSpc>
+              <a:spcBef>
+                <a:spcPts val="500"/>
+              </a:spcBef>
+              <a:buFont typeface="Arial" panose="020B0604020202020204" pitchFamily="34" charset="0"/>
+              <a:buChar char="•"/>
+              <a:defRPr sz="2400" kern="1200">
+                <a:solidFill>
+                  <a:schemeClr val="tx1"/>
+                </a:solidFill>
+                <a:latin typeface="+mn-lt"/>
+                <a:ea typeface="+mn-ea"/>
+                <a:cs typeface="+mn-cs"/>
+              </a:defRPr>
+            </a:lvl2pPr>
+            <a:lvl3pPr marL="1143000" indent="-228600" algn="l" defTabSz="914400" rtl="0" eaLnBrk="1" latinLnBrk="0" hangingPunct="1">
+              <a:lnSpc>
+                <a:spcPct val="90000"/>
+              </a:lnSpc>
+              <a:spcBef>
+                <a:spcPts val="500"/>
+              </a:spcBef>
+              <a:buFont typeface="Arial" panose="020B0604020202020204" pitchFamily="34" charset="0"/>
+              <a:buChar char="•"/>
+              <a:defRPr sz="2000" kern="1200">
+                <a:solidFill>
+                  <a:schemeClr val="tx1"/>
+                </a:solidFill>
+                <a:latin typeface="+mn-lt"/>
+                <a:ea typeface="+mn-ea"/>
+                <a:cs typeface="+mn-cs"/>
+              </a:defRPr>
+            </a:lvl3pPr>
+            <a:lvl4pPr marL="1600200" indent="-228600" algn="l" defTabSz="914400" rtl="0" eaLnBrk="1" latinLnBrk="0" hangingPunct="1">
+              <a:lnSpc>
+                <a:spcPct val="90000"/>
+              </a:lnSpc>
+              <a:spcBef>
+                <a:spcPts val="500"/>
+              </a:spcBef>
+              <a:buFont typeface="Arial" panose="020B0604020202020204" pitchFamily="34" charset="0"/>
+              <a:buChar char="•"/>
+              <a:defRPr sz="1800" kern="1200">
+                <a:solidFill>
+                  <a:schemeClr val="tx1"/>
+                </a:solidFill>
+                <a:latin typeface="+mn-lt"/>
+                <a:ea typeface="+mn-ea"/>
+                <a:cs typeface="+mn-cs"/>
+              </a:defRPr>
+            </a:lvl4pPr>
+            <a:lvl5pPr marL="2057400" indent="-228600" algn="l" defTabSz="914400" rtl="0" eaLnBrk="1" latinLnBrk="0" hangingPunct="1">
+              <a:lnSpc>
+                <a:spcPct val="90000"/>
+              </a:lnSpc>
+              <a:spcBef>
+                <a:spcPts val="500"/>
+              </a:spcBef>
+              <a:buFont typeface="Arial" panose="020B0604020202020204" pitchFamily="34" charset="0"/>
+              <a:buChar char="•"/>
+              <a:defRPr sz="1800" kern="1200">
+                <a:solidFill>
+                  <a:schemeClr val="tx1"/>
+                </a:solidFill>
+                <a:latin typeface="+mn-lt"/>
+                <a:ea typeface="+mn-ea"/>
+                <a:cs typeface="+mn-cs"/>
+              </a:defRPr>
+            </a:lvl5pPr>
+            <a:lvl6pPr marL="2514600" indent="-228600" algn="l" defTabSz="914400" rtl="0" eaLnBrk="1" latinLnBrk="0" hangingPunct="1">
+              <a:lnSpc>
+                <a:spcPct val="90000"/>
+              </a:lnSpc>
+              <a:spcBef>
+                <a:spcPts val="500"/>
+              </a:spcBef>
+              <a:buFont typeface="Arial" panose="020B0604020202020204" pitchFamily="34" charset="0"/>
+              <a:buChar char="•"/>
+              <a:defRPr sz="1800" kern="1200">
+                <a:solidFill>
+                  <a:schemeClr val="tx1"/>
+                </a:solidFill>
+                <a:latin typeface="+mn-lt"/>
+                <a:ea typeface="+mn-ea"/>
+                <a:cs typeface="+mn-cs"/>
+              </a:defRPr>
+            </a:lvl6pPr>
+            <a:lvl7pPr marL="2971800" indent="-228600" algn="l" defTabSz="914400" rtl="0" eaLnBrk="1" latinLnBrk="0" hangingPunct="1">
+              <a:lnSpc>
+                <a:spcPct val="90000"/>
+              </a:lnSpc>
+              <a:spcBef>
+                <a:spcPts val="500"/>
+              </a:spcBef>
+              <a:buFont typeface="Arial" panose="020B0604020202020204" pitchFamily="34" charset="0"/>
+              <a:buChar char="•"/>
+              <a:defRPr sz="1800" kern="1200">
+                <a:solidFill>
+                  <a:schemeClr val="tx1"/>
+                </a:solidFill>
+                <a:latin typeface="+mn-lt"/>
+                <a:ea typeface="+mn-ea"/>
+                <a:cs typeface="+mn-cs"/>
+              </a:defRPr>
+            </a:lvl7pPr>
+            <a:lvl8pPr marL="3429000" indent="-228600" algn="l" defTabSz="914400" rtl="0" eaLnBrk="1" latinLnBrk="0" hangingPunct="1">
+              <a:lnSpc>
+                <a:spcPct val="90000"/>
+              </a:lnSpc>
+              <a:spcBef>
+                <a:spcPts val="500"/>
+              </a:spcBef>
+              <a:buFont typeface="Arial" panose="020B0604020202020204" pitchFamily="34" charset="0"/>
+              <a:buChar char="•"/>
+              <a:defRPr sz="1800" kern="1200">
+                <a:solidFill>
+                  <a:schemeClr val="tx1"/>
+                </a:solidFill>
+                <a:latin typeface="+mn-lt"/>
+                <a:ea typeface="+mn-ea"/>
+                <a:cs typeface="+mn-cs"/>
+              </a:defRPr>
+            </a:lvl8pPr>
+            <a:lvl9pPr marL="3886200" indent="-228600" algn="l" defTabSz="914400" rtl="0" eaLnBrk="1" latinLnBrk="0" hangingPunct="1">
+              <a:lnSpc>
+                <a:spcPct val="90000"/>
+              </a:lnSpc>
+              <a:spcBef>
+                <a:spcPts val="500"/>
+              </a:spcBef>
+              <a:buFont typeface="Arial" panose="020B0604020202020204" pitchFamily="34" charset="0"/>
+              <a:buChar char="•"/>
+              <a:defRPr sz="1800" kern="1200">
+                <a:solidFill>
+                  <a:schemeClr val="tx1"/>
+                </a:solidFill>
+                <a:latin typeface="+mn-lt"/>
+                <a:ea typeface="+mn-ea"/>
+                <a:cs typeface="+mn-cs"/>
+              </a:defRPr>
+            </a:lvl9pPr>
+          </a:lstStyle>
+          <a:p>
+            <a:pPr>
+              <a:buFontTx/>
+              <a:buChar char="-"/>
+            </a:pPr>
+            <a:r>
+              <a:rPr lang="en-US" sz="2000" dirty="0" smtClean="0"/>
+              <a:t>Most call customers are contacted again in 10 days</a:t>
+            </a:r>
+          </a:p>
+          <a:p>
+            <a:pPr>
+              <a:buFontTx/>
+              <a:buChar char="-"/>
+            </a:pPr>
+            <a:r>
+              <a:rPr lang="en-ID" sz="2000" dirty="0" smtClean="0"/>
+              <a:t>Most customers only contacted between 1 to 2 times during the previous campaign</a:t>
+            </a:r>
+            <a:endParaRPr lang="en-US" sz="2000" dirty="0"/>
+          </a:p>
+        </p:txBody>
+      </p:sp>
+      <p:pic>
+        <p:nvPicPr>
+          <p:cNvPr id="4" name="Picture 3"/>
+          <p:cNvPicPr>
+            <a:picLocks noChangeAspect="1"/>
+          </p:cNvPicPr>
+          <p:nvPr/>
+        </p:nvPicPr>
+        <p:blipFill>
+          <a:blip r:embed="rId2">
+            <a:extLst>
+              <a:ext uri="{28A0092B-C50C-407E-A947-70E740481C1C}">
+                <a14:useLocalDpi xmlns:a14="http://schemas.microsoft.com/office/drawing/2010/main" val="0"/>
+              </a:ext>
+            </a:extLst>
+          </a:blip>
+          <a:stretch>
+            <a:fillRect/>
+          </a:stretch>
+        </p:blipFill>
+        <p:spPr>
+          <a:xfrm>
+            <a:off x="305116" y="1837040"/>
+            <a:ext cx="5604542" cy="2860450"/>
+          </a:xfrm>
+          <a:prstGeom prst="rect">
+            <a:avLst/>
+          </a:prstGeom>
+        </p:spPr>
+      </p:pic>
+      <p:pic>
+        <p:nvPicPr>
+          <p:cNvPr id="5" name="Picture 4"/>
+          <p:cNvPicPr>
+            <a:picLocks noChangeAspect="1"/>
+          </p:cNvPicPr>
+          <p:nvPr/>
+        </p:nvPicPr>
+        <p:blipFill>
+          <a:blip r:embed="rId3">
+            <a:extLst>
+              <a:ext uri="{28A0092B-C50C-407E-A947-70E740481C1C}">
+                <a14:useLocalDpi xmlns:a14="http://schemas.microsoft.com/office/drawing/2010/main" val="0"/>
+              </a:ext>
+            </a:extLst>
+          </a:blip>
+          <a:stretch>
+            <a:fillRect/>
+          </a:stretch>
+        </p:blipFill>
+        <p:spPr>
+          <a:xfrm>
+            <a:off x="6096000" y="1837039"/>
+            <a:ext cx="5662724" cy="2860451"/>
+          </a:xfrm>
+          <a:prstGeom prst="rect">
+            <a:avLst/>
+          </a:prstGeom>
+        </p:spPr>
+      </p:pic>
+    </p:spTree>
+    <p:extLst>
+      <p:ext uri="{BB962C8B-B14F-4D97-AF65-F5344CB8AC3E}">
+        <p14:creationId xmlns:p14="http://schemas.microsoft.com/office/powerpoint/2010/main" val="2082086383"/>
+      </p:ext>
+    </p:extLst>
+  </p:cSld>
+  <p:clrMapOvr>
+    <a:masterClrMapping/>
+  </p:clrMapOvr>
+</p:sld>
+</file>
+
+<file path=ppt/slides/slide19.xml><?xml version="1.0" encoding="utf-8"?>
+<p:sld xmlns:a="http://schemas.openxmlformats.org/drawingml/2006/main" xmlns:r="http://schemas.openxmlformats.org/officeDocument/2006/relationships" xmlns:p="http://schemas.openxmlformats.org/presentationml/2006/main">
+  <p:cSld>
+    <p:spTree>
+      <p:nvGrpSpPr>
+        <p:cNvPr id="1" name=""/>
+        <p:cNvGrpSpPr/>
+        <p:nvPr/>
+      </p:nvGrpSpPr>
+      <p:grpSpPr>
+        <a:xfrm>
+          <a:off x="0" y="0"/>
+          <a:ext cx="0" cy="0"/>
+          <a:chOff x="0" y="0"/>
+          <a:chExt cx="0" cy="0"/>
+        </a:xfrm>
+      </p:grpSpPr>
+      <p:sp>
+        <p:nvSpPr>
+          <p:cNvPr id="2" name="Title 1">
+            <a:extLst>
+              <a:ext uri="{FF2B5EF4-FFF2-40B4-BE49-F238E27FC236}">
+                <a16:creationId xmlns:a16="http://schemas.microsoft.com/office/drawing/2014/main" xmlns="" id="{84EEC1A3-E984-4881-B54A-F1C5E73F7696}"/>
+              </a:ext>
+            </a:extLst>
+          </p:cNvPr>
+          <p:cNvSpPr>
+            <a:spLocks noGrp="1"/>
+          </p:cNvSpPr>
+          <p:nvPr>
+            <p:ph type="title"/>
+          </p:nvPr>
+        </p:nvSpPr>
+        <p:spPr/>
+        <p:txBody>
+          <a:bodyPr/>
+          <a:lstStyle/>
+          <a:p>
+            <a:pPr algn="ctr"/>
+            <a:r>
+              <a:rPr lang="en-US" dirty="0" smtClean="0"/>
+              <a:t>EDA – Univariate (8)</a:t>
+            </a:r>
+            <a:endParaRPr lang="en-US" dirty="0"/>
+          </a:p>
+        </p:txBody>
+      </p:sp>
+      <p:pic>
+        <p:nvPicPr>
+          <p:cNvPr id="6" name="Picture 5"/>
+          <p:cNvPicPr>
+            <a:picLocks noChangeAspect="1"/>
+          </p:cNvPicPr>
+          <p:nvPr/>
+        </p:nvPicPr>
+        <p:blipFill>
+          <a:blip r:embed="rId2">
+            <a:extLst>
+              <a:ext uri="{28A0092B-C50C-407E-A947-70E740481C1C}">
+                <a14:useLocalDpi xmlns:a14="http://schemas.microsoft.com/office/drawing/2010/main" val="0"/>
+              </a:ext>
+            </a:extLst>
+          </a:blip>
+          <a:stretch>
+            <a:fillRect/>
+          </a:stretch>
+        </p:blipFill>
+        <p:spPr>
+          <a:xfrm>
+            <a:off x="1506576" y="1844075"/>
+            <a:ext cx="4079239" cy="3790039"/>
+          </a:xfrm>
+          <a:prstGeom prst="rect">
+            <a:avLst/>
+          </a:prstGeom>
+        </p:spPr>
+      </p:pic>
+      <p:sp>
+        <p:nvSpPr>
+          <p:cNvPr id="7" name="Content Placeholder 2">
+            <a:extLst>
+              <a:ext uri="{FF2B5EF4-FFF2-40B4-BE49-F238E27FC236}">
+                <a16:creationId xmlns:a16="http://schemas.microsoft.com/office/drawing/2014/main" xmlns="" id="{6454B748-3B9E-49AD-A4D5-FC6C95CAE875}"/>
+              </a:ext>
+            </a:extLst>
+          </p:cNvPr>
+          <p:cNvSpPr>
+            <a:spLocks noGrp="1"/>
+          </p:cNvSpPr>
+          <p:nvPr>
+            <p:ph idx="1"/>
+          </p:nvPr>
+        </p:nvSpPr>
+        <p:spPr>
+          <a:xfrm>
+            <a:off x="7119550" y="1958837"/>
+            <a:ext cx="3802593" cy="4351338"/>
+          </a:xfrm>
+        </p:spPr>
+        <p:txBody>
+          <a:bodyPr/>
+          <a:lstStyle/>
+          <a:p>
+            <a:pPr>
+              <a:buFontTx/>
+              <a:buChar char="-"/>
+            </a:pPr>
+            <a:r>
+              <a:rPr lang="en-US" dirty="0" smtClean="0"/>
+              <a:t>Most customers were not included in previous campaign and have nonexistent results</a:t>
+            </a:r>
+            <a:endParaRPr lang="en-US" dirty="0"/>
+          </a:p>
+        </p:txBody>
+      </p:sp>
+    </p:spTree>
+    <p:extLst>
+      <p:ext uri="{BB962C8B-B14F-4D97-AF65-F5344CB8AC3E}">
+        <p14:creationId xmlns:p14="http://schemas.microsoft.com/office/powerpoint/2010/main" val="2971760003"/>
+      </p:ext>
+    </p:extLst>
+  </p:cSld>
+  <p:clrMapOvr>
+    <a:masterClrMapping/>
+  </p:clrMapOvr>
+  <p:timing>
+    <p:tnLst>
+      <p:par>
+        <p:cTn id="1" dur="indefinite" restart="never" nodeType="tmRoot"/>
+      </p:par>
+    </p:tnLst>
+  </p:timing>
+</p:sld>
+</file>
+
+<file path=ppt/slides/slide2.xml><?xml version="1.0" encoding="utf-8"?>
+<p:sld xmlns:a="http://schemas.openxmlformats.org/drawingml/2006/main" xmlns:r="http://schemas.openxmlformats.org/officeDocument/2006/relationships" xmlns:p="http://schemas.openxmlformats.org/presentationml/2006/main">
+  <p:cSld>
+    <p:spTree>
+      <p:nvGrpSpPr>
+        <p:cNvPr id="1" name=""/>
+        <p:cNvGrpSpPr/>
+        <p:nvPr/>
+      </p:nvGrpSpPr>
+      <p:grpSpPr>
+        <a:xfrm>
+          <a:off x="0" y="0"/>
+          <a:ext cx="0" cy="0"/>
+          <a:chOff x="0" y="0"/>
+          <a:chExt cx="0" cy="0"/>
+        </a:xfrm>
+      </p:grpSpPr>
+      <p:sp>
+        <p:nvSpPr>
+          <p:cNvPr id="6" name="Rectangle 5">
+            <a:extLst>
+              <a:ext uri="{FF2B5EF4-FFF2-40B4-BE49-F238E27FC236}">
+                <a16:creationId xmlns:a16="http://schemas.microsoft.com/office/drawing/2014/main" xmlns="" id="{B69F860C-3DD8-4B3C-9AD3-19A463E43850}"/>
+              </a:ext>
+            </a:extLst>
+          </p:cNvPr>
+          <p:cNvSpPr/>
+          <p:nvPr/>
+        </p:nvSpPr>
+        <p:spPr>
+          <a:xfrm>
+            <a:off x="245805" y="176982"/>
+            <a:ext cx="5019369" cy="924231"/>
+          </a:xfrm>
+          <a:prstGeom prst="rect">
+            <a:avLst/>
+          </a:prstGeom>
+        </p:spPr>
+        <p:style>
+          <a:lnRef idx="2">
+            <a:schemeClr val="accent1">
+              <a:shade val="50000"/>
+            </a:schemeClr>
+          </a:lnRef>
+          <a:fillRef idx="1">
+            <a:schemeClr val="accent1"/>
+          </a:fillRef>
+          <a:effectRef idx="0">
+            <a:schemeClr val="accent1"/>
+          </a:effectRef>
+          <a:fontRef idx="minor">
+            <a:schemeClr val="lt1"/>
+          </a:fontRef>
+        </p:style>
+        <p:txBody>
+          <a:bodyPr rtlCol="0" anchor="ctr"/>
+          <a:lstStyle/>
+          <a:p>
+            <a:pPr algn="ctr"/>
+            <a:r>
+              <a:rPr lang="en-US" dirty="0"/>
+              <a:t>TIM DATA SCIENCE</a:t>
+            </a:r>
+          </a:p>
+        </p:txBody>
+      </p:sp>
+      <p:sp>
+        <p:nvSpPr>
+          <p:cNvPr id="7" name="Rectangle 6">
+            <a:extLst>
+              <a:ext uri="{FF2B5EF4-FFF2-40B4-BE49-F238E27FC236}">
+                <a16:creationId xmlns:a16="http://schemas.microsoft.com/office/drawing/2014/main" xmlns="" id="{DC7A9CFE-7D7A-4C6B-806D-32870BC47BAE}"/>
+              </a:ext>
+            </a:extLst>
+          </p:cNvPr>
+          <p:cNvSpPr/>
+          <p:nvPr/>
+        </p:nvSpPr>
+        <p:spPr>
+          <a:xfrm>
+            <a:off x="245806" y="1248697"/>
+            <a:ext cx="2418736" cy="2772697"/>
+          </a:xfrm>
+          <a:prstGeom prst="rect">
+            <a:avLst/>
+          </a:prstGeom>
+        </p:spPr>
+        <p:style>
+          <a:lnRef idx="2">
+            <a:schemeClr val="accent6"/>
+          </a:lnRef>
+          <a:fillRef idx="1">
+            <a:schemeClr val="lt1"/>
+          </a:fillRef>
+          <a:effectRef idx="0">
+            <a:schemeClr val="accent6"/>
+          </a:effectRef>
+          <a:fontRef idx="minor">
+            <a:schemeClr val="dk1"/>
+          </a:fontRef>
+        </p:style>
+        <p:txBody>
+          <a:bodyPr rtlCol="0" anchor="ctr"/>
+          <a:lstStyle/>
+          <a:p>
+            <a:pPr marL="342900" indent="-342900" algn="ctr">
+              <a:buAutoNum type="arabicPeriod"/>
+            </a:pPr>
+            <a:r>
+              <a:rPr lang="en-US" dirty="0" err="1"/>
+              <a:t>Terima</a:t>
+            </a:r>
+            <a:r>
+              <a:rPr lang="en-US" dirty="0"/>
+              <a:t> report </a:t>
+            </a:r>
+            <a:r>
+              <a:rPr lang="en-US" dirty="0" err="1"/>
+              <a:t>dari</a:t>
+            </a:r>
+            <a:r>
+              <a:rPr lang="en-US" dirty="0"/>
+              <a:t> </a:t>
+            </a:r>
+            <a:r>
+              <a:rPr lang="en-US" dirty="0" err="1"/>
+              <a:t>tim</a:t>
+            </a:r>
+            <a:r>
+              <a:rPr lang="en-US" dirty="0"/>
+              <a:t> marketing</a:t>
+            </a:r>
+          </a:p>
+          <a:p>
+            <a:pPr marL="342900" indent="-342900" algn="ctr">
+              <a:buAutoNum type="arabicPeriod"/>
+            </a:pPr>
+            <a:r>
+              <a:rPr lang="en-US" dirty="0"/>
+              <a:t>Dari report </a:t>
+            </a:r>
+            <a:r>
+              <a:rPr lang="en-US" dirty="0" err="1"/>
+              <a:t>tersebut</a:t>
+            </a:r>
+            <a:r>
+              <a:rPr lang="en-US" dirty="0"/>
+              <a:t> </a:t>
+            </a:r>
+            <a:r>
+              <a:rPr lang="en-US" dirty="0" err="1"/>
+              <a:t>didaptkan</a:t>
+            </a:r>
+            <a:r>
+              <a:rPr lang="en-US" dirty="0"/>
+              <a:t> </a:t>
+            </a:r>
+            <a:r>
+              <a:rPr lang="en-US" dirty="0" err="1"/>
+              <a:t>masih</a:t>
+            </a:r>
+            <a:r>
+              <a:rPr lang="en-US" dirty="0"/>
+              <a:t> </a:t>
+            </a:r>
+            <a:r>
+              <a:rPr lang="en-US" dirty="0" err="1"/>
+              <a:t>gagal</a:t>
+            </a:r>
+            <a:r>
+              <a:rPr lang="en-US" dirty="0"/>
+              <a:t> (88% </a:t>
+            </a:r>
+            <a:r>
+              <a:rPr lang="en-US" dirty="0" err="1"/>
+              <a:t>tdk</a:t>
+            </a:r>
+            <a:r>
+              <a:rPr lang="en-US" dirty="0"/>
+              <a:t> </a:t>
+            </a:r>
+            <a:r>
+              <a:rPr lang="en-US" dirty="0" err="1"/>
+              <a:t>beli</a:t>
+            </a:r>
+            <a:r>
+              <a:rPr lang="en-US" dirty="0"/>
+              <a:t> </a:t>
+            </a:r>
+            <a:r>
+              <a:rPr lang="en-US" dirty="0" err="1"/>
+              <a:t>deposito</a:t>
+            </a:r>
+            <a:r>
+              <a:rPr lang="en-US" dirty="0"/>
+              <a:t>)</a:t>
+            </a:r>
+          </a:p>
+          <a:p>
+            <a:pPr marL="342900" indent="-342900" algn="ctr">
+              <a:buAutoNum type="arabicPeriod"/>
+            </a:pPr>
+            <a:r>
+              <a:rPr lang="en-US" dirty="0" err="1"/>
+              <a:t>Evaluasi</a:t>
+            </a:r>
+            <a:endParaRPr lang="en-US" dirty="0"/>
+          </a:p>
+        </p:txBody>
+      </p:sp>
+      <p:sp>
+        <p:nvSpPr>
+          <p:cNvPr id="8" name="Arrow: Right 7">
+            <a:extLst>
+              <a:ext uri="{FF2B5EF4-FFF2-40B4-BE49-F238E27FC236}">
+                <a16:creationId xmlns:a16="http://schemas.microsoft.com/office/drawing/2014/main" xmlns="" id="{5230BFF4-90C0-448F-8655-E62BB29256A3}"/>
+              </a:ext>
+            </a:extLst>
+          </p:cNvPr>
+          <p:cNvSpPr/>
+          <p:nvPr/>
+        </p:nvSpPr>
+        <p:spPr>
+          <a:xfrm>
+            <a:off x="5048865" y="1248698"/>
+            <a:ext cx="1307690" cy="914400"/>
+          </a:xfrm>
+          <a:prstGeom prst="rightArrow">
+            <a:avLst/>
+          </a:prstGeom>
+        </p:spPr>
+        <p:style>
+          <a:lnRef idx="2">
+            <a:schemeClr val="accent1">
+              <a:shade val="50000"/>
+            </a:schemeClr>
+          </a:lnRef>
+          <a:fillRef idx="1">
+            <a:schemeClr val="accent1"/>
+          </a:fillRef>
+          <a:effectRef idx="0">
+            <a:schemeClr val="accent1"/>
+          </a:effectRef>
+          <a:fontRef idx="minor">
+            <a:schemeClr val="lt1"/>
+          </a:fontRef>
+        </p:style>
+        <p:txBody>
+          <a:bodyPr rtlCol="0" anchor="ctr"/>
+          <a:lstStyle/>
+          <a:p>
+            <a:pPr algn="ctr"/>
+            <a:endParaRPr lang="en-US"/>
+          </a:p>
+        </p:txBody>
+      </p:sp>
+      <p:sp>
+        <p:nvSpPr>
+          <p:cNvPr id="10" name="Star: 6 Points 9">
+            <a:extLst>
+              <a:ext uri="{FF2B5EF4-FFF2-40B4-BE49-F238E27FC236}">
+                <a16:creationId xmlns:a16="http://schemas.microsoft.com/office/drawing/2014/main" xmlns="" id="{50B4BDF3-4192-47A7-B59C-EE4FAD5DE0B0}"/>
+              </a:ext>
+            </a:extLst>
+          </p:cNvPr>
+          <p:cNvSpPr/>
+          <p:nvPr/>
+        </p:nvSpPr>
+        <p:spPr>
+          <a:xfrm>
+            <a:off x="6422923" y="442452"/>
+            <a:ext cx="2330245" cy="2330245"/>
+          </a:xfrm>
+          <a:prstGeom prst="star6">
+            <a:avLst/>
+          </a:prstGeom>
+        </p:spPr>
+        <p:style>
+          <a:lnRef idx="2">
+            <a:schemeClr val="accent1">
+              <a:shade val="50000"/>
+            </a:schemeClr>
+          </a:lnRef>
+          <a:fillRef idx="1">
+            <a:schemeClr val="accent1"/>
+          </a:fillRef>
+          <a:effectRef idx="0">
+            <a:schemeClr val="accent1"/>
+          </a:effectRef>
+          <a:fontRef idx="minor">
+            <a:schemeClr val="lt1"/>
+          </a:fontRef>
+        </p:style>
+        <p:txBody>
+          <a:bodyPr rtlCol="0" anchor="ctr"/>
+          <a:lstStyle/>
+          <a:p>
+            <a:pPr algn="ctr"/>
+            <a:r>
+              <a:rPr lang="en-US" dirty="0"/>
+              <a:t>PERLU DIBUAT MODEL</a:t>
+            </a:r>
+          </a:p>
+        </p:txBody>
+      </p:sp>
+      <p:sp>
+        <p:nvSpPr>
+          <p:cNvPr id="11" name="Rectangle 10">
+            <a:extLst>
+              <a:ext uri="{FF2B5EF4-FFF2-40B4-BE49-F238E27FC236}">
+                <a16:creationId xmlns:a16="http://schemas.microsoft.com/office/drawing/2014/main" xmlns="" id="{7B8F2F6E-973E-431B-8946-9ED27879C274}"/>
+              </a:ext>
+            </a:extLst>
+          </p:cNvPr>
+          <p:cNvSpPr/>
+          <p:nvPr/>
+        </p:nvSpPr>
+        <p:spPr>
+          <a:xfrm>
+            <a:off x="6378677" y="2871019"/>
+            <a:ext cx="2418736" cy="1347020"/>
+          </a:xfrm>
+          <a:prstGeom prst="rect">
+            <a:avLst/>
+          </a:prstGeom>
+        </p:spPr>
+        <p:style>
+          <a:lnRef idx="2">
+            <a:schemeClr val="accent6"/>
+          </a:lnRef>
+          <a:fillRef idx="1">
+            <a:schemeClr val="lt1"/>
+          </a:fillRef>
+          <a:effectRef idx="0">
+            <a:schemeClr val="accent6"/>
+          </a:effectRef>
+          <a:fontRef idx="minor">
+            <a:schemeClr val="dk1"/>
+          </a:fontRef>
+        </p:style>
+        <p:txBody>
+          <a:bodyPr rtlCol="0" anchor="ctr"/>
+          <a:lstStyle/>
+          <a:p>
+            <a:pPr algn="ctr"/>
+            <a:r>
+              <a:rPr lang="en-US" dirty="0"/>
+              <a:t>[PENTING] model </a:t>
+            </a:r>
+            <a:r>
+              <a:rPr lang="en-US" dirty="0" err="1"/>
+              <a:t>digunakan</a:t>
+            </a:r>
+            <a:r>
+              <a:rPr lang="en-US" dirty="0"/>
+              <a:t> </a:t>
+            </a:r>
+            <a:r>
+              <a:rPr lang="en-US" dirty="0" err="1"/>
+              <a:t>sebelum</a:t>
+            </a:r>
+            <a:r>
+              <a:rPr lang="en-US" dirty="0"/>
+              <a:t> </a:t>
+            </a:r>
+            <a:r>
+              <a:rPr lang="en-US" dirty="0" err="1"/>
+              <a:t>melakukan</a:t>
+            </a:r>
+            <a:r>
+              <a:rPr lang="en-US" dirty="0"/>
+              <a:t> campaign/program marketing</a:t>
+            </a:r>
+          </a:p>
+        </p:txBody>
+      </p:sp>
+      <p:sp>
+        <p:nvSpPr>
+          <p:cNvPr id="12" name="Rectangle 11">
+            <a:extLst>
+              <a:ext uri="{FF2B5EF4-FFF2-40B4-BE49-F238E27FC236}">
+                <a16:creationId xmlns:a16="http://schemas.microsoft.com/office/drawing/2014/main" xmlns="" id="{825980B7-833F-401F-A9FF-1110D070F93F}"/>
+              </a:ext>
+            </a:extLst>
+          </p:cNvPr>
+          <p:cNvSpPr/>
+          <p:nvPr/>
+        </p:nvSpPr>
+        <p:spPr>
+          <a:xfrm>
+            <a:off x="6378677" y="4360607"/>
+            <a:ext cx="2418736" cy="2241756"/>
+          </a:xfrm>
+          <a:prstGeom prst="rect">
+            <a:avLst/>
+          </a:prstGeom>
+        </p:spPr>
+        <p:style>
+          <a:lnRef idx="2">
+            <a:schemeClr val="accent6"/>
+          </a:lnRef>
+          <a:fillRef idx="1">
+            <a:schemeClr val="lt1"/>
+          </a:fillRef>
+          <a:effectRef idx="0">
+            <a:schemeClr val="accent6"/>
+          </a:effectRef>
+          <a:fontRef idx="minor">
+            <a:schemeClr val="dk1"/>
+          </a:fontRef>
+        </p:style>
+        <p:txBody>
+          <a:bodyPr rtlCol="0" anchor="ctr"/>
+          <a:lstStyle/>
+          <a:p>
+            <a:pPr algn="ctr"/>
+            <a:r>
+              <a:rPr lang="en-US" dirty="0"/>
+              <a:t>Kolom di dataset model yang </a:t>
+            </a:r>
+            <a:r>
+              <a:rPr lang="en-US" dirty="0" err="1"/>
+              <a:t>dipakai</a:t>
+            </a:r>
+            <a:r>
+              <a:rPr lang="en-US" dirty="0"/>
+              <a:t> </a:t>
+            </a:r>
+            <a:r>
+              <a:rPr lang="en-US" dirty="0" err="1"/>
+              <a:t>adalah</a:t>
+            </a:r>
+            <a:r>
+              <a:rPr lang="en-US" dirty="0"/>
+              <a:t> KOLOM YG BISA DIDAPATKAN </a:t>
+            </a:r>
+            <a:r>
+              <a:rPr lang="en-US" dirty="0" err="1"/>
+              <a:t>Sebelum</a:t>
+            </a:r>
+            <a:r>
+              <a:rPr lang="en-US" dirty="0"/>
+              <a:t> </a:t>
+            </a:r>
+            <a:r>
+              <a:rPr lang="en-US" dirty="0" err="1"/>
+              <a:t>melakukan</a:t>
+            </a:r>
+            <a:r>
+              <a:rPr lang="en-US" dirty="0"/>
+              <a:t> Campaign</a:t>
+            </a:r>
+          </a:p>
+        </p:txBody>
+      </p:sp>
+      <p:sp>
+        <p:nvSpPr>
+          <p:cNvPr id="13" name="Rectangle 12">
+            <a:extLst>
+              <a:ext uri="{FF2B5EF4-FFF2-40B4-BE49-F238E27FC236}">
+                <a16:creationId xmlns:a16="http://schemas.microsoft.com/office/drawing/2014/main" xmlns="" id="{6DC299E1-1B01-4DC8-A1D6-3365EC8ED552}"/>
+              </a:ext>
+            </a:extLst>
+          </p:cNvPr>
+          <p:cNvSpPr/>
+          <p:nvPr/>
+        </p:nvSpPr>
+        <p:spPr>
+          <a:xfrm>
+            <a:off x="776749" y="4606414"/>
+            <a:ext cx="3244645" cy="1750142"/>
+          </a:xfrm>
+          <a:prstGeom prst="rect">
+            <a:avLst/>
+          </a:prstGeom>
+          <a:ln w="57150">
+            <a:solidFill>
+              <a:schemeClr val="tx1"/>
+            </a:solidFill>
+            <a:prstDash val="dashDot"/>
+          </a:ln>
+        </p:spPr>
+        <p:style>
+          <a:lnRef idx="2">
+            <a:schemeClr val="accent6"/>
+          </a:lnRef>
+          <a:fillRef idx="1">
+            <a:schemeClr val="lt1"/>
+          </a:fillRef>
+          <a:effectRef idx="0">
+            <a:schemeClr val="accent6"/>
+          </a:effectRef>
+          <a:fontRef idx="minor">
+            <a:schemeClr val="dk1"/>
+          </a:fontRef>
+        </p:style>
+        <p:txBody>
+          <a:bodyPr rtlCol="0" anchor="ctr"/>
+          <a:lstStyle/>
+          <a:p>
+            <a:pPr algn="ctr"/>
+            <a:r>
+              <a:rPr lang="en-US" dirty="0"/>
+              <a:t>!!  INGAT  !!</a:t>
+            </a:r>
+          </a:p>
+          <a:p>
+            <a:pPr algn="ctr"/>
+            <a:endParaRPr lang="en-US" dirty="0"/>
+          </a:p>
+          <a:p>
+            <a:pPr algn="ctr"/>
+            <a:r>
+              <a:rPr lang="en-US" dirty="0"/>
+              <a:t>Calon customer yang di approach </a:t>
+            </a:r>
+            <a:r>
+              <a:rPr lang="en-US" dirty="0" err="1"/>
+              <a:t>adalah</a:t>
+            </a:r>
+            <a:r>
+              <a:rPr lang="en-US" dirty="0"/>
+              <a:t> </a:t>
+            </a:r>
+            <a:r>
+              <a:rPr lang="en-US" dirty="0" err="1"/>
+              <a:t>nasabah</a:t>
+            </a:r>
+            <a:r>
+              <a:rPr lang="en-US" dirty="0"/>
+              <a:t> bank </a:t>
+            </a:r>
+            <a:r>
+              <a:rPr lang="en-US" dirty="0" err="1"/>
+              <a:t>tersebut</a:t>
+            </a:r>
+            <a:endParaRPr lang="en-US" dirty="0"/>
+          </a:p>
+        </p:txBody>
+      </p:sp>
+      <p:sp>
+        <p:nvSpPr>
+          <p:cNvPr id="9" name="Arrow: Right 8">
+            <a:extLst>
+              <a:ext uri="{FF2B5EF4-FFF2-40B4-BE49-F238E27FC236}">
+                <a16:creationId xmlns:a16="http://schemas.microsoft.com/office/drawing/2014/main" xmlns="" id="{199FF53C-44D6-4140-BA6D-4BFCB9D42FCF}"/>
+              </a:ext>
+            </a:extLst>
+          </p:cNvPr>
+          <p:cNvSpPr/>
+          <p:nvPr/>
+        </p:nvSpPr>
+        <p:spPr>
+          <a:xfrm>
+            <a:off x="8819536" y="1106130"/>
+            <a:ext cx="752168" cy="914400"/>
+          </a:xfrm>
+          <a:prstGeom prst="rightArrow">
+            <a:avLst/>
+          </a:prstGeom>
+        </p:spPr>
+        <p:style>
+          <a:lnRef idx="2">
+            <a:schemeClr val="accent1">
+              <a:shade val="50000"/>
+            </a:schemeClr>
+          </a:lnRef>
+          <a:fillRef idx="1">
+            <a:schemeClr val="accent1"/>
+          </a:fillRef>
+          <a:effectRef idx="0">
+            <a:schemeClr val="accent1"/>
+          </a:effectRef>
+          <a:fontRef idx="minor">
+            <a:schemeClr val="lt1"/>
+          </a:fontRef>
+        </p:style>
+        <p:txBody>
+          <a:bodyPr rtlCol="0" anchor="ctr"/>
+          <a:lstStyle/>
+          <a:p>
+            <a:pPr algn="ctr"/>
+            <a:endParaRPr lang="en-US"/>
+          </a:p>
+        </p:txBody>
+      </p:sp>
+      <p:sp>
+        <p:nvSpPr>
+          <p:cNvPr id="2" name="Oval 1">
+            <a:extLst>
+              <a:ext uri="{FF2B5EF4-FFF2-40B4-BE49-F238E27FC236}">
+                <a16:creationId xmlns:a16="http://schemas.microsoft.com/office/drawing/2014/main" xmlns="" id="{5E49095A-1E8E-4BD3-922A-E2010D50DAE2}"/>
+              </a:ext>
+            </a:extLst>
+          </p:cNvPr>
+          <p:cNvSpPr/>
+          <p:nvPr/>
+        </p:nvSpPr>
+        <p:spPr>
+          <a:xfrm>
+            <a:off x="9615949" y="550606"/>
+            <a:ext cx="2330245" cy="2330245"/>
+          </a:xfrm>
+          <a:prstGeom prst="ellipse">
+            <a:avLst/>
+          </a:prstGeom>
+        </p:spPr>
+        <p:style>
+          <a:lnRef idx="2">
+            <a:schemeClr val="accent1">
+              <a:shade val="50000"/>
+            </a:schemeClr>
+          </a:lnRef>
+          <a:fillRef idx="1">
+            <a:schemeClr val="accent1"/>
+          </a:fillRef>
+          <a:effectRef idx="0">
+            <a:schemeClr val="accent1"/>
+          </a:effectRef>
+          <a:fontRef idx="minor">
+            <a:schemeClr val="lt1"/>
+          </a:fontRef>
+        </p:style>
+        <p:txBody>
+          <a:bodyPr rtlCol="0" anchor="ctr"/>
+          <a:lstStyle/>
+          <a:p>
+            <a:pPr algn="ctr"/>
+            <a:r>
+              <a:rPr lang="en-US" dirty="0"/>
+              <a:t>Model </a:t>
+            </a:r>
+            <a:r>
+              <a:rPr lang="en-US" dirty="0" err="1"/>
+              <a:t>untuk</a:t>
+            </a:r>
+            <a:r>
+              <a:rPr lang="en-US" dirty="0"/>
+              <a:t> </a:t>
+            </a:r>
+            <a:r>
+              <a:rPr lang="en-US" dirty="0" err="1"/>
+              <a:t>prediksi</a:t>
+            </a:r>
+            <a:r>
+              <a:rPr lang="en-US" dirty="0"/>
+              <a:t> </a:t>
+            </a:r>
+            <a:r>
+              <a:rPr lang="en-US" dirty="0" err="1"/>
+              <a:t>calon</a:t>
+            </a:r>
+            <a:r>
+              <a:rPr lang="en-US" dirty="0"/>
+              <a:t> customer </a:t>
+            </a:r>
+            <a:r>
+              <a:rPr lang="en-US" dirty="0" err="1"/>
+              <a:t>untuk</a:t>
+            </a:r>
+            <a:r>
+              <a:rPr lang="en-US" dirty="0"/>
+              <a:t> program marketing </a:t>
+            </a:r>
+            <a:r>
+              <a:rPr lang="en-US" dirty="0" err="1"/>
+              <a:t>selanjutnya</a:t>
+            </a:r>
+            <a:endParaRPr lang="en-US" dirty="0"/>
+          </a:p>
+        </p:txBody>
+      </p:sp>
+      <p:sp>
+        <p:nvSpPr>
+          <p:cNvPr id="14" name="Rectangle 13">
+            <a:extLst>
+              <a:ext uri="{FF2B5EF4-FFF2-40B4-BE49-F238E27FC236}">
+                <a16:creationId xmlns:a16="http://schemas.microsoft.com/office/drawing/2014/main" xmlns="" id="{C19BF0DA-F8BE-4200-8063-53905AE628CC}"/>
+              </a:ext>
+            </a:extLst>
+          </p:cNvPr>
+          <p:cNvSpPr/>
+          <p:nvPr/>
+        </p:nvSpPr>
+        <p:spPr>
+          <a:xfrm>
+            <a:off x="2846439" y="1248697"/>
+            <a:ext cx="2040193" cy="2772697"/>
+          </a:xfrm>
+          <a:prstGeom prst="rect">
+            <a:avLst/>
+          </a:prstGeom>
+        </p:spPr>
+        <p:style>
+          <a:lnRef idx="2">
+            <a:schemeClr val="accent6"/>
+          </a:lnRef>
+          <a:fillRef idx="1">
+            <a:schemeClr val="lt1"/>
+          </a:fillRef>
+          <a:effectRef idx="0">
+            <a:schemeClr val="accent6"/>
+          </a:effectRef>
+          <a:fontRef idx="minor">
+            <a:schemeClr val="dk1"/>
+          </a:fontRef>
+        </p:style>
+        <p:txBody>
+          <a:bodyPr rtlCol="0" anchor="ctr"/>
+          <a:lstStyle/>
+          <a:p>
+            <a:pPr algn="ctr"/>
+            <a:r>
+              <a:rPr lang="en-US" dirty="0" err="1"/>
+              <a:t>Tambahan</a:t>
+            </a:r>
+            <a:r>
+              <a:rPr lang="en-US" dirty="0"/>
+              <a:t> :</a:t>
+            </a:r>
+          </a:p>
+          <a:p>
+            <a:pPr algn="ctr"/>
+            <a:r>
+              <a:rPr lang="en-US" dirty="0"/>
+              <a:t>Concern </a:t>
+            </a:r>
+            <a:r>
+              <a:rPr lang="en-US" dirty="0" err="1"/>
+              <a:t>tim</a:t>
+            </a:r>
+            <a:r>
+              <a:rPr lang="en-US" dirty="0"/>
+              <a:t> marketing di cost campaign</a:t>
+            </a:r>
+          </a:p>
+        </p:txBody>
+      </p:sp>
+    </p:spTree>
+    <p:extLst>
+      <p:ext uri="{BB962C8B-B14F-4D97-AF65-F5344CB8AC3E}">
+        <p14:creationId xmlns:p14="http://schemas.microsoft.com/office/powerpoint/2010/main" val="3754076498"/>
+      </p:ext>
+    </p:extLst>
+  </p:cSld>
+  <p:clrMapOvr>
+    <a:masterClrMapping/>
+  </p:clrMapOvr>
+</p:sld>
+</file>
+
+<file path=ppt/slides/slide20.xml><?xml version="1.0" encoding="utf-8"?>
+<p:sld xmlns:a="http://schemas.openxmlformats.org/drawingml/2006/main" xmlns:r="http://schemas.openxmlformats.org/officeDocument/2006/relationships" xmlns:p="http://schemas.openxmlformats.org/presentationml/2006/main">
+  <p:cSld>
+    <p:spTree>
+      <p:nvGrpSpPr>
+        <p:cNvPr id="1" name=""/>
+        <p:cNvGrpSpPr/>
+        <p:nvPr/>
+      </p:nvGrpSpPr>
+      <p:grpSpPr>
+        <a:xfrm>
+          <a:off x="0" y="0"/>
+          <a:ext cx="0" cy="0"/>
+          <a:chOff x="0" y="0"/>
+          <a:chExt cx="0" cy="0"/>
+        </a:xfrm>
+      </p:grpSpPr>
+      <p:sp>
+        <p:nvSpPr>
+          <p:cNvPr id="2" name="Title 1">
+            <a:extLst>
+              <a:ext uri="{FF2B5EF4-FFF2-40B4-BE49-F238E27FC236}">
+                <a16:creationId xmlns:a16="http://schemas.microsoft.com/office/drawing/2014/main" xmlns="" id="{84EEC1A3-E984-4881-B54A-F1C5E73F7696}"/>
+              </a:ext>
+            </a:extLst>
+          </p:cNvPr>
+          <p:cNvSpPr>
+            <a:spLocks noGrp="1"/>
+          </p:cNvSpPr>
+          <p:nvPr>
+            <p:ph type="title"/>
+          </p:nvPr>
+        </p:nvSpPr>
+        <p:spPr/>
+        <p:txBody>
+          <a:bodyPr/>
+          <a:lstStyle/>
+          <a:p>
+            <a:pPr algn="ctr"/>
+            <a:r>
+              <a:rPr lang="en-US" dirty="0" smtClean="0"/>
+              <a:t>EDA – Univariate (9)</a:t>
+            </a:r>
+            <a:endParaRPr lang="en-US" dirty="0"/>
+          </a:p>
+        </p:txBody>
+      </p:sp>
+      <p:pic>
+        <p:nvPicPr>
+          <p:cNvPr id="3" name="Picture 2"/>
+          <p:cNvPicPr>
+            <a:picLocks noChangeAspect="1"/>
+          </p:cNvPicPr>
+          <p:nvPr/>
+        </p:nvPicPr>
+        <p:blipFill>
+          <a:blip r:embed="rId2">
+            <a:extLst>
+              <a:ext uri="{28A0092B-C50C-407E-A947-70E740481C1C}">
+                <a14:useLocalDpi xmlns:a14="http://schemas.microsoft.com/office/drawing/2010/main" val="0"/>
+              </a:ext>
+            </a:extLst>
+          </a:blip>
+          <a:stretch>
+            <a:fillRect/>
+          </a:stretch>
+        </p:blipFill>
+        <p:spPr>
+          <a:xfrm>
+            <a:off x="2179616" y="1575358"/>
+            <a:ext cx="2614591" cy="2553431"/>
+          </a:xfrm>
+          <a:prstGeom prst="rect">
+            <a:avLst/>
+          </a:prstGeom>
+        </p:spPr>
+      </p:pic>
+      <p:pic>
+        <p:nvPicPr>
+          <p:cNvPr id="5" name="Picture 4"/>
+          <p:cNvPicPr>
+            <a:picLocks noChangeAspect="1"/>
+          </p:cNvPicPr>
+          <p:nvPr/>
+        </p:nvPicPr>
+        <p:blipFill>
+          <a:blip r:embed="rId3">
+            <a:extLst>
+              <a:ext uri="{28A0092B-C50C-407E-A947-70E740481C1C}">
+                <a14:useLocalDpi xmlns:a14="http://schemas.microsoft.com/office/drawing/2010/main" val="0"/>
+              </a:ext>
+            </a:extLst>
+          </a:blip>
+          <a:stretch>
+            <a:fillRect/>
+          </a:stretch>
+        </p:blipFill>
+        <p:spPr>
+          <a:xfrm>
+            <a:off x="5700584" y="1575358"/>
+            <a:ext cx="5741558" cy="2553431"/>
+          </a:xfrm>
+          <a:prstGeom prst="rect">
+            <a:avLst/>
+          </a:prstGeom>
+        </p:spPr>
+      </p:pic>
+      <p:pic>
+        <p:nvPicPr>
+          <p:cNvPr id="8" name="Picture 7"/>
+          <p:cNvPicPr>
+            <a:picLocks noChangeAspect="1"/>
+          </p:cNvPicPr>
+          <p:nvPr/>
+        </p:nvPicPr>
+        <p:blipFill>
+          <a:blip r:embed="rId4">
+            <a:extLst>
+              <a:ext uri="{28A0092B-C50C-407E-A947-70E740481C1C}">
+                <a14:useLocalDpi xmlns:a14="http://schemas.microsoft.com/office/drawing/2010/main" val="0"/>
+              </a:ext>
+            </a:extLst>
+          </a:blip>
+          <a:stretch>
+            <a:fillRect/>
+          </a:stretch>
+        </p:blipFill>
+        <p:spPr>
+          <a:xfrm>
+            <a:off x="123569" y="4244120"/>
+            <a:ext cx="5298244" cy="2257161"/>
+          </a:xfrm>
+          <a:prstGeom prst="rect">
+            <a:avLst/>
+          </a:prstGeom>
+        </p:spPr>
+      </p:pic>
+      <p:pic>
+        <p:nvPicPr>
+          <p:cNvPr id="10" name="Picture 9"/>
+          <p:cNvPicPr>
+            <a:picLocks noChangeAspect="1"/>
+          </p:cNvPicPr>
+          <p:nvPr/>
+        </p:nvPicPr>
+        <p:blipFill>
+          <a:blip r:embed="rId5" cstate="print">
+            <a:extLst>
+              <a:ext uri="{28A0092B-C50C-407E-A947-70E740481C1C}">
+                <a14:useLocalDpi xmlns:a14="http://schemas.microsoft.com/office/drawing/2010/main" val="0"/>
+              </a:ext>
+            </a:extLst>
+          </a:blip>
+          <a:stretch>
+            <a:fillRect/>
+          </a:stretch>
+        </p:blipFill>
+        <p:spPr>
+          <a:xfrm>
+            <a:off x="5550942" y="4244120"/>
+            <a:ext cx="6468063" cy="2257162"/>
+          </a:xfrm>
+          <a:prstGeom prst="rect">
+            <a:avLst/>
+          </a:prstGeom>
+        </p:spPr>
+      </p:pic>
+    </p:spTree>
+    <p:extLst>
+      <p:ext uri="{BB962C8B-B14F-4D97-AF65-F5344CB8AC3E}">
+        <p14:creationId xmlns:p14="http://schemas.microsoft.com/office/powerpoint/2010/main" val="2518265631"/>
+      </p:ext>
+    </p:extLst>
+  </p:cSld>
+  <p:clrMapOvr>
+    <a:masterClrMapping/>
+  </p:clrMapOvr>
+  <p:timing>
+    <p:tnLst>
+      <p:par>
+        <p:cTn id="1" dur="indefinite" restart="never" nodeType="tmRoot"/>
+      </p:par>
+    </p:tnLst>
+  </p:timing>
+</p:sld>
+</file>
+
+<file path=ppt/slides/slide21.xml><?xml version="1.0" encoding="utf-8"?>
+<p:sld xmlns:a="http://schemas.openxmlformats.org/drawingml/2006/main" xmlns:r="http://schemas.openxmlformats.org/officeDocument/2006/relationships" xmlns:p="http://schemas.openxmlformats.org/presentationml/2006/main">
+  <p:cSld>
+    <p:spTree>
+      <p:nvGrpSpPr>
+        <p:cNvPr id="1" name=""/>
+        <p:cNvGrpSpPr/>
+        <p:nvPr/>
+      </p:nvGrpSpPr>
+      <p:grpSpPr>
+        <a:xfrm>
+          <a:off x="0" y="0"/>
+          <a:ext cx="0" cy="0"/>
+          <a:chOff x="0" y="0"/>
+          <a:chExt cx="0" cy="0"/>
+        </a:xfrm>
+      </p:grpSpPr>
+      <p:sp>
+        <p:nvSpPr>
+          <p:cNvPr id="2" name="Title 1">
+            <a:extLst>
+              <a:ext uri="{FF2B5EF4-FFF2-40B4-BE49-F238E27FC236}">
+                <a16:creationId xmlns:a16="http://schemas.microsoft.com/office/drawing/2014/main" xmlns="" id="{84EEC1A3-E984-4881-B54A-F1C5E73F7696}"/>
+              </a:ext>
+            </a:extLst>
+          </p:cNvPr>
+          <p:cNvSpPr>
+            <a:spLocks noGrp="1"/>
+          </p:cNvSpPr>
+          <p:nvPr>
+            <p:ph type="title"/>
+          </p:nvPr>
+        </p:nvSpPr>
+        <p:spPr/>
+        <p:txBody>
+          <a:bodyPr/>
+          <a:lstStyle/>
+          <a:p>
+            <a:pPr algn="ctr"/>
+            <a:r>
+              <a:rPr lang="en-US" dirty="0" smtClean="0"/>
+              <a:t>EDA – Univariate (10)</a:t>
+            </a:r>
+            <a:endParaRPr lang="en-US" dirty="0"/>
+          </a:p>
+        </p:txBody>
+      </p:sp>
+      <p:pic>
+        <p:nvPicPr>
+          <p:cNvPr id="3" name="Picture 2"/>
+          <p:cNvPicPr>
+            <a:picLocks noChangeAspect="1"/>
+          </p:cNvPicPr>
+          <p:nvPr/>
+        </p:nvPicPr>
+        <p:blipFill>
+          <a:blip r:embed="rId2">
+            <a:extLst>
+              <a:ext uri="{28A0092B-C50C-407E-A947-70E740481C1C}">
+                <a14:useLocalDpi xmlns:a14="http://schemas.microsoft.com/office/drawing/2010/main" val="0"/>
+              </a:ext>
+            </a:extLst>
+          </a:blip>
+          <a:stretch>
+            <a:fillRect/>
+          </a:stretch>
+        </p:blipFill>
+        <p:spPr>
+          <a:xfrm>
+            <a:off x="477795" y="1844075"/>
+            <a:ext cx="5980670" cy="2534954"/>
+          </a:xfrm>
+          <a:prstGeom prst="rect">
+            <a:avLst/>
+          </a:prstGeom>
+        </p:spPr>
+      </p:pic>
+      <p:sp>
+        <p:nvSpPr>
+          <p:cNvPr id="8" name="Content Placeholder 2">
+            <a:extLst>
+              <a:ext uri="{FF2B5EF4-FFF2-40B4-BE49-F238E27FC236}">
+                <a16:creationId xmlns:a16="http://schemas.microsoft.com/office/drawing/2014/main" xmlns="" id="{6454B748-3B9E-49AD-A4D5-FC6C95CAE875}"/>
+              </a:ext>
+            </a:extLst>
+          </p:cNvPr>
+          <p:cNvSpPr txBox="1">
+            <a:spLocks/>
+          </p:cNvSpPr>
+          <p:nvPr/>
+        </p:nvSpPr>
+        <p:spPr>
+          <a:xfrm>
+            <a:off x="753763" y="5519351"/>
+            <a:ext cx="10684474" cy="1062681"/>
+          </a:xfrm>
+          <a:prstGeom prst="rect">
+            <a:avLst/>
+          </a:prstGeom>
+        </p:spPr>
+        <p:txBody>
+          <a:bodyPr vert="horz" lIns="91440" tIns="45720" rIns="91440" bIns="45720" rtlCol="0">
+            <a:normAutofit/>
+          </a:bodyPr>
+          <a:lstStyle>
+            <a:lvl1pPr marL="228600" indent="-228600" algn="l" defTabSz="914400" rtl="0" eaLnBrk="1" latinLnBrk="0" hangingPunct="1">
+              <a:lnSpc>
+                <a:spcPct val="90000"/>
+              </a:lnSpc>
+              <a:spcBef>
+                <a:spcPts val="1000"/>
+              </a:spcBef>
+              <a:buFont typeface="Arial" panose="020B0604020202020204" pitchFamily="34" charset="0"/>
+              <a:buChar char="•"/>
+              <a:defRPr sz="2800" kern="1200">
+                <a:solidFill>
+                  <a:schemeClr val="tx1"/>
+                </a:solidFill>
+                <a:latin typeface="+mn-lt"/>
+                <a:ea typeface="+mn-ea"/>
+                <a:cs typeface="+mn-cs"/>
+              </a:defRPr>
+            </a:lvl1pPr>
+            <a:lvl2pPr marL="685800" indent="-228600" algn="l" defTabSz="914400" rtl="0" eaLnBrk="1" latinLnBrk="0" hangingPunct="1">
+              <a:lnSpc>
+                <a:spcPct val="90000"/>
+              </a:lnSpc>
+              <a:spcBef>
+                <a:spcPts val="500"/>
+              </a:spcBef>
+              <a:buFont typeface="Arial" panose="020B0604020202020204" pitchFamily="34" charset="0"/>
+              <a:buChar char="•"/>
+              <a:defRPr sz="2400" kern="1200">
+                <a:solidFill>
+                  <a:schemeClr val="tx1"/>
+                </a:solidFill>
+                <a:latin typeface="+mn-lt"/>
+                <a:ea typeface="+mn-ea"/>
+                <a:cs typeface="+mn-cs"/>
+              </a:defRPr>
+            </a:lvl2pPr>
+            <a:lvl3pPr marL="1143000" indent="-228600" algn="l" defTabSz="914400" rtl="0" eaLnBrk="1" latinLnBrk="0" hangingPunct="1">
+              <a:lnSpc>
+                <a:spcPct val="90000"/>
+              </a:lnSpc>
+              <a:spcBef>
+                <a:spcPts val="500"/>
+              </a:spcBef>
+              <a:buFont typeface="Arial" panose="020B0604020202020204" pitchFamily="34" charset="0"/>
+              <a:buChar char="•"/>
+              <a:defRPr sz="2000" kern="1200">
+                <a:solidFill>
+                  <a:schemeClr val="tx1"/>
+                </a:solidFill>
+                <a:latin typeface="+mn-lt"/>
+                <a:ea typeface="+mn-ea"/>
+                <a:cs typeface="+mn-cs"/>
+              </a:defRPr>
+            </a:lvl3pPr>
+            <a:lvl4pPr marL="1600200" indent="-228600" algn="l" defTabSz="914400" rtl="0" eaLnBrk="1" latinLnBrk="0" hangingPunct="1">
+              <a:lnSpc>
+                <a:spcPct val="90000"/>
+              </a:lnSpc>
+              <a:spcBef>
+                <a:spcPts val="500"/>
+              </a:spcBef>
+              <a:buFont typeface="Arial" panose="020B0604020202020204" pitchFamily="34" charset="0"/>
+              <a:buChar char="•"/>
+              <a:defRPr sz="1800" kern="1200">
+                <a:solidFill>
+                  <a:schemeClr val="tx1"/>
+                </a:solidFill>
+                <a:latin typeface="+mn-lt"/>
+                <a:ea typeface="+mn-ea"/>
+                <a:cs typeface="+mn-cs"/>
+              </a:defRPr>
+            </a:lvl4pPr>
+            <a:lvl5pPr marL="2057400" indent="-228600" algn="l" defTabSz="914400" rtl="0" eaLnBrk="1" latinLnBrk="0" hangingPunct="1">
+              <a:lnSpc>
+                <a:spcPct val="90000"/>
+              </a:lnSpc>
+              <a:spcBef>
+                <a:spcPts val="500"/>
+              </a:spcBef>
+              <a:buFont typeface="Arial" panose="020B0604020202020204" pitchFamily="34" charset="0"/>
+              <a:buChar char="•"/>
+              <a:defRPr sz="1800" kern="1200">
+                <a:solidFill>
+                  <a:schemeClr val="tx1"/>
+                </a:solidFill>
+                <a:latin typeface="+mn-lt"/>
+                <a:ea typeface="+mn-ea"/>
+                <a:cs typeface="+mn-cs"/>
+              </a:defRPr>
+            </a:lvl5pPr>
+            <a:lvl6pPr marL="2514600" indent="-228600" algn="l" defTabSz="914400" rtl="0" eaLnBrk="1" latinLnBrk="0" hangingPunct="1">
+              <a:lnSpc>
+                <a:spcPct val="90000"/>
+              </a:lnSpc>
+              <a:spcBef>
+                <a:spcPts val="500"/>
+              </a:spcBef>
+              <a:buFont typeface="Arial" panose="020B0604020202020204" pitchFamily="34" charset="0"/>
+              <a:buChar char="•"/>
+              <a:defRPr sz="1800" kern="1200">
+                <a:solidFill>
+                  <a:schemeClr val="tx1"/>
+                </a:solidFill>
+                <a:latin typeface="+mn-lt"/>
+                <a:ea typeface="+mn-ea"/>
+                <a:cs typeface="+mn-cs"/>
+              </a:defRPr>
+            </a:lvl6pPr>
+            <a:lvl7pPr marL="2971800" indent="-228600" algn="l" defTabSz="914400" rtl="0" eaLnBrk="1" latinLnBrk="0" hangingPunct="1">
+              <a:lnSpc>
+                <a:spcPct val="90000"/>
+              </a:lnSpc>
+              <a:spcBef>
+                <a:spcPts val="500"/>
+              </a:spcBef>
+              <a:buFont typeface="Arial" panose="020B0604020202020204" pitchFamily="34" charset="0"/>
+              <a:buChar char="•"/>
+              <a:defRPr sz="1800" kern="1200">
+                <a:solidFill>
+                  <a:schemeClr val="tx1"/>
+                </a:solidFill>
+                <a:latin typeface="+mn-lt"/>
+                <a:ea typeface="+mn-ea"/>
+                <a:cs typeface="+mn-cs"/>
+              </a:defRPr>
+            </a:lvl7pPr>
+            <a:lvl8pPr marL="3429000" indent="-228600" algn="l" defTabSz="914400" rtl="0" eaLnBrk="1" latinLnBrk="0" hangingPunct="1">
+              <a:lnSpc>
+                <a:spcPct val="90000"/>
+              </a:lnSpc>
+              <a:spcBef>
+                <a:spcPts val="500"/>
+              </a:spcBef>
+              <a:buFont typeface="Arial" panose="020B0604020202020204" pitchFamily="34" charset="0"/>
+              <a:buChar char="•"/>
+              <a:defRPr sz="1800" kern="1200">
+                <a:solidFill>
+                  <a:schemeClr val="tx1"/>
+                </a:solidFill>
+                <a:latin typeface="+mn-lt"/>
+                <a:ea typeface="+mn-ea"/>
+                <a:cs typeface="+mn-cs"/>
+              </a:defRPr>
+            </a:lvl8pPr>
+            <a:lvl9pPr marL="3886200" indent="-228600" algn="l" defTabSz="914400" rtl="0" eaLnBrk="1" latinLnBrk="0" hangingPunct="1">
+              <a:lnSpc>
+                <a:spcPct val="90000"/>
+              </a:lnSpc>
+              <a:spcBef>
+                <a:spcPts val="500"/>
+              </a:spcBef>
+              <a:buFont typeface="Arial" panose="020B0604020202020204" pitchFamily="34" charset="0"/>
+              <a:buChar char="•"/>
+              <a:defRPr sz="1800" kern="1200">
+                <a:solidFill>
+                  <a:schemeClr val="tx1"/>
+                </a:solidFill>
+                <a:latin typeface="+mn-lt"/>
+                <a:ea typeface="+mn-ea"/>
+                <a:cs typeface="+mn-cs"/>
+              </a:defRPr>
+            </a:lvl9pPr>
+          </a:lstStyle>
+          <a:p>
+            <a:pPr>
+              <a:buFontTx/>
+              <a:buChar char="-"/>
+            </a:pPr>
+            <a:r>
+              <a:rPr lang="en-US" sz="2000" dirty="0" smtClean="0"/>
+              <a:t>Most call customers were contacted when number of employees were high</a:t>
+            </a:r>
+          </a:p>
+          <a:p>
+            <a:pPr>
+              <a:buFontTx/>
+              <a:buChar char="-"/>
+            </a:pPr>
+            <a:r>
+              <a:rPr lang="en-ID" sz="2000" dirty="0" smtClean="0"/>
+              <a:t>Most didn’t subscribe to term deposit offered</a:t>
+            </a:r>
+            <a:endParaRPr lang="en-US" sz="2000" dirty="0"/>
+          </a:p>
+        </p:txBody>
+      </p:sp>
+      <p:pic>
+        <p:nvPicPr>
+          <p:cNvPr id="5" name="Picture 4"/>
+          <p:cNvPicPr>
+            <a:picLocks noChangeAspect="1"/>
+          </p:cNvPicPr>
+          <p:nvPr/>
+        </p:nvPicPr>
+        <p:blipFill>
+          <a:blip r:embed="rId3">
+            <a:extLst>
+              <a:ext uri="{28A0092B-C50C-407E-A947-70E740481C1C}">
+                <a14:useLocalDpi xmlns:a14="http://schemas.microsoft.com/office/drawing/2010/main" val="0"/>
+              </a:ext>
+            </a:extLst>
+          </a:blip>
+          <a:stretch>
+            <a:fillRect/>
+          </a:stretch>
+        </p:blipFill>
+        <p:spPr>
+          <a:xfrm>
+            <a:off x="7241059" y="1844075"/>
+            <a:ext cx="3527854" cy="3445332"/>
+          </a:xfrm>
+          <a:prstGeom prst="rect">
+            <a:avLst/>
+          </a:prstGeom>
+        </p:spPr>
+      </p:pic>
+    </p:spTree>
+    <p:extLst>
+      <p:ext uri="{BB962C8B-B14F-4D97-AF65-F5344CB8AC3E}">
+        <p14:creationId xmlns:p14="http://schemas.microsoft.com/office/powerpoint/2010/main" val="2627089910"/>
+      </p:ext>
+    </p:extLst>
+  </p:cSld>
+  <p:clrMapOvr>
+    <a:masterClrMapping/>
+  </p:clrMapOvr>
+  <p:timing>
+    <p:tnLst>
+      <p:par>
+        <p:cTn id="1" dur="indefinite" restart="never" nodeType="tmRoot"/>
+      </p:par>
+    </p:tnLst>
+  </p:timing>
+</p:sld>
+</file>
+
+<file path=ppt/slides/slide22.xml><?xml version="1.0" encoding="utf-8"?>
+<p:sld xmlns:a="http://schemas.openxmlformats.org/drawingml/2006/main" xmlns:r="http://schemas.openxmlformats.org/officeDocument/2006/relationships" xmlns:p="http://schemas.openxmlformats.org/presentationml/2006/main">
+  <p:cSld>
+    <p:spTree>
+      <p:nvGrpSpPr>
+        <p:cNvPr id="1" name=""/>
+        <p:cNvGrpSpPr/>
+        <p:nvPr/>
+      </p:nvGrpSpPr>
+      <p:grpSpPr>
+        <a:xfrm>
+          <a:off x="0" y="0"/>
+          <a:ext cx="0" cy="0"/>
+          <a:chOff x="0" y="0"/>
+          <a:chExt cx="0" cy="0"/>
+        </a:xfrm>
+      </p:grpSpPr>
+      <p:sp>
+        <p:nvSpPr>
+          <p:cNvPr id="2" name="Title 1">
+            <a:extLst>
+              <a:ext uri="{FF2B5EF4-FFF2-40B4-BE49-F238E27FC236}">
+                <a16:creationId xmlns:a16="http://schemas.microsoft.com/office/drawing/2014/main" xmlns="" id="{84EEC1A3-E984-4881-B54A-F1C5E73F7696}"/>
+              </a:ext>
+            </a:extLst>
+          </p:cNvPr>
+          <p:cNvSpPr>
+            <a:spLocks noGrp="1"/>
+          </p:cNvSpPr>
+          <p:nvPr>
+            <p:ph type="title"/>
+          </p:nvPr>
+        </p:nvSpPr>
+        <p:spPr/>
+        <p:txBody>
+          <a:bodyPr/>
+          <a:lstStyle/>
+          <a:p>
+            <a:r>
+              <a:rPr lang="en-US" dirty="0"/>
+              <a:t>Modelling</a:t>
+            </a:r>
+          </a:p>
+        </p:txBody>
+      </p:sp>
+      <p:sp>
+        <p:nvSpPr>
+          <p:cNvPr id="3" name="Content Placeholder 2">
+            <a:extLst>
+              <a:ext uri="{FF2B5EF4-FFF2-40B4-BE49-F238E27FC236}">
+                <a16:creationId xmlns:a16="http://schemas.microsoft.com/office/drawing/2014/main" xmlns="" id="{6454B748-3B9E-49AD-A4D5-FC6C95CAE875}"/>
+              </a:ext>
+            </a:extLst>
+          </p:cNvPr>
+          <p:cNvSpPr>
+            <a:spLocks noGrp="1"/>
+          </p:cNvSpPr>
+          <p:nvPr>
+            <p:ph idx="1"/>
+          </p:nvPr>
+        </p:nvSpPr>
+        <p:spPr/>
+        <p:txBody>
+          <a:bodyPr/>
+          <a:lstStyle/>
+          <a:p>
+            <a:pPr>
+              <a:buFontTx/>
+              <a:buChar char="-"/>
+            </a:pPr>
+            <a:r>
+              <a:rPr lang="en-US" dirty="0" err="1"/>
+              <a:t>Tunjukkan</a:t>
+            </a:r>
+            <a:r>
+              <a:rPr lang="en-US" dirty="0"/>
+              <a:t> table </a:t>
+            </a:r>
+            <a:r>
+              <a:rPr lang="en-US" dirty="0" err="1"/>
+              <a:t>Perbandingan</a:t>
+            </a:r>
+            <a:r>
+              <a:rPr lang="en-US" dirty="0"/>
+              <a:t> precision</a:t>
+            </a:r>
+          </a:p>
+          <a:p>
+            <a:pPr>
+              <a:buFontTx/>
+              <a:buChar char="-"/>
+            </a:pPr>
+            <a:r>
+              <a:rPr lang="en-US" dirty="0"/>
+              <a:t>Pk model </a:t>
+            </a:r>
+            <a:r>
+              <a:rPr lang="en-US" dirty="0" err="1"/>
+              <a:t>apa</a:t>
+            </a:r>
+            <a:r>
+              <a:rPr lang="en-US" dirty="0"/>
+              <a:t> </a:t>
+            </a:r>
+            <a:r>
+              <a:rPr lang="en-US" dirty="0" err="1"/>
+              <a:t>aja</a:t>
+            </a:r>
+            <a:endParaRPr lang="en-US" dirty="0"/>
+          </a:p>
+          <a:p>
+            <a:pPr>
+              <a:buFontTx/>
+              <a:buChar char="-"/>
+            </a:pPr>
+            <a:r>
+              <a:rPr lang="en-US" dirty="0"/>
+              <a:t>Kesimpulan</a:t>
+            </a:r>
+          </a:p>
+          <a:p>
+            <a:pPr>
+              <a:buFontTx/>
+              <a:buChar char="-"/>
+            </a:pPr>
+            <a:r>
+              <a:rPr lang="en-US" dirty="0" err="1"/>
+              <a:t>Grafik</a:t>
+            </a:r>
+            <a:r>
+              <a:rPr lang="en-US" dirty="0"/>
+              <a:t> predict </a:t>
+            </a:r>
+            <a:r>
+              <a:rPr lang="en-US" dirty="0" err="1"/>
+              <a:t>proba</a:t>
+            </a:r>
+            <a:endParaRPr lang="en-US" dirty="0"/>
+          </a:p>
+        </p:txBody>
+      </p:sp>
+    </p:spTree>
+    <p:extLst>
+      <p:ext uri="{BB962C8B-B14F-4D97-AF65-F5344CB8AC3E}">
+        <p14:creationId xmlns:p14="http://schemas.microsoft.com/office/powerpoint/2010/main" val="3872314036"/>
+      </p:ext>
+    </p:extLst>
+  </p:cSld>
+  <p:clrMapOvr>
+    <a:masterClrMapping/>
+  </p:clrMapOvr>
+  <p:timing>
+    <p:tnLst>
+      <p:par>
+        <p:cTn id="1" dur="indefinite" restart="never" nodeType="tmRoot"/>
+      </p:par>
+    </p:tnLst>
+  </p:timing>
+</p:sld>
+</file>
+
+<file path=ppt/slides/slide23.xml><?xml version="1.0" encoding="utf-8"?>
+<p:sld xmlns:a="http://schemas.openxmlformats.org/drawingml/2006/main" xmlns:r="http://schemas.openxmlformats.org/officeDocument/2006/relationships" xmlns:p="http://schemas.openxmlformats.org/presentationml/2006/main">
+  <p:cSld>
+    <p:spTree>
+      <p:nvGrpSpPr>
+        <p:cNvPr id="1" name=""/>
+        <p:cNvGrpSpPr/>
+        <p:nvPr/>
+      </p:nvGrpSpPr>
+      <p:grpSpPr>
+        <a:xfrm>
+          <a:off x="0" y="0"/>
+          <a:ext cx="0" cy="0"/>
+          <a:chOff x="0" y="0"/>
+          <a:chExt cx="0" cy="0"/>
+        </a:xfrm>
+      </p:grpSpPr>
+      <p:sp>
+        <p:nvSpPr>
+          <p:cNvPr id="2" name="Title 1">
+            <a:extLst>
+              <a:ext uri="{FF2B5EF4-FFF2-40B4-BE49-F238E27FC236}">
+                <a16:creationId xmlns:a16="http://schemas.microsoft.com/office/drawing/2014/main" xmlns="" id="{84EEC1A3-E984-4881-B54A-F1C5E73F7696}"/>
+              </a:ext>
+            </a:extLst>
+          </p:cNvPr>
+          <p:cNvSpPr>
+            <a:spLocks noGrp="1"/>
+          </p:cNvSpPr>
+          <p:nvPr>
+            <p:ph type="title"/>
+          </p:nvPr>
+        </p:nvSpPr>
+        <p:spPr/>
+        <p:txBody>
+          <a:bodyPr/>
+          <a:lstStyle/>
+          <a:p>
+            <a:r>
+              <a:rPr lang="en-US" dirty="0" err="1"/>
+              <a:t>Simulasi</a:t>
+            </a:r>
+            <a:endParaRPr lang="en-US" dirty="0"/>
+          </a:p>
+        </p:txBody>
+      </p:sp>
+      <p:sp>
+        <p:nvSpPr>
+          <p:cNvPr id="3" name="Content Placeholder 2">
+            <a:extLst>
+              <a:ext uri="{FF2B5EF4-FFF2-40B4-BE49-F238E27FC236}">
+                <a16:creationId xmlns:a16="http://schemas.microsoft.com/office/drawing/2014/main" xmlns="" id="{6454B748-3B9E-49AD-A4D5-FC6C95CAE875}"/>
+              </a:ext>
+            </a:extLst>
+          </p:cNvPr>
+          <p:cNvSpPr>
+            <a:spLocks noGrp="1"/>
+          </p:cNvSpPr>
+          <p:nvPr>
+            <p:ph idx="1"/>
+          </p:nvPr>
+        </p:nvSpPr>
+        <p:spPr/>
+        <p:txBody>
+          <a:bodyPr/>
+          <a:lstStyle/>
+          <a:p>
+            <a:pPr>
+              <a:buFontTx/>
+              <a:buChar char="-"/>
+            </a:pPr>
+            <a:r>
+              <a:rPr lang="en-US" dirty="0" err="1"/>
+              <a:t>Tunjukkan</a:t>
+            </a:r>
+            <a:r>
+              <a:rPr lang="en-US" dirty="0"/>
+              <a:t> </a:t>
+            </a:r>
+            <a:r>
+              <a:rPr lang="en-US" dirty="0" err="1"/>
+              <a:t>asumsi</a:t>
+            </a:r>
+            <a:r>
+              <a:rPr lang="en-US" dirty="0"/>
+              <a:t> yang </a:t>
+            </a:r>
+            <a:r>
+              <a:rPr lang="en-US" dirty="0" err="1"/>
+              <a:t>dipakai</a:t>
+            </a:r>
+            <a:endParaRPr lang="en-US" dirty="0"/>
+          </a:p>
+          <a:p>
+            <a:pPr>
+              <a:buFontTx/>
+              <a:buChar char="-"/>
+            </a:pPr>
+            <a:r>
+              <a:rPr lang="en-US" dirty="0" err="1"/>
+              <a:t>Perhitungan</a:t>
+            </a:r>
+            <a:endParaRPr lang="en-US" dirty="0"/>
+          </a:p>
+          <a:p>
+            <a:pPr>
+              <a:buFontTx/>
+              <a:buChar char="-"/>
+            </a:pPr>
+            <a:r>
+              <a:rPr lang="en-US" dirty="0"/>
+              <a:t>Kesimpulan (cost </a:t>
+            </a:r>
+            <a:r>
+              <a:rPr lang="en-US" dirty="0" err="1"/>
+              <a:t>berkurang</a:t>
+            </a:r>
+            <a:r>
+              <a:rPr lang="en-US" dirty="0"/>
+              <a:t> </a:t>
+            </a:r>
+            <a:r>
+              <a:rPr lang="en-US" dirty="0" err="1"/>
+              <a:t>brp</a:t>
+            </a:r>
+            <a:r>
+              <a:rPr lang="en-US" dirty="0"/>
+              <a:t>)</a:t>
+            </a:r>
+          </a:p>
+        </p:txBody>
+      </p:sp>
+    </p:spTree>
+    <p:extLst>
+      <p:ext uri="{BB962C8B-B14F-4D97-AF65-F5344CB8AC3E}">
+        <p14:creationId xmlns:p14="http://schemas.microsoft.com/office/powerpoint/2010/main" val="658789708"/>
+      </p:ext>
+    </p:extLst>
+  </p:cSld>
+  <p:clrMapOvr>
+    <a:masterClrMapping/>
+  </p:clrMapOvr>
+</p:sld>
+</file>
+
+<file path=ppt/slides/slide24.xml><?xml version="1.0" encoding="utf-8"?>
+<p:sld xmlns:a="http://schemas.openxmlformats.org/drawingml/2006/main" xmlns:r="http://schemas.openxmlformats.org/officeDocument/2006/relationships" xmlns:p="http://schemas.openxmlformats.org/presentationml/2006/main">
+  <p:cSld>
+    <p:spTree>
+      <p:nvGrpSpPr>
+        <p:cNvPr id="1" name=""/>
+        <p:cNvGrpSpPr/>
+        <p:nvPr/>
+      </p:nvGrpSpPr>
+      <p:grpSpPr>
+        <a:xfrm>
+          <a:off x="0" y="0"/>
+          <a:ext cx="0" cy="0"/>
+          <a:chOff x="0" y="0"/>
+          <a:chExt cx="0" cy="0"/>
+        </a:xfrm>
+      </p:grpSpPr>
+      <p:sp>
+        <p:nvSpPr>
+          <p:cNvPr id="2" name="Title 1">
+            <a:extLst>
+              <a:ext uri="{FF2B5EF4-FFF2-40B4-BE49-F238E27FC236}">
+                <a16:creationId xmlns:a16="http://schemas.microsoft.com/office/drawing/2014/main" xmlns="" id="{84EEC1A3-E984-4881-B54A-F1C5E73F7696}"/>
+              </a:ext>
+            </a:extLst>
+          </p:cNvPr>
+          <p:cNvSpPr>
+            <a:spLocks noGrp="1"/>
+          </p:cNvSpPr>
+          <p:nvPr>
+            <p:ph type="title"/>
+          </p:nvPr>
+        </p:nvSpPr>
+        <p:spPr/>
+        <p:txBody>
+          <a:bodyPr/>
+          <a:lstStyle/>
+          <a:p>
+            <a:r>
+              <a:rPr lang="en-US" dirty="0"/>
+              <a:t>Conclusion</a:t>
+            </a:r>
+          </a:p>
+        </p:txBody>
+      </p:sp>
+      <p:sp>
+        <p:nvSpPr>
+          <p:cNvPr id="3" name="Content Placeholder 2">
+            <a:extLst>
+              <a:ext uri="{FF2B5EF4-FFF2-40B4-BE49-F238E27FC236}">
+                <a16:creationId xmlns:a16="http://schemas.microsoft.com/office/drawing/2014/main" xmlns="" id="{6454B748-3B9E-49AD-A4D5-FC6C95CAE875}"/>
+              </a:ext>
+            </a:extLst>
+          </p:cNvPr>
+          <p:cNvSpPr>
+            <a:spLocks noGrp="1"/>
+          </p:cNvSpPr>
+          <p:nvPr>
+            <p:ph idx="1"/>
+          </p:nvPr>
+        </p:nvSpPr>
+        <p:spPr/>
+        <p:txBody>
+          <a:bodyPr/>
+          <a:lstStyle/>
+          <a:p>
+            <a:pPr>
+              <a:buFontTx/>
+              <a:buChar char="-"/>
+            </a:pPr>
+            <a:r>
+              <a:rPr lang="en-US" dirty="0" err="1"/>
+              <a:t>Menjawab</a:t>
+            </a:r>
+            <a:r>
+              <a:rPr lang="en-US" dirty="0"/>
+              <a:t> Business </a:t>
+            </a:r>
+            <a:r>
+              <a:rPr lang="en-US" dirty="0" err="1"/>
+              <a:t>Goalss</a:t>
+            </a:r>
+            <a:endParaRPr lang="en-US" dirty="0"/>
+          </a:p>
+        </p:txBody>
+      </p:sp>
+    </p:spTree>
+    <p:extLst>
+      <p:ext uri="{BB962C8B-B14F-4D97-AF65-F5344CB8AC3E}">
+        <p14:creationId xmlns:p14="http://schemas.microsoft.com/office/powerpoint/2010/main" val="1242302393"/>
+      </p:ext>
+    </p:extLst>
+  </p:cSld>
+  <p:clrMapOvr>
+    <a:masterClrMapping/>
+  </p:clrMapOvr>
+</p:sld>
+</file>
+
+<file path=ppt/slides/slide3.xml><?xml version="1.0" encoding="utf-8"?>
+<p:sld xmlns:a="http://schemas.openxmlformats.org/drawingml/2006/main" xmlns:r="http://schemas.openxmlformats.org/officeDocument/2006/relationships" xmlns:p="http://schemas.openxmlformats.org/presentationml/2006/main">
+  <p:cSld>
+    <p:spTree>
+      <p:nvGrpSpPr>
+        <p:cNvPr id="1" name=""/>
+        <p:cNvGrpSpPr/>
+        <p:nvPr/>
+      </p:nvGrpSpPr>
+      <p:grpSpPr>
+        <a:xfrm>
+          <a:off x="0" y="0"/>
+          <a:ext cx="0" cy="0"/>
+          <a:chOff x="0" y="0"/>
+          <a:chExt cx="0" cy="0"/>
+        </a:xfrm>
+      </p:grpSpPr>
+      <p:sp>
+        <p:nvSpPr>
+          <p:cNvPr id="8" name="Rectangle 7">
+            <a:extLst>
+              <a:ext uri="{FF2B5EF4-FFF2-40B4-BE49-F238E27FC236}">
+                <a16:creationId xmlns:a16="http://schemas.microsoft.com/office/drawing/2014/main" xmlns="" id="{8515B476-9AE4-4AAD-AE67-BDA429550E09}"/>
+              </a:ext>
+            </a:extLst>
+          </p:cNvPr>
+          <p:cNvSpPr/>
+          <p:nvPr/>
+        </p:nvSpPr>
+        <p:spPr>
+          <a:xfrm>
+            <a:off x="9539183" y="2318357"/>
+            <a:ext cx="2429033" cy="3090588"/>
+          </a:xfrm>
+          <a:prstGeom prst="rect">
+            <a:avLst/>
+          </a:prstGeom>
+          <a:ln w="57150">
+            <a:solidFill>
+              <a:schemeClr val="tx1"/>
+            </a:solidFill>
+            <a:prstDash val="dashDot"/>
+          </a:ln>
+        </p:spPr>
+        <p:style>
+          <a:lnRef idx="2">
+            <a:schemeClr val="accent6"/>
+          </a:lnRef>
+          <a:fillRef idx="1">
+            <a:schemeClr val="lt1"/>
+          </a:fillRef>
+          <a:effectRef idx="0">
+            <a:schemeClr val="accent6"/>
+          </a:effectRef>
+          <a:fontRef idx="minor">
+            <a:schemeClr val="dk1"/>
+          </a:fontRef>
+        </p:style>
+        <p:txBody>
+          <a:bodyPr rtlCol="0" anchor="ctr"/>
+          <a:lstStyle/>
+          <a:p>
+            <a:pPr algn="ctr"/>
+            <a:r>
+              <a:rPr lang="en-US" dirty="0"/>
+              <a:t>!!  INGAT  !!</a:t>
+            </a:r>
+          </a:p>
+          <a:p>
+            <a:pPr algn="ctr"/>
+            <a:r>
+              <a:rPr lang="en-US" dirty="0"/>
+              <a:t> </a:t>
+            </a:r>
+            <a:r>
+              <a:rPr lang="en-US" b="1" dirty="0" err="1"/>
+              <a:t>patokan</a:t>
+            </a:r>
+            <a:r>
+              <a:rPr lang="en-US" b="1" dirty="0"/>
+              <a:t> di 500 </a:t>
+            </a:r>
+            <a:r>
+              <a:rPr lang="en-US" b="1" dirty="0" err="1"/>
+              <a:t>jt</a:t>
+            </a:r>
+            <a:r>
+              <a:rPr lang="en-US" b="1" dirty="0"/>
+              <a:t> rupiah/ 30,000 euro</a:t>
+            </a:r>
+          </a:p>
+          <a:p>
+            <a:pPr algn="ctr"/>
+            <a:endParaRPr lang="en-US" b="1" dirty="0"/>
+          </a:p>
+          <a:p>
+            <a:pPr algn="ctr"/>
+            <a:r>
+              <a:rPr lang="en-US" dirty="0" err="1"/>
+              <a:t>Rekening</a:t>
+            </a:r>
+            <a:r>
+              <a:rPr lang="en-US" dirty="0"/>
+              <a:t> &gt;= </a:t>
+            </a:r>
+            <a:r>
+              <a:rPr lang="en-US" dirty="0" err="1"/>
+              <a:t>patokan</a:t>
+            </a:r>
+            <a:r>
+              <a:rPr lang="en-US" dirty="0"/>
+              <a:t> (SABI)</a:t>
+            </a:r>
+          </a:p>
+          <a:p>
+            <a:pPr algn="ctr"/>
+            <a:endParaRPr lang="en-US" dirty="0"/>
+          </a:p>
+          <a:p>
+            <a:pPr algn="ctr"/>
+            <a:r>
+              <a:rPr lang="en-US" dirty="0" err="1"/>
+              <a:t>Rekening</a:t>
+            </a:r>
+            <a:r>
+              <a:rPr lang="en-US" dirty="0"/>
+              <a:t> &lt; </a:t>
+            </a:r>
+            <a:r>
+              <a:rPr lang="en-US" dirty="0" err="1"/>
+              <a:t>Patokan</a:t>
+            </a:r>
+            <a:r>
+              <a:rPr lang="en-US" dirty="0"/>
+              <a:t> (</a:t>
+            </a:r>
+            <a:r>
+              <a:rPr lang="en-US" dirty="0" err="1"/>
+              <a:t>tidak</a:t>
+            </a:r>
+            <a:r>
+              <a:rPr lang="en-US" dirty="0"/>
+              <a:t> </a:t>
+            </a:r>
+            <a:r>
+              <a:rPr lang="en-US" dirty="0" err="1"/>
+              <a:t>sabi</a:t>
+            </a:r>
+            <a:r>
+              <a:rPr lang="en-US" dirty="0"/>
+              <a:t>)</a:t>
+            </a:r>
+          </a:p>
+        </p:txBody>
+      </p:sp>
+      <p:sp>
+        <p:nvSpPr>
+          <p:cNvPr id="13" name="Rectangle 12">
+            <a:extLst>
+              <a:ext uri="{FF2B5EF4-FFF2-40B4-BE49-F238E27FC236}">
+                <a16:creationId xmlns:a16="http://schemas.microsoft.com/office/drawing/2014/main" xmlns="" id="{192540AC-FAB7-4396-8CB5-2C7D20F3F54C}"/>
+              </a:ext>
+            </a:extLst>
+          </p:cNvPr>
+          <p:cNvSpPr/>
+          <p:nvPr/>
+        </p:nvSpPr>
+        <p:spPr>
+          <a:xfrm>
+            <a:off x="167148" y="2182761"/>
+            <a:ext cx="1406013" cy="909482"/>
+          </a:xfrm>
+          <a:prstGeom prst="rect">
+            <a:avLst/>
+          </a:prstGeom>
+        </p:spPr>
+        <p:style>
+          <a:lnRef idx="2">
+            <a:schemeClr val="accent1">
+              <a:shade val="50000"/>
+            </a:schemeClr>
+          </a:lnRef>
+          <a:fillRef idx="1">
+            <a:schemeClr val="accent1"/>
+          </a:fillRef>
+          <a:effectRef idx="0">
+            <a:schemeClr val="accent1"/>
+          </a:effectRef>
+          <a:fontRef idx="minor">
+            <a:schemeClr val="lt1"/>
+          </a:fontRef>
+        </p:style>
+        <p:txBody>
+          <a:bodyPr rtlCol="0" anchor="ctr"/>
+          <a:lstStyle/>
+          <a:p>
+            <a:pPr algn="ctr"/>
+            <a:r>
+              <a:rPr lang="en-US" dirty="0"/>
+              <a:t>Data </a:t>
+            </a:r>
+            <a:r>
+              <a:rPr lang="en-US" dirty="0" err="1"/>
+              <a:t>baru</a:t>
+            </a:r>
+            <a:endParaRPr lang="en-US" dirty="0"/>
+          </a:p>
+        </p:txBody>
+      </p:sp>
+      <p:sp>
+        <p:nvSpPr>
+          <p:cNvPr id="14" name="Heart 13">
+            <a:extLst>
+              <a:ext uri="{FF2B5EF4-FFF2-40B4-BE49-F238E27FC236}">
+                <a16:creationId xmlns:a16="http://schemas.microsoft.com/office/drawing/2014/main" xmlns="" id="{392E5D61-A213-4BB0-8A6C-3891D20A1E63}"/>
+              </a:ext>
+            </a:extLst>
+          </p:cNvPr>
+          <p:cNvSpPr/>
+          <p:nvPr/>
+        </p:nvSpPr>
+        <p:spPr>
+          <a:xfrm>
+            <a:off x="2482645" y="1892625"/>
+            <a:ext cx="1406013" cy="1406013"/>
+          </a:xfrm>
+          <a:prstGeom prst="heart">
+            <a:avLst/>
+          </a:prstGeom>
+        </p:spPr>
+        <p:style>
+          <a:lnRef idx="2">
+            <a:schemeClr val="accent1">
+              <a:shade val="50000"/>
+            </a:schemeClr>
+          </a:lnRef>
+          <a:fillRef idx="1">
+            <a:schemeClr val="accent1"/>
+          </a:fillRef>
+          <a:effectRef idx="0">
+            <a:schemeClr val="accent1"/>
+          </a:effectRef>
+          <a:fontRef idx="minor">
+            <a:schemeClr val="lt1"/>
+          </a:fontRef>
+        </p:style>
+        <p:txBody>
+          <a:bodyPr rtlCol="0" anchor="ctr"/>
+          <a:lstStyle/>
+          <a:p>
+            <a:pPr algn="ctr"/>
+            <a:r>
+              <a:rPr lang="en-US" dirty="0"/>
+              <a:t>Model</a:t>
+            </a:r>
+          </a:p>
+        </p:txBody>
+      </p:sp>
+      <p:cxnSp>
+        <p:nvCxnSpPr>
+          <p:cNvPr id="16" name="Straight Arrow Connector 15">
+            <a:extLst>
+              <a:ext uri="{FF2B5EF4-FFF2-40B4-BE49-F238E27FC236}">
+                <a16:creationId xmlns:a16="http://schemas.microsoft.com/office/drawing/2014/main" xmlns="" id="{83322147-18E6-47FF-A565-61C82D440560}"/>
+              </a:ext>
+            </a:extLst>
+          </p:cNvPr>
+          <p:cNvCxnSpPr/>
+          <p:nvPr/>
+        </p:nvCxnSpPr>
+        <p:spPr>
+          <a:xfrm flipV="1">
+            <a:off x="3864077" y="2049310"/>
+            <a:ext cx="1347020" cy="516909"/>
+          </a:xfrm>
+          <a:prstGeom prst="straightConnector1">
+            <a:avLst/>
+          </a:prstGeom>
+          <a:ln>
+            <a:tailEnd type="triangle"/>
+          </a:ln>
+        </p:spPr>
+        <p:style>
+          <a:lnRef idx="1">
+            <a:schemeClr val="accent1"/>
+          </a:lnRef>
+          <a:fillRef idx="0">
+            <a:schemeClr val="accent1"/>
+          </a:fillRef>
+          <a:effectRef idx="0">
+            <a:schemeClr val="accent1"/>
+          </a:effectRef>
+          <a:fontRef idx="minor">
+            <a:schemeClr val="tx1"/>
+          </a:fontRef>
+        </p:style>
+      </p:cxnSp>
+      <p:cxnSp>
+        <p:nvCxnSpPr>
+          <p:cNvPr id="18" name="Straight Arrow Connector 17">
+            <a:extLst>
+              <a:ext uri="{FF2B5EF4-FFF2-40B4-BE49-F238E27FC236}">
+                <a16:creationId xmlns:a16="http://schemas.microsoft.com/office/drawing/2014/main" xmlns="" id="{AB6CADEF-896F-46F4-AA50-D5EF02B4A05E}"/>
+              </a:ext>
+            </a:extLst>
+          </p:cNvPr>
+          <p:cNvCxnSpPr>
+            <a:cxnSpLocks/>
+            <a:endCxn id="20" idx="1"/>
+          </p:cNvCxnSpPr>
+          <p:nvPr/>
+        </p:nvCxnSpPr>
+        <p:spPr>
+          <a:xfrm>
+            <a:off x="3888658" y="2595631"/>
+            <a:ext cx="1052253" cy="1317152"/>
+          </a:xfrm>
+          <a:prstGeom prst="straightConnector1">
+            <a:avLst/>
+          </a:prstGeom>
+          <a:ln>
+            <a:tailEnd type="triangle"/>
+          </a:ln>
+        </p:spPr>
+        <p:style>
+          <a:lnRef idx="1">
+            <a:schemeClr val="accent1"/>
+          </a:lnRef>
+          <a:fillRef idx="0">
+            <a:schemeClr val="accent1"/>
+          </a:fillRef>
+          <a:effectRef idx="0">
+            <a:schemeClr val="accent1"/>
+          </a:effectRef>
+          <a:fontRef idx="minor">
+            <a:schemeClr val="tx1"/>
+          </a:fontRef>
+        </p:style>
+      </p:cxnSp>
+      <p:sp>
+        <p:nvSpPr>
+          <p:cNvPr id="19" name="Rectangle 18">
+            <a:extLst>
+              <a:ext uri="{FF2B5EF4-FFF2-40B4-BE49-F238E27FC236}">
+                <a16:creationId xmlns:a16="http://schemas.microsoft.com/office/drawing/2014/main" xmlns="" id="{D883E966-3ECB-48E2-8C85-6EEFAA30C00E}"/>
+              </a:ext>
+            </a:extLst>
+          </p:cNvPr>
+          <p:cNvSpPr/>
+          <p:nvPr/>
+        </p:nvSpPr>
+        <p:spPr>
+          <a:xfrm>
+            <a:off x="4940911" y="1771192"/>
+            <a:ext cx="1406013" cy="516908"/>
+          </a:xfrm>
+          <a:prstGeom prst="rect">
+            <a:avLst/>
+          </a:prstGeom>
+          <a:noFill/>
+          <a:ln>
+            <a:solidFill>
+              <a:schemeClr val="bg1"/>
+            </a:solidFill>
+          </a:ln>
+        </p:spPr>
+        <p:style>
+          <a:lnRef idx="2">
+            <a:schemeClr val="accent6"/>
+          </a:lnRef>
+          <a:fillRef idx="1">
+            <a:schemeClr val="lt1"/>
+          </a:fillRef>
+          <a:effectRef idx="0">
+            <a:schemeClr val="accent6"/>
+          </a:effectRef>
+          <a:fontRef idx="minor">
+            <a:schemeClr val="dk1"/>
+          </a:fontRef>
+        </p:style>
+        <p:txBody>
+          <a:bodyPr rtlCol="0" anchor="ctr"/>
+          <a:lstStyle/>
+          <a:p>
+            <a:pPr algn="ctr"/>
+            <a:r>
+              <a:rPr lang="en-US" dirty="0" err="1"/>
+              <a:t>Proba</a:t>
+            </a:r>
+            <a:r>
+              <a:rPr lang="en-US" dirty="0"/>
+              <a:t> YA &gt;  0.6</a:t>
+            </a:r>
+          </a:p>
+        </p:txBody>
+      </p:sp>
+      <p:sp>
+        <p:nvSpPr>
+          <p:cNvPr id="20" name="Rectangle 19">
+            <a:extLst>
+              <a:ext uri="{FF2B5EF4-FFF2-40B4-BE49-F238E27FC236}">
+                <a16:creationId xmlns:a16="http://schemas.microsoft.com/office/drawing/2014/main" xmlns="" id="{414D189D-384A-4901-95D0-FA83581327B1}"/>
+              </a:ext>
+            </a:extLst>
+          </p:cNvPr>
+          <p:cNvSpPr/>
+          <p:nvPr/>
+        </p:nvSpPr>
+        <p:spPr>
+          <a:xfrm>
+            <a:off x="4940911" y="3654329"/>
+            <a:ext cx="1406013" cy="516908"/>
+          </a:xfrm>
+          <a:prstGeom prst="rect">
+            <a:avLst/>
+          </a:prstGeom>
+          <a:noFill/>
+          <a:ln>
+            <a:solidFill>
+              <a:schemeClr val="bg1"/>
+            </a:solidFill>
+          </a:ln>
+        </p:spPr>
+        <p:style>
+          <a:lnRef idx="2">
+            <a:schemeClr val="accent6"/>
+          </a:lnRef>
+          <a:fillRef idx="1">
+            <a:schemeClr val="lt1"/>
+          </a:fillRef>
+          <a:effectRef idx="0">
+            <a:schemeClr val="accent6"/>
+          </a:effectRef>
+          <a:fontRef idx="minor">
+            <a:schemeClr val="dk1"/>
+          </a:fontRef>
+        </p:style>
+        <p:txBody>
+          <a:bodyPr rtlCol="0" anchor="ctr"/>
+          <a:lstStyle/>
+          <a:p>
+            <a:pPr algn="ctr"/>
+            <a:r>
+              <a:rPr lang="en-US" dirty="0"/>
+              <a:t>0.6 &gt;=</a:t>
+            </a:r>
+            <a:r>
+              <a:rPr lang="en-US" dirty="0" err="1"/>
+              <a:t>Proba</a:t>
+            </a:r>
+            <a:r>
+              <a:rPr lang="en-US" dirty="0"/>
+              <a:t> </a:t>
+            </a:r>
+            <a:r>
+              <a:rPr lang="en-US" dirty="0" err="1"/>
+              <a:t>Ya</a:t>
+            </a:r>
+            <a:r>
+              <a:rPr lang="en-US" dirty="0"/>
+              <a:t> &gt;= 0.3</a:t>
+            </a:r>
+          </a:p>
+        </p:txBody>
+      </p:sp>
+      <p:sp>
+        <p:nvSpPr>
+          <p:cNvPr id="21" name="Arrow: Right 20">
+            <a:extLst>
+              <a:ext uri="{FF2B5EF4-FFF2-40B4-BE49-F238E27FC236}">
+                <a16:creationId xmlns:a16="http://schemas.microsoft.com/office/drawing/2014/main" xmlns="" id="{B4F29545-C968-4923-AE3D-83B08E50170B}"/>
+              </a:ext>
+            </a:extLst>
+          </p:cNvPr>
+          <p:cNvSpPr/>
+          <p:nvPr/>
+        </p:nvSpPr>
+        <p:spPr>
+          <a:xfrm>
+            <a:off x="1809135" y="2637502"/>
+            <a:ext cx="560439" cy="196285"/>
+          </a:xfrm>
+          <a:prstGeom prst="rightArrow">
+            <a:avLst/>
+          </a:prstGeom>
+        </p:spPr>
+        <p:style>
+          <a:lnRef idx="2">
+            <a:schemeClr val="accent1">
+              <a:shade val="50000"/>
+            </a:schemeClr>
+          </a:lnRef>
+          <a:fillRef idx="1">
+            <a:schemeClr val="accent1"/>
+          </a:fillRef>
+          <a:effectRef idx="0">
+            <a:schemeClr val="accent1"/>
+          </a:effectRef>
+          <a:fontRef idx="minor">
+            <a:schemeClr val="lt1"/>
+          </a:fontRef>
+        </p:style>
+        <p:txBody>
+          <a:bodyPr rtlCol="0" anchor="ctr"/>
+          <a:lstStyle/>
+          <a:p>
+            <a:pPr algn="ctr"/>
+            <a:endParaRPr lang="en-US"/>
+          </a:p>
+        </p:txBody>
+      </p:sp>
+      <p:sp>
+        <p:nvSpPr>
+          <p:cNvPr id="22" name="Rectangle 21">
+            <a:extLst>
+              <a:ext uri="{FF2B5EF4-FFF2-40B4-BE49-F238E27FC236}">
+                <a16:creationId xmlns:a16="http://schemas.microsoft.com/office/drawing/2014/main" xmlns="" id="{5A9157F7-6ABD-4250-9D7C-B0F050202771}"/>
+              </a:ext>
+            </a:extLst>
+          </p:cNvPr>
+          <p:cNvSpPr/>
+          <p:nvPr/>
+        </p:nvSpPr>
+        <p:spPr>
+          <a:xfrm>
+            <a:off x="6980905" y="3530042"/>
+            <a:ext cx="1714850" cy="887002"/>
+          </a:xfrm>
+          <a:prstGeom prst="rect">
+            <a:avLst/>
+          </a:prstGeom>
+          <a:ln>
+            <a:solidFill>
+              <a:srgbClr val="FF0000"/>
+            </a:solidFill>
+          </a:ln>
+        </p:spPr>
+        <p:style>
+          <a:lnRef idx="2">
+            <a:schemeClr val="accent6"/>
+          </a:lnRef>
+          <a:fillRef idx="1">
+            <a:schemeClr val="lt1"/>
+          </a:fillRef>
+          <a:effectRef idx="0">
+            <a:schemeClr val="accent6"/>
+          </a:effectRef>
+          <a:fontRef idx="minor">
+            <a:schemeClr val="dk1"/>
+          </a:fontRef>
+        </p:style>
+        <p:txBody>
+          <a:bodyPr rtlCol="0" anchor="ctr"/>
+          <a:lstStyle/>
+          <a:p>
+            <a:pPr algn="ctr"/>
+            <a:r>
+              <a:rPr lang="en-US" dirty="0" err="1"/>
+              <a:t>Lihat</a:t>
+            </a:r>
+            <a:r>
+              <a:rPr lang="en-US" dirty="0"/>
+              <a:t> </a:t>
+            </a:r>
+            <a:r>
+              <a:rPr lang="en-US" dirty="0" err="1"/>
+              <a:t>isi</a:t>
+            </a:r>
+            <a:r>
+              <a:rPr lang="en-US" dirty="0"/>
+              <a:t> </a:t>
+            </a:r>
+            <a:r>
+              <a:rPr lang="en-US" dirty="0" err="1"/>
+              <a:t>rekeningnya</a:t>
+            </a:r>
+            <a:r>
+              <a:rPr lang="en-US" dirty="0"/>
+              <a:t> </a:t>
+            </a:r>
+            <a:r>
+              <a:rPr lang="en-US" dirty="0" err="1"/>
+              <a:t>sabi</a:t>
+            </a:r>
+            <a:r>
+              <a:rPr lang="en-US" dirty="0"/>
+              <a:t> ga</a:t>
+            </a:r>
+          </a:p>
+        </p:txBody>
+      </p:sp>
+      <p:sp>
+        <p:nvSpPr>
+          <p:cNvPr id="28" name="Rectangle 27">
+            <a:extLst>
+              <a:ext uri="{FF2B5EF4-FFF2-40B4-BE49-F238E27FC236}">
+                <a16:creationId xmlns:a16="http://schemas.microsoft.com/office/drawing/2014/main" xmlns="" id="{B1EB15D2-21A6-4048-9DD4-44D3AB2D1174}"/>
+              </a:ext>
+            </a:extLst>
+          </p:cNvPr>
+          <p:cNvSpPr/>
+          <p:nvPr/>
+        </p:nvSpPr>
+        <p:spPr>
+          <a:xfrm>
+            <a:off x="7008988" y="1590370"/>
+            <a:ext cx="2241756" cy="592391"/>
+          </a:xfrm>
+          <a:prstGeom prst="rect">
+            <a:avLst/>
+          </a:prstGeom>
+          <a:ln>
+            <a:solidFill>
+              <a:schemeClr val="accent6"/>
+            </a:solidFill>
+          </a:ln>
+        </p:spPr>
+        <p:style>
+          <a:lnRef idx="2">
+            <a:schemeClr val="accent6"/>
+          </a:lnRef>
+          <a:fillRef idx="1">
+            <a:schemeClr val="lt1"/>
+          </a:fillRef>
+          <a:effectRef idx="0">
+            <a:schemeClr val="accent6"/>
+          </a:effectRef>
+          <a:fontRef idx="minor">
+            <a:schemeClr val="dk1"/>
+          </a:fontRef>
+        </p:style>
+        <p:txBody>
+          <a:bodyPr rtlCol="0" anchor="ctr"/>
+          <a:lstStyle/>
+          <a:p>
+            <a:pPr algn="ctr"/>
+            <a:r>
+              <a:rPr lang="en-US" dirty="0"/>
+              <a:t>Gas </a:t>
+            </a:r>
+            <a:r>
+              <a:rPr lang="en-US" dirty="0" err="1"/>
+              <a:t>masukin</a:t>
+            </a:r>
+            <a:r>
+              <a:rPr lang="en-US" dirty="0"/>
+              <a:t> </a:t>
+            </a:r>
+            <a:r>
+              <a:rPr lang="en-US" dirty="0" err="1"/>
+              <a:t>ke</a:t>
+            </a:r>
+            <a:r>
+              <a:rPr lang="en-US" dirty="0"/>
+              <a:t> list </a:t>
+            </a:r>
+            <a:r>
+              <a:rPr lang="en-US" dirty="0" err="1"/>
+              <a:t>calon</a:t>
+            </a:r>
+            <a:r>
+              <a:rPr lang="en-US" dirty="0"/>
+              <a:t> customer</a:t>
+            </a:r>
+          </a:p>
+        </p:txBody>
+      </p:sp>
+      <p:sp>
+        <p:nvSpPr>
+          <p:cNvPr id="47" name="Rectangle 46">
+            <a:extLst>
+              <a:ext uri="{FF2B5EF4-FFF2-40B4-BE49-F238E27FC236}">
+                <a16:creationId xmlns:a16="http://schemas.microsoft.com/office/drawing/2014/main" xmlns="" id="{57E843B5-FA73-4782-99AA-E6CF76BCE3F4}"/>
+              </a:ext>
+            </a:extLst>
+          </p:cNvPr>
+          <p:cNvSpPr/>
+          <p:nvPr/>
+        </p:nvSpPr>
+        <p:spPr>
+          <a:xfrm>
+            <a:off x="353961" y="352649"/>
+            <a:ext cx="4680155" cy="712838"/>
+          </a:xfrm>
+          <a:prstGeom prst="rect">
+            <a:avLst/>
+          </a:prstGeom>
+          <a:ln w="57150">
+            <a:solidFill>
+              <a:schemeClr val="tx1"/>
+            </a:solidFill>
+            <a:prstDash val="dashDot"/>
+          </a:ln>
+        </p:spPr>
+        <p:style>
+          <a:lnRef idx="2">
+            <a:schemeClr val="accent6"/>
+          </a:lnRef>
+          <a:fillRef idx="1">
+            <a:schemeClr val="lt1"/>
+          </a:fillRef>
+          <a:effectRef idx="0">
+            <a:schemeClr val="accent6"/>
+          </a:effectRef>
+          <a:fontRef idx="minor">
+            <a:schemeClr val="dk1"/>
+          </a:fontRef>
+        </p:style>
+        <p:txBody>
+          <a:bodyPr rtlCol="0" anchor="ctr"/>
+          <a:lstStyle/>
+          <a:p>
+            <a:pPr algn="ctr"/>
+            <a:r>
+              <a:rPr lang="en-US" dirty="0" err="1"/>
+              <a:t>Analisis</a:t>
+            </a:r>
+            <a:r>
+              <a:rPr lang="en-US" dirty="0"/>
+              <a:t> </a:t>
+            </a:r>
+            <a:r>
+              <a:rPr lang="en-US" dirty="0" err="1"/>
+              <a:t>dilakukan</a:t>
+            </a:r>
+            <a:r>
+              <a:rPr lang="en-US" dirty="0"/>
+              <a:t> di </a:t>
+            </a:r>
+            <a:r>
+              <a:rPr lang="en-US" dirty="0" err="1"/>
+              <a:t>waktu</a:t>
+            </a:r>
+            <a:r>
+              <a:rPr lang="en-US" dirty="0"/>
+              <a:t> </a:t>
+            </a:r>
+            <a:r>
+              <a:rPr lang="en-US" dirty="0" err="1"/>
+              <a:t>jeda</a:t>
+            </a:r>
+            <a:r>
+              <a:rPr lang="en-US" dirty="0"/>
+              <a:t> </a:t>
+            </a:r>
+            <a:r>
+              <a:rPr lang="en-US" dirty="0" err="1"/>
+              <a:t>antar</a:t>
+            </a:r>
+            <a:r>
+              <a:rPr lang="en-US" dirty="0"/>
+              <a:t> program </a:t>
+            </a:r>
+          </a:p>
+        </p:txBody>
+      </p:sp>
+      <p:sp>
+        <p:nvSpPr>
+          <p:cNvPr id="49" name="Rectangle 48">
+            <a:extLst>
+              <a:ext uri="{FF2B5EF4-FFF2-40B4-BE49-F238E27FC236}">
+                <a16:creationId xmlns:a16="http://schemas.microsoft.com/office/drawing/2014/main" xmlns="" id="{31811511-F160-4C5D-A4DC-2DF5D526DBCD}"/>
+              </a:ext>
+            </a:extLst>
+          </p:cNvPr>
+          <p:cNvSpPr/>
+          <p:nvPr/>
+        </p:nvSpPr>
+        <p:spPr>
+          <a:xfrm>
+            <a:off x="7360392" y="2827728"/>
+            <a:ext cx="791697" cy="311017"/>
+          </a:xfrm>
+          <a:prstGeom prst="rect">
+            <a:avLst/>
+          </a:prstGeom>
+          <a:ln>
+            <a:solidFill>
+              <a:schemeClr val="accent6"/>
+            </a:solidFill>
+          </a:ln>
+        </p:spPr>
+        <p:style>
+          <a:lnRef idx="2">
+            <a:schemeClr val="accent6"/>
+          </a:lnRef>
+          <a:fillRef idx="1">
+            <a:schemeClr val="lt1"/>
+          </a:fillRef>
+          <a:effectRef idx="0">
+            <a:schemeClr val="accent6"/>
+          </a:effectRef>
+          <a:fontRef idx="minor">
+            <a:schemeClr val="dk1"/>
+          </a:fontRef>
+        </p:style>
+        <p:txBody>
+          <a:bodyPr rtlCol="0" anchor="ctr"/>
+          <a:lstStyle/>
+          <a:p>
+            <a:pPr algn="ctr"/>
+            <a:r>
+              <a:rPr lang="en-US" dirty="0" err="1"/>
+              <a:t>Sabi</a:t>
+            </a:r>
+            <a:endParaRPr lang="en-US" dirty="0"/>
+          </a:p>
+        </p:txBody>
+      </p:sp>
+      <p:cxnSp>
+        <p:nvCxnSpPr>
+          <p:cNvPr id="11" name="Straight Arrow Connector 10">
+            <a:extLst>
+              <a:ext uri="{FF2B5EF4-FFF2-40B4-BE49-F238E27FC236}">
+                <a16:creationId xmlns:a16="http://schemas.microsoft.com/office/drawing/2014/main" xmlns="" id="{E66695E6-236C-4B52-93C5-AC271882D16A}"/>
+              </a:ext>
+            </a:extLst>
+          </p:cNvPr>
+          <p:cNvCxnSpPr>
+            <a:stCxn id="22" idx="0"/>
+            <a:endCxn id="49" idx="2"/>
+          </p:cNvCxnSpPr>
+          <p:nvPr/>
+        </p:nvCxnSpPr>
+        <p:spPr>
+          <a:xfrm flipH="1" flipV="1">
+            <a:off x="7756241" y="3138745"/>
+            <a:ext cx="82089" cy="391297"/>
+          </a:xfrm>
+          <a:prstGeom prst="straightConnector1">
+            <a:avLst/>
+          </a:prstGeom>
+          <a:ln>
+            <a:tailEnd type="triangle"/>
+          </a:ln>
+        </p:spPr>
+        <p:style>
+          <a:lnRef idx="1">
+            <a:schemeClr val="accent1"/>
+          </a:lnRef>
+          <a:fillRef idx="0">
+            <a:schemeClr val="accent1"/>
+          </a:fillRef>
+          <a:effectRef idx="0">
+            <a:schemeClr val="accent1"/>
+          </a:effectRef>
+          <a:fontRef idx="minor">
+            <a:schemeClr val="tx1"/>
+          </a:fontRef>
+        </p:style>
+      </p:cxnSp>
+      <p:cxnSp>
+        <p:nvCxnSpPr>
+          <p:cNvPr id="15" name="Straight Arrow Connector 14">
+            <a:extLst>
+              <a:ext uri="{FF2B5EF4-FFF2-40B4-BE49-F238E27FC236}">
+                <a16:creationId xmlns:a16="http://schemas.microsoft.com/office/drawing/2014/main" xmlns="" id="{39F2A515-125A-4AA3-B7EB-CF4D191D796B}"/>
+              </a:ext>
+            </a:extLst>
+          </p:cNvPr>
+          <p:cNvCxnSpPr>
+            <a:stCxn id="49" idx="0"/>
+            <a:endCxn id="28" idx="2"/>
+          </p:cNvCxnSpPr>
+          <p:nvPr/>
+        </p:nvCxnSpPr>
+        <p:spPr>
+          <a:xfrm flipV="1">
+            <a:off x="7756241" y="2182761"/>
+            <a:ext cx="373625" cy="644967"/>
+          </a:xfrm>
+          <a:prstGeom prst="straightConnector1">
+            <a:avLst/>
+          </a:prstGeom>
+          <a:ln>
+            <a:tailEnd type="triangle"/>
+          </a:ln>
+        </p:spPr>
+        <p:style>
+          <a:lnRef idx="1">
+            <a:schemeClr val="accent1"/>
+          </a:lnRef>
+          <a:fillRef idx="0">
+            <a:schemeClr val="accent1"/>
+          </a:fillRef>
+          <a:effectRef idx="0">
+            <a:schemeClr val="accent1"/>
+          </a:effectRef>
+          <a:fontRef idx="minor">
+            <a:schemeClr val="tx1"/>
+          </a:fontRef>
+        </p:style>
+      </p:cxnSp>
+      <p:cxnSp>
+        <p:nvCxnSpPr>
+          <p:cNvPr id="27" name="Straight Arrow Connector 26">
+            <a:extLst>
+              <a:ext uri="{FF2B5EF4-FFF2-40B4-BE49-F238E27FC236}">
+                <a16:creationId xmlns:a16="http://schemas.microsoft.com/office/drawing/2014/main" xmlns="" id="{A24912AB-02C2-48EB-A066-84282A8C22E4}"/>
+              </a:ext>
+            </a:extLst>
+          </p:cNvPr>
+          <p:cNvCxnSpPr>
+            <a:cxnSpLocks/>
+            <a:stCxn id="19" idx="3"/>
+            <a:endCxn id="28" idx="1"/>
+          </p:cNvCxnSpPr>
+          <p:nvPr/>
+        </p:nvCxnSpPr>
+        <p:spPr>
+          <a:xfrm flipV="1">
+            <a:off x="6346924" y="1886566"/>
+            <a:ext cx="662064" cy="143080"/>
+          </a:xfrm>
+          <a:prstGeom prst="straightConnector1">
+            <a:avLst/>
+          </a:prstGeom>
+          <a:ln>
+            <a:tailEnd type="triangle"/>
+          </a:ln>
+        </p:spPr>
+        <p:style>
+          <a:lnRef idx="1">
+            <a:schemeClr val="accent1"/>
+          </a:lnRef>
+          <a:fillRef idx="0">
+            <a:schemeClr val="accent1"/>
+          </a:fillRef>
+          <a:effectRef idx="0">
+            <a:schemeClr val="accent1"/>
+          </a:effectRef>
+          <a:fontRef idx="minor">
+            <a:schemeClr val="tx1"/>
+          </a:fontRef>
+        </p:style>
+      </p:cxnSp>
+      <p:sp>
+        <p:nvSpPr>
+          <p:cNvPr id="59" name="Rectangle 58">
+            <a:extLst>
+              <a:ext uri="{FF2B5EF4-FFF2-40B4-BE49-F238E27FC236}">
+                <a16:creationId xmlns:a16="http://schemas.microsoft.com/office/drawing/2014/main" xmlns="" id="{94EBAC42-4394-47E0-AA46-4BB7C3A29DBB}"/>
+              </a:ext>
+            </a:extLst>
+          </p:cNvPr>
+          <p:cNvSpPr/>
+          <p:nvPr/>
+        </p:nvSpPr>
+        <p:spPr>
+          <a:xfrm>
+            <a:off x="7106303" y="4813034"/>
+            <a:ext cx="1122897" cy="378039"/>
+          </a:xfrm>
+          <a:prstGeom prst="rect">
+            <a:avLst/>
+          </a:prstGeom>
+          <a:ln>
+            <a:solidFill>
+              <a:srgbClr val="FF0000"/>
+            </a:solidFill>
+          </a:ln>
+        </p:spPr>
+        <p:style>
+          <a:lnRef idx="2">
+            <a:schemeClr val="accent6"/>
+          </a:lnRef>
+          <a:fillRef idx="1">
+            <a:schemeClr val="lt1"/>
+          </a:fillRef>
+          <a:effectRef idx="0">
+            <a:schemeClr val="accent6"/>
+          </a:effectRef>
+          <a:fontRef idx="minor">
+            <a:schemeClr val="dk1"/>
+          </a:fontRef>
+        </p:style>
+        <p:txBody>
+          <a:bodyPr rtlCol="0" anchor="ctr"/>
+          <a:lstStyle/>
+          <a:p>
+            <a:pPr algn="ctr"/>
+            <a:r>
+              <a:rPr lang="en-US" dirty="0" err="1"/>
+              <a:t>Tidak</a:t>
+            </a:r>
+            <a:r>
+              <a:rPr lang="en-US" dirty="0"/>
+              <a:t> </a:t>
+            </a:r>
+            <a:r>
+              <a:rPr lang="en-US" dirty="0" err="1"/>
+              <a:t>Sabi</a:t>
+            </a:r>
+            <a:endParaRPr lang="en-US" dirty="0"/>
+          </a:p>
+        </p:txBody>
+      </p:sp>
+      <p:cxnSp>
+        <p:nvCxnSpPr>
+          <p:cNvPr id="39" name="Straight Arrow Connector 38">
+            <a:extLst>
+              <a:ext uri="{FF2B5EF4-FFF2-40B4-BE49-F238E27FC236}">
+                <a16:creationId xmlns:a16="http://schemas.microsoft.com/office/drawing/2014/main" xmlns="" id="{56F1E56F-6D08-43C3-9CD0-F9856AB2BFCB}"/>
+              </a:ext>
+            </a:extLst>
+          </p:cNvPr>
+          <p:cNvCxnSpPr>
+            <a:stCxn id="22" idx="2"/>
+            <a:endCxn id="59" idx="0"/>
+          </p:cNvCxnSpPr>
+          <p:nvPr/>
+        </p:nvCxnSpPr>
+        <p:spPr>
+          <a:xfrm flipH="1">
+            <a:off x="7667752" y="4417044"/>
+            <a:ext cx="170578" cy="395990"/>
+          </a:xfrm>
+          <a:prstGeom prst="straightConnector1">
+            <a:avLst/>
+          </a:prstGeom>
+          <a:ln>
+            <a:tailEnd type="triangle"/>
+          </a:ln>
+        </p:spPr>
+        <p:style>
+          <a:lnRef idx="1">
+            <a:schemeClr val="accent1"/>
+          </a:lnRef>
+          <a:fillRef idx="0">
+            <a:schemeClr val="accent1"/>
+          </a:fillRef>
+          <a:effectRef idx="0">
+            <a:schemeClr val="accent1"/>
+          </a:effectRef>
+          <a:fontRef idx="minor">
+            <a:schemeClr val="tx1"/>
+          </a:fontRef>
+        </p:style>
+      </p:cxnSp>
+      <p:sp>
+        <p:nvSpPr>
+          <p:cNvPr id="64" name="Rectangle 63">
+            <a:extLst>
+              <a:ext uri="{FF2B5EF4-FFF2-40B4-BE49-F238E27FC236}">
+                <a16:creationId xmlns:a16="http://schemas.microsoft.com/office/drawing/2014/main" xmlns="" id="{873AB6BD-1DA9-412E-92D4-8E3706AB1162}"/>
+              </a:ext>
+            </a:extLst>
+          </p:cNvPr>
+          <p:cNvSpPr/>
+          <p:nvPr/>
+        </p:nvSpPr>
+        <p:spPr>
+          <a:xfrm>
+            <a:off x="6499603" y="5593122"/>
+            <a:ext cx="2237846" cy="737932"/>
+          </a:xfrm>
+          <a:prstGeom prst="rect">
+            <a:avLst/>
+          </a:prstGeom>
+          <a:ln>
+            <a:solidFill>
+              <a:srgbClr val="FF0000"/>
+            </a:solidFill>
+          </a:ln>
+        </p:spPr>
+        <p:style>
+          <a:lnRef idx="2">
+            <a:schemeClr val="accent6"/>
+          </a:lnRef>
+          <a:fillRef idx="1">
+            <a:schemeClr val="lt1"/>
+          </a:fillRef>
+          <a:effectRef idx="0">
+            <a:schemeClr val="accent6"/>
+          </a:effectRef>
+          <a:fontRef idx="minor">
+            <a:schemeClr val="dk1"/>
+          </a:fontRef>
+        </p:style>
+        <p:txBody>
+          <a:bodyPr rtlCol="0" anchor="ctr"/>
+          <a:lstStyle/>
+          <a:p>
+            <a:pPr algn="ctr"/>
+            <a:r>
+              <a:rPr lang="en-US" dirty="0"/>
+              <a:t>JANGAN </a:t>
+            </a:r>
+            <a:r>
+              <a:rPr lang="en-US" dirty="0" err="1"/>
+              <a:t>masukin</a:t>
+            </a:r>
+            <a:r>
+              <a:rPr lang="en-US" dirty="0"/>
+              <a:t> </a:t>
+            </a:r>
+            <a:r>
+              <a:rPr lang="en-US" dirty="0" err="1"/>
+              <a:t>ke</a:t>
+            </a:r>
+            <a:r>
+              <a:rPr lang="en-US" dirty="0"/>
+              <a:t> list </a:t>
+            </a:r>
+            <a:r>
+              <a:rPr lang="en-US" dirty="0" err="1"/>
+              <a:t>calon</a:t>
+            </a:r>
+            <a:r>
+              <a:rPr lang="en-US" dirty="0"/>
+              <a:t> customer</a:t>
+            </a:r>
+          </a:p>
+        </p:txBody>
+      </p:sp>
+      <p:cxnSp>
+        <p:nvCxnSpPr>
+          <p:cNvPr id="66" name="Straight Arrow Connector 65">
+            <a:extLst>
+              <a:ext uri="{FF2B5EF4-FFF2-40B4-BE49-F238E27FC236}">
+                <a16:creationId xmlns:a16="http://schemas.microsoft.com/office/drawing/2014/main" xmlns="" id="{34FCC3EF-D503-44C7-8236-B4369AC6C71B}"/>
+              </a:ext>
+            </a:extLst>
+          </p:cNvPr>
+          <p:cNvCxnSpPr>
+            <a:cxnSpLocks/>
+            <a:endCxn id="22" idx="1"/>
+          </p:cNvCxnSpPr>
+          <p:nvPr/>
+        </p:nvCxnSpPr>
+        <p:spPr>
+          <a:xfrm>
+            <a:off x="6198233" y="3973458"/>
+            <a:ext cx="782672" cy="85"/>
+          </a:xfrm>
+          <a:prstGeom prst="straightConnector1">
+            <a:avLst/>
+          </a:prstGeom>
+          <a:ln>
+            <a:tailEnd type="triangle"/>
+          </a:ln>
+        </p:spPr>
+        <p:style>
+          <a:lnRef idx="1">
+            <a:schemeClr val="accent1"/>
+          </a:lnRef>
+          <a:fillRef idx="0">
+            <a:schemeClr val="accent1"/>
+          </a:fillRef>
+          <a:effectRef idx="0">
+            <a:schemeClr val="accent1"/>
+          </a:effectRef>
+          <a:fontRef idx="minor">
+            <a:schemeClr val="tx1"/>
+          </a:fontRef>
+        </p:style>
+      </p:cxnSp>
+      <p:cxnSp>
+        <p:nvCxnSpPr>
+          <p:cNvPr id="45" name="Straight Arrow Connector 44">
+            <a:extLst>
+              <a:ext uri="{FF2B5EF4-FFF2-40B4-BE49-F238E27FC236}">
+                <a16:creationId xmlns:a16="http://schemas.microsoft.com/office/drawing/2014/main" xmlns="" id="{948B062E-F9A3-4E06-9C1D-5FE812A34AF1}"/>
+              </a:ext>
+            </a:extLst>
+          </p:cNvPr>
+          <p:cNvCxnSpPr>
+            <a:stCxn id="59" idx="2"/>
+            <a:endCxn id="64" idx="0"/>
+          </p:cNvCxnSpPr>
+          <p:nvPr/>
+        </p:nvCxnSpPr>
+        <p:spPr>
+          <a:xfrm flipH="1">
+            <a:off x="7618526" y="5191073"/>
+            <a:ext cx="49226" cy="402049"/>
+          </a:xfrm>
+          <a:prstGeom prst="straightConnector1">
+            <a:avLst/>
+          </a:prstGeom>
+          <a:ln>
+            <a:tailEnd type="triangle"/>
+          </a:ln>
+        </p:spPr>
+        <p:style>
+          <a:lnRef idx="1">
+            <a:schemeClr val="accent1"/>
+          </a:lnRef>
+          <a:fillRef idx="0">
+            <a:schemeClr val="accent1"/>
+          </a:fillRef>
+          <a:effectRef idx="0">
+            <a:schemeClr val="accent1"/>
+          </a:effectRef>
+          <a:fontRef idx="minor">
+            <a:schemeClr val="tx1"/>
+          </a:fontRef>
+        </p:style>
+      </p:cxnSp>
+      <p:sp>
+        <p:nvSpPr>
+          <p:cNvPr id="29" name="Rectangle 28">
+            <a:extLst>
+              <a:ext uri="{FF2B5EF4-FFF2-40B4-BE49-F238E27FC236}">
+                <a16:creationId xmlns:a16="http://schemas.microsoft.com/office/drawing/2014/main" xmlns="" id="{11F48799-AD9E-4E8A-BD80-7449EDA8548E}"/>
+              </a:ext>
+            </a:extLst>
+          </p:cNvPr>
+          <p:cNvSpPr/>
+          <p:nvPr/>
+        </p:nvSpPr>
+        <p:spPr>
+          <a:xfrm>
+            <a:off x="4933406" y="5002053"/>
+            <a:ext cx="1406013" cy="516908"/>
+          </a:xfrm>
+          <a:prstGeom prst="rect">
+            <a:avLst/>
+          </a:prstGeom>
+          <a:noFill/>
+          <a:ln>
+            <a:solidFill>
+              <a:schemeClr val="bg1"/>
+            </a:solidFill>
+          </a:ln>
+        </p:spPr>
+        <p:style>
+          <a:lnRef idx="2">
+            <a:schemeClr val="accent6"/>
+          </a:lnRef>
+          <a:fillRef idx="1">
+            <a:schemeClr val="lt1"/>
+          </a:fillRef>
+          <a:effectRef idx="0">
+            <a:schemeClr val="accent6"/>
+          </a:effectRef>
+          <a:fontRef idx="minor">
+            <a:schemeClr val="dk1"/>
+          </a:fontRef>
+        </p:style>
+        <p:txBody>
+          <a:bodyPr rtlCol="0" anchor="ctr"/>
+          <a:lstStyle/>
+          <a:p>
+            <a:pPr algn="ctr"/>
+            <a:r>
+              <a:rPr lang="en-US" dirty="0" err="1"/>
+              <a:t>Proba</a:t>
+            </a:r>
+            <a:r>
+              <a:rPr lang="en-US" dirty="0"/>
+              <a:t> </a:t>
+            </a:r>
+            <a:r>
+              <a:rPr lang="en-US" dirty="0" err="1"/>
+              <a:t>Ya</a:t>
+            </a:r>
+            <a:r>
+              <a:rPr lang="en-US" dirty="0"/>
+              <a:t> &lt; 0.3</a:t>
+            </a:r>
+          </a:p>
+        </p:txBody>
+      </p:sp>
+      <p:cxnSp>
+        <p:nvCxnSpPr>
+          <p:cNvPr id="9" name="Straight Arrow Connector 8">
+            <a:extLst>
+              <a:ext uri="{FF2B5EF4-FFF2-40B4-BE49-F238E27FC236}">
+                <a16:creationId xmlns:a16="http://schemas.microsoft.com/office/drawing/2014/main" xmlns="" id="{DC2EF522-2915-437A-9A4B-D966AE1BD8C3}"/>
+              </a:ext>
+            </a:extLst>
+          </p:cNvPr>
+          <p:cNvCxnSpPr>
+            <a:endCxn id="29" idx="1"/>
+          </p:cNvCxnSpPr>
+          <p:nvPr/>
+        </p:nvCxnSpPr>
+        <p:spPr>
+          <a:xfrm>
+            <a:off x="3864077" y="2637502"/>
+            <a:ext cx="1069329" cy="2623005"/>
+          </a:xfrm>
+          <a:prstGeom prst="straightConnector1">
+            <a:avLst/>
+          </a:prstGeom>
+          <a:ln>
+            <a:tailEnd type="triangle"/>
+          </a:ln>
+        </p:spPr>
+        <p:style>
+          <a:lnRef idx="1">
+            <a:schemeClr val="accent1"/>
+          </a:lnRef>
+          <a:fillRef idx="0">
+            <a:schemeClr val="accent1"/>
+          </a:fillRef>
+          <a:effectRef idx="0">
+            <a:schemeClr val="accent1"/>
+          </a:effectRef>
+          <a:fontRef idx="minor">
+            <a:schemeClr val="tx1"/>
+          </a:fontRef>
+        </p:style>
+      </p:cxnSp>
+      <p:cxnSp>
+        <p:nvCxnSpPr>
+          <p:cNvPr id="12" name="Straight Arrow Connector 11">
+            <a:extLst>
+              <a:ext uri="{FF2B5EF4-FFF2-40B4-BE49-F238E27FC236}">
+                <a16:creationId xmlns:a16="http://schemas.microsoft.com/office/drawing/2014/main" xmlns="" id="{C806C0F4-B8A8-4BB9-A419-4F30F0B89D19}"/>
+              </a:ext>
+            </a:extLst>
+          </p:cNvPr>
+          <p:cNvCxnSpPr>
+            <a:stCxn id="29" idx="2"/>
+            <a:endCxn id="64" idx="1"/>
+          </p:cNvCxnSpPr>
+          <p:nvPr/>
+        </p:nvCxnSpPr>
+        <p:spPr>
+          <a:xfrm>
+            <a:off x="5636413" y="5518961"/>
+            <a:ext cx="863190" cy="443127"/>
+          </a:xfrm>
+          <a:prstGeom prst="straightConnector1">
+            <a:avLst/>
+          </a:prstGeom>
+          <a:ln>
+            <a:tailEnd type="triangle"/>
+          </a:ln>
+        </p:spPr>
+        <p:style>
+          <a:lnRef idx="1">
+            <a:schemeClr val="accent1"/>
+          </a:lnRef>
+          <a:fillRef idx="0">
+            <a:schemeClr val="accent1"/>
+          </a:fillRef>
+          <a:effectRef idx="0">
+            <a:schemeClr val="accent1"/>
+          </a:effectRef>
+          <a:fontRef idx="minor">
+            <a:schemeClr val="tx1"/>
+          </a:fontRef>
+        </p:style>
+      </p:cxnSp>
+      <p:cxnSp>
+        <p:nvCxnSpPr>
+          <p:cNvPr id="23" name="Straight Connector 22">
+            <a:extLst>
+              <a:ext uri="{FF2B5EF4-FFF2-40B4-BE49-F238E27FC236}">
+                <a16:creationId xmlns:a16="http://schemas.microsoft.com/office/drawing/2014/main" xmlns="" id="{689CBEFC-E1E8-4392-B5FA-82BD665BABA2}"/>
+              </a:ext>
+            </a:extLst>
+          </p:cNvPr>
+          <p:cNvCxnSpPr/>
+          <p:nvPr/>
+        </p:nvCxnSpPr>
+        <p:spPr>
+          <a:xfrm flipV="1">
+            <a:off x="8664312" y="2288100"/>
+            <a:ext cx="897094" cy="1241942"/>
+          </a:xfrm>
+          <a:prstGeom prst="line">
+            <a:avLst/>
+          </a:prstGeom>
+        </p:spPr>
+        <p:style>
+          <a:lnRef idx="1">
+            <a:schemeClr val="accent1"/>
+          </a:lnRef>
+          <a:fillRef idx="0">
+            <a:schemeClr val="accent1"/>
+          </a:fillRef>
+          <a:effectRef idx="0">
+            <a:schemeClr val="accent1"/>
+          </a:effectRef>
+          <a:fontRef idx="minor">
+            <a:schemeClr val="tx1"/>
+          </a:fontRef>
+        </p:style>
+      </p:cxnSp>
+      <p:cxnSp>
+        <p:nvCxnSpPr>
+          <p:cNvPr id="25" name="Straight Connector 24">
+            <a:extLst>
+              <a:ext uri="{FF2B5EF4-FFF2-40B4-BE49-F238E27FC236}">
+                <a16:creationId xmlns:a16="http://schemas.microsoft.com/office/drawing/2014/main" xmlns="" id="{2170B41E-8F17-4A71-8A40-AC53F84BBE26}"/>
+              </a:ext>
+            </a:extLst>
+          </p:cNvPr>
+          <p:cNvCxnSpPr/>
+          <p:nvPr/>
+        </p:nvCxnSpPr>
+        <p:spPr>
+          <a:xfrm>
+            <a:off x="8695755" y="4417044"/>
+            <a:ext cx="821205" cy="1066062"/>
+          </a:xfrm>
+          <a:prstGeom prst="line">
+            <a:avLst/>
+          </a:prstGeom>
+        </p:spPr>
+        <p:style>
+          <a:lnRef idx="1">
+            <a:schemeClr val="accent1"/>
+          </a:lnRef>
+          <a:fillRef idx="0">
+            <a:schemeClr val="accent1"/>
+          </a:fillRef>
+          <a:effectRef idx="0">
+            <a:schemeClr val="accent1"/>
+          </a:effectRef>
+          <a:fontRef idx="minor">
+            <a:schemeClr val="tx1"/>
+          </a:fontRef>
+        </p:style>
+      </p:cxnSp>
+      <p:sp>
+        <p:nvSpPr>
+          <p:cNvPr id="26" name="Rectangle 25">
+            <a:extLst>
+              <a:ext uri="{FF2B5EF4-FFF2-40B4-BE49-F238E27FC236}">
+                <a16:creationId xmlns:a16="http://schemas.microsoft.com/office/drawing/2014/main" xmlns="" id="{661AE275-EA5D-4A5E-8498-2CBF6FE01557}"/>
+              </a:ext>
+            </a:extLst>
+          </p:cNvPr>
+          <p:cNvSpPr/>
+          <p:nvPr/>
+        </p:nvSpPr>
+        <p:spPr>
+          <a:xfrm>
+            <a:off x="9709355" y="1145253"/>
+            <a:ext cx="2241756" cy="1037508"/>
+          </a:xfrm>
+          <a:prstGeom prst="rect">
+            <a:avLst/>
+          </a:prstGeom>
+        </p:spPr>
+        <p:style>
+          <a:lnRef idx="2">
+            <a:schemeClr val="accent1">
+              <a:shade val="50000"/>
+            </a:schemeClr>
+          </a:lnRef>
+          <a:fillRef idx="1">
+            <a:schemeClr val="accent1"/>
+          </a:fillRef>
+          <a:effectRef idx="0">
+            <a:schemeClr val="accent1"/>
+          </a:effectRef>
+          <a:fontRef idx="minor">
+            <a:schemeClr val="lt1"/>
+          </a:fontRef>
+        </p:style>
+        <p:txBody>
+          <a:bodyPr rtlCol="0" anchor="ctr"/>
+          <a:lstStyle/>
+          <a:p>
+            <a:pPr algn="ctr"/>
+            <a:r>
+              <a:rPr lang="en-US" dirty="0" err="1"/>
+              <a:t>Mengacu</a:t>
+            </a:r>
+            <a:r>
+              <a:rPr lang="en-US" dirty="0"/>
+              <a:t> pada </a:t>
+            </a:r>
+            <a:r>
+              <a:rPr lang="en-US" dirty="0" err="1"/>
+              <a:t>jumlah</a:t>
+            </a:r>
+            <a:r>
+              <a:rPr lang="en-US" dirty="0"/>
+              <a:t> minimal </a:t>
+            </a:r>
+            <a:r>
+              <a:rPr lang="en-US" dirty="0" err="1"/>
+              <a:t>rekening</a:t>
+            </a:r>
+            <a:r>
+              <a:rPr lang="en-US" dirty="0"/>
+              <a:t> </a:t>
+            </a:r>
+            <a:r>
+              <a:rPr lang="en-US" dirty="0" err="1"/>
+              <a:t>nasabah</a:t>
+            </a:r>
+            <a:r>
+              <a:rPr lang="en-US" dirty="0"/>
+              <a:t> premium </a:t>
+            </a:r>
+          </a:p>
+        </p:txBody>
+      </p:sp>
+    </p:spTree>
+    <p:extLst>
+      <p:ext uri="{BB962C8B-B14F-4D97-AF65-F5344CB8AC3E}">
+        <p14:creationId xmlns:p14="http://schemas.microsoft.com/office/powerpoint/2010/main" val="2862501326"/>
+      </p:ext>
+    </p:extLst>
+  </p:cSld>
+  <p:clrMapOvr>
+    <a:masterClrMapping/>
+  </p:clrMapOvr>
+</p:sld>
+</file>
+
+<file path=ppt/slides/slide4.xml><?xml version="1.0" encoding="utf-8"?>
+<p:sld xmlns:a="http://schemas.openxmlformats.org/drawingml/2006/main" xmlns:r="http://schemas.openxmlformats.org/officeDocument/2006/relationships" xmlns:p="http://schemas.openxmlformats.org/presentationml/2006/main">
+  <p:cSld>
+    <p:spTree>
+      <p:nvGrpSpPr>
+        <p:cNvPr id="1" name=""/>
+        <p:cNvGrpSpPr/>
+        <p:nvPr/>
+      </p:nvGrpSpPr>
+      <p:grpSpPr>
+        <a:xfrm>
+          <a:off x="0" y="0"/>
+          <a:ext cx="0" cy="0"/>
+          <a:chOff x="0" y="0"/>
+          <a:chExt cx="0" cy="0"/>
+        </a:xfrm>
+      </p:grpSpPr>
+      <p:sp>
+        <p:nvSpPr>
+          <p:cNvPr id="2" name="Title 1">
+            <a:extLst>
+              <a:ext uri="{FF2B5EF4-FFF2-40B4-BE49-F238E27FC236}">
+                <a16:creationId xmlns:a16="http://schemas.microsoft.com/office/drawing/2014/main" xmlns="" id="{EB17C270-45DA-420A-A5CC-3782A3552124}"/>
+              </a:ext>
+            </a:extLst>
+          </p:cNvPr>
+          <p:cNvSpPr>
+            <a:spLocks noGrp="1"/>
+          </p:cNvSpPr>
+          <p:nvPr>
+            <p:ph type="ctrTitle"/>
+          </p:nvPr>
+        </p:nvSpPr>
+        <p:spPr/>
+        <p:txBody>
+          <a:bodyPr/>
+          <a:lstStyle/>
+          <a:p>
+            <a:r>
+              <a:rPr lang="en-US" dirty="0"/>
+              <a:t>Precision VS Recall</a:t>
+            </a:r>
+          </a:p>
+        </p:txBody>
+      </p:sp>
+    </p:spTree>
+    <p:extLst>
+      <p:ext uri="{BB962C8B-B14F-4D97-AF65-F5344CB8AC3E}">
+        <p14:creationId xmlns:p14="http://schemas.microsoft.com/office/powerpoint/2010/main" val="3906286299"/>
+      </p:ext>
+    </p:extLst>
+  </p:cSld>
+  <p:clrMapOvr>
+    <a:masterClrMapping/>
+  </p:clrMapOvr>
+</p:sld>
+</file>
+
+<file path=ppt/slides/slide5.xml><?xml version="1.0" encoding="utf-8"?>
+<p:sld xmlns:a="http://schemas.openxmlformats.org/drawingml/2006/main" xmlns:r="http://schemas.openxmlformats.org/officeDocument/2006/relationships" xmlns:p="http://schemas.openxmlformats.org/presentationml/2006/main">
+  <p:cSld>
+    <p:spTree>
+      <p:nvGrpSpPr>
+        <p:cNvPr id="1" name=""/>
+        <p:cNvGrpSpPr/>
+        <p:nvPr/>
+      </p:nvGrpSpPr>
+      <p:grpSpPr>
+        <a:xfrm>
+          <a:off x="0" y="0"/>
+          <a:ext cx="0" cy="0"/>
+          <a:chOff x="0" y="0"/>
+          <a:chExt cx="0" cy="0"/>
+        </a:xfrm>
+      </p:grpSpPr>
+      <p:sp>
+        <p:nvSpPr>
+          <p:cNvPr id="2" name="Title 1">
+            <a:extLst>
+              <a:ext uri="{FF2B5EF4-FFF2-40B4-BE49-F238E27FC236}">
+                <a16:creationId xmlns:a16="http://schemas.microsoft.com/office/drawing/2014/main" xmlns="" id="{2AC561B9-FF41-4580-8FA9-F43F100516E7}"/>
+              </a:ext>
+            </a:extLst>
+          </p:cNvPr>
+          <p:cNvSpPr>
+            <a:spLocks noGrp="1"/>
+          </p:cNvSpPr>
+          <p:nvPr>
+            <p:ph type="title"/>
+          </p:nvPr>
+        </p:nvSpPr>
+        <p:spPr/>
+        <p:txBody>
+          <a:bodyPr/>
+          <a:lstStyle/>
+          <a:p>
+            <a:r>
+              <a:rPr lang="en-US" b="1" dirty="0"/>
+              <a:t>Precision </a:t>
+            </a:r>
+            <a:r>
+              <a:rPr lang="en-US" b="1" dirty="0" err="1"/>
+              <a:t>diutamakan</a:t>
+            </a:r>
+            <a:endParaRPr lang="en-US" b="1" dirty="0"/>
+          </a:p>
+        </p:txBody>
+      </p:sp>
+      <p:sp>
+        <p:nvSpPr>
+          <p:cNvPr id="3" name="Content Placeholder 2">
+            <a:extLst>
+              <a:ext uri="{FF2B5EF4-FFF2-40B4-BE49-F238E27FC236}">
+                <a16:creationId xmlns:a16="http://schemas.microsoft.com/office/drawing/2014/main" xmlns="" id="{E4BBCB85-D0B1-4179-87C1-E19B311558BC}"/>
+              </a:ext>
+            </a:extLst>
+          </p:cNvPr>
+          <p:cNvSpPr>
+            <a:spLocks noGrp="1"/>
+          </p:cNvSpPr>
+          <p:nvPr>
+            <p:ph idx="1"/>
+          </p:nvPr>
+        </p:nvSpPr>
+        <p:spPr>
+          <a:xfrm>
+            <a:off x="838200" y="1825624"/>
+            <a:ext cx="10515600" cy="1603375"/>
+          </a:xfrm>
+        </p:spPr>
+        <p:txBody>
+          <a:bodyPr>
+            <a:normAutofit/>
+          </a:bodyPr>
+          <a:lstStyle/>
+          <a:p>
+            <a:pPr marL="514350" indent="-514350">
+              <a:buAutoNum type="arabicPeriod"/>
+            </a:pPr>
+            <a:r>
+              <a:rPr lang="en-US" dirty="0" err="1"/>
+              <a:t>Menghindari</a:t>
+            </a:r>
+            <a:r>
+              <a:rPr lang="en-US" dirty="0"/>
+              <a:t> </a:t>
+            </a:r>
+            <a:r>
+              <a:rPr lang="en-US" dirty="0" err="1"/>
+              <a:t>kerugian</a:t>
+            </a:r>
+            <a:r>
+              <a:rPr lang="en-US" dirty="0"/>
+              <a:t> Cost Ketika </a:t>
+            </a:r>
+            <a:r>
+              <a:rPr lang="en-US" dirty="0" err="1"/>
+              <a:t>Prediksi</a:t>
+            </a:r>
+            <a:r>
+              <a:rPr lang="en-US" dirty="0"/>
+              <a:t> = YA </a:t>
+            </a:r>
+            <a:r>
+              <a:rPr lang="en-US" dirty="0" err="1"/>
+              <a:t>tapi</a:t>
+            </a:r>
+            <a:r>
+              <a:rPr lang="en-US" dirty="0"/>
+              <a:t> </a:t>
+            </a:r>
+            <a:r>
+              <a:rPr lang="en-US" dirty="0" err="1"/>
+              <a:t>Aktual</a:t>
+            </a:r>
+            <a:r>
+              <a:rPr lang="en-US" dirty="0"/>
+              <a:t> = TIDAK</a:t>
+            </a:r>
+          </a:p>
+          <a:p>
+            <a:pPr marL="514350" indent="-514350">
+              <a:buAutoNum type="arabicPeriod"/>
+            </a:pPr>
+            <a:r>
+              <a:rPr lang="en-US" dirty="0" err="1"/>
+              <a:t>Mengacu</a:t>
+            </a:r>
+            <a:r>
+              <a:rPr lang="en-US" dirty="0"/>
+              <a:t> pada concern </a:t>
+            </a:r>
+            <a:r>
+              <a:rPr lang="en-US" dirty="0" err="1"/>
+              <a:t>tim</a:t>
+            </a:r>
+            <a:r>
+              <a:rPr lang="en-US" dirty="0"/>
+              <a:t> marketing</a:t>
+            </a:r>
+          </a:p>
+          <a:p>
+            <a:pPr marL="514350" indent="-514350">
+              <a:buAutoNum type="arabicPeriod"/>
+            </a:pPr>
+            <a:r>
+              <a:rPr lang="en-US" dirty="0"/>
+              <a:t>Campaign </a:t>
+            </a:r>
+            <a:r>
+              <a:rPr lang="en-US" dirty="0" err="1"/>
+              <a:t>jadi</a:t>
+            </a:r>
+            <a:r>
+              <a:rPr lang="en-US" dirty="0"/>
+              <a:t> </a:t>
+            </a:r>
+            <a:r>
+              <a:rPr lang="en-US" dirty="0" err="1"/>
+              <a:t>lebih</a:t>
+            </a:r>
+            <a:r>
+              <a:rPr lang="en-US" dirty="0"/>
+              <a:t> </a:t>
+            </a:r>
+            <a:r>
+              <a:rPr lang="en-US" dirty="0" err="1"/>
+              <a:t>tepat</a:t>
+            </a:r>
+            <a:r>
+              <a:rPr lang="en-US" dirty="0"/>
+              <a:t> </a:t>
+            </a:r>
+            <a:r>
+              <a:rPr lang="en-US" dirty="0" err="1"/>
+              <a:t>sasaran</a:t>
+            </a:r>
+            <a:endParaRPr lang="en-US" dirty="0"/>
+          </a:p>
+        </p:txBody>
+      </p:sp>
+      <p:sp>
+        <p:nvSpPr>
+          <p:cNvPr id="4" name="Title 1">
+            <a:extLst>
+              <a:ext uri="{FF2B5EF4-FFF2-40B4-BE49-F238E27FC236}">
+                <a16:creationId xmlns:a16="http://schemas.microsoft.com/office/drawing/2014/main" xmlns="" id="{BC69DFA4-F03D-47FB-A0E9-DB980B075D8B}"/>
+              </a:ext>
+            </a:extLst>
+          </p:cNvPr>
+          <p:cNvSpPr txBox="1">
+            <a:spLocks/>
+          </p:cNvSpPr>
+          <p:nvPr/>
+        </p:nvSpPr>
+        <p:spPr>
+          <a:xfrm>
+            <a:off x="838200" y="3710115"/>
+            <a:ext cx="10515600" cy="1325563"/>
+          </a:xfrm>
+          <a:prstGeom prst="rect">
+            <a:avLst/>
+          </a:prstGeom>
+        </p:spPr>
+        <p:txBody>
+          <a:bodyPr vert="horz" lIns="91440" tIns="45720" rIns="91440" bIns="45720" rtlCol="0" anchor="ctr">
+            <a:normAutofit/>
+          </a:bodyPr>
+          <a:lstStyle>
+            <a:lvl1pPr algn="l" defTabSz="914400" rtl="0" eaLnBrk="1" latinLnBrk="0" hangingPunct="1">
+              <a:lnSpc>
+                <a:spcPct val="90000"/>
+              </a:lnSpc>
+              <a:spcBef>
+                <a:spcPct val="0"/>
+              </a:spcBef>
+              <a:buNone/>
+              <a:defRPr sz="4400" kern="1200">
+                <a:solidFill>
+                  <a:schemeClr val="tx1"/>
+                </a:solidFill>
+                <a:latin typeface="+mj-lt"/>
+                <a:ea typeface="+mj-ea"/>
+                <a:cs typeface="+mj-cs"/>
+              </a:defRPr>
+            </a:lvl1pPr>
+          </a:lstStyle>
+          <a:p>
+            <a:r>
+              <a:rPr lang="en-US" b="1" dirty="0"/>
+              <a:t>RESIKO</a:t>
+            </a:r>
+          </a:p>
+        </p:txBody>
+      </p:sp>
+      <p:sp>
+        <p:nvSpPr>
+          <p:cNvPr id="5" name="Content Placeholder 2">
+            <a:extLst>
+              <a:ext uri="{FF2B5EF4-FFF2-40B4-BE49-F238E27FC236}">
+                <a16:creationId xmlns:a16="http://schemas.microsoft.com/office/drawing/2014/main" xmlns="" id="{A8F6FE04-A580-4B92-9F32-B833961BC453}"/>
+              </a:ext>
+            </a:extLst>
+          </p:cNvPr>
+          <p:cNvSpPr txBox="1">
+            <a:spLocks/>
+          </p:cNvSpPr>
+          <p:nvPr/>
+        </p:nvSpPr>
+        <p:spPr>
+          <a:xfrm>
+            <a:off x="838200" y="4962140"/>
+            <a:ext cx="10515600" cy="1014132"/>
+          </a:xfrm>
+          <a:prstGeom prst="rect">
+            <a:avLst/>
+          </a:prstGeom>
+        </p:spPr>
+        <p:txBody>
+          <a:bodyPr vert="horz" lIns="91440" tIns="45720" rIns="91440" bIns="45720" rtlCol="0">
+            <a:normAutofit/>
+          </a:bodyPr>
+          <a:lstStyle>
+            <a:lvl1pPr marL="228600" indent="-228600" algn="l" defTabSz="914400" rtl="0" eaLnBrk="1" latinLnBrk="0" hangingPunct="1">
+              <a:lnSpc>
+                <a:spcPct val="90000"/>
+              </a:lnSpc>
+              <a:spcBef>
+                <a:spcPts val="1000"/>
+              </a:spcBef>
+              <a:buFont typeface="Arial" panose="020B0604020202020204" pitchFamily="34" charset="0"/>
+              <a:buChar char="•"/>
+              <a:defRPr sz="2800" kern="1200">
+                <a:solidFill>
+                  <a:schemeClr val="tx1"/>
+                </a:solidFill>
+                <a:latin typeface="+mn-lt"/>
+                <a:ea typeface="+mn-ea"/>
+                <a:cs typeface="+mn-cs"/>
+              </a:defRPr>
+            </a:lvl1pPr>
+            <a:lvl2pPr marL="685800" indent="-228600" algn="l" defTabSz="914400" rtl="0" eaLnBrk="1" latinLnBrk="0" hangingPunct="1">
+              <a:lnSpc>
+                <a:spcPct val="90000"/>
+              </a:lnSpc>
+              <a:spcBef>
+                <a:spcPts val="500"/>
+              </a:spcBef>
+              <a:buFont typeface="Arial" panose="020B0604020202020204" pitchFamily="34" charset="0"/>
+              <a:buChar char="•"/>
+              <a:defRPr sz="2400" kern="1200">
+                <a:solidFill>
+                  <a:schemeClr val="tx1"/>
+                </a:solidFill>
+                <a:latin typeface="+mn-lt"/>
+                <a:ea typeface="+mn-ea"/>
+                <a:cs typeface="+mn-cs"/>
+              </a:defRPr>
+            </a:lvl2pPr>
+            <a:lvl3pPr marL="1143000" indent="-228600" algn="l" defTabSz="914400" rtl="0" eaLnBrk="1" latinLnBrk="0" hangingPunct="1">
+              <a:lnSpc>
+                <a:spcPct val="90000"/>
+              </a:lnSpc>
+              <a:spcBef>
+                <a:spcPts val="500"/>
+              </a:spcBef>
+              <a:buFont typeface="Arial" panose="020B0604020202020204" pitchFamily="34" charset="0"/>
+              <a:buChar char="•"/>
+              <a:defRPr sz="2000" kern="1200">
+                <a:solidFill>
+                  <a:schemeClr val="tx1"/>
+                </a:solidFill>
+                <a:latin typeface="+mn-lt"/>
+                <a:ea typeface="+mn-ea"/>
+                <a:cs typeface="+mn-cs"/>
+              </a:defRPr>
+            </a:lvl3pPr>
+            <a:lvl4pPr marL="1600200" indent="-228600" algn="l" defTabSz="914400" rtl="0" eaLnBrk="1" latinLnBrk="0" hangingPunct="1">
+              <a:lnSpc>
+                <a:spcPct val="90000"/>
+              </a:lnSpc>
+              <a:spcBef>
+                <a:spcPts val="500"/>
+              </a:spcBef>
+              <a:buFont typeface="Arial" panose="020B0604020202020204" pitchFamily="34" charset="0"/>
+              <a:buChar char="•"/>
+              <a:defRPr sz="1800" kern="1200">
+                <a:solidFill>
+                  <a:schemeClr val="tx1"/>
+                </a:solidFill>
+                <a:latin typeface="+mn-lt"/>
+                <a:ea typeface="+mn-ea"/>
+                <a:cs typeface="+mn-cs"/>
+              </a:defRPr>
+            </a:lvl4pPr>
+            <a:lvl5pPr marL="2057400" indent="-228600" algn="l" defTabSz="914400" rtl="0" eaLnBrk="1" latinLnBrk="0" hangingPunct="1">
+              <a:lnSpc>
+                <a:spcPct val="90000"/>
+              </a:lnSpc>
+              <a:spcBef>
+                <a:spcPts val="500"/>
+              </a:spcBef>
+              <a:buFont typeface="Arial" panose="020B0604020202020204" pitchFamily="34" charset="0"/>
+              <a:buChar char="•"/>
+              <a:defRPr sz="1800" kern="1200">
+                <a:solidFill>
+                  <a:schemeClr val="tx1"/>
+                </a:solidFill>
+                <a:latin typeface="+mn-lt"/>
+                <a:ea typeface="+mn-ea"/>
+                <a:cs typeface="+mn-cs"/>
+              </a:defRPr>
+            </a:lvl5pPr>
+            <a:lvl6pPr marL="2514600" indent="-228600" algn="l" defTabSz="914400" rtl="0" eaLnBrk="1" latinLnBrk="0" hangingPunct="1">
+              <a:lnSpc>
+                <a:spcPct val="90000"/>
+              </a:lnSpc>
+              <a:spcBef>
+                <a:spcPts val="500"/>
+              </a:spcBef>
+              <a:buFont typeface="Arial" panose="020B0604020202020204" pitchFamily="34" charset="0"/>
+              <a:buChar char="•"/>
+              <a:defRPr sz="1800" kern="1200">
+                <a:solidFill>
+                  <a:schemeClr val="tx1"/>
+                </a:solidFill>
+                <a:latin typeface="+mn-lt"/>
+                <a:ea typeface="+mn-ea"/>
+                <a:cs typeface="+mn-cs"/>
+              </a:defRPr>
+            </a:lvl6pPr>
+            <a:lvl7pPr marL="2971800" indent="-228600" algn="l" defTabSz="914400" rtl="0" eaLnBrk="1" latinLnBrk="0" hangingPunct="1">
+              <a:lnSpc>
+                <a:spcPct val="90000"/>
+              </a:lnSpc>
+              <a:spcBef>
+                <a:spcPts val="500"/>
+              </a:spcBef>
+              <a:buFont typeface="Arial" panose="020B0604020202020204" pitchFamily="34" charset="0"/>
+              <a:buChar char="•"/>
+              <a:defRPr sz="1800" kern="1200">
+                <a:solidFill>
+                  <a:schemeClr val="tx1"/>
+                </a:solidFill>
+                <a:latin typeface="+mn-lt"/>
+                <a:ea typeface="+mn-ea"/>
+                <a:cs typeface="+mn-cs"/>
+              </a:defRPr>
+            </a:lvl7pPr>
+            <a:lvl8pPr marL="3429000" indent="-228600" algn="l" defTabSz="914400" rtl="0" eaLnBrk="1" latinLnBrk="0" hangingPunct="1">
+              <a:lnSpc>
+                <a:spcPct val="90000"/>
+              </a:lnSpc>
+              <a:spcBef>
+                <a:spcPts val="500"/>
+              </a:spcBef>
+              <a:buFont typeface="Arial" panose="020B0604020202020204" pitchFamily="34" charset="0"/>
+              <a:buChar char="•"/>
+              <a:defRPr sz="1800" kern="1200">
+                <a:solidFill>
+                  <a:schemeClr val="tx1"/>
+                </a:solidFill>
+                <a:latin typeface="+mn-lt"/>
+                <a:ea typeface="+mn-ea"/>
+                <a:cs typeface="+mn-cs"/>
+              </a:defRPr>
+            </a:lvl8pPr>
+            <a:lvl9pPr marL="3886200" indent="-228600" algn="l" defTabSz="914400" rtl="0" eaLnBrk="1" latinLnBrk="0" hangingPunct="1">
+              <a:lnSpc>
+                <a:spcPct val="90000"/>
+              </a:lnSpc>
+              <a:spcBef>
+                <a:spcPts val="500"/>
+              </a:spcBef>
+              <a:buFont typeface="Arial" panose="020B0604020202020204" pitchFamily="34" charset="0"/>
+              <a:buChar char="•"/>
+              <a:defRPr sz="1800" kern="1200">
+                <a:solidFill>
+                  <a:schemeClr val="tx1"/>
+                </a:solidFill>
+                <a:latin typeface="+mn-lt"/>
+                <a:ea typeface="+mn-ea"/>
+                <a:cs typeface="+mn-cs"/>
+              </a:defRPr>
+            </a:lvl9pPr>
+          </a:lstStyle>
+          <a:p>
             <a:pPr marL="514350" indent="-514350">
               <a:buFont typeface="Arial" panose="020B0604020202020204" pitchFamily="34" charset="0"/>
               <a:buAutoNum type="arabicPeriod"/>
@@ -7257,7 +9451,7 @@
           <p:cNvPr id="2" name="Title 1">
             <a:extLst>
               <a:ext uri="{FF2B5EF4-FFF2-40B4-BE49-F238E27FC236}">
-                <a16:creationId xmlns:a16="http://schemas.microsoft.com/office/drawing/2014/main" id="{2AC561B9-FF41-4580-8FA9-F43F100516E7}"/>
+                <a16:creationId xmlns:a16="http://schemas.microsoft.com/office/drawing/2014/main" xmlns="" id="{2AC561B9-FF41-4580-8FA9-F43F100516E7}"/>
               </a:ext>
             </a:extLst>
           </p:cNvPr>
@@ -7294,7 +9488,7 @@
           <p:cNvPr id="3" name="Content Placeholder 2">
             <a:extLst>
               <a:ext uri="{FF2B5EF4-FFF2-40B4-BE49-F238E27FC236}">
-                <a16:creationId xmlns:a16="http://schemas.microsoft.com/office/drawing/2014/main" id="{E4BBCB85-D0B1-4179-87C1-E19B311558BC}"/>
+                <a16:creationId xmlns:a16="http://schemas.microsoft.com/office/drawing/2014/main" xmlns="" id="{E4BBCB85-D0B1-4179-87C1-E19B311558BC}"/>
               </a:ext>
             </a:extLst>
           </p:cNvPr>
@@ -7416,7 +9610,7 @@
           <p:cNvPr id="2" name="Title 1">
             <a:extLst>
               <a:ext uri="{FF2B5EF4-FFF2-40B4-BE49-F238E27FC236}">
-                <a16:creationId xmlns:a16="http://schemas.microsoft.com/office/drawing/2014/main" id="{556FE829-20DB-4FB3-8A9D-EB99BC1FD9C6}"/>
+                <a16:creationId xmlns:a16="http://schemas.microsoft.com/office/drawing/2014/main" xmlns="" id="{556FE829-20DB-4FB3-8A9D-EB99BC1FD9C6}"/>
               </a:ext>
             </a:extLst>
           </p:cNvPr>
@@ -7448,7 +9642,7 @@
           <p:cNvPr id="3" name="Content Placeholder 2">
             <a:extLst>
               <a:ext uri="{FF2B5EF4-FFF2-40B4-BE49-F238E27FC236}">
-                <a16:creationId xmlns:a16="http://schemas.microsoft.com/office/drawing/2014/main" id="{8498BF82-36D7-48C6-8463-A47CB522F514}"/>
+                <a16:creationId xmlns:a16="http://schemas.microsoft.com/office/drawing/2014/main" xmlns="" id="{8498BF82-36D7-48C6-8463-A47CB522F514}"/>
               </a:ext>
             </a:extLst>
           </p:cNvPr>
@@ -7587,7 +9781,7 @@
           <p:cNvPr id="2" name="Title 1">
             <a:extLst>
               <a:ext uri="{FF2B5EF4-FFF2-40B4-BE49-F238E27FC236}">
-                <a16:creationId xmlns:a16="http://schemas.microsoft.com/office/drawing/2014/main" id="{84EEC1A3-E984-4881-B54A-F1C5E73F7696}"/>
+                <a16:creationId xmlns:a16="http://schemas.microsoft.com/office/drawing/2014/main" xmlns="" id="{84EEC1A3-E984-4881-B54A-F1C5E73F7696}"/>
               </a:ext>
             </a:extLst>
           </p:cNvPr>
@@ -7615,7 +9809,7 @@
           <p:cNvPr id="3" name="Content Placeholder 2">
             <a:extLst>
               <a:ext uri="{FF2B5EF4-FFF2-40B4-BE49-F238E27FC236}">
-                <a16:creationId xmlns:a16="http://schemas.microsoft.com/office/drawing/2014/main" id="{6454B748-3B9E-49AD-A4D5-FC6C95CAE875}"/>
+                <a16:creationId xmlns:a16="http://schemas.microsoft.com/office/drawing/2014/main" xmlns="" id="{6454B748-3B9E-49AD-A4D5-FC6C95CAE875}"/>
               </a:ext>
             </a:extLst>
           </p:cNvPr>
@@ -7732,7 +9926,7 @@
           <p:cNvPr id="2" name="Title 1">
             <a:extLst>
               <a:ext uri="{FF2B5EF4-FFF2-40B4-BE49-F238E27FC236}">
-                <a16:creationId xmlns:a16="http://schemas.microsoft.com/office/drawing/2014/main" id="{84EEC1A3-E984-4881-B54A-F1C5E73F7696}"/>
+                <a16:creationId xmlns:a16="http://schemas.microsoft.com/office/drawing/2014/main" xmlns="" id="{84EEC1A3-E984-4881-B54A-F1C5E73F7696}"/>
               </a:ext>
             </a:extLst>
           </p:cNvPr>
@@ -7761,7 +9955,7 @@
           <p:cNvPr id="3" name="Content Placeholder 2">
             <a:extLst>
               <a:ext uri="{FF2B5EF4-FFF2-40B4-BE49-F238E27FC236}">
-                <a16:creationId xmlns:a16="http://schemas.microsoft.com/office/drawing/2014/main" id="{6454B748-3B9E-49AD-A4D5-FC6C95CAE875}"/>
+                <a16:creationId xmlns:a16="http://schemas.microsoft.com/office/drawing/2014/main" xmlns="" id="{6454B748-3B9E-49AD-A4D5-FC6C95CAE875}"/>
               </a:ext>
             </a:extLst>
           </p:cNvPr>

--- a/Skenario Kesimpulan.pptx
+++ b/Skenario Kesimpulan.pptx
@@ -13,22 +13,24 @@
     <p:sldId id="269" r:id="rId7"/>
     <p:sldId id="270" r:id="rId8"/>
     <p:sldId id="271" r:id="rId9"/>
-    <p:sldId id="272" r:id="rId10"/>
-    <p:sldId id="273" r:id="rId11"/>
-    <p:sldId id="274" r:id="rId12"/>
-    <p:sldId id="282" r:id="rId13"/>
-    <p:sldId id="283" r:id="rId14"/>
-    <p:sldId id="284" r:id="rId15"/>
-    <p:sldId id="285" r:id="rId16"/>
-    <p:sldId id="288" r:id="rId17"/>
-    <p:sldId id="287" r:id="rId18"/>
-    <p:sldId id="289" r:id="rId19"/>
-    <p:sldId id="290" r:id="rId20"/>
-    <p:sldId id="291" r:id="rId21"/>
-    <p:sldId id="292" r:id="rId22"/>
-    <p:sldId id="275" r:id="rId23"/>
-    <p:sldId id="276" r:id="rId24"/>
-    <p:sldId id="277" r:id="rId25"/>
+    <p:sldId id="293" r:id="rId10"/>
+    <p:sldId id="294" r:id="rId11"/>
+    <p:sldId id="272" r:id="rId12"/>
+    <p:sldId id="273" r:id="rId13"/>
+    <p:sldId id="274" r:id="rId14"/>
+    <p:sldId id="282" r:id="rId15"/>
+    <p:sldId id="283" r:id="rId16"/>
+    <p:sldId id="284" r:id="rId17"/>
+    <p:sldId id="285" r:id="rId18"/>
+    <p:sldId id="288" r:id="rId19"/>
+    <p:sldId id="287" r:id="rId20"/>
+    <p:sldId id="289" r:id="rId21"/>
+    <p:sldId id="290" r:id="rId22"/>
+    <p:sldId id="291" r:id="rId23"/>
+    <p:sldId id="292" r:id="rId24"/>
+    <p:sldId id="275" r:id="rId25"/>
+    <p:sldId id="276" r:id="rId26"/>
+    <p:sldId id="277" r:id="rId27"/>
   </p:sldIdLst>
   <p:sldSz cx="12192000" cy="6858000"/>
   <p:notesSz cx="6858000" cy="9144000"/>
@@ -157,7 +159,7 @@
           <p:cNvPr id="2" name="Title 1">
             <a:extLst>
               <a:ext uri="{FF2B5EF4-FFF2-40B4-BE49-F238E27FC236}">
-                <a16:creationId xmlns:a16="http://schemas.microsoft.com/office/drawing/2014/main" xmlns="" id="{89F31B8D-AEB5-4F17-BF76-599346334A5A}"/>
+                <a16:creationId xmlns="" xmlns:a16="http://schemas.microsoft.com/office/drawing/2014/main" id="{89F31B8D-AEB5-4F17-BF76-599346334A5A}"/>
               </a:ext>
             </a:extLst>
           </p:cNvPr>
@@ -194,7 +196,7 @@
           <p:cNvPr id="3" name="Subtitle 2">
             <a:extLst>
               <a:ext uri="{FF2B5EF4-FFF2-40B4-BE49-F238E27FC236}">
-                <a16:creationId xmlns:a16="http://schemas.microsoft.com/office/drawing/2014/main" xmlns="" id="{7BD7CF57-C1C9-4F7D-8907-8E06A08CB78A}"/>
+                <a16:creationId xmlns="" xmlns:a16="http://schemas.microsoft.com/office/drawing/2014/main" id="{7BD7CF57-C1C9-4F7D-8907-8E06A08CB78A}"/>
               </a:ext>
             </a:extLst>
           </p:cNvPr>
@@ -264,7 +266,7 @@
           <p:cNvPr id="4" name="Date Placeholder 3">
             <a:extLst>
               <a:ext uri="{FF2B5EF4-FFF2-40B4-BE49-F238E27FC236}">
-                <a16:creationId xmlns:a16="http://schemas.microsoft.com/office/drawing/2014/main" xmlns="" id="{FEE3E6B6-9724-45AE-81D2-389EFEE4A6DC}"/>
+                <a16:creationId xmlns="" xmlns:a16="http://schemas.microsoft.com/office/drawing/2014/main" id="{FEE3E6B6-9724-45AE-81D2-389EFEE4A6DC}"/>
               </a:ext>
             </a:extLst>
           </p:cNvPr>
@@ -293,7 +295,7 @@
           <p:cNvPr id="5" name="Footer Placeholder 4">
             <a:extLst>
               <a:ext uri="{FF2B5EF4-FFF2-40B4-BE49-F238E27FC236}">
-                <a16:creationId xmlns:a16="http://schemas.microsoft.com/office/drawing/2014/main" xmlns="" id="{132C7545-17D6-40C5-AF3F-A7746F7A3103}"/>
+                <a16:creationId xmlns="" xmlns:a16="http://schemas.microsoft.com/office/drawing/2014/main" id="{132C7545-17D6-40C5-AF3F-A7746F7A3103}"/>
               </a:ext>
             </a:extLst>
           </p:cNvPr>
@@ -318,7 +320,7 @@
           <p:cNvPr id="6" name="Slide Number Placeholder 5">
             <a:extLst>
               <a:ext uri="{FF2B5EF4-FFF2-40B4-BE49-F238E27FC236}">
-                <a16:creationId xmlns:a16="http://schemas.microsoft.com/office/drawing/2014/main" xmlns="" id="{44BFE5A4-46EE-4ACC-B161-CB3D53C7AFA5}"/>
+                <a16:creationId xmlns="" xmlns:a16="http://schemas.microsoft.com/office/drawing/2014/main" id="{44BFE5A4-46EE-4ACC-B161-CB3D53C7AFA5}"/>
               </a:ext>
             </a:extLst>
           </p:cNvPr>
@@ -377,7 +379,7 @@
           <p:cNvPr id="2" name="Title 1">
             <a:extLst>
               <a:ext uri="{FF2B5EF4-FFF2-40B4-BE49-F238E27FC236}">
-                <a16:creationId xmlns:a16="http://schemas.microsoft.com/office/drawing/2014/main" xmlns="" id="{A64DFAD7-EFBE-488B-A654-59E0547B7212}"/>
+                <a16:creationId xmlns="" xmlns:a16="http://schemas.microsoft.com/office/drawing/2014/main" id="{A64DFAD7-EFBE-488B-A654-59E0547B7212}"/>
               </a:ext>
             </a:extLst>
           </p:cNvPr>
@@ -405,7 +407,7 @@
           <p:cNvPr id="3" name="Vertical Text Placeholder 2">
             <a:extLst>
               <a:ext uri="{FF2B5EF4-FFF2-40B4-BE49-F238E27FC236}">
-                <a16:creationId xmlns:a16="http://schemas.microsoft.com/office/drawing/2014/main" xmlns="" id="{9BF90913-05DD-496B-879B-DF0143C19DA9}"/>
+                <a16:creationId xmlns="" xmlns:a16="http://schemas.microsoft.com/office/drawing/2014/main" id="{9BF90913-05DD-496B-879B-DF0143C19DA9}"/>
               </a:ext>
             </a:extLst>
           </p:cNvPr>
@@ -462,7 +464,7 @@
           <p:cNvPr id="4" name="Date Placeholder 3">
             <a:extLst>
               <a:ext uri="{FF2B5EF4-FFF2-40B4-BE49-F238E27FC236}">
-                <a16:creationId xmlns:a16="http://schemas.microsoft.com/office/drawing/2014/main" xmlns="" id="{C3E74A9B-4EAB-4149-BA9B-1E78B5C51C72}"/>
+                <a16:creationId xmlns="" xmlns:a16="http://schemas.microsoft.com/office/drawing/2014/main" id="{C3E74A9B-4EAB-4149-BA9B-1E78B5C51C72}"/>
               </a:ext>
             </a:extLst>
           </p:cNvPr>
@@ -491,7 +493,7 @@
           <p:cNvPr id="5" name="Footer Placeholder 4">
             <a:extLst>
               <a:ext uri="{FF2B5EF4-FFF2-40B4-BE49-F238E27FC236}">
-                <a16:creationId xmlns:a16="http://schemas.microsoft.com/office/drawing/2014/main" xmlns="" id="{DBFEE880-FBBC-4151-B5C3-3BCEEEFA191D}"/>
+                <a16:creationId xmlns="" xmlns:a16="http://schemas.microsoft.com/office/drawing/2014/main" id="{DBFEE880-FBBC-4151-B5C3-3BCEEEFA191D}"/>
               </a:ext>
             </a:extLst>
           </p:cNvPr>
@@ -516,7 +518,7 @@
           <p:cNvPr id="6" name="Slide Number Placeholder 5">
             <a:extLst>
               <a:ext uri="{FF2B5EF4-FFF2-40B4-BE49-F238E27FC236}">
-                <a16:creationId xmlns:a16="http://schemas.microsoft.com/office/drawing/2014/main" xmlns="" id="{D98459DC-03E1-4177-A6E6-1034B05DDC6E}"/>
+                <a16:creationId xmlns="" xmlns:a16="http://schemas.microsoft.com/office/drawing/2014/main" id="{D98459DC-03E1-4177-A6E6-1034B05DDC6E}"/>
               </a:ext>
             </a:extLst>
           </p:cNvPr>
@@ -575,7 +577,7 @@
           <p:cNvPr id="2" name="Vertical Title 1">
             <a:extLst>
               <a:ext uri="{FF2B5EF4-FFF2-40B4-BE49-F238E27FC236}">
-                <a16:creationId xmlns:a16="http://schemas.microsoft.com/office/drawing/2014/main" xmlns="" id="{0E4CFF45-9AE3-41E9-B10C-9A75C3027743}"/>
+                <a16:creationId xmlns="" xmlns:a16="http://schemas.microsoft.com/office/drawing/2014/main" id="{0E4CFF45-9AE3-41E9-B10C-9A75C3027743}"/>
               </a:ext>
             </a:extLst>
           </p:cNvPr>
@@ -608,7 +610,7 @@
           <p:cNvPr id="3" name="Vertical Text Placeholder 2">
             <a:extLst>
               <a:ext uri="{FF2B5EF4-FFF2-40B4-BE49-F238E27FC236}">
-                <a16:creationId xmlns:a16="http://schemas.microsoft.com/office/drawing/2014/main" xmlns="" id="{53F8B060-AFC5-41D5-BAC9-D754FC76CDD8}"/>
+                <a16:creationId xmlns="" xmlns:a16="http://schemas.microsoft.com/office/drawing/2014/main" id="{53F8B060-AFC5-41D5-BAC9-D754FC76CDD8}"/>
               </a:ext>
             </a:extLst>
           </p:cNvPr>
@@ -670,7 +672,7 @@
           <p:cNvPr id="4" name="Date Placeholder 3">
             <a:extLst>
               <a:ext uri="{FF2B5EF4-FFF2-40B4-BE49-F238E27FC236}">
-                <a16:creationId xmlns:a16="http://schemas.microsoft.com/office/drawing/2014/main" xmlns="" id="{3B026D99-5B54-478A-BC06-AA0661C96A7E}"/>
+                <a16:creationId xmlns="" xmlns:a16="http://schemas.microsoft.com/office/drawing/2014/main" id="{3B026D99-5B54-478A-BC06-AA0661C96A7E}"/>
               </a:ext>
             </a:extLst>
           </p:cNvPr>
@@ -699,7 +701,7 @@
           <p:cNvPr id="5" name="Footer Placeholder 4">
             <a:extLst>
               <a:ext uri="{FF2B5EF4-FFF2-40B4-BE49-F238E27FC236}">
-                <a16:creationId xmlns:a16="http://schemas.microsoft.com/office/drawing/2014/main" xmlns="" id="{2194D0EF-1F1D-4B8A-B66D-7D59F31BF845}"/>
+                <a16:creationId xmlns="" xmlns:a16="http://schemas.microsoft.com/office/drawing/2014/main" id="{2194D0EF-1F1D-4B8A-B66D-7D59F31BF845}"/>
               </a:ext>
             </a:extLst>
           </p:cNvPr>
@@ -724,7 +726,7 @@
           <p:cNvPr id="6" name="Slide Number Placeholder 5">
             <a:extLst>
               <a:ext uri="{FF2B5EF4-FFF2-40B4-BE49-F238E27FC236}">
-                <a16:creationId xmlns:a16="http://schemas.microsoft.com/office/drawing/2014/main" xmlns="" id="{A37F5BA6-1F64-42F0-BAF1-6B5D57DB80FA}"/>
+                <a16:creationId xmlns="" xmlns:a16="http://schemas.microsoft.com/office/drawing/2014/main" id="{A37F5BA6-1F64-42F0-BAF1-6B5D57DB80FA}"/>
               </a:ext>
             </a:extLst>
           </p:cNvPr>
@@ -783,7 +785,7 @@
           <p:cNvPr id="2" name="Title 1">
             <a:extLst>
               <a:ext uri="{FF2B5EF4-FFF2-40B4-BE49-F238E27FC236}">
-                <a16:creationId xmlns:a16="http://schemas.microsoft.com/office/drawing/2014/main" xmlns="" id="{D2CF5B05-0A07-4942-B390-83D227485B51}"/>
+                <a16:creationId xmlns="" xmlns:a16="http://schemas.microsoft.com/office/drawing/2014/main" id="{D2CF5B05-0A07-4942-B390-83D227485B51}"/>
               </a:ext>
             </a:extLst>
           </p:cNvPr>
@@ -811,7 +813,7 @@
           <p:cNvPr id="3" name="Content Placeholder 2">
             <a:extLst>
               <a:ext uri="{FF2B5EF4-FFF2-40B4-BE49-F238E27FC236}">
-                <a16:creationId xmlns:a16="http://schemas.microsoft.com/office/drawing/2014/main" xmlns="" id="{D2080CA0-D20F-4601-A14B-02D3562ECE36}"/>
+                <a16:creationId xmlns="" xmlns:a16="http://schemas.microsoft.com/office/drawing/2014/main" id="{D2080CA0-D20F-4601-A14B-02D3562ECE36}"/>
               </a:ext>
             </a:extLst>
           </p:cNvPr>
@@ -868,7 +870,7 @@
           <p:cNvPr id="4" name="Date Placeholder 3">
             <a:extLst>
               <a:ext uri="{FF2B5EF4-FFF2-40B4-BE49-F238E27FC236}">
-                <a16:creationId xmlns:a16="http://schemas.microsoft.com/office/drawing/2014/main" xmlns="" id="{CF9422F8-0FD9-44C1-A35A-990A54C5A4FD}"/>
+                <a16:creationId xmlns="" xmlns:a16="http://schemas.microsoft.com/office/drawing/2014/main" id="{CF9422F8-0FD9-44C1-A35A-990A54C5A4FD}"/>
               </a:ext>
             </a:extLst>
           </p:cNvPr>
@@ -897,7 +899,7 @@
           <p:cNvPr id="5" name="Footer Placeholder 4">
             <a:extLst>
               <a:ext uri="{FF2B5EF4-FFF2-40B4-BE49-F238E27FC236}">
-                <a16:creationId xmlns:a16="http://schemas.microsoft.com/office/drawing/2014/main" xmlns="" id="{270A860F-CC61-467F-9050-D50E21D21D5F}"/>
+                <a16:creationId xmlns="" xmlns:a16="http://schemas.microsoft.com/office/drawing/2014/main" id="{270A860F-CC61-467F-9050-D50E21D21D5F}"/>
               </a:ext>
             </a:extLst>
           </p:cNvPr>
@@ -922,7 +924,7 @@
           <p:cNvPr id="6" name="Slide Number Placeholder 5">
             <a:extLst>
               <a:ext uri="{FF2B5EF4-FFF2-40B4-BE49-F238E27FC236}">
-                <a16:creationId xmlns:a16="http://schemas.microsoft.com/office/drawing/2014/main" xmlns="" id="{6F25B8D9-5289-4B72-9499-2F1B2E46B8DC}"/>
+                <a16:creationId xmlns="" xmlns:a16="http://schemas.microsoft.com/office/drawing/2014/main" id="{6F25B8D9-5289-4B72-9499-2F1B2E46B8DC}"/>
               </a:ext>
             </a:extLst>
           </p:cNvPr>
@@ -981,7 +983,7 @@
           <p:cNvPr id="2" name="Title 1">
             <a:extLst>
               <a:ext uri="{FF2B5EF4-FFF2-40B4-BE49-F238E27FC236}">
-                <a16:creationId xmlns:a16="http://schemas.microsoft.com/office/drawing/2014/main" xmlns="" id="{0886EAC5-EE1A-491B-BB2C-BDD52BD7735F}"/>
+                <a16:creationId xmlns="" xmlns:a16="http://schemas.microsoft.com/office/drawing/2014/main" id="{0886EAC5-EE1A-491B-BB2C-BDD52BD7735F}"/>
               </a:ext>
             </a:extLst>
           </p:cNvPr>
@@ -1018,7 +1020,7 @@
           <p:cNvPr id="3" name="Text Placeholder 2">
             <a:extLst>
               <a:ext uri="{FF2B5EF4-FFF2-40B4-BE49-F238E27FC236}">
-                <a16:creationId xmlns:a16="http://schemas.microsoft.com/office/drawing/2014/main" xmlns="" id="{5313E277-8D52-43F3-98FB-E0CFF2E30BA9}"/>
+                <a16:creationId xmlns="" xmlns:a16="http://schemas.microsoft.com/office/drawing/2014/main" id="{5313E277-8D52-43F3-98FB-E0CFF2E30BA9}"/>
               </a:ext>
             </a:extLst>
           </p:cNvPr>
@@ -1143,7 +1145,7 @@
           <p:cNvPr id="4" name="Date Placeholder 3">
             <a:extLst>
               <a:ext uri="{FF2B5EF4-FFF2-40B4-BE49-F238E27FC236}">
-                <a16:creationId xmlns:a16="http://schemas.microsoft.com/office/drawing/2014/main" xmlns="" id="{579F44AB-9771-44DB-977D-3630A37B52BE}"/>
+                <a16:creationId xmlns="" xmlns:a16="http://schemas.microsoft.com/office/drawing/2014/main" id="{579F44AB-9771-44DB-977D-3630A37B52BE}"/>
               </a:ext>
             </a:extLst>
           </p:cNvPr>
@@ -1172,7 +1174,7 @@
           <p:cNvPr id="5" name="Footer Placeholder 4">
             <a:extLst>
               <a:ext uri="{FF2B5EF4-FFF2-40B4-BE49-F238E27FC236}">
-                <a16:creationId xmlns:a16="http://schemas.microsoft.com/office/drawing/2014/main" xmlns="" id="{2BEFB8AE-358A-4B9A-A107-BC4C750910F2}"/>
+                <a16:creationId xmlns="" xmlns:a16="http://schemas.microsoft.com/office/drawing/2014/main" id="{2BEFB8AE-358A-4B9A-A107-BC4C750910F2}"/>
               </a:ext>
             </a:extLst>
           </p:cNvPr>
@@ -1197,7 +1199,7 @@
           <p:cNvPr id="6" name="Slide Number Placeholder 5">
             <a:extLst>
               <a:ext uri="{FF2B5EF4-FFF2-40B4-BE49-F238E27FC236}">
-                <a16:creationId xmlns:a16="http://schemas.microsoft.com/office/drawing/2014/main" xmlns="" id="{1AB93194-1762-4B9A-8CF5-7871EE3EE54E}"/>
+                <a16:creationId xmlns="" xmlns:a16="http://schemas.microsoft.com/office/drawing/2014/main" id="{1AB93194-1762-4B9A-8CF5-7871EE3EE54E}"/>
               </a:ext>
             </a:extLst>
           </p:cNvPr>
@@ -1256,7 +1258,7 @@
           <p:cNvPr id="2" name="Title 1">
             <a:extLst>
               <a:ext uri="{FF2B5EF4-FFF2-40B4-BE49-F238E27FC236}">
-                <a16:creationId xmlns:a16="http://schemas.microsoft.com/office/drawing/2014/main" xmlns="" id="{133D6178-E071-4926-813A-C1CD12F6D9C6}"/>
+                <a16:creationId xmlns="" xmlns:a16="http://schemas.microsoft.com/office/drawing/2014/main" id="{133D6178-E071-4926-813A-C1CD12F6D9C6}"/>
               </a:ext>
             </a:extLst>
           </p:cNvPr>
@@ -1284,7 +1286,7 @@
           <p:cNvPr id="3" name="Content Placeholder 2">
             <a:extLst>
               <a:ext uri="{FF2B5EF4-FFF2-40B4-BE49-F238E27FC236}">
-                <a16:creationId xmlns:a16="http://schemas.microsoft.com/office/drawing/2014/main" xmlns="" id="{8EFB1A26-4968-4C49-A4C0-2B8404FBD04F}"/>
+                <a16:creationId xmlns="" xmlns:a16="http://schemas.microsoft.com/office/drawing/2014/main" id="{8EFB1A26-4968-4C49-A4C0-2B8404FBD04F}"/>
               </a:ext>
             </a:extLst>
           </p:cNvPr>
@@ -1346,7 +1348,7 @@
           <p:cNvPr id="4" name="Content Placeholder 3">
             <a:extLst>
               <a:ext uri="{FF2B5EF4-FFF2-40B4-BE49-F238E27FC236}">
-                <a16:creationId xmlns:a16="http://schemas.microsoft.com/office/drawing/2014/main" xmlns="" id="{AD64FDF0-017D-4135-BC52-E7473D7752A3}"/>
+                <a16:creationId xmlns="" xmlns:a16="http://schemas.microsoft.com/office/drawing/2014/main" id="{AD64FDF0-017D-4135-BC52-E7473D7752A3}"/>
               </a:ext>
             </a:extLst>
           </p:cNvPr>
@@ -1408,7 +1410,7 @@
           <p:cNvPr id="5" name="Date Placeholder 4">
             <a:extLst>
               <a:ext uri="{FF2B5EF4-FFF2-40B4-BE49-F238E27FC236}">
-                <a16:creationId xmlns:a16="http://schemas.microsoft.com/office/drawing/2014/main" xmlns="" id="{DDBC8DDC-7384-4599-B360-4AA7E2A72364}"/>
+                <a16:creationId xmlns="" xmlns:a16="http://schemas.microsoft.com/office/drawing/2014/main" id="{DDBC8DDC-7384-4599-B360-4AA7E2A72364}"/>
               </a:ext>
             </a:extLst>
           </p:cNvPr>
@@ -1437,7 +1439,7 @@
           <p:cNvPr id="6" name="Footer Placeholder 5">
             <a:extLst>
               <a:ext uri="{FF2B5EF4-FFF2-40B4-BE49-F238E27FC236}">
-                <a16:creationId xmlns:a16="http://schemas.microsoft.com/office/drawing/2014/main" xmlns="" id="{3A908CD8-717D-4049-9640-F25B46C1DF97}"/>
+                <a16:creationId xmlns="" xmlns:a16="http://schemas.microsoft.com/office/drawing/2014/main" id="{3A908CD8-717D-4049-9640-F25B46C1DF97}"/>
               </a:ext>
             </a:extLst>
           </p:cNvPr>
@@ -1462,7 +1464,7 @@
           <p:cNvPr id="7" name="Slide Number Placeholder 6">
             <a:extLst>
               <a:ext uri="{FF2B5EF4-FFF2-40B4-BE49-F238E27FC236}">
-                <a16:creationId xmlns:a16="http://schemas.microsoft.com/office/drawing/2014/main" xmlns="" id="{248B4174-2E11-496F-BD4B-33210E517872}"/>
+                <a16:creationId xmlns="" xmlns:a16="http://schemas.microsoft.com/office/drawing/2014/main" id="{248B4174-2E11-496F-BD4B-33210E517872}"/>
               </a:ext>
             </a:extLst>
           </p:cNvPr>
@@ -1521,7 +1523,7 @@
           <p:cNvPr id="2" name="Title 1">
             <a:extLst>
               <a:ext uri="{FF2B5EF4-FFF2-40B4-BE49-F238E27FC236}">
-                <a16:creationId xmlns:a16="http://schemas.microsoft.com/office/drawing/2014/main" xmlns="" id="{33F74B59-F71F-44BC-ADA6-88B38A8EDC42}"/>
+                <a16:creationId xmlns="" xmlns:a16="http://schemas.microsoft.com/office/drawing/2014/main" id="{33F74B59-F71F-44BC-ADA6-88B38A8EDC42}"/>
               </a:ext>
             </a:extLst>
           </p:cNvPr>
@@ -1554,7 +1556,7 @@
           <p:cNvPr id="3" name="Text Placeholder 2">
             <a:extLst>
               <a:ext uri="{FF2B5EF4-FFF2-40B4-BE49-F238E27FC236}">
-                <a16:creationId xmlns:a16="http://schemas.microsoft.com/office/drawing/2014/main" xmlns="" id="{B1A6F67D-970D-4DA6-BFE4-A049C0D2972F}"/>
+                <a16:creationId xmlns="" xmlns:a16="http://schemas.microsoft.com/office/drawing/2014/main" id="{B1A6F67D-970D-4DA6-BFE4-A049C0D2972F}"/>
               </a:ext>
             </a:extLst>
           </p:cNvPr>
@@ -1625,7 +1627,7 @@
           <p:cNvPr id="4" name="Content Placeholder 3">
             <a:extLst>
               <a:ext uri="{FF2B5EF4-FFF2-40B4-BE49-F238E27FC236}">
-                <a16:creationId xmlns:a16="http://schemas.microsoft.com/office/drawing/2014/main" xmlns="" id="{78209540-61E7-4894-BC4B-5FDA356086D1}"/>
+                <a16:creationId xmlns="" xmlns:a16="http://schemas.microsoft.com/office/drawing/2014/main" id="{78209540-61E7-4894-BC4B-5FDA356086D1}"/>
               </a:ext>
             </a:extLst>
           </p:cNvPr>
@@ -1687,7 +1689,7 @@
           <p:cNvPr id="5" name="Text Placeholder 4">
             <a:extLst>
               <a:ext uri="{FF2B5EF4-FFF2-40B4-BE49-F238E27FC236}">
-                <a16:creationId xmlns:a16="http://schemas.microsoft.com/office/drawing/2014/main" xmlns="" id="{76F44226-88D7-40B1-8617-5A362E65C639}"/>
+                <a16:creationId xmlns="" xmlns:a16="http://schemas.microsoft.com/office/drawing/2014/main" id="{76F44226-88D7-40B1-8617-5A362E65C639}"/>
               </a:ext>
             </a:extLst>
           </p:cNvPr>
@@ -1758,7 +1760,7 @@
           <p:cNvPr id="6" name="Content Placeholder 5">
             <a:extLst>
               <a:ext uri="{FF2B5EF4-FFF2-40B4-BE49-F238E27FC236}">
-                <a16:creationId xmlns:a16="http://schemas.microsoft.com/office/drawing/2014/main" xmlns="" id="{AE51099E-EAAD-4E07-B30B-B177C76DC026}"/>
+                <a16:creationId xmlns="" xmlns:a16="http://schemas.microsoft.com/office/drawing/2014/main" id="{AE51099E-EAAD-4E07-B30B-B177C76DC026}"/>
               </a:ext>
             </a:extLst>
           </p:cNvPr>
@@ -1820,7 +1822,7 @@
           <p:cNvPr id="7" name="Date Placeholder 6">
             <a:extLst>
               <a:ext uri="{FF2B5EF4-FFF2-40B4-BE49-F238E27FC236}">
-                <a16:creationId xmlns:a16="http://schemas.microsoft.com/office/drawing/2014/main" xmlns="" id="{826FF32E-817F-40C9-8A6F-1864948C13A8}"/>
+                <a16:creationId xmlns="" xmlns:a16="http://schemas.microsoft.com/office/drawing/2014/main" id="{826FF32E-817F-40C9-8A6F-1864948C13A8}"/>
               </a:ext>
             </a:extLst>
           </p:cNvPr>
@@ -1849,7 +1851,7 @@
           <p:cNvPr id="8" name="Footer Placeholder 7">
             <a:extLst>
               <a:ext uri="{FF2B5EF4-FFF2-40B4-BE49-F238E27FC236}">
-                <a16:creationId xmlns:a16="http://schemas.microsoft.com/office/drawing/2014/main" xmlns="" id="{ED8B2285-2CD5-4A4D-9AFC-13700975201A}"/>
+                <a16:creationId xmlns="" xmlns:a16="http://schemas.microsoft.com/office/drawing/2014/main" id="{ED8B2285-2CD5-4A4D-9AFC-13700975201A}"/>
               </a:ext>
             </a:extLst>
           </p:cNvPr>
@@ -1874,7 +1876,7 @@
           <p:cNvPr id="9" name="Slide Number Placeholder 8">
             <a:extLst>
               <a:ext uri="{FF2B5EF4-FFF2-40B4-BE49-F238E27FC236}">
-                <a16:creationId xmlns:a16="http://schemas.microsoft.com/office/drawing/2014/main" xmlns="" id="{06365F4E-7CC5-463B-9F0E-EF3729216E32}"/>
+                <a16:creationId xmlns="" xmlns:a16="http://schemas.microsoft.com/office/drawing/2014/main" id="{06365F4E-7CC5-463B-9F0E-EF3729216E32}"/>
               </a:ext>
             </a:extLst>
           </p:cNvPr>
@@ -1933,7 +1935,7 @@
           <p:cNvPr id="2" name="Title 1">
             <a:extLst>
               <a:ext uri="{FF2B5EF4-FFF2-40B4-BE49-F238E27FC236}">
-                <a16:creationId xmlns:a16="http://schemas.microsoft.com/office/drawing/2014/main" xmlns="" id="{615D0921-2B9B-4E88-9AB7-A85E0ABBB8EE}"/>
+                <a16:creationId xmlns="" xmlns:a16="http://schemas.microsoft.com/office/drawing/2014/main" id="{615D0921-2B9B-4E88-9AB7-A85E0ABBB8EE}"/>
               </a:ext>
             </a:extLst>
           </p:cNvPr>
@@ -1961,7 +1963,7 @@
           <p:cNvPr id="3" name="Date Placeholder 2">
             <a:extLst>
               <a:ext uri="{FF2B5EF4-FFF2-40B4-BE49-F238E27FC236}">
-                <a16:creationId xmlns:a16="http://schemas.microsoft.com/office/drawing/2014/main" xmlns="" id="{657161EA-F8FD-4480-BC47-0A4852A0CE57}"/>
+                <a16:creationId xmlns="" xmlns:a16="http://schemas.microsoft.com/office/drawing/2014/main" id="{657161EA-F8FD-4480-BC47-0A4852A0CE57}"/>
               </a:ext>
             </a:extLst>
           </p:cNvPr>
@@ -1990,7 +1992,7 @@
           <p:cNvPr id="4" name="Footer Placeholder 3">
             <a:extLst>
               <a:ext uri="{FF2B5EF4-FFF2-40B4-BE49-F238E27FC236}">
-                <a16:creationId xmlns:a16="http://schemas.microsoft.com/office/drawing/2014/main" xmlns="" id="{3D2ECA95-BB8C-492D-878A-C1800C2AF37B}"/>
+                <a16:creationId xmlns="" xmlns:a16="http://schemas.microsoft.com/office/drawing/2014/main" id="{3D2ECA95-BB8C-492D-878A-C1800C2AF37B}"/>
               </a:ext>
             </a:extLst>
           </p:cNvPr>
@@ -2015,7 +2017,7 @@
           <p:cNvPr id="5" name="Slide Number Placeholder 4">
             <a:extLst>
               <a:ext uri="{FF2B5EF4-FFF2-40B4-BE49-F238E27FC236}">
-                <a16:creationId xmlns:a16="http://schemas.microsoft.com/office/drawing/2014/main" xmlns="" id="{FE1E33F9-BE76-4C9E-BA89-46D8CE80FC0D}"/>
+                <a16:creationId xmlns="" xmlns:a16="http://schemas.microsoft.com/office/drawing/2014/main" id="{FE1E33F9-BE76-4C9E-BA89-46D8CE80FC0D}"/>
               </a:ext>
             </a:extLst>
           </p:cNvPr>
@@ -2074,7 +2076,7 @@
           <p:cNvPr id="2" name="Date Placeholder 1">
             <a:extLst>
               <a:ext uri="{FF2B5EF4-FFF2-40B4-BE49-F238E27FC236}">
-                <a16:creationId xmlns:a16="http://schemas.microsoft.com/office/drawing/2014/main" xmlns="" id="{88FE5350-59D6-4C4D-8B85-DA79FB7B3997}"/>
+                <a16:creationId xmlns="" xmlns:a16="http://schemas.microsoft.com/office/drawing/2014/main" id="{88FE5350-59D6-4C4D-8B85-DA79FB7B3997}"/>
               </a:ext>
             </a:extLst>
           </p:cNvPr>
@@ -2103,7 +2105,7 @@
           <p:cNvPr id="3" name="Footer Placeholder 2">
             <a:extLst>
               <a:ext uri="{FF2B5EF4-FFF2-40B4-BE49-F238E27FC236}">
-                <a16:creationId xmlns:a16="http://schemas.microsoft.com/office/drawing/2014/main" xmlns="" id="{B9FD89B4-5E0B-4DDD-AB84-362385787600}"/>
+                <a16:creationId xmlns="" xmlns:a16="http://schemas.microsoft.com/office/drawing/2014/main" id="{B9FD89B4-5E0B-4DDD-AB84-362385787600}"/>
               </a:ext>
             </a:extLst>
           </p:cNvPr>
@@ -2128,7 +2130,7 @@
           <p:cNvPr id="4" name="Slide Number Placeholder 3">
             <a:extLst>
               <a:ext uri="{FF2B5EF4-FFF2-40B4-BE49-F238E27FC236}">
-                <a16:creationId xmlns:a16="http://schemas.microsoft.com/office/drawing/2014/main" xmlns="" id="{0C7168BE-5949-49B1-8843-3497AA62610B}"/>
+                <a16:creationId xmlns="" xmlns:a16="http://schemas.microsoft.com/office/drawing/2014/main" id="{0C7168BE-5949-49B1-8843-3497AA62610B}"/>
               </a:ext>
             </a:extLst>
           </p:cNvPr>
@@ -2187,7 +2189,7 @@
           <p:cNvPr id="2" name="Title 1">
             <a:extLst>
               <a:ext uri="{FF2B5EF4-FFF2-40B4-BE49-F238E27FC236}">
-                <a16:creationId xmlns:a16="http://schemas.microsoft.com/office/drawing/2014/main" xmlns="" id="{D46E6902-C52C-4A42-B8DC-ABDF545EB747}"/>
+                <a16:creationId xmlns="" xmlns:a16="http://schemas.microsoft.com/office/drawing/2014/main" id="{D46E6902-C52C-4A42-B8DC-ABDF545EB747}"/>
               </a:ext>
             </a:extLst>
           </p:cNvPr>
@@ -2224,7 +2226,7 @@
           <p:cNvPr id="3" name="Content Placeholder 2">
             <a:extLst>
               <a:ext uri="{FF2B5EF4-FFF2-40B4-BE49-F238E27FC236}">
-                <a16:creationId xmlns:a16="http://schemas.microsoft.com/office/drawing/2014/main" xmlns="" id="{F4305018-3D3C-44D8-8348-BC38DF0ED52D}"/>
+                <a16:creationId xmlns="" xmlns:a16="http://schemas.microsoft.com/office/drawing/2014/main" id="{F4305018-3D3C-44D8-8348-BC38DF0ED52D}"/>
               </a:ext>
             </a:extLst>
           </p:cNvPr>
@@ -2314,7 +2316,7 @@
           <p:cNvPr id="4" name="Text Placeholder 3">
             <a:extLst>
               <a:ext uri="{FF2B5EF4-FFF2-40B4-BE49-F238E27FC236}">
-                <a16:creationId xmlns:a16="http://schemas.microsoft.com/office/drawing/2014/main" xmlns="" id="{6F8DAD25-444E-4933-B8C6-AA3C56ED7015}"/>
+                <a16:creationId xmlns="" xmlns:a16="http://schemas.microsoft.com/office/drawing/2014/main" id="{6F8DAD25-444E-4933-B8C6-AA3C56ED7015}"/>
               </a:ext>
             </a:extLst>
           </p:cNvPr>
@@ -2385,7 +2387,7 @@
           <p:cNvPr id="5" name="Date Placeholder 4">
             <a:extLst>
               <a:ext uri="{FF2B5EF4-FFF2-40B4-BE49-F238E27FC236}">
-                <a16:creationId xmlns:a16="http://schemas.microsoft.com/office/drawing/2014/main" xmlns="" id="{BC131D77-66FE-4F13-B32D-6CFD798D4D7E}"/>
+                <a16:creationId xmlns="" xmlns:a16="http://schemas.microsoft.com/office/drawing/2014/main" id="{BC131D77-66FE-4F13-B32D-6CFD798D4D7E}"/>
               </a:ext>
             </a:extLst>
           </p:cNvPr>
@@ -2414,7 +2416,7 @@
           <p:cNvPr id="6" name="Footer Placeholder 5">
             <a:extLst>
               <a:ext uri="{FF2B5EF4-FFF2-40B4-BE49-F238E27FC236}">
-                <a16:creationId xmlns:a16="http://schemas.microsoft.com/office/drawing/2014/main" xmlns="" id="{EC06D9AA-4C6E-4493-88E2-7ADAB3250137}"/>
+                <a16:creationId xmlns="" xmlns:a16="http://schemas.microsoft.com/office/drawing/2014/main" id="{EC06D9AA-4C6E-4493-88E2-7ADAB3250137}"/>
               </a:ext>
             </a:extLst>
           </p:cNvPr>
@@ -2439,7 +2441,7 @@
           <p:cNvPr id="7" name="Slide Number Placeholder 6">
             <a:extLst>
               <a:ext uri="{FF2B5EF4-FFF2-40B4-BE49-F238E27FC236}">
-                <a16:creationId xmlns:a16="http://schemas.microsoft.com/office/drawing/2014/main" xmlns="" id="{30697537-DC04-4174-BD00-392C74ACD7A1}"/>
+                <a16:creationId xmlns="" xmlns:a16="http://schemas.microsoft.com/office/drawing/2014/main" id="{30697537-DC04-4174-BD00-392C74ACD7A1}"/>
               </a:ext>
             </a:extLst>
           </p:cNvPr>
@@ -2498,7 +2500,7 @@
           <p:cNvPr id="2" name="Title 1">
             <a:extLst>
               <a:ext uri="{FF2B5EF4-FFF2-40B4-BE49-F238E27FC236}">
-                <a16:creationId xmlns:a16="http://schemas.microsoft.com/office/drawing/2014/main" xmlns="" id="{992529AD-0189-4801-94AF-9BB0F46604AE}"/>
+                <a16:creationId xmlns="" xmlns:a16="http://schemas.microsoft.com/office/drawing/2014/main" id="{992529AD-0189-4801-94AF-9BB0F46604AE}"/>
               </a:ext>
             </a:extLst>
           </p:cNvPr>
@@ -2535,7 +2537,7 @@
           <p:cNvPr id="3" name="Picture Placeholder 2">
             <a:extLst>
               <a:ext uri="{FF2B5EF4-FFF2-40B4-BE49-F238E27FC236}">
-                <a16:creationId xmlns:a16="http://schemas.microsoft.com/office/drawing/2014/main" xmlns="" id="{D96054B8-915E-4CE5-8CE0-0FD6C0AD2F44}"/>
+                <a16:creationId xmlns="" xmlns:a16="http://schemas.microsoft.com/office/drawing/2014/main" id="{D96054B8-915E-4CE5-8CE0-0FD6C0AD2F44}"/>
               </a:ext>
             </a:extLst>
           </p:cNvPr>
@@ -2602,7 +2604,7 @@
           <p:cNvPr id="4" name="Text Placeholder 3">
             <a:extLst>
               <a:ext uri="{FF2B5EF4-FFF2-40B4-BE49-F238E27FC236}">
-                <a16:creationId xmlns:a16="http://schemas.microsoft.com/office/drawing/2014/main" xmlns="" id="{6DB2F7C0-45E3-4063-AF00-EDB124FEFFFE}"/>
+                <a16:creationId xmlns="" xmlns:a16="http://schemas.microsoft.com/office/drawing/2014/main" id="{6DB2F7C0-45E3-4063-AF00-EDB124FEFFFE}"/>
               </a:ext>
             </a:extLst>
           </p:cNvPr>
@@ -2673,7 +2675,7 @@
           <p:cNvPr id="5" name="Date Placeholder 4">
             <a:extLst>
               <a:ext uri="{FF2B5EF4-FFF2-40B4-BE49-F238E27FC236}">
-                <a16:creationId xmlns:a16="http://schemas.microsoft.com/office/drawing/2014/main" xmlns="" id="{A777DC09-74A4-4E17-9BB4-9DAD076E2EBC}"/>
+                <a16:creationId xmlns="" xmlns:a16="http://schemas.microsoft.com/office/drawing/2014/main" id="{A777DC09-74A4-4E17-9BB4-9DAD076E2EBC}"/>
               </a:ext>
             </a:extLst>
           </p:cNvPr>
@@ -2702,7 +2704,7 @@
           <p:cNvPr id="6" name="Footer Placeholder 5">
             <a:extLst>
               <a:ext uri="{FF2B5EF4-FFF2-40B4-BE49-F238E27FC236}">
-                <a16:creationId xmlns:a16="http://schemas.microsoft.com/office/drawing/2014/main" xmlns="" id="{4D4975AA-9348-42C2-B09D-BF233163A355}"/>
+                <a16:creationId xmlns="" xmlns:a16="http://schemas.microsoft.com/office/drawing/2014/main" id="{4D4975AA-9348-42C2-B09D-BF233163A355}"/>
               </a:ext>
             </a:extLst>
           </p:cNvPr>
@@ -2727,7 +2729,7 @@
           <p:cNvPr id="7" name="Slide Number Placeholder 6">
             <a:extLst>
               <a:ext uri="{FF2B5EF4-FFF2-40B4-BE49-F238E27FC236}">
-                <a16:creationId xmlns:a16="http://schemas.microsoft.com/office/drawing/2014/main" xmlns="" id="{0B8B7657-856A-46B5-B638-0DA3F8C1EC90}"/>
+                <a16:creationId xmlns="" xmlns:a16="http://schemas.microsoft.com/office/drawing/2014/main" id="{0B8B7657-856A-46B5-B638-0DA3F8C1EC90}"/>
               </a:ext>
             </a:extLst>
           </p:cNvPr>
@@ -2791,7 +2793,7 @@
           <p:cNvPr id="2" name="Title Placeholder 1">
             <a:extLst>
               <a:ext uri="{FF2B5EF4-FFF2-40B4-BE49-F238E27FC236}">
-                <a16:creationId xmlns:a16="http://schemas.microsoft.com/office/drawing/2014/main" xmlns="" id="{272725EB-D1DD-4241-825B-2562F14B85DA}"/>
+                <a16:creationId xmlns="" xmlns:a16="http://schemas.microsoft.com/office/drawing/2014/main" id="{272725EB-D1DD-4241-825B-2562F14B85DA}"/>
               </a:ext>
             </a:extLst>
           </p:cNvPr>
@@ -2829,7 +2831,7 @@
           <p:cNvPr id="3" name="Text Placeholder 2">
             <a:extLst>
               <a:ext uri="{FF2B5EF4-FFF2-40B4-BE49-F238E27FC236}">
-                <a16:creationId xmlns:a16="http://schemas.microsoft.com/office/drawing/2014/main" xmlns="" id="{B248AB85-5BC8-4828-B118-7E948E08AC5F}"/>
+                <a16:creationId xmlns="" xmlns:a16="http://schemas.microsoft.com/office/drawing/2014/main" id="{B248AB85-5BC8-4828-B118-7E948E08AC5F}"/>
               </a:ext>
             </a:extLst>
           </p:cNvPr>
@@ -2896,7 +2898,7 @@
           <p:cNvPr id="4" name="Date Placeholder 3">
             <a:extLst>
               <a:ext uri="{FF2B5EF4-FFF2-40B4-BE49-F238E27FC236}">
-                <a16:creationId xmlns:a16="http://schemas.microsoft.com/office/drawing/2014/main" xmlns="" id="{A37826FD-E24E-4DB1-B788-6CE65AEFABB8}"/>
+                <a16:creationId xmlns="" xmlns:a16="http://schemas.microsoft.com/office/drawing/2014/main" id="{A37826FD-E24E-4DB1-B788-6CE65AEFABB8}"/>
               </a:ext>
             </a:extLst>
           </p:cNvPr>
@@ -2943,7 +2945,7 @@
           <p:cNvPr id="5" name="Footer Placeholder 4">
             <a:extLst>
               <a:ext uri="{FF2B5EF4-FFF2-40B4-BE49-F238E27FC236}">
-                <a16:creationId xmlns:a16="http://schemas.microsoft.com/office/drawing/2014/main" xmlns="" id="{3DCECDAB-8BD2-42B2-8729-8C508644FC6C}"/>
+                <a16:creationId xmlns="" xmlns:a16="http://schemas.microsoft.com/office/drawing/2014/main" id="{3DCECDAB-8BD2-42B2-8729-8C508644FC6C}"/>
               </a:ext>
             </a:extLst>
           </p:cNvPr>
@@ -2986,7 +2988,7 @@
           <p:cNvPr id="6" name="Slide Number Placeholder 5">
             <a:extLst>
               <a:ext uri="{FF2B5EF4-FFF2-40B4-BE49-F238E27FC236}">
-                <a16:creationId xmlns:a16="http://schemas.microsoft.com/office/drawing/2014/main" xmlns="" id="{A0D6254A-6B65-42EE-ADA8-ECB6B288E8B5}"/>
+                <a16:creationId xmlns="" xmlns:a16="http://schemas.microsoft.com/office/drawing/2014/main" id="{A0D6254A-6B65-42EE-ADA8-ECB6B288E8B5}"/>
               </a:ext>
             </a:extLst>
           </p:cNvPr>
@@ -3354,7 +3356,7 @@
           <p:cNvPr id="2" name="Title 1">
             <a:extLst>
               <a:ext uri="{FF2B5EF4-FFF2-40B4-BE49-F238E27FC236}">
-                <a16:creationId xmlns:a16="http://schemas.microsoft.com/office/drawing/2014/main" xmlns="" id="{EB17C270-45DA-420A-A5CC-3782A3552124}"/>
+                <a16:creationId xmlns="" xmlns:a16="http://schemas.microsoft.com/office/drawing/2014/main" id="{EB17C270-45DA-420A-A5CC-3782A3552124}"/>
               </a:ext>
             </a:extLst>
           </p:cNvPr>
@@ -3382,7 +3384,7 @@
           <p:cNvPr id="3" name="Subtitle 2">
             <a:extLst>
               <a:ext uri="{FF2B5EF4-FFF2-40B4-BE49-F238E27FC236}">
-                <a16:creationId xmlns:a16="http://schemas.microsoft.com/office/drawing/2014/main" xmlns="" id="{CD7E43DF-EBED-41CA-9F3C-BB6878D5AEF4}"/>
+                <a16:creationId xmlns="" xmlns:a16="http://schemas.microsoft.com/office/drawing/2014/main" id="{CD7E43DF-EBED-41CA-9F3C-BB6878D5AEF4}"/>
               </a:ext>
             </a:extLst>
           </p:cNvPr>
@@ -3441,7 +3443,7 @@
           <p:cNvPr id="2" name="Title 1">
             <a:extLst>
               <a:ext uri="{FF2B5EF4-FFF2-40B4-BE49-F238E27FC236}">
-                <a16:creationId xmlns:a16="http://schemas.microsoft.com/office/drawing/2014/main" xmlns="" id="{84EEC1A3-E984-4881-B54A-F1C5E73F7696}"/>
+                <a16:creationId xmlns="" xmlns:a16="http://schemas.microsoft.com/office/drawing/2014/main" id="{84EEC1A3-E984-4881-B54A-F1C5E73F7696}"/>
               </a:ext>
             </a:extLst>
           </p:cNvPr>
@@ -3459,7 +3461,7 @@
           <a:p>
             <a:r>
               <a:rPr lang="en-US" dirty="0"/>
-              <a:t>Business problem dan goals</a:t>
+              <a:t>Dataset &amp; Case</a:t>
             </a:r>
           </a:p>
         </p:txBody>
@@ -3469,7 +3471,7 @@
           <p:cNvPr id="3" name="Content Placeholder 2">
             <a:extLst>
               <a:ext uri="{FF2B5EF4-FFF2-40B4-BE49-F238E27FC236}">
-                <a16:creationId xmlns:a16="http://schemas.microsoft.com/office/drawing/2014/main" xmlns="" id="{6454B748-3B9E-49AD-A4D5-FC6C95CAE875}"/>
+                <a16:creationId xmlns="" xmlns:a16="http://schemas.microsoft.com/office/drawing/2014/main" id="{6454B748-3B9E-49AD-A4D5-FC6C95CAE875}"/>
               </a:ext>
             </a:extLst>
           </p:cNvPr>
@@ -3480,355 +3482,179 @@
             <p:ph idx="1"/>
           </p:nvPr>
         </p:nvSpPr>
-        <p:spPr>
-          <a:xfrm>
-            <a:off x="838200" y="1435510"/>
-            <a:ext cx="10515600" cy="4741453"/>
-          </a:xfrm>
-        </p:spPr>
+        <p:spPr/>
         <p:txBody>
           <a:bodyPr>
-            <a:normAutofit lnSpcReduction="10000"/>
+            <a:normAutofit fontScale="92500" lnSpcReduction="10000"/>
           </a:bodyPr>
           <a:lstStyle/>
           <a:p>
-            <a:r>
-              <a:rPr lang="en-US" dirty="0" err="1"/>
-              <a:t>rendahnya</a:t>
-            </a:r>
-            <a:r>
-              <a:rPr lang="en-US" dirty="0"/>
-              <a:t> </a:t>
-            </a:r>
-            <a:r>
-              <a:rPr lang="en-US" dirty="0" err="1"/>
-              <a:t>tingkat</a:t>
-            </a:r>
-            <a:r>
-              <a:rPr lang="en-US" dirty="0"/>
-              <a:t> </a:t>
-            </a:r>
-            <a:r>
-              <a:rPr lang="en-US" dirty="0" err="1"/>
-              <a:t>keberhasilan</a:t>
-            </a:r>
-            <a:r>
-              <a:rPr lang="en-US" dirty="0"/>
-              <a:t> marketing campaign bank XYZ </a:t>
-            </a:r>
-            <a:r>
-              <a:rPr lang="en-US" dirty="0" err="1"/>
-              <a:t>saat</a:t>
-            </a:r>
-            <a:r>
-              <a:rPr lang="en-US" dirty="0"/>
-              <a:t> </a:t>
-            </a:r>
-            <a:r>
-              <a:rPr lang="en-US" dirty="0" err="1"/>
-              <a:t>ini</a:t>
-            </a:r>
+            <a:pPr lvl="1"/>
+            <a:r>
+              <a:rPr lang="en-US" dirty="0" smtClean="0"/>
+              <a:t>Social and </a:t>
+            </a:r>
+            <a:r>
+              <a:rPr lang="en-US" dirty="0"/>
+              <a:t>economic context attributes</a:t>
+            </a:r>
+          </a:p>
+          <a:p>
+            <a:pPr lvl="2"/>
+            <a:r>
+              <a:rPr lang="en-US" dirty="0"/>
+              <a:t>- </a:t>
+            </a:r>
+            <a:r>
+              <a:rPr lang="en-US" dirty="0" err="1" smtClean="0"/>
+              <a:t>Emp.var.rate</a:t>
+            </a:r>
+            <a:r>
+              <a:rPr lang="en-US" dirty="0" smtClean="0"/>
+              <a:t>: </a:t>
+            </a:r>
+            <a:r>
+              <a:rPr lang="en-US" dirty="0"/>
+              <a:t>employment variation rate - quarterly indicator (numeric)</a:t>
+            </a:r>
+          </a:p>
+          <a:p>
+            <a:pPr lvl="2"/>
+            <a:r>
+              <a:rPr lang="en-US" dirty="0"/>
+              <a:t>- </a:t>
+            </a:r>
+            <a:r>
+              <a:rPr lang="en-US" dirty="0" err="1" smtClean="0"/>
+              <a:t>Cons.price.idx</a:t>
+            </a:r>
+            <a:r>
+              <a:rPr lang="en-US" dirty="0" smtClean="0"/>
+              <a:t>: </a:t>
+            </a:r>
+            <a:r>
+              <a:rPr lang="en-US" dirty="0"/>
+              <a:t>consumer price index - monthly indicator (changes in the price level of a weighted average </a:t>
+            </a:r>
+            <a:r>
+              <a:rPr lang="en-US" dirty="0" smtClean="0"/>
+              <a:t>market basket </a:t>
+            </a:r>
+            <a:r>
+              <a:rPr lang="en-US" dirty="0"/>
+              <a:t>of consumer goods and services purchased by households, affect inflation (numeric))</a:t>
+            </a:r>
+          </a:p>
+          <a:p>
+            <a:pPr lvl="2"/>
+            <a:r>
+              <a:rPr lang="en-US" dirty="0"/>
+              <a:t>- </a:t>
+            </a:r>
+            <a:r>
+              <a:rPr lang="en-US" dirty="0" err="1" smtClean="0"/>
+              <a:t>Cons.conf.idx</a:t>
+            </a:r>
+            <a:r>
+              <a:rPr lang="en-US" dirty="0" smtClean="0"/>
+              <a:t>: </a:t>
+            </a:r>
+            <a:r>
+              <a:rPr lang="en-US" dirty="0"/>
+              <a:t>consumer confidence index - monthly indicator (degree of </a:t>
+            </a:r>
+            <a:r>
+              <a:rPr lang="en-US" dirty="0" smtClean="0"/>
+              <a:t>consumers optimism </a:t>
+            </a:r>
+            <a:r>
+              <a:rPr lang="en-US" dirty="0"/>
+              <a:t>are expressing through their activities of savings and spending. affect consumer behavior (numeric))</a:t>
+            </a:r>
+          </a:p>
+          <a:p>
+            <a:pPr lvl="2"/>
+            <a:r>
+              <a:rPr lang="en-US" dirty="0"/>
+              <a:t>- </a:t>
+            </a:r>
+            <a:r>
+              <a:rPr lang="en-US" dirty="0" smtClean="0"/>
+              <a:t>Euribor3m: </a:t>
+            </a:r>
+            <a:r>
+              <a:rPr lang="en-US" dirty="0" err="1"/>
+              <a:t>euribor</a:t>
+            </a:r>
+            <a:r>
+              <a:rPr lang="en-US" dirty="0"/>
+              <a:t> 3 month rate - daily indicator (</a:t>
+            </a:r>
+            <a:r>
+              <a:rPr lang="en-US" dirty="0" err="1"/>
+              <a:t>Euribor</a:t>
+            </a:r>
+            <a:r>
+              <a:rPr lang="en-US" dirty="0"/>
+              <a:t> (euro interbank offered rate) (numeric))</a:t>
+            </a:r>
+          </a:p>
+          <a:p>
+            <a:pPr lvl="2"/>
+            <a:r>
+              <a:rPr lang="en-US" dirty="0"/>
+              <a:t>- </a:t>
+            </a:r>
+            <a:r>
+              <a:rPr lang="en-US" dirty="0" err="1" smtClean="0"/>
+              <a:t>Nr.employed</a:t>
+            </a:r>
+            <a:r>
+              <a:rPr lang="en-US" dirty="0" smtClean="0"/>
+              <a:t>: </a:t>
+            </a:r>
+            <a:r>
+              <a:rPr lang="en-US" dirty="0"/>
+              <a:t>number of employees - quarterly indicator (Number of employed persons for a quarter (numeric))</a:t>
+            </a:r>
+          </a:p>
+          <a:p>
+            <a:pPr lvl="1"/>
             <a:endParaRPr lang="en-US" dirty="0"/>
           </a:p>
           <a:p>
-            <a:r>
-              <a:rPr lang="en-US" dirty="0" err="1"/>
-              <a:t>Biaya</a:t>
-            </a:r>
-            <a:r>
-              <a:rPr lang="en-US" dirty="0"/>
-              <a:t> yang </a:t>
-            </a:r>
-            <a:r>
-              <a:rPr lang="en-US" dirty="0" err="1"/>
-              <a:t>dikeluarkan</a:t>
-            </a:r>
-            <a:r>
-              <a:rPr lang="en-US" dirty="0"/>
-              <a:t> </a:t>
-            </a:r>
-            <a:r>
-              <a:rPr lang="en-US" dirty="0" err="1"/>
-              <a:t>untuk</a:t>
-            </a:r>
-            <a:r>
-              <a:rPr lang="en-US" dirty="0"/>
-              <a:t> marketing campaign juga </a:t>
-            </a:r>
-            <a:r>
-              <a:rPr lang="en-US" dirty="0" err="1"/>
-              <a:t>cukup</a:t>
-            </a:r>
-            <a:r>
-              <a:rPr lang="en-US" dirty="0"/>
-              <a:t> </a:t>
-            </a:r>
-            <a:r>
-              <a:rPr lang="en-US" dirty="0" err="1"/>
-              <a:t>besarrrr</a:t>
-            </a:r>
-            <a:endParaRPr lang="en-US" dirty="0"/>
-          </a:p>
-          <a:p>
-            <a:r>
-              <a:rPr lang="en-US" dirty="0" err="1"/>
-              <a:t>Dibutuhkan</a:t>
-            </a:r>
-            <a:r>
-              <a:rPr lang="en-US" dirty="0"/>
-              <a:t> </a:t>
-            </a:r>
-            <a:r>
-              <a:rPr lang="en-US" dirty="0" err="1"/>
-              <a:t>cara</a:t>
-            </a:r>
-            <a:r>
-              <a:rPr lang="en-US" dirty="0"/>
-              <a:t> agar </a:t>
-            </a:r>
-            <a:r>
-              <a:rPr lang="en-US" dirty="0" err="1"/>
-              <a:t>supaya</a:t>
-            </a:r>
-            <a:r>
-              <a:rPr lang="en-US" dirty="0"/>
-              <a:t> </a:t>
-            </a:r>
-            <a:r>
-              <a:rPr lang="en-US" dirty="0" err="1"/>
-              <a:t>bisa</a:t>
-            </a:r>
-            <a:r>
-              <a:rPr lang="en-US" dirty="0"/>
-              <a:t> </a:t>
-            </a:r>
-            <a:r>
-              <a:rPr lang="en-US" dirty="0" err="1"/>
-              <a:t>memfilter</a:t>
-            </a:r>
-            <a:r>
-              <a:rPr lang="en-US" dirty="0"/>
-              <a:t> </a:t>
-            </a:r>
-            <a:r>
-              <a:rPr lang="en-US" dirty="0" err="1"/>
-              <a:t>nasabah</a:t>
-            </a:r>
-            <a:r>
-              <a:rPr lang="en-US" dirty="0"/>
-              <a:t> yang </a:t>
-            </a:r>
-            <a:r>
-              <a:rPr lang="en-US" dirty="0" err="1"/>
-              <a:t>berpotensi</a:t>
-            </a:r>
-            <a:r>
-              <a:rPr lang="en-US" dirty="0"/>
-              <a:t> dan yang </a:t>
-            </a:r>
-            <a:r>
-              <a:rPr lang="en-US" dirty="0" err="1"/>
-              <a:t>tidak</a:t>
-            </a:r>
-            <a:endParaRPr lang="en-US" dirty="0"/>
-          </a:p>
-          <a:p>
-            <a:pPr marL="0" indent="0">
-              <a:buNone/>
-            </a:pPr>
-            <a:endParaRPr lang="en-US" dirty="0"/>
-          </a:p>
-          <a:p>
-            <a:pPr marL="0" indent="0">
-              <a:buNone/>
-            </a:pPr>
-            <a:r>
-              <a:rPr lang="en-US" dirty="0"/>
-              <a:t>GOALS</a:t>
-            </a:r>
-          </a:p>
-          <a:p>
-            <a:r>
-              <a:rPr lang="en-US" dirty="0" err="1"/>
-              <a:t>Memprediksi</a:t>
-            </a:r>
-            <a:r>
-              <a:rPr lang="en-US" dirty="0"/>
-              <a:t> </a:t>
-            </a:r>
-            <a:r>
-              <a:rPr lang="en-US" dirty="0" err="1"/>
-              <a:t>nasabah</a:t>
-            </a:r>
-            <a:r>
-              <a:rPr lang="en-US" dirty="0"/>
-              <a:t> bank yang </a:t>
-            </a:r>
-            <a:r>
-              <a:rPr lang="en-US" dirty="0" err="1"/>
-              <a:t>mungkin</a:t>
-            </a:r>
-            <a:r>
-              <a:rPr lang="en-US" dirty="0"/>
-              <a:t> </a:t>
-            </a:r>
-            <a:r>
-              <a:rPr lang="en-US" dirty="0" err="1"/>
-              <a:t>akan</a:t>
-            </a:r>
-            <a:r>
-              <a:rPr lang="en-US" dirty="0"/>
-              <a:t> </a:t>
-            </a:r>
-            <a:r>
-              <a:rPr lang="en-US" dirty="0" err="1"/>
-              <a:t>mengambil</a:t>
-            </a:r>
-            <a:r>
-              <a:rPr lang="en-US" dirty="0"/>
-              <a:t> </a:t>
-            </a:r>
-            <a:r>
-              <a:rPr lang="en-US" dirty="0" err="1"/>
-              <a:t>dposit</a:t>
-            </a:r>
-            <a:r>
-              <a:rPr lang="en-US" dirty="0"/>
-              <a:t> </a:t>
-            </a:r>
-            <a:r>
-              <a:rPr lang="en-US" dirty="0" err="1"/>
-              <a:t>atau</a:t>
-            </a:r>
-            <a:r>
-              <a:rPr lang="en-US" dirty="0"/>
-              <a:t> </a:t>
-            </a:r>
-            <a:r>
-              <a:rPr lang="en-US" dirty="0" err="1"/>
-              <a:t>tidak</a:t>
-            </a:r>
-            <a:r>
-              <a:rPr lang="en-US" dirty="0"/>
-              <a:t> </a:t>
-            </a:r>
-            <a:r>
-              <a:rPr lang="en-US" dirty="0" err="1"/>
-              <a:t>untk</a:t>
-            </a:r>
-            <a:r>
-              <a:rPr lang="en-US" dirty="0"/>
-              <a:t> campaign </a:t>
-            </a:r>
-            <a:r>
-              <a:rPr lang="en-US" dirty="0" err="1"/>
-              <a:t>berikutnya</a:t>
-            </a:r>
-            <a:r>
-              <a:rPr lang="en-US" dirty="0"/>
-              <a:t> </a:t>
-            </a:r>
-            <a:r>
-              <a:rPr lang="en-US" dirty="0" err="1"/>
-              <a:t>berdasrkan</a:t>
-            </a:r>
-            <a:r>
-              <a:rPr lang="en-US" dirty="0"/>
-              <a:t> model </a:t>
-            </a:r>
-            <a:r>
-              <a:rPr lang="en-US" dirty="0" err="1"/>
-              <a:t>dari</a:t>
-            </a:r>
-            <a:r>
-              <a:rPr lang="en-US" dirty="0"/>
-              <a:t> yang </a:t>
-            </a:r>
-            <a:r>
-              <a:rPr lang="en-US" dirty="0" err="1"/>
-              <a:t>sudah</a:t>
-            </a:r>
-            <a:r>
-              <a:rPr lang="en-US" dirty="0"/>
-              <a:t> </a:t>
-            </a:r>
-            <a:r>
-              <a:rPr lang="en-US" dirty="0" err="1"/>
-              <a:t>terjadi</a:t>
-            </a:r>
-            <a:r>
-              <a:rPr lang="en-US" dirty="0"/>
-              <a:t> </a:t>
-            </a:r>
-            <a:r>
-              <a:rPr lang="en-US" dirty="0" err="1"/>
-              <a:t>dengan</a:t>
-            </a:r>
-            <a:r>
-              <a:rPr lang="en-US" dirty="0"/>
-              <a:t> </a:t>
-            </a:r>
-            <a:r>
-              <a:rPr lang="en-US" dirty="0" err="1"/>
-              <a:t>menggunakan</a:t>
-            </a:r>
-            <a:r>
-              <a:rPr lang="en-US" dirty="0"/>
-              <a:t> Machine Learning</a:t>
-            </a:r>
-          </a:p>
-          <a:p>
-            <a:r>
-              <a:rPr lang="en-US" dirty="0" err="1"/>
-              <a:t>Memberikan</a:t>
-            </a:r>
-            <a:r>
-              <a:rPr lang="en-US" dirty="0"/>
-              <a:t> </a:t>
-            </a:r>
-            <a:r>
-              <a:rPr lang="en-US" dirty="0" err="1"/>
-              <a:t>simulasi</a:t>
-            </a:r>
-            <a:r>
-              <a:rPr lang="en-US" dirty="0"/>
-              <a:t> </a:t>
-            </a:r>
-            <a:r>
-              <a:rPr lang="en-US" dirty="0" err="1"/>
-              <a:t>penurunan</a:t>
-            </a:r>
-            <a:r>
-              <a:rPr lang="en-US" dirty="0"/>
-              <a:t> cost </a:t>
-            </a:r>
-            <a:r>
-              <a:rPr lang="en-US" dirty="0" err="1"/>
-              <a:t>jika</a:t>
-            </a:r>
-            <a:r>
-              <a:rPr lang="en-US" dirty="0"/>
-              <a:t> </a:t>
-            </a:r>
-            <a:r>
-              <a:rPr lang="en-US" dirty="0" err="1"/>
-              <a:t>menggunakan</a:t>
-            </a:r>
-            <a:r>
-              <a:rPr lang="en-US" dirty="0"/>
-              <a:t> Machine </a:t>
-            </a:r>
-            <a:r>
-              <a:rPr lang="en-US" dirty="0" err="1"/>
-              <a:t>learningggggg</a:t>
-            </a:r>
-            <a:endParaRPr lang="en-US" dirty="0"/>
-          </a:p>
-          <a:p>
-            <a:pPr>
-              <a:buFontTx/>
-              <a:buChar char="-"/>
-            </a:pPr>
+            <a:pPr lvl="1"/>
+            <a:r>
+              <a:rPr lang="en-US" dirty="0" smtClean="0"/>
+              <a:t>Output </a:t>
+            </a:r>
+            <a:r>
+              <a:rPr lang="en-US" dirty="0"/>
+              <a:t>variable (desired target):</a:t>
+            </a:r>
+          </a:p>
+          <a:p>
+            <a:pPr lvl="2"/>
+            <a:r>
+              <a:rPr lang="en-US" dirty="0"/>
+              <a:t>- </a:t>
+            </a:r>
+            <a:r>
+              <a:rPr lang="en-US" dirty="0" smtClean="0"/>
+              <a:t>y </a:t>
+            </a:r>
+            <a:r>
+              <a:rPr lang="en-US" dirty="0"/>
+              <a:t>- has the client subscribed a term deposit? (binary: "</a:t>
+            </a:r>
+            <a:r>
+              <a:rPr lang="en-US" dirty="0" err="1"/>
+              <a:t>yes","no</a:t>
+            </a:r>
+            <a:r>
+              <a:rPr lang="en-US" dirty="0"/>
+              <a:t>")</a:t>
+            </a:r>
             <a:endParaRPr lang="en-US" dirty="0"/>
           </a:p>
         </p:txBody>
@@ -3836,7 +3662,7 @@
     </p:spTree>
     <p:extLst>
       <p:ext uri="{BB962C8B-B14F-4D97-AF65-F5344CB8AC3E}">
-        <p14:creationId xmlns:p14="http://schemas.microsoft.com/office/powerpoint/2010/main" val="1070757922"/>
+        <p14:creationId xmlns:p14="http://schemas.microsoft.com/office/powerpoint/2010/main" val="3303592919"/>
       </p:ext>
     </p:extLst>
   </p:cSld>
@@ -3868,7 +3694,7 @@
           <p:cNvPr id="2" name="Title 1">
             <a:extLst>
               <a:ext uri="{FF2B5EF4-FFF2-40B4-BE49-F238E27FC236}">
-                <a16:creationId xmlns:a16="http://schemas.microsoft.com/office/drawing/2014/main" xmlns="" id="{84EEC1A3-E984-4881-B54A-F1C5E73F7696}"/>
+                <a16:creationId xmlns="" xmlns:a16="http://schemas.microsoft.com/office/drawing/2014/main" id="{84EEC1A3-E984-4881-B54A-F1C5E73F7696}"/>
               </a:ext>
             </a:extLst>
           </p:cNvPr>
@@ -3884,6 +3710,500 @@
           <a:bodyPr/>
           <a:lstStyle/>
           <a:p>
+            <a:r>
+              <a:rPr lang="en-US" dirty="0" smtClean="0"/>
+              <a:t>Scenario</a:t>
+            </a:r>
+            <a:endParaRPr lang="en-US" dirty="0"/>
+          </a:p>
+        </p:txBody>
+      </p:sp>
+      <p:sp>
+        <p:nvSpPr>
+          <p:cNvPr id="3" name="Content Placeholder 2">
+            <a:extLst>
+              <a:ext uri="{FF2B5EF4-FFF2-40B4-BE49-F238E27FC236}">
+                <a16:creationId xmlns="" xmlns:a16="http://schemas.microsoft.com/office/drawing/2014/main" id="{6454B748-3B9E-49AD-A4D5-FC6C95CAE875}"/>
+              </a:ext>
+            </a:extLst>
+          </p:cNvPr>
+          <p:cNvSpPr>
+            <a:spLocks noGrp="1"/>
+          </p:cNvSpPr>
+          <p:nvPr>
+            <p:ph idx="1"/>
+          </p:nvPr>
+        </p:nvSpPr>
+        <p:spPr/>
+        <p:txBody>
+          <a:bodyPr>
+            <a:normAutofit/>
+          </a:bodyPr>
+          <a:lstStyle/>
+          <a:p>
+            <a:pPr>
+              <a:buFontTx/>
+              <a:buChar char="-"/>
+            </a:pPr>
+            <a:r>
+              <a:rPr lang="en-US" dirty="0" smtClean="0"/>
+              <a:t>We are data scientist team working at XYZ Bank in Portugal</a:t>
+            </a:r>
+            <a:endParaRPr lang="en-US" dirty="0"/>
+          </a:p>
+          <a:p>
+            <a:pPr>
+              <a:buFontTx/>
+              <a:buChar char="-"/>
+            </a:pPr>
+            <a:r>
+              <a:rPr lang="en-US" dirty="0" smtClean="0"/>
+              <a:t>The business development team came to us and told us that they needed improvement on marketing campaign result because the result was not good enough compared to the cost</a:t>
+            </a:r>
+            <a:endParaRPr lang="en-US" dirty="0"/>
+          </a:p>
+          <a:p>
+            <a:pPr>
+              <a:buFontTx/>
+              <a:buChar char="-"/>
+            </a:pPr>
+            <a:r>
+              <a:rPr lang="en-US" dirty="0" smtClean="0"/>
+              <a:t>They are asking if we can propose solutions to either reduce the cost or increase the income generated or both</a:t>
+            </a:r>
+          </a:p>
+          <a:p>
+            <a:pPr>
+              <a:buFontTx/>
+              <a:buChar char="-"/>
+            </a:pPr>
+            <a:r>
+              <a:rPr lang="en-ID" dirty="0" smtClean="0"/>
+              <a:t>They gave us customer dataset used at the recent campaign which consist of the bank’s customer data</a:t>
+            </a:r>
+            <a:endParaRPr lang="en-US" dirty="0"/>
+          </a:p>
+        </p:txBody>
+      </p:sp>
+    </p:spTree>
+    <p:extLst>
+      <p:ext uri="{BB962C8B-B14F-4D97-AF65-F5344CB8AC3E}">
+        <p14:creationId xmlns:p14="http://schemas.microsoft.com/office/powerpoint/2010/main" val="2956074595"/>
+      </p:ext>
+    </p:extLst>
+  </p:cSld>
+  <p:clrMapOvr>
+    <a:masterClrMapping/>
+  </p:clrMapOvr>
+</p:sld>
+</file>
+
+<file path=ppt/slides/slide12.xml><?xml version="1.0" encoding="utf-8"?>
+<p:sld xmlns:a="http://schemas.openxmlformats.org/drawingml/2006/main" xmlns:r="http://schemas.openxmlformats.org/officeDocument/2006/relationships" xmlns:p="http://schemas.openxmlformats.org/presentationml/2006/main">
+  <p:cSld>
+    <p:spTree>
+      <p:nvGrpSpPr>
+        <p:cNvPr id="1" name=""/>
+        <p:cNvGrpSpPr/>
+        <p:nvPr/>
+      </p:nvGrpSpPr>
+      <p:grpSpPr>
+        <a:xfrm>
+          <a:off x="0" y="0"/>
+          <a:ext cx="0" cy="0"/>
+          <a:chOff x="0" y="0"/>
+          <a:chExt cx="0" cy="0"/>
+        </a:xfrm>
+      </p:grpSpPr>
+      <p:sp>
+        <p:nvSpPr>
+          <p:cNvPr id="2" name="Title 1">
+            <a:extLst>
+              <a:ext uri="{FF2B5EF4-FFF2-40B4-BE49-F238E27FC236}">
+                <a16:creationId xmlns="" xmlns:a16="http://schemas.microsoft.com/office/drawing/2014/main" id="{84EEC1A3-E984-4881-B54A-F1C5E73F7696}"/>
+              </a:ext>
+            </a:extLst>
+          </p:cNvPr>
+          <p:cNvSpPr>
+            <a:spLocks noGrp="1"/>
+          </p:cNvSpPr>
+          <p:nvPr>
+            <p:ph type="title"/>
+          </p:nvPr>
+        </p:nvSpPr>
+        <p:spPr/>
+        <p:txBody>
+          <a:bodyPr/>
+          <a:lstStyle/>
+          <a:p>
+            <a:r>
+              <a:rPr lang="en-US" dirty="0"/>
+              <a:t>Business </a:t>
+            </a:r>
+            <a:r>
+              <a:rPr lang="en-US" dirty="0" smtClean="0"/>
+              <a:t>Problems and Goals</a:t>
+            </a:r>
+            <a:endParaRPr lang="en-US" dirty="0"/>
+          </a:p>
+        </p:txBody>
+      </p:sp>
+      <p:sp>
+        <p:nvSpPr>
+          <p:cNvPr id="3" name="Content Placeholder 2">
+            <a:extLst>
+              <a:ext uri="{FF2B5EF4-FFF2-40B4-BE49-F238E27FC236}">
+                <a16:creationId xmlns="" xmlns:a16="http://schemas.microsoft.com/office/drawing/2014/main" id="{6454B748-3B9E-49AD-A4D5-FC6C95CAE875}"/>
+              </a:ext>
+            </a:extLst>
+          </p:cNvPr>
+          <p:cNvSpPr>
+            <a:spLocks noGrp="1"/>
+          </p:cNvSpPr>
+          <p:nvPr>
+            <p:ph idx="1"/>
+          </p:nvPr>
+        </p:nvSpPr>
+        <p:spPr>
+          <a:xfrm>
+            <a:off x="838200" y="1435510"/>
+            <a:ext cx="10515600" cy="4741453"/>
+          </a:xfrm>
+        </p:spPr>
+        <p:txBody>
+          <a:bodyPr>
+            <a:normAutofit fontScale="92500" lnSpcReduction="10000"/>
+          </a:bodyPr>
+          <a:lstStyle/>
+          <a:p>
+            <a:r>
+              <a:rPr lang="en-ID" dirty="0" smtClean="0"/>
+              <a:t>Subscribe rate from the dataset is low (11.27%)</a:t>
+            </a:r>
+            <a:endParaRPr lang="en-US" dirty="0" smtClean="0"/>
+          </a:p>
+          <a:p>
+            <a:r>
+              <a:rPr lang="en-ID" dirty="0" smtClean="0"/>
+              <a:t>Cost expended was too big for the income generated</a:t>
+            </a:r>
+            <a:endParaRPr lang="en-US" dirty="0"/>
+          </a:p>
+          <a:p>
+            <a:r>
+              <a:rPr lang="en-US" dirty="0" err="1" smtClean="0"/>
+              <a:t>Dibutuhkan</a:t>
+            </a:r>
+            <a:r>
+              <a:rPr lang="en-US" dirty="0" smtClean="0"/>
+              <a:t> </a:t>
+            </a:r>
+            <a:r>
+              <a:rPr lang="en-US" dirty="0" err="1"/>
+              <a:t>cara</a:t>
+            </a:r>
+            <a:r>
+              <a:rPr lang="en-US" dirty="0"/>
+              <a:t> agar </a:t>
+            </a:r>
+            <a:r>
+              <a:rPr lang="en-US" dirty="0" err="1"/>
+              <a:t>supaya</a:t>
+            </a:r>
+            <a:r>
+              <a:rPr lang="en-US" dirty="0"/>
+              <a:t> </a:t>
+            </a:r>
+            <a:r>
+              <a:rPr lang="en-US" dirty="0" err="1"/>
+              <a:t>bisa</a:t>
+            </a:r>
+            <a:r>
+              <a:rPr lang="en-US" dirty="0"/>
+              <a:t> </a:t>
+            </a:r>
+            <a:r>
+              <a:rPr lang="en-US" dirty="0" err="1"/>
+              <a:t>memfilter</a:t>
+            </a:r>
+            <a:r>
+              <a:rPr lang="en-US" dirty="0"/>
+              <a:t> </a:t>
+            </a:r>
+            <a:r>
+              <a:rPr lang="en-US" dirty="0" err="1"/>
+              <a:t>nasabah</a:t>
+            </a:r>
+            <a:r>
+              <a:rPr lang="en-US" dirty="0"/>
+              <a:t> yang </a:t>
+            </a:r>
+            <a:r>
+              <a:rPr lang="en-US" dirty="0" err="1"/>
+              <a:t>berpotensi</a:t>
+            </a:r>
+            <a:r>
+              <a:rPr lang="en-US" dirty="0"/>
+              <a:t> dan yang </a:t>
+            </a:r>
+            <a:r>
+              <a:rPr lang="en-US" dirty="0" err="1"/>
+              <a:t>tidak</a:t>
+            </a:r>
+            <a:endParaRPr lang="en-US" dirty="0"/>
+          </a:p>
+          <a:p>
+            <a:pPr marL="0" indent="0">
+              <a:buNone/>
+            </a:pPr>
+            <a:endParaRPr lang="en-US" dirty="0"/>
+          </a:p>
+          <a:p>
+            <a:pPr marL="0" indent="0">
+              <a:buNone/>
+            </a:pPr>
+            <a:r>
+              <a:rPr lang="en-US" dirty="0"/>
+              <a:t>GOALS</a:t>
+            </a:r>
+          </a:p>
+          <a:p>
+            <a:r>
+              <a:rPr lang="en-US" dirty="0" err="1"/>
+              <a:t>Memprediksi</a:t>
+            </a:r>
+            <a:r>
+              <a:rPr lang="en-US" dirty="0"/>
+              <a:t> </a:t>
+            </a:r>
+            <a:r>
+              <a:rPr lang="en-US" dirty="0" err="1"/>
+              <a:t>nasabah</a:t>
+            </a:r>
+            <a:r>
+              <a:rPr lang="en-US" dirty="0"/>
+              <a:t> bank yang </a:t>
+            </a:r>
+            <a:r>
+              <a:rPr lang="en-US" dirty="0" err="1"/>
+              <a:t>mungkin</a:t>
+            </a:r>
+            <a:r>
+              <a:rPr lang="en-US" dirty="0"/>
+              <a:t> </a:t>
+            </a:r>
+            <a:r>
+              <a:rPr lang="en-US" dirty="0" err="1"/>
+              <a:t>akan</a:t>
+            </a:r>
+            <a:r>
+              <a:rPr lang="en-US" dirty="0"/>
+              <a:t> </a:t>
+            </a:r>
+            <a:r>
+              <a:rPr lang="en-US" dirty="0" err="1"/>
+              <a:t>mengambil</a:t>
+            </a:r>
+            <a:r>
+              <a:rPr lang="en-US" dirty="0"/>
+              <a:t> </a:t>
+            </a:r>
+            <a:r>
+              <a:rPr lang="en-US" dirty="0" err="1"/>
+              <a:t>dposit</a:t>
+            </a:r>
+            <a:r>
+              <a:rPr lang="en-US" dirty="0"/>
+              <a:t> </a:t>
+            </a:r>
+            <a:r>
+              <a:rPr lang="en-US" dirty="0" err="1"/>
+              <a:t>atau</a:t>
+            </a:r>
+            <a:r>
+              <a:rPr lang="en-US" dirty="0"/>
+              <a:t> </a:t>
+            </a:r>
+            <a:r>
+              <a:rPr lang="en-US" dirty="0" err="1"/>
+              <a:t>tidak</a:t>
+            </a:r>
+            <a:r>
+              <a:rPr lang="en-US" dirty="0"/>
+              <a:t> </a:t>
+            </a:r>
+            <a:r>
+              <a:rPr lang="en-US" dirty="0" err="1"/>
+              <a:t>untk</a:t>
+            </a:r>
+            <a:r>
+              <a:rPr lang="en-US" dirty="0"/>
+              <a:t> campaign </a:t>
+            </a:r>
+            <a:r>
+              <a:rPr lang="en-US" dirty="0" err="1"/>
+              <a:t>berikutnya</a:t>
+            </a:r>
+            <a:r>
+              <a:rPr lang="en-US" dirty="0"/>
+              <a:t> </a:t>
+            </a:r>
+            <a:r>
+              <a:rPr lang="en-US" dirty="0" err="1"/>
+              <a:t>berdasrkan</a:t>
+            </a:r>
+            <a:r>
+              <a:rPr lang="en-US" dirty="0"/>
+              <a:t> model </a:t>
+            </a:r>
+            <a:r>
+              <a:rPr lang="en-US" dirty="0" err="1"/>
+              <a:t>dari</a:t>
+            </a:r>
+            <a:r>
+              <a:rPr lang="en-US" dirty="0"/>
+              <a:t> yang </a:t>
+            </a:r>
+            <a:r>
+              <a:rPr lang="en-US" dirty="0" err="1"/>
+              <a:t>sudah</a:t>
+            </a:r>
+            <a:r>
+              <a:rPr lang="en-US" dirty="0"/>
+              <a:t> </a:t>
+            </a:r>
+            <a:r>
+              <a:rPr lang="en-US" dirty="0" err="1"/>
+              <a:t>terjadi</a:t>
+            </a:r>
+            <a:r>
+              <a:rPr lang="en-US" dirty="0"/>
+              <a:t> </a:t>
+            </a:r>
+            <a:r>
+              <a:rPr lang="en-US" dirty="0" err="1"/>
+              <a:t>dengan</a:t>
+            </a:r>
+            <a:r>
+              <a:rPr lang="en-US" dirty="0"/>
+              <a:t> </a:t>
+            </a:r>
+            <a:r>
+              <a:rPr lang="en-US" dirty="0" err="1"/>
+              <a:t>menggunakan</a:t>
+            </a:r>
+            <a:r>
+              <a:rPr lang="en-US" dirty="0"/>
+              <a:t> Machine Learning</a:t>
+            </a:r>
+          </a:p>
+          <a:p>
+            <a:r>
+              <a:rPr lang="en-US" dirty="0" err="1"/>
+              <a:t>Memberikan</a:t>
+            </a:r>
+            <a:r>
+              <a:rPr lang="en-US" dirty="0"/>
+              <a:t> </a:t>
+            </a:r>
+            <a:r>
+              <a:rPr lang="en-US" dirty="0" err="1"/>
+              <a:t>simulasi</a:t>
+            </a:r>
+            <a:r>
+              <a:rPr lang="en-US" dirty="0"/>
+              <a:t> </a:t>
+            </a:r>
+            <a:r>
+              <a:rPr lang="en-US" dirty="0" err="1"/>
+              <a:t>penurunan</a:t>
+            </a:r>
+            <a:r>
+              <a:rPr lang="en-US" dirty="0"/>
+              <a:t> cost </a:t>
+            </a:r>
+            <a:r>
+              <a:rPr lang="en-US" dirty="0" err="1"/>
+              <a:t>jika</a:t>
+            </a:r>
+            <a:r>
+              <a:rPr lang="en-US" dirty="0"/>
+              <a:t> </a:t>
+            </a:r>
+            <a:r>
+              <a:rPr lang="en-US" dirty="0" err="1"/>
+              <a:t>menggunakan</a:t>
+            </a:r>
+            <a:r>
+              <a:rPr lang="en-US" dirty="0"/>
+              <a:t> Machine </a:t>
+            </a:r>
+            <a:r>
+              <a:rPr lang="en-US" dirty="0" err="1"/>
+              <a:t>learningggggg</a:t>
+            </a:r>
+            <a:endParaRPr lang="en-US" dirty="0"/>
+          </a:p>
+          <a:p>
+            <a:pPr>
+              <a:buFontTx/>
+              <a:buChar char="-"/>
+            </a:pPr>
+            <a:endParaRPr lang="en-US" dirty="0"/>
+          </a:p>
+        </p:txBody>
+      </p:sp>
+    </p:spTree>
+    <p:extLst>
+      <p:ext uri="{BB962C8B-B14F-4D97-AF65-F5344CB8AC3E}">
+        <p14:creationId xmlns:p14="http://schemas.microsoft.com/office/powerpoint/2010/main" val="1070757922"/>
+      </p:ext>
+    </p:extLst>
+  </p:cSld>
+  <p:clrMapOvr>
+    <a:masterClrMapping/>
+  </p:clrMapOvr>
+</p:sld>
+</file>
+
+<file path=ppt/slides/slide13.xml><?xml version="1.0" encoding="utf-8"?>
+<p:sld xmlns:a="http://schemas.openxmlformats.org/drawingml/2006/main" xmlns:r="http://schemas.openxmlformats.org/officeDocument/2006/relationships" xmlns:p="http://schemas.openxmlformats.org/presentationml/2006/main">
+  <p:cSld>
+    <p:spTree>
+      <p:nvGrpSpPr>
+        <p:cNvPr id="1" name=""/>
+        <p:cNvGrpSpPr/>
+        <p:nvPr/>
+      </p:nvGrpSpPr>
+      <p:grpSpPr>
+        <a:xfrm>
+          <a:off x="0" y="0"/>
+          <a:ext cx="0" cy="0"/>
+          <a:chOff x="0" y="0"/>
+          <a:chExt cx="0" cy="0"/>
+        </a:xfrm>
+      </p:grpSpPr>
+      <p:sp>
+        <p:nvSpPr>
+          <p:cNvPr id="2" name="Title 1">
+            <a:extLst>
+              <a:ext uri="{FF2B5EF4-FFF2-40B4-BE49-F238E27FC236}">
+                <a16:creationId xmlns="" xmlns:a16="http://schemas.microsoft.com/office/drawing/2014/main" id="{84EEC1A3-E984-4881-B54A-F1C5E73F7696}"/>
+              </a:ext>
+            </a:extLst>
+          </p:cNvPr>
+          <p:cNvSpPr>
+            <a:spLocks noGrp="1"/>
+          </p:cNvSpPr>
+          <p:nvPr>
+            <p:ph type="title"/>
+          </p:nvPr>
+        </p:nvSpPr>
+        <p:spPr/>
+        <p:txBody>
+          <a:bodyPr/>
+          <a:lstStyle/>
+          <a:p>
             <a:pPr algn="ctr"/>
             <a:r>
               <a:rPr lang="en-US" dirty="0" smtClean="0"/>
@@ -3898,7 +4218,7 @@
           <p:cNvPr id="3" name="Content Placeholder 2">
             <a:extLst>
               <a:ext uri="{FF2B5EF4-FFF2-40B4-BE49-F238E27FC236}">
-                <a16:creationId xmlns:a16="http://schemas.microsoft.com/office/drawing/2014/main" xmlns="" id="{6454B748-3B9E-49AD-A4D5-FC6C95CAE875}"/>
+                <a16:creationId xmlns="" xmlns:a16="http://schemas.microsoft.com/office/drawing/2014/main" id="{6454B748-3B9E-49AD-A4D5-FC6C95CAE875}"/>
               </a:ext>
             </a:extLst>
           </p:cNvPr>
@@ -4014,7 +4334,7 @@
 </p:sld>
 </file>
 
-<file path=ppt/slides/slide12.xml><?xml version="1.0" encoding="utf-8"?>
+<file path=ppt/slides/slide14.xml><?xml version="1.0" encoding="utf-8"?>
 <p:sld xmlns:a="http://schemas.openxmlformats.org/drawingml/2006/main" xmlns:r="http://schemas.openxmlformats.org/officeDocument/2006/relationships" xmlns:p="http://schemas.openxmlformats.org/presentationml/2006/main">
   <p:cSld>
     <p:spTree>
@@ -4036,7 +4356,7 @@
           <p:cNvPr id="2" name="Title 1">
             <a:extLst>
               <a:ext uri="{FF2B5EF4-FFF2-40B4-BE49-F238E27FC236}">
-                <a16:creationId xmlns:a16="http://schemas.microsoft.com/office/drawing/2014/main" xmlns="" id="{84EEC1A3-E984-4881-B54A-F1C5E73F7696}"/>
+                <a16:creationId xmlns="" xmlns:a16="http://schemas.microsoft.com/office/drawing/2014/main" id="{84EEC1A3-E984-4881-B54A-F1C5E73F7696}"/>
               </a:ext>
             </a:extLst>
           </p:cNvPr>
@@ -4066,7 +4386,7 @@
           <p:cNvPr id="3" name="Content Placeholder 2">
             <a:extLst>
               <a:ext uri="{FF2B5EF4-FFF2-40B4-BE49-F238E27FC236}">
-                <a16:creationId xmlns:a16="http://schemas.microsoft.com/office/drawing/2014/main" xmlns="" id="{6454B748-3B9E-49AD-A4D5-FC6C95CAE875}"/>
+                <a16:creationId xmlns="" xmlns:a16="http://schemas.microsoft.com/office/drawing/2014/main" id="{6454B748-3B9E-49AD-A4D5-FC6C95CAE875}"/>
               </a:ext>
             </a:extLst>
           </p:cNvPr>
@@ -4146,7 +4466,7 @@
 </p:sld>
 </file>
 
-<file path=ppt/slides/slide13.xml><?xml version="1.0" encoding="utf-8"?>
+<file path=ppt/slides/slide15.xml><?xml version="1.0" encoding="utf-8"?>
 <p:sld xmlns:a="http://schemas.openxmlformats.org/drawingml/2006/main" xmlns:r="http://schemas.openxmlformats.org/officeDocument/2006/relationships" xmlns:p="http://schemas.openxmlformats.org/presentationml/2006/main">
   <p:cSld>
     <p:spTree>
@@ -4168,7 +4488,7 @@
           <p:cNvPr id="2" name="Title 1">
             <a:extLst>
               <a:ext uri="{FF2B5EF4-FFF2-40B4-BE49-F238E27FC236}">
-                <a16:creationId xmlns:a16="http://schemas.microsoft.com/office/drawing/2014/main" xmlns="" id="{84EEC1A3-E984-4881-B54A-F1C5E73F7696}"/>
+                <a16:creationId xmlns="" xmlns:a16="http://schemas.microsoft.com/office/drawing/2014/main" id="{84EEC1A3-E984-4881-B54A-F1C5E73F7696}"/>
               </a:ext>
             </a:extLst>
           </p:cNvPr>
@@ -4198,7 +4518,7 @@
           <p:cNvPr id="3" name="Content Placeholder 2">
             <a:extLst>
               <a:ext uri="{FF2B5EF4-FFF2-40B4-BE49-F238E27FC236}">
-                <a16:creationId xmlns:a16="http://schemas.microsoft.com/office/drawing/2014/main" xmlns="" id="{6454B748-3B9E-49AD-A4D5-FC6C95CAE875}"/>
+                <a16:creationId xmlns="" xmlns:a16="http://schemas.microsoft.com/office/drawing/2014/main" id="{6454B748-3B9E-49AD-A4D5-FC6C95CAE875}"/>
               </a:ext>
             </a:extLst>
           </p:cNvPr>
@@ -4278,7 +4598,7 @@
 </p:sld>
 </file>
 
-<file path=ppt/slides/slide14.xml><?xml version="1.0" encoding="utf-8"?>
+<file path=ppt/slides/slide16.xml><?xml version="1.0" encoding="utf-8"?>
 <p:sld xmlns:a="http://schemas.openxmlformats.org/drawingml/2006/main" xmlns:r="http://schemas.openxmlformats.org/officeDocument/2006/relationships" xmlns:p="http://schemas.openxmlformats.org/presentationml/2006/main">
   <p:cSld>
     <p:spTree>
@@ -4300,7 +4620,7 @@
           <p:cNvPr id="2" name="Title 1">
             <a:extLst>
               <a:ext uri="{FF2B5EF4-FFF2-40B4-BE49-F238E27FC236}">
-                <a16:creationId xmlns:a16="http://schemas.microsoft.com/office/drawing/2014/main" xmlns="" id="{84EEC1A3-E984-4881-B54A-F1C5E73F7696}"/>
+                <a16:creationId xmlns="" xmlns:a16="http://schemas.microsoft.com/office/drawing/2014/main" id="{84EEC1A3-E984-4881-B54A-F1C5E73F7696}"/>
               </a:ext>
             </a:extLst>
           </p:cNvPr>
@@ -4330,7 +4650,7 @@
           <p:cNvPr id="3" name="Content Placeholder 2">
             <a:extLst>
               <a:ext uri="{FF2B5EF4-FFF2-40B4-BE49-F238E27FC236}">
-                <a16:creationId xmlns:a16="http://schemas.microsoft.com/office/drawing/2014/main" xmlns="" id="{6454B748-3B9E-49AD-A4D5-FC6C95CAE875}"/>
+                <a16:creationId xmlns="" xmlns:a16="http://schemas.microsoft.com/office/drawing/2014/main" id="{6454B748-3B9E-49AD-A4D5-FC6C95CAE875}"/>
               </a:ext>
             </a:extLst>
           </p:cNvPr>
@@ -4413,7 +4733,7 @@
 </p:sld>
 </file>
 
-<file path=ppt/slides/slide15.xml><?xml version="1.0" encoding="utf-8"?>
+<file path=ppt/slides/slide17.xml><?xml version="1.0" encoding="utf-8"?>
 <p:sld xmlns:a="http://schemas.openxmlformats.org/drawingml/2006/main" xmlns:r="http://schemas.openxmlformats.org/officeDocument/2006/relationships" xmlns:p="http://schemas.openxmlformats.org/presentationml/2006/main">
   <p:cSld>
     <p:spTree>
@@ -4435,7 +4755,7 @@
           <p:cNvPr id="2" name="Title 1">
             <a:extLst>
               <a:ext uri="{FF2B5EF4-FFF2-40B4-BE49-F238E27FC236}">
-                <a16:creationId xmlns:a16="http://schemas.microsoft.com/office/drawing/2014/main" xmlns="" id="{84EEC1A3-E984-4881-B54A-F1C5E73F7696}"/>
+                <a16:creationId xmlns="" xmlns:a16="http://schemas.microsoft.com/office/drawing/2014/main" id="{84EEC1A3-E984-4881-B54A-F1C5E73F7696}"/>
               </a:ext>
             </a:extLst>
           </p:cNvPr>
@@ -4465,7 +4785,7 @@
           <p:cNvPr id="3" name="Content Placeholder 2">
             <a:extLst>
               <a:ext uri="{FF2B5EF4-FFF2-40B4-BE49-F238E27FC236}">
-                <a16:creationId xmlns:a16="http://schemas.microsoft.com/office/drawing/2014/main" xmlns="" id="{6454B748-3B9E-49AD-A4D5-FC6C95CAE875}"/>
+                <a16:creationId xmlns="" xmlns:a16="http://schemas.microsoft.com/office/drawing/2014/main" id="{6454B748-3B9E-49AD-A4D5-FC6C95CAE875}"/>
               </a:ext>
             </a:extLst>
           </p:cNvPr>
@@ -4620,7 +4940,7 @@
 </p:sld>
 </file>
 
-<file path=ppt/slides/slide16.xml><?xml version="1.0" encoding="utf-8"?>
+<file path=ppt/slides/slide18.xml><?xml version="1.0" encoding="utf-8"?>
 <p:sld xmlns:a="http://schemas.openxmlformats.org/drawingml/2006/main" xmlns:r="http://schemas.openxmlformats.org/officeDocument/2006/relationships" xmlns:p="http://schemas.openxmlformats.org/presentationml/2006/main">
   <p:cSld>
     <p:spTree>
@@ -4642,7 +4962,7 @@
           <p:cNvPr id="2" name="Title 1">
             <a:extLst>
               <a:ext uri="{FF2B5EF4-FFF2-40B4-BE49-F238E27FC236}">
-                <a16:creationId xmlns:a16="http://schemas.microsoft.com/office/drawing/2014/main" xmlns="" id="{84EEC1A3-E984-4881-B54A-F1C5E73F7696}"/>
+                <a16:creationId xmlns="" xmlns:a16="http://schemas.microsoft.com/office/drawing/2014/main" id="{84EEC1A3-E984-4881-B54A-F1C5E73F7696}"/>
               </a:ext>
             </a:extLst>
           </p:cNvPr>
@@ -4672,7 +4992,7 @@
           <p:cNvPr id="3" name="Content Placeholder 2">
             <a:extLst>
               <a:ext uri="{FF2B5EF4-FFF2-40B4-BE49-F238E27FC236}">
-                <a16:creationId xmlns:a16="http://schemas.microsoft.com/office/drawing/2014/main" xmlns="" id="{6454B748-3B9E-49AD-A4D5-FC6C95CAE875}"/>
+                <a16:creationId xmlns="" xmlns:a16="http://schemas.microsoft.com/office/drawing/2014/main" id="{6454B748-3B9E-49AD-A4D5-FC6C95CAE875}"/>
               </a:ext>
             </a:extLst>
           </p:cNvPr>
@@ -4827,7 +5147,7 @@
 </p:sld>
 </file>
 
-<file path=ppt/slides/slide17.xml><?xml version="1.0" encoding="utf-8"?>
+<file path=ppt/slides/slide19.xml><?xml version="1.0" encoding="utf-8"?>
 <p:sld xmlns:a="http://schemas.openxmlformats.org/drawingml/2006/main" xmlns:r="http://schemas.openxmlformats.org/officeDocument/2006/relationships" xmlns:p="http://schemas.openxmlformats.org/presentationml/2006/main">
   <p:cSld>
     <p:spTree>
@@ -4849,7 +5169,7 @@
           <p:cNvPr id="2" name="Title 1">
             <a:extLst>
               <a:ext uri="{FF2B5EF4-FFF2-40B4-BE49-F238E27FC236}">
-                <a16:creationId xmlns:a16="http://schemas.microsoft.com/office/drawing/2014/main" xmlns="" id="{84EEC1A3-E984-4881-B54A-F1C5E73F7696}"/>
+                <a16:creationId xmlns="" xmlns:a16="http://schemas.microsoft.com/office/drawing/2014/main" id="{84EEC1A3-E984-4881-B54A-F1C5E73F7696}"/>
               </a:ext>
             </a:extLst>
           </p:cNvPr>
@@ -4939,7 +5259,7 @@
           <p:cNvPr id="12" name="Content Placeholder 2">
             <a:extLst>
               <a:ext uri="{FF2B5EF4-FFF2-40B4-BE49-F238E27FC236}">
-                <a16:creationId xmlns:a16="http://schemas.microsoft.com/office/drawing/2014/main" xmlns="" id="{6454B748-3B9E-49AD-A4D5-FC6C95CAE875}"/>
+                <a16:creationId xmlns="" xmlns:a16="http://schemas.microsoft.com/office/drawing/2014/main" id="{6454B748-3B9E-49AD-A4D5-FC6C95CAE875}"/>
               </a:ext>
             </a:extLst>
           </p:cNvPr>
@@ -5161,7 +5481,7 @@
 </p:sld>
 </file>
 
-<file path=ppt/slides/slide18.xml><?xml version="1.0" encoding="utf-8"?>
+<file path=ppt/slides/slide2.xml><?xml version="1.0" encoding="utf-8"?>
 <p:sld xmlns:a="http://schemas.openxmlformats.org/drawingml/2006/main" xmlns:r="http://schemas.openxmlformats.org/officeDocument/2006/relationships" xmlns:p="http://schemas.openxmlformats.org/presentationml/2006/main">
   <p:cSld>
     <p:spTree>
@@ -5180,10 +5500,761 @@
       </p:grpSpPr>
       <p:sp>
         <p:nvSpPr>
+          <p:cNvPr id="6" name="Rectangle 5">
+            <a:extLst>
+              <a:ext uri="{FF2B5EF4-FFF2-40B4-BE49-F238E27FC236}">
+                <a16:creationId xmlns="" xmlns:a16="http://schemas.microsoft.com/office/drawing/2014/main" id="{B69F860C-3DD8-4B3C-9AD3-19A463E43850}"/>
+              </a:ext>
+            </a:extLst>
+          </p:cNvPr>
+          <p:cNvSpPr/>
+          <p:nvPr/>
+        </p:nvSpPr>
+        <p:spPr>
+          <a:xfrm>
+            <a:off x="245805" y="176982"/>
+            <a:ext cx="5019369" cy="924231"/>
+          </a:xfrm>
+          <a:prstGeom prst="rect">
+            <a:avLst/>
+          </a:prstGeom>
+        </p:spPr>
+        <p:style>
+          <a:lnRef idx="2">
+            <a:schemeClr val="accent1">
+              <a:shade val="50000"/>
+            </a:schemeClr>
+          </a:lnRef>
+          <a:fillRef idx="1">
+            <a:schemeClr val="accent1"/>
+          </a:fillRef>
+          <a:effectRef idx="0">
+            <a:schemeClr val="accent1"/>
+          </a:effectRef>
+          <a:fontRef idx="minor">
+            <a:schemeClr val="lt1"/>
+          </a:fontRef>
+        </p:style>
+        <p:txBody>
+          <a:bodyPr rtlCol="0" anchor="ctr"/>
+          <a:lstStyle/>
+          <a:p>
+            <a:pPr algn="ctr"/>
+            <a:r>
+              <a:rPr lang="en-US" dirty="0"/>
+              <a:t>TIM DATA SCIENCE</a:t>
+            </a:r>
+          </a:p>
+        </p:txBody>
+      </p:sp>
+      <p:sp>
+        <p:nvSpPr>
+          <p:cNvPr id="7" name="Rectangle 6">
+            <a:extLst>
+              <a:ext uri="{FF2B5EF4-FFF2-40B4-BE49-F238E27FC236}">
+                <a16:creationId xmlns="" xmlns:a16="http://schemas.microsoft.com/office/drawing/2014/main" id="{DC7A9CFE-7D7A-4C6B-806D-32870BC47BAE}"/>
+              </a:ext>
+            </a:extLst>
+          </p:cNvPr>
+          <p:cNvSpPr/>
+          <p:nvPr/>
+        </p:nvSpPr>
+        <p:spPr>
+          <a:xfrm>
+            <a:off x="245806" y="1248697"/>
+            <a:ext cx="2418736" cy="2772697"/>
+          </a:xfrm>
+          <a:prstGeom prst="rect">
+            <a:avLst/>
+          </a:prstGeom>
+        </p:spPr>
+        <p:style>
+          <a:lnRef idx="2">
+            <a:schemeClr val="accent6"/>
+          </a:lnRef>
+          <a:fillRef idx="1">
+            <a:schemeClr val="lt1"/>
+          </a:fillRef>
+          <a:effectRef idx="0">
+            <a:schemeClr val="accent6"/>
+          </a:effectRef>
+          <a:fontRef idx="minor">
+            <a:schemeClr val="dk1"/>
+          </a:fontRef>
+        </p:style>
+        <p:txBody>
+          <a:bodyPr rtlCol="0" anchor="ctr"/>
+          <a:lstStyle/>
+          <a:p>
+            <a:pPr marL="342900" indent="-342900" algn="ctr">
+              <a:buAutoNum type="arabicPeriod"/>
+            </a:pPr>
+            <a:r>
+              <a:rPr lang="en-US" dirty="0" err="1"/>
+              <a:t>Terima</a:t>
+            </a:r>
+            <a:r>
+              <a:rPr lang="en-US" dirty="0"/>
+              <a:t> report </a:t>
+            </a:r>
+            <a:r>
+              <a:rPr lang="en-US" dirty="0" err="1"/>
+              <a:t>dari</a:t>
+            </a:r>
+            <a:r>
+              <a:rPr lang="en-US" dirty="0"/>
+              <a:t> </a:t>
+            </a:r>
+            <a:r>
+              <a:rPr lang="en-US" dirty="0" err="1"/>
+              <a:t>tim</a:t>
+            </a:r>
+            <a:r>
+              <a:rPr lang="en-US" dirty="0"/>
+              <a:t> marketing</a:t>
+            </a:r>
+          </a:p>
+          <a:p>
+            <a:pPr marL="342900" indent="-342900" algn="ctr">
+              <a:buAutoNum type="arabicPeriod"/>
+            </a:pPr>
+            <a:r>
+              <a:rPr lang="en-US" dirty="0"/>
+              <a:t>Dari report </a:t>
+            </a:r>
+            <a:r>
+              <a:rPr lang="en-US" dirty="0" err="1"/>
+              <a:t>tersebut</a:t>
+            </a:r>
+            <a:r>
+              <a:rPr lang="en-US" dirty="0"/>
+              <a:t> </a:t>
+            </a:r>
+            <a:r>
+              <a:rPr lang="en-US" dirty="0" err="1"/>
+              <a:t>didaptkan</a:t>
+            </a:r>
+            <a:r>
+              <a:rPr lang="en-US" dirty="0"/>
+              <a:t> </a:t>
+            </a:r>
+            <a:r>
+              <a:rPr lang="en-US" dirty="0" err="1"/>
+              <a:t>masih</a:t>
+            </a:r>
+            <a:r>
+              <a:rPr lang="en-US" dirty="0"/>
+              <a:t> </a:t>
+            </a:r>
+            <a:r>
+              <a:rPr lang="en-US" dirty="0" err="1"/>
+              <a:t>gagal</a:t>
+            </a:r>
+            <a:r>
+              <a:rPr lang="en-US" dirty="0"/>
+              <a:t> (88% </a:t>
+            </a:r>
+            <a:r>
+              <a:rPr lang="en-US" dirty="0" err="1"/>
+              <a:t>tdk</a:t>
+            </a:r>
+            <a:r>
+              <a:rPr lang="en-US" dirty="0"/>
+              <a:t> </a:t>
+            </a:r>
+            <a:r>
+              <a:rPr lang="en-US" dirty="0" err="1"/>
+              <a:t>beli</a:t>
+            </a:r>
+            <a:r>
+              <a:rPr lang="en-US" dirty="0"/>
+              <a:t> </a:t>
+            </a:r>
+            <a:r>
+              <a:rPr lang="en-US" dirty="0" err="1"/>
+              <a:t>deposito</a:t>
+            </a:r>
+            <a:r>
+              <a:rPr lang="en-US" dirty="0"/>
+              <a:t>)</a:t>
+            </a:r>
+          </a:p>
+          <a:p>
+            <a:pPr marL="342900" indent="-342900" algn="ctr">
+              <a:buAutoNum type="arabicPeriod"/>
+            </a:pPr>
+            <a:r>
+              <a:rPr lang="en-US" dirty="0" err="1"/>
+              <a:t>Evaluasi</a:t>
+            </a:r>
+            <a:endParaRPr lang="en-US" dirty="0"/>
+          </a:p>
+        </p:txBody>
+      </p:sp>
+      <p:sp>
+        <p:nvSpPr>
+          <p:cNvPr id="8" name="Arrow: Right 7">
+            <a:extLst>
+              <a:ext uri="{FF2B5EF4-FFF2-40B4-BE49-F238E27FC236}">
+                <a16:creationId xmlns="" xmlns:a16="http://schemas.microsoft.com/office/drawing/2014/main" id="{5230BFF4-90C0-448F-8655-E62BB29256A3}"/>
+              </a:ext>
+            </a:extLst>
+          </p:cNvPr>
+          <p:cNvSpPr/>
+          <p:nvPr/>
+        </p:nvSpPr>
+        <p:spPr>
+          <a:xfrm>
+            <a:off x="5048865" y="1248698"/>
+            <a:ext cx="1307690" cy="914400"/>
+          </a:xfrm>
+          <a:prstGeom prst="rightArrow">
+            <a:avLst/>
+          </a:prstGeom>
+        </p:spPr>
+        <p:style>
+          <a:lnRef idx="2">
+            <a:schemeClr val="accent1">
+              <a:shade val="50000"/>
+            </a:schemeClr>
+          </a:lnRef>
+          <a:fillRef idx="1">
+            <a:schemeClr val="accent1"/>
+          </a:fillRef>
+          <a:effectRef idx="0">
+            <a:schemeClr val="accent1"/>
+          </a:effectRef>
+          <a:fontRef idx="minor">
+            <a:schemeClr val="lt1"/>
+          </a:fontRef>
+        </p:style>
+        <p:txBody>
+          <a:bodyPr rtlCol="0" anchor="ctr"/>
+          <a:lstStyle/>
+          <a:p>
+            <a:pPr algn="ctr"/>
+            <a:endParaRPr lang="en-US"/>
+          </a:p>
+        </p:txBody>
+      </p:sp>
+      <p:sp>
+        <p:nvSpPr>
+          <p:cNvPr id="10" name="Star: 6 Points 9">
+            <a:extLst>
+              <a:ext uri="{FF2B5EF4-FFF2-40B4-BE49-F238E27FC236}">
+                <a16:creationId xmlns="" xmlns:a16="http://schemas.microsoft.com/office/drawing/2014/main" id="{50B4BDF3-4192-47A7-B59C-EE4FAD5DE0B0}"/>
+              </a:ext>
+            </a:extLst>
+          </p:cNvPr>
+          <p:cNvSpPr/>
+          <p:nvPr/>
+        </p:nvSpPr>
+        <p:spPr>
+          <a:xfrm>
+            <a:off x="6422923" y="442452"/>
+            <a:ext cx="2330245" cy="2330245"/>
+          </a:xfrm>
+          <a:prstGeom prst="star6">
+            <a:avLst/>
+          </a:prstGeom>
+        </p:spPr>
+        <p:style>
+          <a:lnRef idx="2">
+            <a:schemeClr val="accent1">
+              <a:shade val="50000"/>
+            </a:schemeClr>
+          </a:lnRef>
+          <a:fillRef idx="1">
+            <a:schemeClr val="accent1"/>
+          </a:fillRef>
+          <a:effectRef idx="0">
+            <a:schemeClr val="accent1"/>
+          </a:effectRef>
+          <a:fontRef idx="minor">
+            <a:schemeClr val="lt1"/>
+          </a:fontRef>
+        </p:style>
+        <p:txBody>
+          <a:bodyPr rtlCol="0" anchor="ctr"/>
+          <a:lstStyle/>
+          <a:p>
+            <a:pPr algn="ctr"/>
+            <a:r>
+              <a:rPr lang="en-US" dirty="0"/>
+              <a:t>PERLU DIBUAT MODEL</a:t>
+            </a:r>
+          </a:p>
+        </p:txBody>
+      </p:sp>
+      <p:sp>
+        <p:nvSpPr>
+          <p:cNvPr id="11" name="Rectangle 10">
+            <a:extLst>
+              <a:ext uri="{FF2B5EF4-FFF2-40B4-BE49-F238E27FC236}">
+                <a16:creationId xmlns="" xmlns:a16="http://schemas.microsoft.com/office/drawing/2014/main" id="{7B8F2F6E-973E-431B-8946-9ED27879C274}"/>
+              </a:ext>
+            </a:extLst>
+          </p:cNvPr>
+          <p:cNvSpPr/>
+          <p:nvPr/>
+        </p:nvSpPr>
+        <p:spPr>
+          <a:xfrm>
+            <a:off x="6378677" y="2871019"/>
+            <a:ext cx="2418736" cy="1347020"/>
+          </a:xfrm>
+          <a:prstGeom prst="rect">
+            <a:avLst/>
+          </a:prstGeom>
+        </p:spPr>
+        <p:style>
+          <a:lnRef idx="2">
+            <a:schemeClr val="accent6"/>
+          </a:lnRef>
+          <a:fillRef idx="1">
+            <a:schemeClr val="lt1"/>
+          </a:fillRef>
+          <a:effectRef idx="0">
+            <a:schemeClr val="accent6"/>
+          </a:effectRef>
+          <a:fontRef idx="minor">
+            <a:schemeClr val="dk1"/>
+          </a:fontRef>
+        </p:style>
+        <p:txBody>
+          <a:bodyPr rtlCol="0" anchor="ctr"/>
+          <a:lstStyle/>
+          <a:p>
+            <a:pPr algn="ctr"/>
+            <a:r>
+              <a:rPr lang="en-US" dirty="0"/>
+              <a:t>[PENTING] model </a:t>
+            </a:r>
+            <a:r>
+              <a:rPr lang="en-US" dirty="0" err="1"/>
+              <a:t>digunakan</a:t>
+            </a:r>
+            <a:r>
+              <a:rPr lang="en-US" dirty="0"/>
+              <a:t> </a:t>
+            </a:r>
+            <a:r>
+              <a:rPr lang="en-US" dirty="0" err="1"/>
+              <a:t>sebelum</a:t>
+            </a:r>
+            <a:r>
+              <a:rPr lang="en-US" dirty="0"/>
+              <a:t> </a:t>
+            </a:r>
+            <a:r>
+              <a:rPr lang="en-US" dirty="0" err="1"/>
+              <a:t>melakukan</a:t>
+            </a:r>
+            <a:r>
+              <a:rPr lang="en-US" dirty="0"/>
+              <a:t> campaign/program marketing</a:t>
+            </a:r>
+          </a:p>
+        </p:txBody>
+      </p:sp>
+      <p:sp>
+        <p:nvSpPr>
+          <p:cNvPr id="12" name="Rectangle 11">
+            <a:extLst>
+              <a:ext uri="{FF2B5EF4-FFF2-40B4-BE49-F238E27FC236}">
+                <a16:creationId xmlns="" xmlns:a16="http://schemas.microsoft.com/office/drawing/2014/main" id="{825980B7-833F-401F-A9FF-1110D070F93F}"/>
+              </a:ext>
+            </a:extLst>
+          </p:cNvPr>
+          <p:cNvSpPr/>
+          <p:nvPr/>
+        </p:nvSpPr>
+        <p:spPr>
+          <a:xfrm>
+            <a:off x="6378677" y="4360607"/>
+            <a:ext cx="2418736" cy="2241756"/>
+          </a:xfrm>
+          <a:prstGeom prst="rect">
+            <a:avLst/>
+          </a:prstGeom>
+        </p:spPr>
+        <p:style>
+          <a:lnRef idx="2">
+            <a:schemeClr val="accent6"/>
+          </a:lnRef>
+          <a:fillRef idx="1">
+            <a:schemeClr val="lt1"/>
+          </a:fillRef>
+          <a:effectRef idx="0">
+            <a:schemeClr val="accent6"/>
+          </a:effectRef>
+          <a:fontRef idx="minor">
+            <a:schemeClr val="dk1"/>
+          </a:fontRef>
+        </p:style>
+        <p:txBody>
+          <a:bodyPr rtlCol="0" anchor="ctr"/>
+          <a:lstStyle/>
+          <a:p>
+            <a:pPr algn="ctr"/>
+            <a:r>
+              <a:rPr lang="en-US" dirty="0"/>
+              <a:t>Kolom di dataset model yang </a:t>
+            </a:r>
+            <a:r>
+              <a:rPr lang="en-US" dirty="0" err="1"/>
+              <a:t>dipakai</a:t>
+            </a:r>
+            <a:r>
+              <a:rPr lang="en-US" dirty="0"/>
+              <a:t> </a:t>
+            </a:r>
+            <a:r>
+              <a:rPr lang="en-US" dirty="0" err="1"/>
+              <a:t>adalah</a:t>
+            </a:r>
+            <a:r>
+              <a:rPr lang="en-US" dirty="0"/>
+              <a:t> KOLOM YG BISA DIDAPATKAN </a:t>
+            </a:r>
+            <a:r>
+              <a:rPr lang="en-US" dirty="0" err="1"/>
+              <a:t>Sebelum</a:t>
+            </a:r>
+            <a:r>
+              <a:rPr lang="en-US" dirty="0"/>
+              <a:t> </a:t>
+            </a:r>
+            <a:r>
+              <a:rPr lang="en-US" dirty="0" err="1"/>
+              <a:t>melakukan</a:t>
+            </a:r>
+            <a:r>
+              <a:rPr lang="en-US" dirty="0"/>
+              <a:t> Campaign</a:t>
+            </a:r>
+          </a:p>
+        </p:txBody>
+      </p:sp>
+      <p:sp>
+        <p:nvSpPr>
+          <p:cNvPr id="13" name="Rectangle 12">
+            <a:extLst>
+              <a:ext uri="{FF2B5EF4-FFF2-40B4-BE49-F238E27FC236}">
+                <a16:creationId xmlns="" xmlns:a16="http://schemas.microsoft.com/office/drawing/2014/main" id="{6DC299E1-1B01-4DC8-A1D6-3365EC8ED552}"/>
+              </a:ext>
+            </a:extLst>
+          </p:cNvPr>
+          <p:cNvSpPr/>
+          <p:nvPr/>
+        </p:nvSpPr>
+        <p:spPr>
+          <a:xfrm>
+            <a:off x="776749" y="4606414"/>
+            <a:ext cx="3244645" cy="1750142"/>
+          </a:xfrm>
+          <a:prstGeom prst="rect">
+            <a:avLst/>
+          </a:prstGeom>
+          <a:ln w="57150">
+            <a:solidFill>
+              <a:schemeClr val="tx1"/>
+            </a:solidFill>
+            <a:prstDash val="dashDot"/>
+          </a:ln>
+        </p:spPr>
+        <p:style>
+          <a:lnRef idx="2">
+            <a:schemeClr val="accent6"/>
+          </a:lnRef>
+          <a:fillRef idx="1">
+            <a:schemeClr val="lt1"/>
+          </a:fillRef>
+          <a:effectRef idx="0">
+            <a:schemeClr val="accent6"/>
+          </a:effectRef>
+          <a:fontRef idx="minor">
+            <a:schemeClr val="dk1"/>
+          </a:fontRef>
+        </p:style>
+        <p:txBody>
+          <a:bodyPr rtlCol="0" anchor="ctr"/>
+          <a:lstStyle/>
+          <a:p>
+            <a:pPr algn="ctr"/>
+            <a:r>
+              <a:rPr lang="en-US" dirty="0"/>
+              <a:t>!!  INGAT  !!</a:t>
+            </a:r>
+          </a:p>
+          <a:p>
+            <a:pPr algn="ctr"/>
+            <a:endParaRPr lang="en-US" dirty="0"/>
+          </a:p>
+          <a:p>
+            <a:pPr algn="ctr"/>
+            <a:r>
+              <a:rPr lang="en-US" dirty="0"/>
+              <a:t>Calon customer yang di approach </a:t>
+            </a:r>
+            <a:r>
+              <a:rPr lang="en-US" dirty="0" err="1"/>
+              <a:t>adalah</a:t>
+            </a:r>
+            <a:r>
+              <a:rPr lang="en-US" dirty="0"/>
+              <a:t> </a:t>
+            </a:r>
+            <a:r>
+              <a:rPr lang="en-US" dirty="0" err="1"/>
+              <a:t>nasabah</a:t>
+            </a:r>
+            <a:r>
+              <a:rPr lang="en-US" dirty="0"/>
+              <a:t> bank </a:t>
+            </a:r>
+            <a:r>
+              <a:rPr lang="en-US" dirty="0" err="1"/>
+              <a:t>tersebut</a:t>
+            </a:r>
+            <a:endParaRPr lang="en-US" dirty="0"/>
+          </a:p>
+        </p:txBody>
+      </p:sp>
+      <p:sp>
+        <p:nvSpPr>
+          <p:cNvPr id="9" name="Arrow: Right 8">
+            <a:extLst>
+              <a:ext uri="{FF2B5EF4-FFF2-40B4-BE49-F238E27FC236}">
+                <a16:creationId xmlns="" xmlns:a16="http://schemas.microsoft.com/office/drawing/2014/main" id="{199FF53C-44D6-4140-BA6D-4BFCB9D42FCF}"/>
+              </a:ext>
+            </a:extLst>
+          </p:cNvPr>
+          <p:cNvSpPr/>
+          <p:nvPr/>
+        </p:nvSpPr>
+        <p:spPr>
+          <a:xfrm>
+            <a:off x="8819536" y="1106130"/>
+            <a:ext cx="752168" cy="914400"/>
+          </a:xfrm>
+          <a:prstGeom prst="rightArrow">
+            <a:avLst/>
+          </a:prstGeom>
+        </p:spPr>
+        <p:style>
+          <a:lnRef idx="2">
+            <a:schemeClr val="accent1">
+              <a:shade val="50000"/>
+            </a:schemeClr>
+          </a:lnRef>
+          <a:fillRef idx="1">
+            <a:schemeClr val="accent1"/>
+          </a:fillRef>
+          <a:effectRef idx="0">
+            <a:schemeClr val="accent1"/>
+          </a:effectRef>
+          <a:fontRef idx="minor">
+            <a:schemeClr val="lt1"/>
+          </a:fontRef>
+        </p:style>
+        <p:txBody>
+          <a:bodyPr rtlCol="0" anchor="ctr"/>
+          <a:lstStyle/>
+          <a:p>
+            <a:pPr algn="ctr"/>
+            <a:endParaRPr lang="en-US"/>
+          </a:p>
+        </p:txBody>
+      </p:sp>
+      <p:sp>
+        <p:nvSpPr>
+          <p:cNvPr id="2" name="Oval 1">
+            <a:extLst>
+              <a:ext uri="{FF2B5EF4-FFF2-40B4-BE49-F238E27FC236}">
+                <a16:creationId xmlns="" xmlns:a16="http://schemas.microsoft.com/office/drawing/2014/main" id="{5E49095A-1E8E-4BD3-922A-E2010D50DAE2}"/>
+              </a:ext>
+            </a:extLst>
+          </p:cNvPr>
+          <p:cNvSpPr/>
+          <p:nvPr/>
+        </p:nvSpPr>
+        <p:spPr>
+          <a:xfrm>
+            <a:off x="9615949" y="550606"/>
+            <a:ext cx="2330245" cy="2330245"/>
+          </a:xfrm>
+          <a:prstGeom prst="ellipse">
+            <a:avLst/>
+          </a:prstGeom>
+        </p:spPr>
+        <p:style>
+          <a:lnRef idx="2">
+            <a:schemeClr val="accent1">
+              <a:shade val="50000"/>
+            </a:schemeClr>
+          </a:lnRef>
+          <a:fillRef idx="1">
+            <a:schemeClr val="accent1"/>
+          </a:fillRef>
+          <a:effectRef idx="0">
+            <a:schemeClr val="accent1"/>
+          </a:effectRef>
+          <a:fontRef idx="minor">
+            <a:schemeClr val="lt1"/>
+          </a:fontRef>
+        </p:style>
+        <p:txBody>
+          <a:bodyPr rtlCol="0" anchor="ctr"/>
+          <a:lstStyle/>
+          <a:p>
+            <a:pPr algn="ctr"/>
+            <a:r>
+              <a:rPr lang="en-US" dirty="0"/>
+              <a:t>Model </a:t>
+            </a:r>
+            <a:r>
+              <a:rPr lang="en-US" dirty="0" err="1"/>
+              <a:t>untuk</a:t>
+            </a:r>
+            <a:r>
+              <a:rPr lang="en-US" dirty="0"/>
+              <a:t> </a:t>
+            </a:r>
+            <a:r>
+              <a:rPr lang="en-US" dirty="0" err="1"/>
+              <a:t>prediksi</a:t>
+            </a:r>
+            <a:r>
+              <a:rPr lang="en-US" dirty="0"/>
+              <a:t> </a:t>
+            </a:r>
+            <a:r>
+              <a:rPr lang="en-US" dirty="0" err="1"/>
+              <a:t>calon</a:t>
+            </a:r>
+            <a:r>
+              <a:rPr lang="en-US" dirty="0"/>
+              <a:t> customer </a:t>
+            </a:r>
+            <a:r>
+              <a:rPr lang="en-US" dirty="0" err="1"/>
+              <a:t>untuk</a:t>
+            </a:r>
+            <a:r>
+              <a:rPr lang="en-US" dirty="0"/>
+              <a:t> program marketing </a:t>
+            </a:r>
+            <a:r>
+              <a:rPr lang="en-US" dirty="0" err="1"/>
+              <a:t>selanjutnya</a:t>
+            </a:r>
+            <a:endParaRPr lang="en-US" dirty="0"/>
+          </a:p>
+        </p:txBody>
+      </p:sp>
+      <p:sp>
+        <p:nvSpPr>
+          <p:cNvPr id="14" name="Rectangle 13">
+            <a:extLst>
+              <a:ext uri="{FF2B5EF4-FFF2-40B4-BE49-F238E27FC236}">
+                <a16:creationId xmlns="" xmlns:a16="http://schemas.microsoft.com/office/drawing/2014/main" id="{C19BF0DA-F8BE-4200-8063-53905AE628CC}"/>
+              </a:ext>
+            </a:extLst>
+          </p:cNvPr>
+          <p:cNvSpPr/>
+          <p:nvPr/>
+        </p:nvSpPr>
+        <p:spPr>
+          <a:xfrm>
+            <a:off x="2846439" y="1248697"/>
+            <a:ext cx="2040193" cy="2772697"/>
+          </a:xfrm>
+          <a:prstGeom prst="rect">
+            <a:avLst/>
+          </a:prstGeom>
+        </p:spPr>
+        <p:style>
+          <a:lnRef idx="2">
+            <a:schemeClr val="accent6"/>
+          </a:lnRef>
+          <a:fillRef idx="1">
+            <a:schemeClr val="lt1"/>
+          </a:fillRef>
+          <a:effectRef idx="0">
+            <a:schemeClr val="accent6"/>
+          </a:effectRef>
+          <a:fontRef idx="minor">
+            <a:schemeClr val="dk1"/>
+          </a:fontRef>
+        </p:style>
+        <p:txBody>
+          <a:bodyPr rtlCol="0" anchor="ctr"/>
+          <a:lstStyle/>
+          <a:p>
+            <a:pPr algn="ctr"/>
+            <a:r>
+              <a:rPr lang="en-US" dirty="0" err="1"/>
+              <a:t>Tambahan</a:t>
+            </a:r>
+            <a:r>
+              <a:rPr lang="en-US" dirty="0"/>
+              <a:t> :</a:t>
+            </a:r>
+          </a:p>
+          <a:p>
+            <a:pPr algn="ctr"/>
+            <a:r>
+              <a:rPr lang="en-US" dirty="0"/>
+              <a:t>Concern </a:t>
+            </a:r>
+            <a:r>
+              <a:rPr lang="en-US" dirty="0" err="1"/>
+              <a:t>tim</a:t>
+            </a:r>
+            <a:r>
+              <a:rPr lang="en-US" dirty="0"/>
+              <a:t> marketing di cost campaign</a:t>
+            </a:r>
+          </a:p>
+        </p:txBody>
+      </p:sp>
+    </p:spTree>
+    <p:extLst>
+      <p:ext uri="{BB962C8B-B14F-4D97-AF65-F5344CB8AC3E}">
+        <p14:creationId xmlns:p14="http://schemas.microsoft.com/office/powerpoint/2010/main" val="3754076498"/>
+      </p:ext>
+    </p:extLst>
+  </p:cSld>
+  <p:clrMapOvr>
+    <a:masterClrMapping/>
+  </p:clrMapOvr>
+</p:sld>
+</file>
+
+<file path=ppt/slides/slide20.xml><?xml version="1.0" encoding="utf-8"?>
+<p:sld xmlns:a="http://schemas.openxmlformats.org/drawingml/2006/main" xmlns:r="http://schemas.openxmlformats.org/officeDocument/2006/relationships" xmlns:p="http://schemas.openxmlformats.org/presentationml/2006/main">
+  <p:cSld>
+    <p:spTree>
+      <p:nvGrpSpPr>
+        <p:cNvPr id="1" name=""/>
+        <p:cNvGrpSpPr/>
+        <p:nvPr/>
+      </p:nvGrpSpPr>
+      <p:grpSpPr>
+        <a:xfrm>
+          <a:off x="0" y="0"/>
+          <a:ext cx="0" cy="0"/>
+          <a:chOff x="0" y="0"/>
+          <a:chExt cx="0" cy="0"/>
+        </a:xfrm>
+      </p:grpSpPr>
+      <p:sp>
+        <p:nvSpPr>
           <p:cNvPr id="2" name="Title 1">
             <a:extLst>
               <a:ext uri="{FF2B5EF4-FFF2-40B4-BE49-F238E27FC236}">
-                <a16:creationId xmlns:a16="http://schemas.microsoft.com/office/drawing/2014/main" xmlns="" id="{84EEC1A3-E984-4881-B54A-F1C5E73F7696}"/>
+                <a16:creationId xmlns="" xmlns:a16="http://schemas.microsoft.com/office/drawing/2014/main" id="{84EEC1A3-E984-4881-B54A-F1C5E73F7696}"/>
               </a:ext>
             </a:extLst>
           </p:cNvPr>
@@ -5213,7 +6284,7 @@
           <p:cNvPr id="12" name="Content Placeholder 2">
             <a:extLst>
               <a:ext uri="{FF2B5EF4-FFF2-40B4-BE49-F238E27FC236}">
-                <a16:creationId xmlns:a16="http://schemas.microsoft.com/office/drawing/2014/main" xmlns="" id="{6454B748-3B9E-49AD-A4D5-FC6C95CAE875}"/>
+                <a16:creationId xmlns="" xmlns:a16="http://schemas.microsoft.com/office/drawing/2014/main" id="{6454B748-3B9E-49AD-A4D5-FC6C95CAE875}"/>
               </a:ext>
             </a:extLst>
           </p:cNvPr>
@@ -5495,7 +6566,7 @@
 </p:sld>
 </file>
 
-<file path=ppt/slides/slide19.xml><?xml version="1.0" encoding="utf-8"?>
+<file path=ppt/slides/slide21.xml><?xml version="1.0" encoding="utf-8"?>
 <p:sld xmlns:a="http://schemas.openxmlformats.org/drawingml/2006/main" xmlns:r="http://schemas.openxmlformats.org/officeDocument/2006/relationships" xmlns:p="http://schemas.openxmlformats.org/presentationml/2006/main">
   <p:cSld>
     <p:spTree>
@@ -5517,7 +6588,7 @@
           <p:cNvPr id="2" name="Title 1">
             <a:extLst>
               <a:ext uri="{FF2B5EF4-FFF2-40B4-BE49-F238E27FC236}">
-                <a16:creationId xmlns:a16="http://schemas.microsoft.com/office/drawing/2014/main" xmlns="" id="{84EEC1A3-E984-4881-B54A-F1C5E73F7696}"/>
+                <a16:creationId xmlns="" xmlns:a16="http://schemas.microsoft.com/office/drawing/2014/main" id="{84EEC1A3-E984-4881-B54A-F1C5E73F7696}"/>
               </a:ext>
             </a:extLst>
           </p:cNvPr>
@@ -5577,7 +6648,7 @@
           <p:cNvPr id="7" name="Content Placeholder 2">
             <a:extLst>
               <a:ext uri="{FF2B5EF4-FFF2-40B4-BE49-F238E27FC236}">
-                <a16:creationId xmlns:a16="http://schemas.microsoft.com/office/drawing/2014/main" xmlns="" id="{6454B748-3B9E-49AD-A4D5-FC6C95CAE875}"/>
+                <a16:creationId xmlns="" xmlns:a16="http://schemas.microsoft.com/office/drawing/2014/main" id="{6454B748-3B9E-49AD-A4D5-FC6C95CAE875}"/>
               </a:ext>
             </a:extLst>
           </p:cNvPr>
@@ -5630,7 +6701,7 @@
 </p:sld>
 </file>
 
-<file path=ppt/slides/slide2.xml><?xml version="1.0" encoding="utf-8"?>
+<file path=ppt/slides/slide22.xml><?xml version="1.0" encoding="utf-8"?>
 <p:sld xmlns:a="http://schemas.openxmlformats.org/drawingml/2006/main" xmlns:r="http://schemas.openxmlformats.org/officeDocument/2006/relationships" xmlns:p="http://schemas.openxmlformats.org/presentationml/2006/main">
   <p:cSld>
     <p:spTree>
@@ -5649,761 +6720,10 @@
       </p:grpSpPr>
       <p:sp>
         <p:nvSpPr>
-          <p:cNvPr id="6" name="Rectangle 5">
-            <a:extLst>
-              <a:ext uri="{FF2B5EF4-FFF2-40B4-BE49-F238E27FC236}">
-                <a16:creationId xmlns:a16="http://schemas.microsoft.com/office/drawing/2014/main" xmlns="" id="{B69F860C-3DD8-4B3C-9AD3-19A463E43850}"/>
-              </a:ext>
-            </a:extLst>
-          </p:cNvPr>
-          <p:cNvSpPr/>
-          <p:nvPr/>
-        </p:nvSpPr>
-        <p:spPr>
-          <a:xfrm>
-            <a:off x="245805" y="176982"/>
-            <a:ext cx="5019369" cy="924231"/>
-          </a:xfrm>
-          <a:prstGeom prst="rect">
-            <a:avLst/>
-          </a:prstGeom>
-        </p:spPr>
-        <p:style>
-          <a:lnRef idx="2">
-            <a:schemeClr val="accent1">
-              <a:shade val="50000"/>
-            </a:schemeClr>
-          </a:lnRef>
-          <a:fillRef idx="1">
-            <a:schemeClr val="accent1"/>
-          </a:fillRef>
-          <a:effectRef idx="0">
-            <a:schemeClr val="accent1"/>
-          </a:effectRef>
-          <a:fontRef idx="minor">
-            <a:schemeClr val="lt1"/>
-          </a:fontRef>
-        </p:style>
-        <p:txBody>
-          <a:bodyPr rtlCol="0" anchor="ctr"/>
-          <a:lstStyle/>
-          <a:p>
-            <a:pPr algn="ctr"/>
-            <a:r>
-              <a:rPr lang="en-US" dirty="0"/>
-              <a:t>TIM DATA SCIENCE</a:t>
-            </a:r>
-          </a:p>
-        </p:txBody>
-      </p:sp>
-      <p:sp>
-        <p:nvSpPr>
-          <p:cNvPr id="7" name="Rectangle 6">
-            <a:extLst>
-              <a:ext uri="{FF2B5EF4-FFF2-40B4-BE49-F238E27FC236}">
-                <a16:creationId xmlns:a16="http://schemas.microsoft.com/office/drawing/2014/main" xmlns="" id="{DC7A9CFE-7D7A-4C6B-806D-32870BC47BAE}"/>
-              </a:ext>
-            </a:extLst>
-          </p:cNvPr>
-          <p:cNvSpPr/>
-          <p:nvPr/>
-        </p:nvSpPr>
-        <p:spPr>
-          <a:xfrm>
-            <a:off x="245806" y="1248697"/>
-            <a:ext cx="2418736" cy="2772697"/>
-          </a:xfrm>
-          <a:prstGeom prst="rect">
-            <a:avLst/>
-          </a:prstGeom>
-        </p:spPr>
-        <p:style>
-          <a:lnRef idx="2">
-            <a:schemeClr val="accent6"/>
-          </a:lnRef>
-          <a:fillRef idx="1">
-            <a:schemeClr val="lt1"/>
-          </a:fillRef>
-          <a:effectRef idx="0">
-            <a:schemeClr val="accent6"/>
-          </a:effectRef>
-          <a:fontRef idx="minor">
-            <a:schemeClr val="dk1"/>
-          </a:fontRef>
-        </p:style>
-        <p:txBody>
-          <a:bodyPr rtlCol="0" anchor="ctr"/>
-          <a:lstStyle/>
-          <a:p>
-            <a:pPr marL="342900" indent="-342900" algn="ctr">
-              <a:buAutoNum type="arabicPeriod"/>
-            </a:pPr>
-            <a:r>
-              <a:rPr lang="en-US" dirty="0" err="1"/>
-              <a:t>Terima</a:t>
-            </a:r>
-            <a:r>
-              <a:rPr lang="en-US" dirty="0"/>
-              <a:t> report </a:t>
-            </a:r>
-            <a:r>
-              <a:rPr lang="en-US" dirty="0" err="1"/>
-              <a:t>dari</a:t>
-            </a:r>
-            <a:r>
-              <a:rPr lang="en-US" dirty="0"/>
-              <a:t> </a:t>
-            </a:r>
-            <a:r>
-              <a:rPr lang="en-US" dirty="0" err="1"/>
-              <a:t>tim</a:t>
-            </a:r>
-            <a:r>
-              <a:rPr lang="en-US" dirty="0"/>
-              <a:t> marketing</a:t>
-            </a:r>
-          </a:p>
-          <a:p>
-            <a:pPr marL="342900" indent="-342900" algn="ctr">
-              <a:buAutoNum type="arabicPeriod"/>
-            </a:pPr>
-            <a:r>
-              <a:rPr lang="en-US" dirty="0"/>
-              <a:t>Dari report </a:t>
-            </a:r>
-            <a:r>
-              <a:rPr lang="en-US" dirty="0" err="1"/>
-              <a:t>tersebut</a:t>
-            </a:r>
-            <a:r>
-              <a:rPr lang="en-US" dirty="0"/>
-              <a:t> </a:t>
-            </a:r>
-            <a:r>
-              <a:rPr lang="en-US" dirty="0" err="1"/>
-              <a:t>didaptkan</a:t>
-            </a:r>
-            <a:r>
-              <a:rPr lang="en-US" dirty="0"/>
-              <a:t> </a:t>
-            </a:r>
-            <a:r>
-              <a:rPr lang="en-US" dirty="0" err="1"/>
-              <a:t>masih</a:t>
-            </a:r>
-            <a:r>
-              <a:rPr lang="en-US" dirty="0"/>
-              <a:t> </a:t>
-            </a:r>
-            <a:r>
-              <a:rPr lang="en-US" dirty="0" err="1"/>
-              <a:t>gagal</a:t>
-            </a:r>
-            <a:r>
-              <a:rPr lang="en-US" dirty="0"/>
-              <a:t> (88% </a:t>
-            </a:r>
-            <a:r>
-              <a:rPr lang="en-US" dirty="0" err="1"/>
-              <a:t>tdk</a:t>
-            </a:r>
-            <a:r>
-              <a:rPr lang="en-US" dirty="0"/>
-              <a:t> </a:t>
-            </a:r>
-            <a:r>
-              <a:rPr lang="en-US" dirty="0" err="1"/>
-              <a:t>beli</a:t>
-            </a:r>
-            <a:r>
-              <a:rPr lang="en-US" dirty="0"/>
-              <a:t> </a:t>
-            </a:r>
-            <a:r>
-              <a:rPr lang="en-US" dirty="0" err="1"/>
-              <a:t>deposito</a:t>
-            </a:r>
-            <a:r>
-              <a:rPr lang="en-US" dirty="0"/>
-              <a:t>)</a:t>
-            </a:r>
-          </a:p>
-          <a:p>
-            <a:pPr marL="342900" indent="-342900" algn="ctr">
-              <a:buAutoNum type="arabicPeriod"/>
-            </a:pPr>
-            <a:r>
-              <a:rPr lang="en-US" dirty="0" err="1"/>
-              <a:t>Evaluasi</a:t>
-            </a:r>
-            <a:endParaRPr lang="en-US" dirty="0"/>
-          </a:p>
-        </p:txBody>
-      </p:sp>
-      <p:sp>
-        <p:nvSpPr>
-          <p:cNvPr id="8" name="Arrow: Right 7">
-            <a:extLst>
-              <a:ext uri="{FF2B5EF4-FFF2-40B4-BE49-F238E27FC236}">
-                <a16:creationId xmlns:a16="http://schemas.microsoft.com/office/drawing/2014/main" xmlns="" id="{5230BFF4-90C0-448F-8655-E62BB29256A3}"/>
-              </a:ext>
-            </a:extLst>
-          </p:cNvPr>
-          <p:cNvSpPr/>
-          <p:nvPr/>
-        </p:nvSpPr>
-        <p:spPr>
-          <a:xfrm>
-            <a:off x="5048865" y="1248698"/>
-            <a:ext cx="1307690" cy="914400"/>
-          </a:xfrm>
-          <a:prstGeom prst="rightArrow">
-            <a:avLst/>
-          </a:prstGeom>
-        </p:spPr>
-        <p:style>
-          <a:lnRef idx="2">
-            <a:schemeClr val="accent1">
-              <a:shade val="50000"/>
-            </a:schemeClr>
-          </a:lnRef>
-          <a:fillRef idx="1">
-            <a:schemeClr val="accent1"/>
-          </a:fillRef>
-          <a:effectRef idx="0">
-            <a:schemeClr val="accent1"/>
-          </a:effectRef>
-          <a:fontRef idx="minor">
-            <a:schemeClr val="lt1"/>
-          </a:fontRef>
-        </p:style>
-        <p:txBody>
-          <a:bodyPr rtlCol="0" anchor="ctr"/>
-          <a:lstStyle/>
-          <a:p>
-            <a:pPr algn="ctr"/>
-            <a:endParaRPr lang="en-US"/>
-          </a:p>
-        </p:txBody>
-      </p:sp>
-      <p:sp>
-        <p:nvSpPr>
-          <p:cNvPr id="10" name="Star: 6 Points 9">
-            <a:extLst>
-              <a:ext uri="{FF2B5EF4-FFF2-40B4-BE49-F238E27FC236}">
-                <a16:creationId xmlns:a16="http://schemas.microsoft.com/office/drawing/2014/main" xmlns="" id="{50B4BDF3-4192-47A7-B59C-EE4FAD5DE0B0}"/>
-              </a:ext>
-            </a:extLst>
-          </p:cNvPr>
-          <p:cNvSpPr/>
-          <p:nvPr/>
-        </p:nvSpPr>
-        <p:spPr>
-          <a:xfrm>
-            <a:off x="6422923" y="442452"/>
-            <a:ext cx="2330245" cy="2330245"/>
-          </a:xfrm>
-          <a:prstGeom prst="star6">
-            <a:avLst/>
-          </a:prstGeom>
-        </p:spPr>
-        <p:style>
-          <a:lnRef idx="2">
-            <a:schemeClr val="accent1">
-              <a:shade val="50000"/>
-            </a:schemeClr>
-          </a:lnRef>
-          <a:fillRef idx="1">
-            <a:schemeClr val="accent1"/>
-          </a:fillRef>
-          <a:effectRef idx="0">
-            <a:schemeClr val="accent1"/>
-          </a:effectRef>
-          <a:fontRef idx="minor">
-            <a:schemeClr val="lt1"/>
-          </a:fontRef>
-        </p:style>
-        <p:txBody>
-          <a:bodyPr rtlCol="0" anchor="ctr"/>
-          <a:lstStyle/>
-          <a:p>
-            <a:pPr algn="ctr"/>
-            <a:r>
-              <a:rPr lang="en-US" dirty="0"/>
-              <a:t>PERLU DIBUAT MODEL</a:t>
-            </a:r>
-          </a:p>
-        </p:txBody>
-      </p:sp>
-      <p:sp>
-        <p:nvSpPr>
-          <p:cNvPr id="11" name="Rectangle 10">
-            <a:extLst>
-              <a:ext uri="{FF2B5EF4-FFF2-40B4-BE49-F238E27FC236}">
-                <a16:creationId xmlns:a16="http://schemas.microsoft.com/office/drawing/2014/main" xmlns="" id="{7B8F2F6E-973E-431B-8946-9ED27879C274}"/>
-              </a:ext>
-            </a:extLst>
-          </p:cNvPr>
-          <p:cNvSpPr/>
-          <p:nvPr/>
-        </p:nvSpPr>
-        <p:spPr>
-          <a:xfrm>
-            <a:off x="6378677" y="2871019"/>
-            <a:ext cx="2418736" cy="1347020"/>
-          </a:xfrm>
-          <a:prstGeom prst="rect">
-            <a:avLst/>
-          </a:prstGeom>
-        </p:spPr>
-        <p:style>
-          <a:lnRef idx="2">
-            <a:schemeClr val="accent6"/>
-          </a:lnRef>
-          <a:fillRef idx="1">
-            <a:schemeClr val="lt1"/>
-          </a:fillRef>
-          <a:effectRef idx="0">
-            <a:schemeClr val="accent6"/>
-          </a:effectRef>
-          <a:fontRef idx="minor">
-            <a:schemeClr val="dk1"/>
-          </a:fontRef>
-        </p:style>
-        <p:txBody>
-          <a:bodyPr rtlCol="0" anchor="ctr"/>
-          <a:lstStyle/>
-          <a:p>
-            <a:pPr algn="ctr"/>
-            <a:r>
-              <a:rPr lang="en-US" dirty="0"/>
-              <a:t>[PENTING] model </a:t>
-            </a:r>
-            <a:r>
-              <a:rPr lang="en-US" dirty="0" err="1"/>
-              <a:t>digunakan</a:t>
-            </a:r>
-            <a:r>
-              <a:rPr lang="en-US" dirty="0"/>
-              <a:t> </a:t>
-            </a:r>
-            <a:r>
-              <a:rPr lang="en-US" dirty="0" err="1"/>
-              <a:t>sebelum</a:t>
-            </a:r>
-            <a:r>
-              <a:rPr lang="en-US" dirty="0"/>
-              <a:t> </a:t>
-            </a:r>
-            <a:r>
-              <a:rPr lang="en-US" dirty="0" err="1"/>
-              <a:t>melakukan</a:t>
-            </a:r>
-            <a:r>
-              <a:rPr lang="en-US" dirty="0"/>
-              <a:t> campaign/program marketing</a:t>
-            </a:r>
-          </a:p>
-        </p:txBody>
-      </p:sp>
-      <p:sp>
-        <p:nvSpPr>
-          <p:cNvPr id="12" name="Rectangle 11">
-            <a:extLst>
-              <a:ext uri="{FF2B5EF4-FFF2-40B4-BE49-F238E27FC236}">
-                <a16:creationId xmlns:a16="http://schemas.microsoft.com/office/drawing/2014/main" xmlns="" id="{825980B7-833F-401F-A9FF-1110D070F93F}"/>
-              </a:ext>
-            </a:extLst>
-          </p:cNvPr>
-          <p:cNvSpPr/>
-          <p:nvPr/>
-        </p:nvSpPr>
-        <p:spPr>
-          <a:xfrm>
-            <a:off x="6378677" y="4360607"/>
-            <a:ext cx="2418736" cy="2241756"/>
-          </a:xfrm>
-          <a:prstGeom prst="rect">
-            <a:avLst/>
-          </a:prstGeom>
-        </p:spPr>
-        <p:style>
-          <a:lnRef idx="2">
-            <a:schemeClr val="accent6"/>
-          </a:lnRef>
-          <a:fillRef idx="1">
-            <a:schemeClr val="lt1"/>
-          </a:fillRef>
-          <a:effectRef idx="0">
-            <a:schemeClr val="accent6"/>
-          </a:effectRef>
-          <a:fontRef idx="minor">
-            <a:schemeClr val="dk1"/>
-          </a:fontRef>
-        </p:style>
-        <p:txBody>
-          <a:bodyPr rtlCol="0" anchor="ctr"/>
-          <a:lstStyle/>
-          <a:p>
-            <a:pPr algn="ctr"/>
-            <a:r>
-              <a:rPr lang="en-US" dirty="0"/>
-              <a:t>Kolom di dataset model yang </a:t>
-            </a:r>
-            <a:r>
-              <a:rPr lang="en-US" dirty="0" err="1"/>
-              <a:t>dipakai</a:t>
-            </a:r>
-            <a:r>
-              <a:rPr lang="en-US" dirty="0"/>
-              <a:t> </a:t>
-            </a:r>
-            <a:r>
-              <a:rPr lang="en-US" dirty="0" err="1"/>
-              <a:t>adalah</a:t>
-            </a:r>
-            <a:r>
-              <a:rPr lang="en-US" dirty="0"/>
-              <a:t> KOLOM YG BISA DIDAPATKAN </a:t>
-            </a:r>
-            <a:r>
-              <a:rPr lang="en-US" dirty="0" err="1"/>
-              <a:t>Sebelum</a:t>
-            </a:r>
-            <a:r>
-              <a:rPr lang="en-US" dirty="0"/>
-              <a:t> </a:t>
-            </a:r>
-            <a:r>
-              <a:rPr lang="en-US" dirty="0" err="1"/>
-              <a:t>melakukan</a:t>
-            </a:r>
-            <a:r>
-              <a:rPr lang="en-US" dirty="0"/>
-              <a:t> Campaign</a:t>
-            </a:r>
-          </a:p>
-        </p:txBody>
-      </p:sp>
-      <p:sp>
-        <p:nvSpPr>
-          <p:cNvPr id="13" name="Rectangle 12">
-            <a:extLst>
-              <a:ext uri="{FF2B5EF4-FFF2-40B4-BE49-F238E27FC236}">
-                <a16:creationId xmlns:a16="http://schemas.microsoft.com/office/drawing/2014/main" xmlns="" id="{6DC299E1-1B01-4DC8-A1D6-3365EC8ED552}"/>
-              </a:ext>
-            </a:extLst>
-          </p:cNvPr>
-          <p:cNvSpPr/>
-          <p:nvPr/>
-        </p:nvSpPr>
-        <p:spPr>
-          <a:xfrm>
-            <a:off x="776749" y="4606414"/>
-            <a:ext cx="3244645" cy="1750142"/>
-          </a:xfrm>
-          <a:prstGeom prst="rect">
-            <a:avLst/>
-          </a:prstGeom>
-          <a:ln w="57150">
-            <a:solidFill>
-              <a:schemeClr val="tx1"/>
-            </a:solidFill>
-            <a:prstDash val="dashDot"/>
-          </a:ln>
-        </p:spPr>
-        <p:style>
-          <a:lnRef idx="2">
-            <a:schemeClr val="accent6"/>
-          </a:lnRef>
-          <a:fillRef idx="1">
-            <a:schemeClr val="lt1"/>
-          </a:fillRef>
-          <a:effectRef idx="0">
-            <a:schemeClr val="accent6"/>
-          </a:effectRef>
-          <a:fontRef idx="minor">
-            <a:schemeClr val="dk1"/>
-          </a:fontRef>
-        </p:style>
-        <p:txBody>
-          <a:bodyPr rtlCol="0" anchor="ctr"/>
-          <a:lstStyle/>
-          <a:p>
-            <a:pPr algn="ctr"/>
-            <a:r>
-              <a:rPr lang="en-US" dirty="0"/>
-              <a:t>!!  INGAT  !!</a:t>
-            </a:r>
-          </a:p>
-          <a:p>
-            <a:pPr algn="ctr"/>
-            <a:endParaRPr lang="en-US" dirty="0"/>
-          </a:p>
-          <a:p>
-            <a:pPr algn="ctr"/>
-            <a:r>
-              <a:rPr lang="en-US" dirty="0"/>
-              <a:t>Calon customer yang di approach </a:t>
-            </a:r>
-            <a:r>
-              <a:rPr lang="en-US" dirty="0" err="1"/>
-              <a:t>adalah</a:t>
-            </a:r>
-            <a:r>
-              <a:rPr lang="en-US" dirty="0"/>
-              <a:t> </a:t>
-            </a:r>
-            <a:r>
-              <a:rPr lang="en-US" dirty="0" err="1"/>
-              <a:t>nasabah</a:t>
-            </a:r>
-            <a:r>
-              <a:rPr lang="en-US" dirty="0"/>
-              <a:t> bank </a:t>
-            </a:r>
-            <a:r>
-              <a:rPr lang="en-US" dirty="0" err="1"/>
-              <a:t>tersebut</a:t>
-            </a:r>
-            <a:endParaRPr lang="en-US" dirty="0"/>
-          </a:p>
-        </p:txBody>
-      </p:sp>
-      <p:sp>
-        <p:nvSpPr>
-          <p:cNvPr id="9" name="Arrow: Right 8">
-            <a:extLst>
-              <a:ext uri="{FF2B5EF4-FFF2-40B4-BE49-F238E27FC236}">
-                <a16:creationId xmlns:a16="http://schemas.microsoft.com/office/drawing/2014/main" xmlns="" id="{199FF53C-44D6-4140-BA6D-4BFCB9D42FCF}"/>
-              </a:ext>
-            </a:extLst>
-          </p:cNvPr>
-          <p:cNvSpPr/>
-          <p:nvPr/>
-        </p:nvSpPr>
-        <p:spPr>
-          <a:xfrm>
-            <a:off x="8819536" y="1106130"/>
-            <a:ext cx="752168" cy="914400"/>
-          </a:xfrm>
-          <a:prstGeom prst="rightArrow">
-            <a:avLst/>
-          </a:prstGeom>
-        </p:spPr>
-        <p:style>
-          <a:lnRef idx="2">
-            <a:schemeClr val="accent1">
-              <a:shade val="50000"/>
-            </a:schemeClr>
-          </a:lnRef>
-          <a:fillRef idx="1">
-            <a:schemeClr val="accent1"/>
-          </a:fillRef>
-          <a:effectRef idx="0">
-            <a:schemeClr val="accent1"/>
-          </a:effectRef>
-          <a:fontRef idx="minor">
-            <a:schemeClr val="lt1"/>
-          </a:fontRef>
-        </p:style>
-        <p:txBody>
-          <a:bodyPr rtlCol="0" anchor="ctr"/>
-          <a:lstStyle/>
-          <a:p>
-            <a:pPr algn="ctr"/>
-            <a:endParaRPr lang="en-US"/>
-          </a:p>
-        </p:txBody>
-      </p:sp>
-      <p:sp>
-        <p:nvSpPr>
-          <p:cNvPr id="2" name="Oval 1">
-            <a:extLst>
-              <a:ext uri="{FF2B5EF4-FFF2-40B4-BE49-F238E27FC236}">
-                <a16:creationId xmlns:a16="http://schemas.microsoft.com/office/drawing/2014/main" xmlns="" id="{5E49095A-1E8E-4BD3-922A-E2010D50DAE2}"/>
-              </a:ext>
-            </a:extLst>
-          </p:cNvPr>
-          <p:cNvSpPr/>
-          <p:nvPr/>
-        </p:nvSpPr>
-        <p:spPr>
-          <a:xfrm>
-            <a:off x="9615949" y="550606"/>
-            <a:ext cx="2330245" cy="2330245"/>
-          </a:xfrm>
-          <a:prstGeom prst="ellipse">
-            <a:avLst/>
-          </a:prstGeom>
-        </p:spPr>
-        <p:style>
-          <a:lnRef idx="2">
-            <a:schemeClr val="accent1">
-              <a:shade val="50000"/>
-            </a:schemeClr>
-          </a:lnRef>
-          <a:fillRef idx="1">
-            <a:schemeClr val="accent1"/>
-          </a:fillRef>
-          <a:effectRef idx="0">
-            <a:schemeClr val="accent1"/>
-          </a:effectRef>
-          <a:fontRef idx="minor">
-            <a:schemeClr val="lt1"/>
-          </a:fontRef>
-        </p:style>
-        <p:txBody>
-          <a:bodyPr rtlCol="0" anchor="ctr"/>
-          <a:lstStyle/>
-          <a:p>
-            <a:pPr algn="ctr"/>
-            <a:r>
-              <a:rPr lang="en-US" dirty="0"/>
-              <a:t>Model </a:t>
-            </a:r>
-            <a:r>
-              <a:rPr lang="en-US" dirty="0" err="1"/>
-              <a:t>untuk</a:t>
-            </a:r>
-            <a:r>
-              <a:rPr lang="en-US" dirty="0"/>
-              <a:t> </a:t>
-            </a:r>
-            <a:r>
-              <a:rPr lang="en-US" dirty="0" err="1"/>
-              <a:t>prediksi</a:t>
-            </a:r>
-            <a:r>
-              <a:rPr lang="en-US" dirty="0"/>
-              <a:t> </a:t>
-            </a:r>
-            <a:r>
-              <a:rPr lang="en-US" dirty="0" err="1"/>
-              <a:t>calon</a:t>
-            </a:r>
-            <a:r>
-              <a:rPr lang="en-US" dirty="0"/>
-              <a:t> customer </a:t>
-            </a:r>
-            <a:r>
-              <a:rPr lang="en-US" dirty="0" err="1"/>
-              <a:t>untuk</a:t>
-            </a:r>
-            <a:r>
-              <a:rPr lang="en-US" dirty="0"/>
-              <a:t> program marketing </a:t>
-            </a:r>
-            <a:r>
-              <a:rPr lang="en-US" dirty="0" err="1"/>
-              <a:t>selanjutnya</a:t>
-            </a:r>
-            <a:endParaRPr lang="en-US" dirty="0"/>
-          </a:p>
-        </p:txBody>
-      </p:sp>
-      <p:sp>
-        <p:nvSpPr>
-          <p:cNvPr id="14" name="Rectangle 13">
-            <a:extLst>
-              <a:ext uri="{FF2B5EF4-FFF2-40B4-BE49-F238E27FC236}">
-                <a16:creationId xmlns:a16="http://schemas.microsoft.com/office/drawing/2014/main" xmlns="" id="{C19BF0DA-F8BE-4200-8063-53905AE628CC}"/>
-              </a:ext>
-            </a:extLst>
-          </p:cNvPr>
-          <p:cNvSpPr/>
-          <p:nvPr/>
-        </p:nvSpPr>
-        <p:spPr>
-          <a:xfrm>
-            <a:off x="2846439" y="1248697"/>
-            <a:ext cx="2040193" cy="2772697"/>
-          </a:xfrm>
-          <a:prstGeom prst="rect">
-            <a:avLst/>
-          </a:prstGeom>
-        </p:spPr>
-        <p:style>
-          <a:lnRef idx="2">
-            <a:schemeClr val="accent6"/>
-          </a:lnRef>
-          <a:fillRef idx="1">
-            <a:schemeClr val="lt1"/>
-          </a:fillRef>
-          <a:effectRef idx="0">
-            <a:schemeClr val="accent6"/>
-          </a:effectRef>
-          <a:fontRef idx="minor">
-            <a:schemeClr val="dk1"/>
-          </a:fontRef>
-        </p:style>
-        <p:txBody>
-          <a:bodyPr rtlCol="0" anchor="ctr"/>
-          <a:lstStyle/>
-          <a:p>
-            <a:pPr algn="ctr"/>
-            <a:r>
-              <a:rPr lang="en-US" dirty="0" err="1"/>
-              <a:t>Tambahan</a:t>
-            </a:r>
-            <a:r>
-              <a:rPr lang="en-US" dirty="0"/>
-              <a:t> :</a:t>
-            </a:r>
-          </a:p>
-          <a:p>
-            <a:pPr algn="ctr"/>
-            <a:r>
-              <a:rPr lang="en-US" dirty="0"/>
-              <a:t>Concern </a:t>
-            </a:r>
-            <a:r>
-              <a:rPr lang="en-US" dirty="0" err="1"/>
-              <a:t>tim</a:t>
-            </a:r>
-            <a:r>
-              <a:rPr lang="en-US" dirty="0"/>
-              <a:t> marketing di cost campaign</a:t>
-            </a:r>
-          </a:p>
-        </p:txBody>
-      </p:sp>
-    </p:spTree>
-    <p:extLst>
-      <p:ext uri="{BB962C8B-B14F-4D97-AF65-F5344CB8AC3E}">
-        <p14:creationId xmlns:p14="http://schemas.microsoft.com/office/powerpoint/2010/main" val="3754076498"/>
-      </p:ext>
-    </p:extLst>
-  </p:cSld>
-  <p:clrMapOvr>
-    <a:masterClrMapping/>
-  </p:clrMapOvr>
-</p:sld>
-</file>
-
-<file path=ppt/slides/slide20.xml><?xml version="1.0" encoding="utf-8"?>
-<p:sld xmlns:a="http://schemas.openxmlformats.org/drawingml/2006/main" xmlns:r="http://schemas.openxmlformats.org/officeDocument/2006/relationships" xmlns:p="http://schemas.openxmlformats.org/presentationml/2006/main">
-  <p:cSld>
-    <p:spTree>
-      <p:nvGrpSpPr>
-        <p:cNvPr id="1" name=""/>
-        <p:cNvGrpSpPr/>
-        <p:nvPr/>
-      </p:nvGrpSpPr>
-      <p:grpSpPr>
-        <a:xfrm>
-          <a:off x="0" y="0"/>
-          <a:ext cx="0" cy="0"/>
-          <a:chOff x="0" y="0"/>
-          <a:chExt cx="0" cy="0"/>
-        </a:xfrm>
-      </p:grpSpPr>
-      <p:sp>
-        <p:nvSpPr>
           <p:cNvPr id="2" name="Title 1">
             <a:extLst>
               <a:ext uri="{FF2B5EF4-FFF2-40B4-BE49-F238E27FC236}">
-                <a16:creationId xmlns:a16="http://schemas.microsoft.com/office/drawing/2014/main" xmlns="" id="{84EEC1A3-E984-4881-B54A-F1C5E73F7696}"/>
+                <a16:creationId xmlns="" xmlns:a16="http://schemas.microsoft.com/office/drawing/2014/main" id="{84EEC1A3-E984-4881-B54A-F1C5E73F7696}"/>
               </a:ext>
             </a:extLst>
           </p:cNvPr>
@@ -6568,7 +6888,7 @@
 </p:sld>
 </file>
 
-<file path=ppt/slides/slide21.xml><?xml version="1.0" encoding="utf-8"?>
+<file path=ppt/slides/slide23.xml><?xml version="1.0" encoding="utf-8"?>
 <p:sld xmlns:a="http://schemas.openxmlformats.org/drawingml/2006/main" xmlns:r="http://schemas.openxmlformats.org/officeDocument/2006/relationships" xmlns:p="http://schemas.openxmlformats.org/presentationml/2006/main">
   <p:cSld>
     <p:spTree>
@@ -6590,7 +6910,7 @@
           <p:cNvPr id="2" name="Title 1">
             <a:extLst>
               <a:ext uri="{FF2B5EF4-FFF2-40B4-BE49-F238E27FC236}">
-                <a16:creationId xmlns:a16="http://schemas.microsoft.com/office/drawing/2014/main" xmlns="" id="{84EEC1A3-E984-4881-B54A-F1C5E73F7696}"/>
+                <a16:creationId xmlns="" xmlns:a16="http://schemas.microsoft.com/office/drawing/2014/main" id="{84EEC1A3-E984-4881-B54A-F1C5E73F7696}"/>
               </a:ext>
             </a:extLst>
           </p:cNvPr>
@@ -6650,7 +6970,7 @@
           <p:cNvPr id="8" name="Content Placeholder 2">
             <a:extLst>
               <a:ext uri="{FF2B5EF4-FFF2-40B4-BE49-F238E27FC236}">
-                <a16:creationId xmlns:a16="http://schemas.microsoft.com/office/drawing/2014/main" xmlns="" id="{6454B748-3B9E-49AD-A4D5-FC6C95CAE875}"/>
+                <a16:creationId xmlns="" xmlns:a16="http://schemas.microsoft.com/office/drawing/2014/main" id="{6454B748-3B9E-49AD-A4D5-FC6C95CAE875}"/>
               </a:ext>
             </a:extLst>
           </p:cNvPr>
@@ -6909,7 +7229,7 @@
 </p:sld>
 </file>
 
-<file path=ppt/slides/slide22.xml><?xml version="1.0" encoding="utf-8"?>
+<file path=ppt/slides/slide24.xml><?xml version="1.0" encoding="utf-8"?>
 <p:sld xmlns:a="http://schemas.openxmlformats.org/drawingml/2006/main" xmlns:r="http://schemas.openxmlformats.org/officeDocument/2006/relationships" xmlns:p="http://schemas.openxmlformats.org/presentationml/2006/main">
   <p:cSld>
     <p:spTree>
@@ -6931,7 +7251,7 @@
           <p:cNvPr id="2" name="Title 1">
             <a:extLst>
               <a:ext uri="{FF2B5EF4-FFF2-40B4-BE49-F238E27FC236}">
-                <a16:creationId xmlns:a16="http://schemas.microsoft.com/office/drawing/2014/main" xmlns="" id="{84EEC1A3-E984-4881-B54A-F1C5E73F7696}"/>
+                <a16:creationId xmlns="" xmlns:a16="http://schemas.microsoft.com/office/drawing/2014/main" id="{84EEC1A3-E984-4881-B54A-F1C5E73F7696}"/>
               </a:ext>
             </a:extLst>
           </p:cNvPr>
@@ -6959,7 +7279,7 @@
           <p:cNvPr id="3" name="Content Placeholder 2">
             <a:extLst>
               <a:ext uri="{FF2B5EF4-FFF2-40B4-BE49-F238E27FC236}">
-                <a16:creationId xmlns:a16="http://schemas.microsoft.com/office/drawing/2014/main" xmlns="" id="{6454B748-3B9E-49AD-A4D5-FC6C95CAE875}"/>
+                <a16:creationId xmlns="" xmlns:a16="http://schemas.microsoft.com/office/drawing/2014/main" id="{6454B748-3B9E-49AD-A4D5-FC6C95CAE875}"/>
               </a:ext>
             </a:extLst>
           </p:cNvPr>
@@ -7070,7 +7390,7 @@
 </p:sld>
 </file>
 
-<file path=ppt/slides/slide23.xml><?xml version="1.0" encoding="utf-8"?>
+<file path=ppt/slides/slide25.xml><?xml version="1.0" encoding="utf-8"?>
 <p:sld xmlns:a="http://schemas.openxmlformats.org/drawingml/2006/main" xmlns:r="http://schemas.openxmlformats.org/officeDocument/2006/relationships" xmlns:p="http://schemas.openxmlformats.org/presentationml/2006/main">
   <p:cSld>
     <p:spTree>
@@ -7092,7 +7412,7 @@
           <p:cNvPr id="2" name="Title 1">
             <a:extLst>
               <a:ext uri="{FF2B5EF4-FFF2-40B4-BE49-F238E27FC236}">
-                <a16:creationId xmlns:a16="http://schemas.microsoft.com/office/drawing/2014/main" xmlns="" id="{84EEC1A3-E984-4881-B54A-F1C5E73F7696}"/>
+                <a16:creationId xmlns="" xmlns:a16="http://schemas.microsoft.com/office/drawing/2014/main" id="{84EEC1A3-E984-4881-B54A-F1C5E73F7696}"/>
               </a:ext>
             </a:extLst>
           </p:cNvPr>
@@ -7121,7 +7441,7 @@
           <p:cNvPr id="3" name="Content Placeholder 2">
             <a:extLst>
               <a:ext uri="{FF2B5EF4-FFF2-40B4-BE49-F238E27FC236}">
-                <a16:creationId xmlns:a16="http://schemas.microsoft.com/office/drawing/2014/main" xmlns="" id="{6454B748-3B9E-49AD-A4D5-FC6C95CAE875}"/>
+                <a16:creationId xmlns="" xmlns:a16="http://schemas.microsoft.com/office/drawing/2014/main" id="{6454B748-3B9E-49AD-A4D5-FC6C95CAE875}"/>
               </a:ext>
             </a:extLst>
           </p:cNvPr>
@@ -7215,7 +7535,7 @@
 </p:sld>
 </file>
 
-<file path=ppt/slides/slide24.xml><?xml version="1.0" encoding="utf-8"?>
+<file path=ppt/slides/slide26.xml><?xml version="1.0" encoding="utf-8"?>
 <p:sld xmlns:a="http://schemas.openxmlformats.org/drawingml/2006/main" xmlns:r="http://schemas.openxmlformats.org/officeDocument/2006/relationships" xmlns:p="http://schemas.openxmlformats.org/presentationml/2006/main">
   <p:cSld>
     <p:spTree>
@@ -7237,7 +7557,7 @@
           <p:cNvPr id="2" name="Title 1">
             <a:extLst>
               <a:ext uri="{FF2B5EF4-FFF2-40B4-BE49-F238E27FC236}">
-                <a16:creationId xmlns:a16="http://schemas.microsoft.com/office/drawing/2014/main" xmlns="" id="{84EEC1A3-E984-4881-B54A-F1C5E73F7696}"/>
+                <a16:creationId xmlns="" xmlns:a16="http://schemas.microsoft.com/office/drawing/2014/main" id="{84EEC1A3-E984-4881-B54A-F1C5E73F7696}"/>
               </a:ext>
             </a:extLst>
           </p:cNvPr>
@@ -7265,7 +7585,7 @@
           <p:cNvPr id="3" name="Content Placeholder 2">
             <a:extLst>
               <a:ext uri="{FF2B5EF4-FFF2-40B4-BE49-F238E27FC236}">
-                <a16:creationId xmlns:a16="http://schemas.microsoft.com/office/drawing/2014/main" xmlns="" id="{6454B748-3B9E-49AD-A4D5-FC6C95CAE875}"/>
+                <a16:creationId xmlns="" xmlns:a16="http://schemas.microsoft.com/office/drawing/2014/main" id="{6454B748-3B9E-49AD-A4D5-FC6C95CAE875}"/>
               </a:ext>
             </a:extLst>
           </p:cNvPr>
@@ -7336,7 +7656,7 @@
           <p:cNvPr id="8" name="Rectangle 7">
             <a:extLst>
               <a:ext uri="{FF2B5EF4-FFF2-40B4-BE49-F238E27FC236}">
-                <a16:creationId xmlns:a16="http://schemas.microsoft.com/office/drawing/2014/main" xmlns="" id="{8515B476-9AE4-4AAD-AE67-BDA429550E09}"/>
+                <a16:creationId xmlns="" xmlns:a16="http://schemas.microsoft.com/office/drawing/2014/main" id="{8515B476-9AE4-4AAD-AE67-BDA429550E09}"/>
               </a:ext>
             </a:extLst>
           </p:cNvPr>
@@ -7474,7 +7794,7 @@
           <p:cNvPr id="13" name="Rectangle 12">
             <a:extLst>
               <a:ext uri="{FF2B5EF4-FFF2-40B4-BE49-F238E27FC236}">
-                <a16:creationId xmlns:a16="http://schemas.microsoft.com/office/drawing/2014/main" xmlns="" id="{192540AC-FAB7-4396-8CB5-2C7D20F3F54C}"/>
+                <a16:creationId xmlns="" xmlns:a16="http://schemas.microsoft.com/office/drawing/2014/main" id="{192540AC-FAB7-4396-8CB5-2C7D20F3F54C}"/>
               </a:ext>
             </a:extLst>
           </p:cNvPr>
@@ -7528,7 +7848,7 @@
           <p:cNvPr id="14" name="Heart 13">
             <a:extLst>
               <a:ext uri="{FF2B5EF4-FFF2-40B4-BE49-F238E27FC236}">
-                <a16:creationId xmlns:a16="http://schemas.microsoft.com/office/drawing/2014/main" xmlns="" id="{392E5D61-A213-4BB0-8A6C-3891D20A1E63}"/>
+                <a16:creationId xmlns="" xmlns:a16="http://schemas.microsoft.com/office/drawing/2014/main" id="{392E5D61-A213-4BB0-8A6C-3891D20A1E63}"/>
               </a:ext>
             </a:extLst>
           </p:cNvPr>
@@ -7577,7 +7897,7 @@
           <p:cNvPr id="16" name="Straight Arrow Connector 15">
             <a:extLst>
               <a:ext uri="{FF2B5EF4-FFF2-40B4-BE49-F238E27FC236}">
-                <a16:creationId xmlns:a16="http://schemas.microsoft.com/office/drawing/2014/main" xmlns="" id="{83322147-18E6-47FF-A565-61C82D440560}"/>
+                <a16:creationId xmlns="" xmlns:a16="http://schemas.microsoft.com/office/drawing/2014/main" id="{83322147-18E6-47FF-A565-61C82D440560}"/>
               </a:ext>
             </a:extLst>
           </p:cNvPr>
@@ -7616,7 +7936,7 @@
           <p:cNvPr id="18" name="Straight Arrow Connector 17">
             <a:extLst>
               <a:ext uri="{FF2B5EF4-FFF2-40B4-BE49-F238E27FC236}">
-                <a16:creationId xmlns:a16="http://schemas.microsoft.com/office/drawing/2014/main" xmlns="" id="{AB6CADEF-896F-46F4-AA50-D5EF02B4A05E}"/>
+                <a16:creationId xmlns="" xmlns:a16="http://schemas.microsoft.com/office/drawing/2014/main" id="{AB6CADEF-896F-46F4-AA50-D5EF02B4A05E}"/>
               </a:ext>
             </a:extLst>
           </p:cNvPr>
@@ -7658,7 +7978,7 @@
           <p:cNvPr id="19" name="Rectangle 18">
             <a:extLst>
               <a:ext uri="{FF2B5EF4-FFF2-40B4-BE49-F238E27FC236}">
-                <a16:creationId xmlns:a16="http://schemas.microsoft.com/office/drawing/2014/main" xmlns="" id="{D883E966-3ECB-48E2-8C85-6EEFAA30C00E}"/>
+                <a16:creationId xmlns="" xmlns:a16="http://schemas.microsoft.com/office/drawing/2014/main" id="{D883E966-3ECB-48E2-8C85-6EEFAA30C00E}"/>
               </a:ext>
             </a:extLst>
           </p:cNvPr>
@@ -7715,7 +8035,7 @@
           <p:cNvPr id="20" name="Rectangle 19">
             <a:extLst>
               <a:ext uri="{FF2B5EF4-FFF2-40B4-BE49-F238E27FC236}">
-                <a16:creationId xmlns:a16="http://schemas.microsoft.com/office/drawing/2014/main" xmlns="" id="{414D189D-384A-4901-95D0-FA83581327B1}"/>
+                <a16:creationId xmlns="" xmlns:a16="http://schemas.microsoft.com/office/drawing/2014/main" id="{414D189D-384A-4901-95D0-FA83581327B1}"/>
               </a:ext>
             </a:extLst>
           </p:cNvPr>
@@ -7784,7 +8104,7 @@
           <p:cNvPr id="21" name="Arrow: Right 20">
             <a:extLst>
               <a:ext uri="{FF2B5EF4-FFF2-40B4-BE49-F238E27FC236}">
-                <a16:creationId xmlns:a16="http://schemas.microsoft.com/office/drawing/2014/main" xmlns="" id="{B4F29545-C968-4923-AE3D-83B08E50170B}"/>
+                <a16:creationId xmlns="" xmlns:a16="http://schemas.microsoft.com/office/drawing/2014/main" id="{B4F29545-C968-4923-AE3D-83B08E50170B}"/>
               </a:ext>
             </a:extLst>
           </p:cNvPr>
@@ -7830,7 +8150,7 @@
           <p:cNvPr id="22" name="Rectangle 21">
             <a:extLst>
               <a:ext uri="{FF2B5EF4-FFF2-40B4-BE49-F238E27FC236}">
-                <a16:creationId xmlns:a16="http://schemas.microsoft.com/office/drawing/2014/main" xmlns="" id="{5A9157F7-6ABD-4250-9D7C-B0F050202771}"/>
+                <a16:creationId xmlns="" xmlns:a16="http://schemas.microsoft.com/office/drawing/2014/main" id="{5A9157F7-6ABD-4250-9D7C-B0F050202771}"/>
               </a:ext>
             </a:extLst>
           </p:cNvPr>
@@ -7910,7 +8230,7 @@
           <p:cNvPr id="28" name="Rectangle 27">
             <a:extLst>
               <a:ext uri="{FF2B5EF4-FFF2-40B4-BE49-F238E27FC236}">
-                <a16:creationId xmlns:a16="http://schemas.microsoft.com/office/drawing/2014/main" xmlns="" id="{B1EB15D2-21A6-4048-9DD4-44D3AB2D1174}"/>
+                <a16:creationId xmlns="" xmlns:a16="http://schemas.microsoft.com/office/drawing/2014/main" id="{B1EB15D2-21A6-4048-9DD4-44D3AB2D1174}"/>
               </a:ext>
             </a:extLst>
           </p:cNvPr>
@@ -7986,7 +8306,7 @@
           <p:cNvPr id="47" name="Rectangle 46">
             <a:extLst>
               <a:ext uri="{FF2B5EF4-FFF2-40B4-BE49-F238E27FC236}">
-                <a16:creationId xmlns:a16="http://schemas.microsoft.com/office/drawing/2014/main" xmlns="" id="{57E843B5-FA73-4782-99AA-E6CF76BCE3F4}"/>
+                <a16:creationId xmlns="" xmlns:a16="http://schemas.microsoft.com/office/drawing/2014/main" id="{57E843B5-FA73-4782-99AA-E6CF76BCE3F4}"/>
               </a:ext>
             </a:extLst>
           </p:cNvPr>
@@ -8075,7 +8395,7 @@
           <p:cNvPr id="49" name="Rectangle 48">
             <a:extLst>
               <a:ext uri="{FF2B5EF4-FFF2-40B4-BE49-F238E27FC236}">
-                <a16:creationId xmlns:a16="http://schemas.microsoft.com/office/drawing/2014/main" xmlns="" id="{31811511-F160-4C5D-A4DC-2DF5D526DBCD}"/>
+                <a16:creationId xmlns="" xmlns:a16="http://schemas.microsoft.com/office/drawing/2014/main" id="{31811511-F160-4C5D-A4DC-2DF5D526DBCD}"/>
               </a:ext>
             </a:extLst>
           </p:cNvPr>
@@ -8128,7 +8448,7 @@
           <p:cNvPr id="11" name="Straight Arrow Connector 10">
             <a:extLst>
               <a:ext uri="{FF2B5EF4-FFF2-40B4-BE49-F238E27FC236}">
-                <a16:creationId xmlns:a16="http://schemas.microsoft.com/office/drawing/2014/main" xmlns="" id="{E66695E6-236C-4B52-93C5-AC271882D16A}"/>
+                <a16:creationId xmlns="" xmlns:a16="http://schemas.microsoft.com/office/drawing/2014/main" id="{E66695E6-236C-4B52-93C5-AC271882D16A}"/>
               </a:ext>
             </a:extLst>
           </p:cNvPr>
@@ -8170,7 +8490,7 @@
           <p:cNvPr id="15" name="Straight Arrow Connector 14">
             <a:extLst>
               <a:ext uri="{FF2B5EF4-FFF2-40B4-BE49-F238E27FC236}">
-                <a16:creationId xmlns:a16="http://schemas.microsoft.com/office/drawing/2014/main" xmlns="" id="{39F2A515-125A-4AA3-B7EB-CF4D191D796B}"/>
+                <a16:creationId xmlns="" xmlns:a16="http://schemas.microsoft.com/office/drawing/2014/main" id="{39F2A515-125A-4AA3-B7EB-CF4D191D796B}"/>
               </a:ext>
             </a:extLst>
           </p:cNvPr>
@@ -8212,7 +8532,7 @@
           <p:cNvPr id="27" name="Straight Arrow Connector 26">
             <a:extLst>
               <a:ext uri="{FF2B5EF4-FFF2-40B4-BE49-F238E27FC236}">
-                <a16:creationId xmlns:a16="http://schemas.microsoft.com/office/drawing/2014/main" xmlns="" id="{A24912AB-02C2-48EB-A066-84282A8C22E4}"/>
+                <a16:creationId xmlns="" xmlns:a16="http://schemas.microsoft.com/office/drawing/2014/main" id="{A24912AB-02C2-48EB-A066-84282A8C22E4}"/>
               </a:ext>
             </a:extLst>
           </p:cNvPr>
@@ -8255,7 +8575,7 @@
           <p:cNvPr id="59" name="Rectangle 58">
             <a:extLst>
               <a:ext uri="{FF2B5EF4-FFF2-40B4-BE49-F238E27FC236}">
-                <a16:creationId xmlns:a16="http://schemas.microsoft.com/office/drawing/2014/main" xmlns="" id="{94EBAC42-4394-47E0-AA46-4BB7C3A29DBB}"/>
+                <a16:creationId xmlns="" xmlns:a16="http://schemas.microsoft.com/office/drawing/2014/main" id="{94EBAC42-4394-47E0-AA46-4BB7C3A29DBB}"/>
               </a:ext>
             </a:extLst>
           </p:cNvPr>
@@ -8316,7 +8636,7 @@
           <p:cNvPr id="39" name="Straight Arrow Connector 38">
             <a:extLst>
               <a:ext uri="{FF2B5EF4-FFF2-40B4-BE49-F238E27FC236}">
-                <a16:creationId xmlns:a16="http://schemas.microsoft.com/office/drawing/2014/main" xmlns="" id="{56F1E56F-6D08-43C3-9CD0-F9856AB2BFCB}"/>
+                <a16:creationId xmlns="" xmlns:a16="http://schemas.microsoft.com/office/drawing/2014/main" id="{56F1E56F-6D08-43C3-9CD0-F9856AB2BFCB}"/>
               </a:ext>
             </a:extLst>
           </p:cNvPr>
@@ -8358,7 +8678,7 @@
           <p:cNvPr id="64" name="Rectangle 63">
             <a:extLst>
               <a:ext uri="{FF2B5EF4-FFF2-40B4-BE49-F238E27FC236}">
-                <a16:creationId xmlns:a16="http://schemas.microsoft.com/office/drawing/2014/main" xmlns="" id="{873AB6BD-1DA9-412E-92D4-8E3706AB1162}"/>
+                <a16:creationId xmlns="" xmlns:a16="http://schemas.microsoft.com/office/drawing/2014/main" id="{873AB6BD-1DA9-412E-92D4-8E3706AB1162}"/>
               </a:ext>
             </a:extLst>
           </p:cNvPr>
@@ -8434,7 +8754,7 @@
           <p:cNvPr id="66" name="Straight Arrow Connector 65">
             <a:extLst>
               <a:ext uri="{FF2B5EF4-FFF2-40B4-BE49-F238E27FC236}">
-                <a16:creationId xmlns:a16="http://schemas.microsoft.com/office/drawing/2014/main" xmlns="" id="{34FCC3EF-D503-44C7-8236-B4369AC6C71B}"/>
+                <a16:creationId xmlns="" xmlns:a16="http://schemas.microsoft.com/office/drawing/2014/main" id="{34FCC3EF-D503-44C7-8236-B4369AC6C71B}"/>
               </a:ext>
             </a:extLst>
           </p:cNvPr>
@@ -8476,7 +8796,7 @@
           <p:cNvPr id="45" name="Straight Arrow Connector 44">
             <a:extLst>
               <a:ext uri="{FF2B5EF4-FFF2-40B4-BE49-F238E27FC236}">
-                <a16:creationId xmlns:a16="http://schemas.microsoft.com/office/drawing/2014/main" xmlns="" id="{948B062E-F9A3-4E06-9C1D-5FE812A34AF1}"/>
+                <a16:creationId xmlns="" xmlns:a16="http://schemas.microsoft.com/office/drawing/2014/main" id="{948B062E-F9A3-4E06-9C1D-5FE812A34AF1}"/>
               </a:ext>
             </a:extLst>
           </p:cNvPr>
@@ -8518,7 +8838,7 @@
           <p:cNvPr id="29" name="Rectangle 28">
             <a:extLst>
               <a:ext uri="{FF2B5EF4-FFF2-40B4-BE49-F238E27FC236}">
-                <a16:creationId xmlns:a16="http://schemas.microsoft.com/office/drawing/2014/main" xmlns="" id="{11F48799-AD9E-4E8A-BD80-7449EDA8548E}"/>
+                <a16:creationId xmlns="" xmlns:a16="http://schemas.microsoft.com/office/drawing/2014/main" id="{11F48799-AD9E-4E8A-BD80-7449EDA8548E}"/>
               </a:ext>
             </a:extLst>
           </p:cNvPr>
@@ -8583,7 +8903,7 @@
           <p:cNvPr id="9" name="Straight Arrow Connector 8">
             <a:extLst>
               <a:ext uri="{FF2B5EF4-FFF2-40B4-BE49-F238E27FC236}">
-                <a16:creationId xmlns:a16="http://schemas.microsoft.com/office/drawing/2014/main" xmlns="" id="{DC2EF522-2915-437A-9A4B-D966AE1BD8C3}"/>
+                <a16:creationId xmlns="" xmlns:a16="http://schemas.microsoft.com/office/drawing/2014/main" id="{DC2EF522-2915-437A-9A4B-D966AE1BD8C3}"/>
               </a:ext>
             </a:extLst>
           </p:cNvPr>
@@ -8624,7 +8944,7 @@
           <p:cNvPr id="12" name="Straight Arrow Connector 11">
             <a:extLst>
               <a:ext uri="{FF2B5EF4-FFF2-40B4-BE49-F238E27FC236}">
-                <a16:creationId xmlns:a16="http://schemas.microsoft.com/office/drawing/2014/main" xmlns="" id="{C806C0F4-B8A8-4BB9-A419-4F30F0B89D19}"/>
+                <a16:creationId xmlns="" xmlns:a16="http://schemas.microsoft.com/office/drawing/2014/main" id="{C806C0F4-B8A8-4BB9-A419-4F30F0B89D19}"/>
               </a:ext>
             </a:extLst>
           </p:cNvPr>
@@ -8666,7 +8986,7 @@
           <p:cNvPr id="23" name="Straight Connector 22">
             <a:extLst>
               <a:ext uri="{FF2B5EF4-FFF2-40B4-BE49-F238E27FC236}">
-                <a16:creationId xmlns:a16="http://schemas.microsoft.com/office/drawing/2014/main" xmlns="" id="{689CBEFC-E1E8-4392-B5FA-82BD665BABA2}"/>
+                <a16:creationId xmlns="" xmlns:a16="http://schemas.microsoft.com/office/drawing/2014/main" id="{689CBEFC-E1E8-4392-B5FA-82BD665BABA2}"/>
               </a:ext>
             </a:extLst>
           </p:cNvPr>
@@ -8702,7 +9022,7 @@
           <p:cNvPr id="25" name="Straight Connector 24">
             <a:extLst>
               <a:ext uri="{FF2B5EF4-FFF2-40B4-BE49-F238E27FC236}">
-                <a16:creationId xmlns:a16="http://schemas.microsoft.com/office/drawing/2014/main" xmlns="" id="{2170B41E-8F17-4A71-8A40-AC53F84BBE26}"/>
+                <a16:creationId xmlns="" xmlns:a16="http://schemas.microsoft.com/office/drawing/2014/main" id="{2170B41E-8F17-4A71-8A40-AC53F84BBE26}"/>
               </a:ext>
             </a:extLst>
           </p:cNvPr>
@@ -8738,7 +9058,7 @@
           <p:cNvPr id="26" name="Rectangle 25">
             <a:extLst>
               <a:ext uri="{FF2B5EF4-FFF2-40B4-BE49-F238E27FC236}">
-                <a16:creationId xmlns:a16="http://schemas.microsoft.com/office/drawing/2014/main" xmlns="" id="{661AE275-EA5D-4A5E-8498-2CBF6FE01557}"/>
+                <a16:creationId xmlns="" xmlns:a16="http://schemas.microsoft.com/office/drawing/2014/main" id="{661AE275-EA5D-4A5E-8498-2CBF6FE01557}"/>
               </a:ext>
             </a:extLst>
           </p:cNvPr>
@@ -8845,7 +9165,7 @@
           <p:cNvPr id="2" name="Title 1">
             <a:extLst>
               <a:ext uri="{FF2B5EF4-FFF2-40B4-BE49-F238E27FC236}">
-                <a16:creationId xmlns:a16="http://schemas.microsoft.com/office/drawing/2014/main" xmlns="" id="{EB17C270-45DA-420A-A5CC-3782A3552124}"/>
+                <a16:creationId xmlns="" xmlns:a16="http://schemas.microsoft.com/office/drawing/2014/main" id="{EB17C270-45DA-420A-A5CC-3782A3552124}"/>
               </a:ext>
             </a:extLst>
           </p:cNvPr>
@@ -8903,7 +9223,7 @@
           <p:cNvPr id="2" name="Title 1">
             <a:extLst>
               <a:ext uri="{FF2B5EF4-FFF2-40B4-BE49-F238E27FC236}">
-                <a16:creationId xmlns:a16="http://schemas.microsoft.com/office/drawing/2014/main" xmlns="" id="{2AC561B9-FF41-4580-8FA9-F43F100516E7}"/>
+                <a16:creationId xmlns="" xmlns:a16="http://schemas.microsoft.com/office/drawing/2014/main" id="{2AC561B9-FF41-4580-8FA9-F43F100516E7}"/>
               </a:ext>
             </a:extLst>
           </p:cNvPr>
@@ -8936,7 +9256,7 @@
           <p:cNvPr id="3" name="Content Placeholder 2">
             <a:extLst>
               <a:ext uri="{FF2B5EF4-FFF2-40B4-BE49-F238E27FC236}">
-                <a16:creationId xmlns:a16="http://schemas.microsoft.com/office/drawing/2014/main" xmlns="" id="{E4BBCB85-D0B1-4179-87C1-E19B311558BC}"/>
+                <a16:creationId xmlns="" xmlns:a16="http://schemas.microsoft.com/office/drawing/2014/main" id="{E4BBCB85-D0B1-4179-87C1-E19B311558BC}"/>
               </a:ext>
             </a:extLst>
           </p:cNvPr>
@@ -9069,7 +9389,7 @@
           <p:cNvPr id="4" name="Title 1">
             <a:extLst>
               <a:ext uri="{FF2B5EF4-FFF2-40B4-BE49-F238E27FC236}">
-                <a16:creationId xmlns:a16="http://schemas.microsoft.com/office/drawing/2014/main" xmlns="" id="{BC69DFA4-F03D-47FB-A0E9-DB980B075D8B}"/>
+                <a16:creationId xmlns="" xmlns:a16="http://schemas.microsoft.com/office/drawing/2014/main" id="{BC69DFA4-F03D-47FB-A0E9-DB980B075D8B}"/>
               </a:ext>
             </a:extLst>
           </p:cNvPr>
@@ -9123,7 +9443,7 @@
           <p:cNvPr id="5" name="Content Placeholder 2">
             <a:extLst>
               <a:ext uri="{FF2B5EF4-FFF2-40B4-BE49-F238E27FC236}">
-                <a16:creationId xmlns:a16="http://schemas.microsoft.com/office/drawing/2014/main" xmlns="" id="{A8F6FE04-A580-4B92-9F32-B833961BC453}"/>
+                <a16:creationId xmlns="" xmlns:a16="http://schemas.microsoft.com/office/drawing/2014/main" id="{A8F6FE04-A580-4B92-9F32-B833961BC453}"/>
               </a:ext>
             </a:extLst>
           </p:cNvPr>
@@ -9451,7 +9771,7 @@
           <p:cNvPr id="2" name="Title 1">
             <a:extLst>
               <a:ext uri="{FF2B5EF4-FFF2-40B4-BE49-F238E27FC236}">
-                <a16:creationId xmlns:a16="http://schemas.microsoft.com/office/drawing/2014/main" xmlns="" id="{2AC561B9-FF41-4580-8FA9-F43F100516E7}"/>
+                <a16:creationId xmlns="" xmlns:a16="http://schemas.microsoft.com/office/drawing/2014/main" id="{2AC561B9-FF41-4580-8FA9-F43F100516E7}"/>
               </a:ext>
             </a:extLst>
           </p:cNvPr>
@@ -9488,7 +9808,7 @@
           <p:cNvPr id="3" name="Content Placeholder 2">
             <a:extLst>
               <a:ext uri="{FF2B5EF4-FFF2-40B4-BE49-F238E27FC236}">
-                <a16:creationId xmlns:a16="http://schemas.microsoft.com/office/drawing/2014/main" xmlns="" id="{E4BBCB85-D0B1-4179-87C1-E19B311558BC}"/>
+                <a16:creationId xmlns="" xmlns:a16="http://schemas.microsoft.com/office/drawing/2014/main" id="{E4BBCB85-D0B1-4179-87C1-E19B311558BC}"/>
               </a:ext>
             </a:extLst>
           </p:cNvPr>
@@ -9610,7 +9930,7 @@
           <p:cNvPr id="2" name="Title 1">
             <a:extLst>
               <a:ext uri="{FF2B5EF4-FFF2-40B4-BE49-F238E27FC236}">
-                <a16:creationId xmlns:a16="http://schemas.microsoft.com/office/drawing/2014/main" xmlns="" id="{556FE829-20DB-4FB3-8A9D-EB99BC1FD9C6}"/>
+                <a16:creationId xmlns="" xmlns:a16="http://schemas.microsoft.com/office/drawing/2014/main" id="{556FE829-20DB-4FB3-8A9D-EB99BC1FD9C6}"/>
               </a:ext>
             </a:extLst>
           </p:cNvPr>
@@ -9642,7 +9962,7 @@
           <p:cNvPr id="3" name="Content Placeholder 2">
             <a:extLst>
               <a:ext uri="{FF2B5EF4-FFF2-40B4-BE49-F238E27FC236}">
-                <a16:creationId xmlns:a16="http://schemas.microsoft.com/office/drawing/2014/main" xmlns="" id="{8498BF82-36D7-48C6-8463-A47CB522F514}"/>
+                <a16:creationId xmlns="" xmlns:a16="http://schemas.microsoft.com/office/drawing/2014/main" id="{8498BF82-36D7-48C6-8463-A47CB522F514}"/>
               </a:ext>
             </a:extLst>
           </p:cNvPr>
@@ -9781,7 +10101,7 @@
           <p:cNvPr id="2" name="Title 1">
             <a:extLst>
               <a:ext uri="{FF2B5EF4-FFF2-40B4-BE49-F238E27FC236}">
-                <a16:creationId xmlns:a16="http://schemas.microsoft.com/office/drawing/2014/main" xmlns="" id="{84EEC1A3-E984-4881-B54A-F1C5E73F7696}"/>
+                <a16:creationId xmlns="" xmlns:a16="http://schemas.microsoft.com/office/drawing/2014/main" id="{84EEC1A3-E984-4881-B54A-F1C5E73F7696}"/>
               </a:ext>
             </a:extLst>
           </p:cNvPr>
@@ -9809,7 +10129,7 @@
           <p:cNvPr id="3" name="Content Placeholder 2">
             <a:extLst>
               <a:ext uri="{FF2B5EF4-FFF2-40B4-BE49-F238E27FC236}">
-                <a16:creationId xmlns:a16="http://schemas.microsoft.com/office/drawing/2014/main" xmlns="" id="{6454B748-3B9E-49AD-A4D5-FC6C95CAE875}"/>
+                <a16:creationId xmlns="" xmlns:a16="http://schemas.microsoft.com/office/drawing/2014/main" id="{6454B748-3B9E-49AD-A4D5-FC6C95CAE875}"/>
               </a:ext>
             </a:extLst>
           </p:cNvPr>
@@ -9822,7 +10142,9 @@
         </p:nvSpPr>
         <p:spPr/>
         <p:txBody>
-          <a:bodyPr/>
+          <a:bodyPr>
+            <a:normAutofit/>
+          </a:bodyPr>
           <a:lstStyle/>
           <a:p>
             <a:pPr>
@@ -9830,26 +10152,30 @@
               <a:buChar char="-"/>
             </a:pPr>
             <a:r>
-              <a:rPr lang="en-US" dirty="0" err="1"/>
-              <a:t>Masukin</a:t>
-            </a:r>
-            <a:r>
-              <a:rPr lang="en-US" dirty="0"/>
-              <a:t> link Kaggle dan </a:t>
-            </a:r>
-            <a:r>
-              <a:rPr lang="en-US" dirty="0" err="1"/>
-              <a:t>deskripsi</a:t>
-            </a:r>
-            <a:r>
-              <a:rPr lang="en-US" dirty="0"/>
-              <a:t> case </a:t>
-            </a:r>
-            <a:r>
-              <a:rPr lang="en-US" dirty="0" err="1"/>
-              <a:t>tersebut</a:t>
-            </a:r>
-            <a:endParaRPr lang="en-US" dirty="0"/>
+              <a:rPr lang="en-US" sz="2400" dirty="0" smtClean="0"/>
+              <a:t>Dataset used was bank marketing campaign dataset from </a:t>
+            </a:r>
+            <a:r>
+              <a:rPr lang="en-US" sz="2400" dirty="0" err="1" smtClean="0"/>
+              <a:t>Kaggle</a:t>
+            </a:r>
+            <a:r>
+              <a:rPr lang="en-US" sz="2400" dirty="0" smtClean="0"/>
+              <a:t> </a:t>
+            </a:r>
+            <a:r>
+              <a:rPr lang="en-US" sz="2400" dirty="0" smtClean="0"/>
+              <a:t>(https</a:t>
+            </a:r>
+            <a:r>
+              <a:rPr lang="en-US" sz="2400" dirty="0"/>
+              <a:t>://</a:t>
+            </a:r>
+            <a:r>
+              <a:rPr lang="en-US" sz="2400" dirty="0" smtClean="0"/>
+              <a:t>www.kaggle.com/volodymyrgavrysh/bank-marketing-campaigns-dataset)</a:t>
+            </a:r>
+            <a:endParaRPr lang="en-US" sz="2400" dirty="0"/>
           </a:p>
           <a:p>
             <a:pPr>
@@ -9857,37 +10183,143 @@
               <a:buChar char="-"/>
             </a:pPr>
             <a:r>
-              <a:rPr lang="en-US" dirty="0" err="1"/>
-              <a:t>Deskripsi</a:t>
-            </a:r>
-            <a:r>
-              <a:rPr lang="en-US" dirty="0"/>
-              <a:t> features (</a:t>
-            </a:r>
-            <a:r>
-              <a:rPr lang="en-US" dirty="0" err="1"/>
-              <a:t>sekalian</a:t>
-            </a:r>
-            <a:r>
-              <a:rPr lang="en-US" dirty="0"/>
-              <a:t> </a:t>
-            </a:r>
-            <a:r>
-              <a:rPr lang="en-US" dirty="0" err="1"/>
-              <a:t>tunjukin</a:t>
-            </a:r>
-            <a:r>
-              <a:rPr lang="en-US" dirty="0"/>
-              <a:t> </a:t>
-            </a:r>
-            <a:r>
-              <a:rPr lang="en-US" dirty="0" err="1"/>
-              <a:t>yng</a:t>
-            </a:r>
-            <a:r>
-              <a:rPr lang="en-US" dirty="0"/>
-              <a:t> numerical dan categorical)</a:t>
-            </a:r>
+              <a:rPr lang="en-US" sz="2400" dirty="0" smtClean="0"/>
+              <a:t>Features Description</a:t>
+            </a:r>
+          </a:p>
+          <a:p>
+            <a:pPr lvl="1"/>
+            <a:r>
+              <a:rPr lang="en-US" sz="2000" dirty="0" smtClean="0"/>
+              <a:t>Bank </a:t>
+            </a:r>
+            <a:r>
+              <a:rPr lang="en-US" sz="2000" dirty="0"/>
+              <a:t>client data:</a:t>
+            </a:r>
+          </a:p>
+          <a:p>
+            <a:pPr lvl="2"/>
+            <a:r>
+              <a:rPr lang="en-US" sz="1600" dirty="0" smtClean="0"/>
+              <a:t>Age (numerical continuous)</a:t>
+            </a:r>
+            <a:endParaRPr lang="en-US" sz="1600" dirty="0"/>
+          </a:p>
+          <a:p>
+            <a:pPr lvl="2"/>
+            <a:r>
+              <a:rPr lang="en-US" sz="1600" dirty="0" smtClean="0"/>
+              <a:t>Job </a:t>
+            </a:r>
+            <a:r>
+              <a:rPr lang="en-US" sz="1600" dirty="0"/>
+              <a:t>: type of job (categorical: "</a:t>
+            </a:r>
+            <a:r>
+              <a:rPr lang="en-US" sz="1600" dirty="0" err="1"/>
+              <a:t>admin.","blue-collar","entrepreneur</a:t>
+            </a:r>
+            <a:r>
+              <a:rPr lang="en-US" sz="1600" dirty="0"/>
+              <a:t>",...,"unknown")</a:t>
+            </a:r>
+          </a:p>
+          <a:p>
+            <a:pPr lvl="2"/>
+            <a:r>
+              <a:rPr lang="en-US" sz="1600" dirty="0" smtClean="0"/>
+              <a:t>Marital </a:t>
+            </a:r>
+            <a:r>
+              <a:rPr lang="en-US" sz="1600" dirty="0"/>
+              <a:t>: marital status (categorical: "</a:t>
+            </a:r>
+            <a:r>
+              <a:rPr lang="en-US" sz="1600" dirty="0" err="1"/>
+              <a:t>divorced","married","single","unknown</a:t>
+            </a:r>
+            <a:r>
+              <a:rPr lang="en-US" sz="1600" dirty="0"/>
+              <a:t>")</a:t>
+            </a:r>
+          </a:p>
+          <a:p>
+            <a:pPr lvl="2"/>
+            <a:r>
+              <a:rPr lang="en-US" sz="1600" dirty="0" smtClean="0"/>
+              <a:t>Education </a:t>
+            </a:r>
+            <a:r>
+              <a:rPr lang="en-US" sz="1600" dirty="0"/>
+              <a:t>: (categorical: "illiterate",...,"</a:t>
+            </a:r>
+            <a:r>
+              <a:rPr lang="en-US" sz="1600" dirty="0" err="1"/>
+              <a:t>university.degree","unknown</a:t>
+            </a:r>
+            <a:r>
+              <a:rPr lang="en-US" sz="1600" dirty="0"/>
+              <a:t>")</a:t>
+            </a:r>
+          </a:p>
+          <a:p>
+            <a:pPr lvl="2"/>
+            <a:r>
+              <a:rPr lang="en-US" sz="1600" dirty="0" smtClean="0"/>
+              <a:t>Default: </a:t>
+            </a:r>
+            <a:r>
+              <a:rPr lang="en-US" sz="1600" dirty="0"/>
+              <a:t>has credit in default? (categorical: "</a:t>
+            </a:r>
+            <a:r>
+              <a:rPr lang="en-US" sz="1600" dirty="0" err="1"/>
+              <a:t>no","yes","unknown</a:t>
+            </a:r>
+            <a:r>
+              <a:rPr lang="en-US" sz="1600" dirty="0"/>
+              <a:t>")</a:t>
+            </a:r>
+          </a:p>
+          <a:p>
+            <a:pPr lvl="2"/>
+            <a:r>
+              <a:rPr lang="en-US" sz="1600" dirty="0" smtClean="0"/>
+              <a:t>Housing: </a:t>
+            </a:r>
+            <a:r>
+              <a:rPr lang="en-US" sz="1600" dirty="0"/>
+              <a:t>has housing loan? (categorical: "</a:t>
+            </a:r>
+            <a:r>
+              <a:rPr lang="en-US" sz="1600" dirty="0" err="1"/>
+              <a:t>no","yes","unknown</a:t>
+            </a:r>
+            <a:r>
+              <a:rPr lang="en-US" sz="1600" dirty="0"/>
+              <a:t>")</a:t>
+            </a:r>
+          </a:p>
+          <a:p>
+            <a:pPr lvl="2"/>
+            <a:r>
+              <a:rPr lang="en-US" sz="1600" dirty="0" smtClean="0"/>
+              <a:t>Loan: </a:t>
+            </a:r>
+            <a:r>
+              <a:rPr lang="en-US" sz="1600" dirty="0"/>
+              <a:t>has personal loan? (categorical: "</a:t>
+            </a:r>
+            <a:r>
+              <a:rPr lang="en-US" sz="1600" dirty="0" err="1"/>
+              <a:t>no","yes","unknown</a:t>
+            </a:r>
+            <a:r>
+              <a:rPr lang="en-US" sz="1600" dirty="0" smtClean="0"/>
+              <a:t>")</a:t>
+            </a:r>
+            <a:endParaRPr lang="en-US" sz="1600" dirty="0"/>
           </a:p>
         </p:txBody>
       </p:sp>
@@ -9926,7 +10358,7 @@
           <p:cNvPr id="2" name="Title 1">
             <a:extLst>
               <a:ext uri="{FF2B5EF4-FFF2-40B4-BE49-F238E27FC236}">
-                <a16:creationId xmlns:a16="http://schemas.microsoft.com/office/drawing/2014/main" xmlns="" id="{84EEC1A3-E984-4881-B54A-F1C5E73F7696}"/>
+                <a16:creationId xmlns="" xmlns:a16="http://schemas.microsoft.com/office/drawing/2014/main" id="{84EEC1A3-E984-4881-B54A-F1C5E73F7696}"/>
               </a:ext>
             </a:extLst>
           </p:cNvPr>
@@ -9943,10 +10375,9 @@
           <a:lstStyle/>
           <a:p>
             <a:r>
-              <a:rPr lang="en-US" dirty="0" err="1"/>
-              <a:t>Skenario</a:t>
-            </a:r>
-            <a:endParaRPr lang="en-US" dirty="0"/>
+              <a:rPr lang="en-US" dirty="0"/>
+              <a:t>Dataset &amp; Case</a:t>
+            </a:r>
           </a:p>
         </p:txBody>
       </p:sp>
@@ -9955,7 +10386,7 @@
           <p:cNvPr id="3" name="Content Placeholder 2">
             <a:extLst>
               <a:ext uri="{FF2B5EF4-FFF2-40B4-BE49-F238E27FC236}">
-                <a16:creationId xmlns:a16="http://schemas.microsoft.com/office/drawing/2014/main" xmlns="" id="{6454B748-3B9E-49AD-A4D5-FC6C95CAE875}"/>
+                <a16:creationId xmlns="" xmlns:a16="http://schemas.microsoft.com/office/drawing/2014/main" id="{6454B748-3B9E-49AD-A4D5-FC6C95CAE875}"/>
               </a:ext>
             </a:extLst>
           </p:cNvPr>
@@ -9968,84 +10399,233 @@
         </p:nvSpPr>
         <p:spPr/>
         <p:txBody>
-          <a:bodyPr/>
+          <a:bodyPr>
+            <a:normAutofit fontScale="32500" lnSpcReduction="20000"/>
+          </a:bodyPr>
           <a:lstStyle/>
           <a:p>
             <a:pPr>
               <a:buFontTx/>
               <a:buChar char="-"/>
             </a:pPr>
-            <a:r>
-              <a:rPr lang="en-US" dirty="0" err="1"/>
-              <a:t>Skenario</a:t>
-            </a:r>
-            <a:r>
-              <a:rPr lang="en-US" dirty="0"/>
-              <a:t> </a:t>
-            </a:r>
-            <a:r>
-              <a:rPr lang="en-US" dirty="0" err="1"/>
-              <a:t>Businesss</a:t>
-            </a:r>
-            <a:r>
-              <a:rPr lang="en-US" dirty="0"/>
-              <a:t> (</a:t>
-            </a:r>
-            <a:r>
-              <a:rPr lang="en-US" dirty="0" err="1"/>
-              <a:t>fokuskan</a:t>
-            </a:r>
-            <a:r>
-              <a:rPr lang="en-US" dirty="0"/>
-              <a:t> pada </a:t>
-            </a:r>
-            <a:r>
-              <a:rPr lang="en-US" dirty="0" err="1"/>
-              <a:t>si</a:t>
-            </a:r>
-            <a:r>
-              <a:rPr lang="en-US" dirty="0"/>
-              <a:t> concern </a:t>
-            </a:r>
-            <a:r>
-              <a:rPr lang="en-US" dirty="0" err="1"/>
-              <a:t>tim</a:t>
-            </a:r>
-            <a:r>
-              <a:rPr lang="en-US" dirty="0"/>
-              <a:t> marketing </a:t>
-            </a:r>
-            <a:r>
-              <a:rPr lang="en-US" dirty="0" err="1"/>
-              <a:t>dalam</a:t>
-            </a:r>
-            <a:r>
-              <a:rPr lang="en-US" dirty="0"/>
-              <a:t> </a:t>
-            </a:r>
-            <a:r>
-              <a:rPr lang="en-US" dirty="0" err="1"/>
-              <a:t>menekan</a:t>
-            </a:r>
-            <a:r>
-              <a:rPr lang="en-US" dirty="0"/>
-              <a:t> </a:t>
-            </a:r>
-            <a:r>
-              <a:rPr lang="en-US" dirty="0" err="1"/>
-              <a:t>biaya</a:t>
-            </a:r>
-            <a:r>
-              <a:rPr lang="en-US" dirty="0"/>
-              <a:t>/cost)</a:t>
-            </a:r>
+            <a:endParaRPr lang="en-US" dirty="0"/>
+          </a:p>
+          <a:p>
+            <a:pPr lvl="1"/>
+            <a:r>
+              <a:rPr lang="en-US" sz="6000" dirty="0" smtClean="0"/>
+              <a:t>Related </a:t>
+            </a:r>
+            <a:r>
+              <a:rPr lang="en-US" sz="6000" dirty="0"/>
+              <a:t>with the last contact of the current campaign:</a:t>
+            </a:r>
+          </a:p>
+          <a:p>
+            <a:pPr lvl="2"/>
+            <a:r>
+              <a:rPr lang="en-US" sz="5000" dirty="0" smtClean="0"/>
+              <a:t>Contact: </a:t>
+            </a:r>
+            <a:r>
+              <a:rPr lang="en-US" sz="5000" dirty="0"/>
+              <a:t>contact communication type (categorical: "</a:t>
+            </a:r>
+            <a:r>
+              <a:rPr lang="en-US" sz="5000" dirty="0" err="1"/>
+              <a:t>cellular","telephone</a:t>
+            </a:r>
+            <a:r>
+              <a:rPr lang="en-US" sz="5000" dirty="0"/>
+              <a:t>")</a:t>
+            </a:r>
+          </a:p>
+          <a:p>
+            <a:pPr lvl="2"/>
+            <a:r>
+              <a:rPr lang="en-US" sz="5000" dirty="0" smtClean="0"/>
+              <a:t>Month: </a:t>
+            </a:r>
+            <a:r>
+              <a:rPr lang="en-US" sz="5000" dirty="0"/>
+              <a:t>last contact month of year (categorical: "</a:t>
+            </a:r>
+            <a:r>
+              <a:rPr lang="en-US" sz="5000" dirty="0" err="1"/>
+              <a:t>jan</a:t>
+            </a:r>
+            <a:r>
+              <a:rPr lang="en-US" sz="5000" dirty="0"/>
+              <a:t>", …, "</a:t>
+            </a:r>
+            <a:r>
+              <a:rPr lang="en-US" sz="5000" dirty="0" err="1"/>
+              <a:t>nov</a:t>
+            </a:r>
+            <a:r>
+              <a:rPr lang="en-US" sz="5000" dirty="0"/>
+              <a:t>", "</a:t>
+            </a:r>
+            <a:r>
+              <a:rPr lang="en-US" sz="5000" dirty="0" err="1"/>
+              <a:t>dec</a:t>
+            </a:r>
+            <a:r>
+              <a:rPr lang="en-US" sz="5000" dirty="0"/>
+              <a:t>")</a:t>
+            </a:r>
+          </a:p>
+          <a:p>
+            <a:pPr lvl="2"/>
+            <a:r>
+              <a:rPr lang="en-US" sz="5000" dirty="0" err="1" smtClean="0"/>
+              <a:t>Dayofweek</a:t>
+            </a:r>
+            <a:r>
+              <a:rPr lang="en-US" sz="5000" dirty="0" smtClean="0"/>
+              <a:t>: </a:t>
+            </a:r>
+            <a:r>
+              <a:rPr lang="en-US" sz="5000" dirty="0"/>
+              <a:t>last contact day of the week (categorical: "mon","</a:t>
+            </a:r>
+            <a:r>
+              <a:rPr lang="en-US" sz="5000" dirty="0" err="1"/>
+              <a:t>tue</a:t>
+            </a:r>
+            <a:r>
+              <a:rPr lang="en-US" sz="5000" dirty="0"/>
+              <a:t>",...)</a:t>
+            </a:r>
+          </a:p>
+          <a:p>
+            <a:pPr lvl="2"/>
+            <a:r>
+              <a:rPr lang="en-US" sz="5000" dirty="0" smtClean="0"/>
+              <a:t>Duration: </a:t>
+            </a:r>
+            <a:r>
+              <a:rPr lang="en-US" sz="5000" dirty="0"/>
+              <a:t>last contact duration, in seconds (numeric).</a:t>
+            </a:r>
+          </a:p>
+          <a:p>
+            <a:pPr lvl="3"/>
+            <a:r>
+              <a:rPr lang="en-US" sz="5000" dirty="0"/>
+              <a:t>I</a:t>
+            </a:r>
+            <a:r>
+              <a:rPr lang="en-US" sz="5000" dirty="0" smtClean="0"/>
+              <a:t>mportant note: </a:t>
+            </a:r>
+            <a:r>
+              <a:rPr lang="en-US" sz="5000" dirty="0"/>
+              <a:t>this attribute highly affects the output target (e.g., if duration=0 then y="no"). , Can not get this feature before the campaign</a:t>
+            </a:r>
+          </a:p>
+          <a:p>
+            <a:pPr>
+              <a:buFontTx/>
+              <a:buChar char="-"/>
+            </a:pPr>
+            <a:endParaRPr lang="en-US" dirty="0"/>
+          </a:p>
+          <a:p>
+            <a:pPr lvl="1"/>
+            <a:r>
+              <a:rPr lang="en-US" sz="6000" dirty="0" smtClean="0"/>
+              <a:t>Other attributes</a:t>
+            </a:r>
+            <a:r>
+              <a:rPr lang="en-US" sz="6000" dirty="0"/>
+              <a:t>:</a:t>
+            </a:r>
+          </a:p>
+          <a:p>
+            <a:pPr lvl="2"/>
+            <a:r>
+              <a:rPr lang="en-US" sz="5000" dirty="0" smtClean="0"/>
+              <a:t>Campaign: </a:t>
+            </a:r>
+            <a:r>
+              <a:rPr lang="en-US" sz="5000" dirty="0"/>
+              <a:t>number of contacts performed during this campaign and for this client (numeric, includes last contact)</a:t>
+            </a:r>
+          </a:p>
+          <a:p>
+            <a:pPr lvl="3"/>
+            <a:r>
+              <a:rPr lang="en-US" sz="5000" dirty="0" smtClean="0"/>
+              <a:t>Important note: </a:t>
+            </a:r>
+            <a:r>
+              <a:rPr lang="en-US" sz="5000" dirty="0"/>
+              <a:t>Can not get this feature before the campaign</a:t>
+            </a:r>
+          </a:p>
+          <a:p>
+            <a:pPr lvl="2"/>
+            <a:r>
+              <a:rPr lang="en-US" sz="5000" dirty="0" err="1" smtClean="0"/>
+              <a:t>Pdays</a:t>
+            </a:r>
+            <a:r>
+              <a:rPr lang="en-US" sz="5000" dirty="0" smtClean="0"/>
+              <a:t>: </a:t>
+            </a:r>
+            <a:r>
+              <a:rPr lang="en-US" sz="5000" dirty="0"/>
+              <a:t>number of days that passed by after the client was last contacted from a previous campaign (numeric; 999 means client was not previously contacted)</a:t>
+            </a:r>
+          </a:p>
+          <a:p>
+            <a:pPr lvl="2"/>
+            <a:r>
+              <a:rPr lang="en-US" sz="5000" dirty="0" smtClean="0"/>
+              <a:t>Previous: </a:t>
+            </a:r>
+            <a:r>
+              <a:rPr lang="en-US" sz="5000" dirty="0"/>
+              <a:t>number of contacts performed before this campaign and for this client (numeric)</a:t>
+            </a:r>
+          </a:p>
+          <a:p>
+            <a:pPr lvl="2"/>
+            <a:r>
+              <a:rPr lang="en-US" sz="5000" dirty="0" err="1" smtClean="0"/>
+              <a:t>Poutcome</a:t>
+            </a:r>
+            <a:r>
+              <a:rPr lang="en-US" sz="5000" dirty="0" smtClean="0"/>
+              <a:t>: </a:t>
+            </a:r>
+            <a:r>
+              <a:rPr lang="en-US" sz="5000" dirty="0"/>
+              <a:t>outcome of the previous marketing campaign (categorical: "</a:t>
+            </a:r>
+            <a:r>
+              <a:rPr lang="en-US" sz="5000" dirty="0" err="1"/>
+              <a:t>failure","nonexistent","success</a:t>
+            </a:r>
+            <a:r>
+              <a:rPr lang="en-US" sz="5000" dirty="0"/>
+              <a:t>")</a:t>
+            </a:r>
+          </a:p>
+          <a:p>
+            <a:pPr>
+              <a:buFontTx/>
+              <a:buChar char="-"/>
+            </a:pPr>
+            <a:endParaRPr lang="en-US" dirty="0"/>
           </a:p>
         </p:txBody>
       </p:sp>
     </p:spTree>
     <p:extLst>
       <p:ext uri="{BB962C8B-B14F-4D97-AF65-F5344CB8AC3E}">
-        <p14:creationId xmlns:p14="http://schemas.microsoft.com/office/powerpoint/2010/main" val="2956074595"/>
+        <p14:creationId xmlns:p14="http://schemas.microsoft.com/office/powerpoint/2010/main" val="3114688720"/>
       </p:ext>
     </p:extLst>
   </p:cSld>
